--- a/rapport/lot1_presentation.pptx
+++ b/rapport/lot1_presentation.pptx
@@ -1,8 +1,8 @@
 
 <file path=ppt/presentation.xml><?xml version="1.0" encoding="utf-8"?>
-<p:presentation xmlns:a="http://schemas.openxmlformats.org/drawingml/2006/main" xmlns:r="http://schemas.openxmlformats.org/officeDocument/2006/relationships" xmlns:p="http://schemas.openxmlformats.org/presentationml/2006/main" saveSubsetFonts="1">
+<p:presentation xmlns:a="http://schemas.openxmlformats.org/drawingml/2006/main" xmlns:r="http://schemas.openxmlformats.org/officeDocument/2006/relationships" xmlns:p="http://schemas.openxmlformats.org/presentationml/2006/main">
   <p:sldMasterIdLst>
-    <p:sldMasterId id="2147483660" r:id="rId1"/>
+    <p:sldMasterId id="2147483648" r:id="rId1"/>
   </p:sldMasterIdLst>
   <p:notesMasterIdLst>
     <p:notesMasterId r:id="rId14"/>
@@ -256,7 +256,7 @@
 </file>
 
 <file path=ppt/charts/chart1.xml><?xml version="1.0" encoding="utf-8"?>
-<c:chartSpace xmlns:c="http://schemas.openxmlformats.org/drawingml/2006/chart" xmlns:a="http://schemas.openxmlformats.org/drawingml/2006/main" xmlns:r="http://schemas.openxmlformats.org/officeDocument/2006/relationships">
+<c:chartSpace xmlns:c="http://schemas.openxmlformats.org/drawingml/2006/chart" xmlns:a="http://schemas.openxmlformats.org/drawingml/2006/main" xmlns:r="http://schemas.openxmlformats.org/officeDocument/2006/relationships" xmlns:c16r2="http://schemas.microsoft.com/office/drawing/2015/06/chart">
   <c:date1904 val="0"/>
   <c:lang val="zh-CN"/>
   <c:roundedCorners val="0"/>
@@ -276,7 +276,7 @@
           <a:lstStyle/>
           <a:p>
             <a:pPr>
-              <a:defRPr sz="1400" b="0" i="0" u="none" strike="noStrike" kern="1200" spc="0" baseline="0">
+              <a:defRPr lang="zh-CN" sz="1400" b="0" i="0" u="none" strike="noStrike" kern="1200" spc="0" baseline="0">
                 <a:solidFill>
                   <a:schemeClr val="tx1">
                     <a:lumMod val="65000"/>
@@ -289,18 +289,17 @@
               </a:defRPr>
             </a:pPr>
             <a:r>
-              <a:rPr lang="en-US" sz="1400" b="1" i="0" cap="all" baseline="0">
+              <a:rPr lang="en-US" sz="1400" b="1" i="0" cap="all" baseline="0" dirty="0">
                 <a:effectLst/>
               </a:rPr>
               <a:t>AUC pour # MAXIMAL Des POINTs CARACTERISTIQUES DIFFERENT</a:t>
             </a:r>
-            <a:endParaRPr lang="en-US" sz="1100">
+            <a:endParaRPr lang="en-US" sz="1100" dirty="0">
               <a:effectLst/>
             </a:endParaRPr>
           </a:p>
         </c:rich>
       </c:tx>
-      <c:layout/>
       <c:overlay val="0"/>
       <c:spPr>
         <a:noFill/>
@@ -314,7 +313,7 @@
         <a:lstStyle/>
         <a:p>
           <a:pPr>
-            <a:defRPr sz="1400" b="0" i="0" u="none" strike="noStrike" kern="1200" spc="0" baseline="0">
+            <a:defRPr lang="zh-CN" sz="1400" b="0" i="0" u="none" strike="noStrike" kern="1200" spc="0" baseline="0">
               <a:solidFill>
                 <a:schemeClr val="tx1">
                   <a:lumMod val="65000"/>
@@ -326,7 +325,7 @@
               <a:cs typeface="+mn-cs"/>
             </a:defRPr>
           </a:pPr>
-          <a:endParaRPr lang="en-US"/>
+          <a:endParaRPr lang="zh-CN"/>
         </a:p>
       </c:txPr>
     </c:title>
@@ -337,10 +336,10 @@
           <c:layoutTarget val="inner"/>
           <c:xMode val="edge"/>
           <c:yMode val="edge"/>
-          <c:x val="0.14371594639778937"/>
-          <c:y val="0.44484126984126982"/>
-          <c:w val="0.82603102829968034"/>
-          <c:h val="0.41853362079740031"/>
+          <c:x val="0.14371594639778901"/>
+          <c:y val="0.44484126984126998"/>
+          <c:w val="0.82603102829968"/>
+          <c:h val="0.41853362079739997"/>
         </c:manualLayout>
       </c:layout>
       <c:lineChart>
@@ -463,6 +462,11 @@
             </c:numRef>
           </c:val>
           <c:smooth val="0"/>
+          <c:extLst>
+            <c:ext xmlns:c16="http://schemas.microsoft.com/office/drawing/2014/chart" uri="{C3380CC4-5D6E-409C-BE32-E72D297353CC}">
+              <c16:uniqueId val="{00000000-028B-4A26-85FE-321B0D697AF6}"/>
+            </c:ext>
+          </c:extLst>
         </c:ser>
         <c:ser>
           <c:idx val="1"/>
@@ -581,6 +585,11 @@
             </c:numRef>
           </c:val>
           <c:smooth val="0"/>
+          <c:extLst>
+            <c:ext xmlns:c16="http://schemas.microsoft.com/office/drawing/2014/chart" uri="{C3380CC4-5D6E-409C-BE32-E72D297353CC}">
+              <c16:uniqueId val="{00000001-028B-4A26-85FE-321B0D697AF6}"/>
+            </c:ext>
+          </c:extLst>
         </c:ser>
         <c:ser>
           <c:idx val="2"/>
@@ -699,6 +708,11 @@
             </c:numRef>
           </c:val>
           <c:smooth val="0"/>
+          <c:extLst>
+            <c:ext xmlns:c16="http://schemas.microsoft.com/office/drawing/2014/chart" uri="{C3380CC4-5D6E-409C-BE32-E72D297353CC}">
+              <c16:uniqueId val="{00000002-028B-4A26-85FE-321B0D697AF6}"/>
+            </c:ext>
+          </c:extLst>
         </c:ser>
         <c:dLbls>
           <c:showLegendKey val="0"/>
@@ -727,7 +741,7 @@
               <a:lstStyle/>
               <a:p>
                 <a:pPr>
-                  <a:defRPr sz="1000" b="0" i="0" u="none" strike="noStrike" kern="1200" baseline="0">
+                  <a:defRPr lang="zh-CN" sz="1000" b="0" i="0" u="none" strike="noStrike" kern="1200" baseline="0">
                     <a:solidFill>
                       <a:schemeClr val="tx1">
                         <a:lumMod val="65000"/>
@@ -747,7 +761,6 @@
               </a:p>
             </c:rich>
           </c:tx>
-          <c:layout/>
           <c:overlay val="0"/>
           <c:spPr>
             <a:noFill/>
@@ -761,7 +774,7 @@
             <a:lstStyle/>
             <a:p>
               <a:pPr>
-                <a:defRPr sz="1000" b="0" i="0" u="none" strike="noStrike" kern="1200" baseline="0">
+                <a:defRPr lang="zh-CN" sz="1000" b="0" i="0" u="none" strike="noStrike" kern="1200" baseline="0">
                   <a:solidFill>
                     <a:schemeClr val="tx1">
                       <a:lumMod val="65000"/>
@@ -773,7 +786,7 @@
                   <a:cs typeface="+mn-cs"/>
                 </a:defRPr>
               </a:pPr>
-              <a:endParaRPr lang="en-US"/>
+              <a:endParaRPr lang="zh-CN"/>
             </a:p>
           </c:txPr>
         </c:title>
@@ -799,7 +812,7 @@
           <a:lstStyle/>
           <a:p>
             <a:pPr>
-              <a:defRPr sz="900" b="0" i="0" u="none" strike="noStrike" kern="1200" baseline="0">
+              <a:defRPr lang="zh-CN" sz="900" b="0" i="0" u="none" strike="noStrike" kern="1200" baseline="0">
                 <a:solidFill>
                   <a:schemeClr val="tx1">
                     <a:lumMod val="65000"/>
@@ -811,7 +824,7 @@
                 <a:cs typeface="+mn-cs"/>
               </a:defRPr>
             </a:pPr>
-            <a:endParaRPr lang="en-US"/>
+            <a:endParaRPr lang="zh-CN"/>
           </a:p>
         </c:txPr>
         <c:crossAx val="279372848"/>
@@ -849,7 +862,7 @@
               <a:lstStyle/>
               <a:p>
                 <a:pPr>
-                  <a:defRPr sz="1000" b="0" i="0" u="none" strike="noStrike" kern="1200" baseline="0">
+                  <a:defRPr lang="zh-CN" sz="1000" b="0" i="0" u="none" strike="noStrike" kern="1200" baseline="0">
                     <a:solidFill>
                       <a:schemeClr val="tx1">
                         <a:lumMod val="65000"/>
@@ -869,7 +882,6 @@
               </a:p>
             </c:rich>
           </c:tx>
-          <c:layout/>
           <c:overlay val="0"/>
           <c:spPr>
             <a:noFill/>
@@ -883,7 +895,7 @@
             <a:lstStyle/>
             <a:p>
               <a:pPr>
-                <a:defRPr sz="1000" b="0" i="0" u="none" strike="noStrike" kern="1200" baseline="0">
+                <a:defRPr lang="zh-CN" sz="1000" b="0" i="0" u="none" strike="noStrike" kern="1200" baseline="0">
                   <a:solidFill>
                     <a:schemeClr val="tx1">
                       <a:lumMod val="65000"/>
@@ -895,7 +907,7 @@
                   <a:cs typeface="+mn-cs"/>
                 </a:defRPr>
               </a:pPr>
-              <a:endParaRPr lang="en-US"/>
+              <a:endParaRPr lang="zh-CN"/>
             </a:p>
           </c:txPr>
         </c:title>
@@ -915,7 +927,7 @@
           <a:lstStyle/>
           <a:p>
             <a:pPr>
-              <a:defRPr sz="900" b="0" i="0" u="none" strike="noStrike" kern="1200" baseline="0">
+              <a:defRPr lang="zh-CN" sz="900" b="0" i="0" u="none" strike="noStrike" kern="1200" baseline="0">
                 <a:solidFill>
                   <a:schemeClr val="tx1">
                     <a:lumMod val="65000"/>
@@ -927,7 +939,7 @@
                 <a:cs typeface="+mn-cs"/>
               </a:defRPr>
             </a:pPr>
-            <a:endParaRPr lang="en-US"/>
+            <a:endParaRPr lang="zh-CN"/>
           </a:p>
         </c:txPr>
         <c:crossAx val="279370672"/>
@@ -948,10 +960,10 @@
         <c:manualLayout>
           <c:xMode val="edge"/>
           <c:yMode val="edge"/>
-          <c:x val="0.28016163821106521"/>
-          <c:y val="0.27797806524184471"/>
-          <c:w val="0.48368112401791358"/>
-          <c:h val="8.8904835892168993E-2"/>
+          <c:x val="0.28016163821106499"/>
+          <c:y val="0.27797806524184498"/>
+          <c:w val="0.48368112401791402"/>
+          <c:h val="8.8904835892169007E-2"/>
         </c:manualLayout>
       </c:layout>
       <c:overlay val="0"/>
@@ -967,7 +979,7 @@
         <a:lstStyle/>
         <a:p>
           <a:pPr>
-            <a:defRPr sz="900" b="0" i="0" u="none" strike="noStrike" kern="1200" baseline="0">
+            <a:defRPr lang="zh-CN" sz="900" b="0" i="0" u="none" strike="noStrike" kern="1200" baseline="0">
               <a:solidFill>
                 <a:schemeClr val="tx1">
                   <a:lumMod val="65000"/>
@@ -979,7 +991,7 @@
               <a:cs typeface="+mn-cs"/>
             </a:defRPr>
           </a:pPr>
-          <a:endParaRPr lang="en-US"/>
+          <a:endParaRPr lang="zh-CN"/>
         </a:p>
       </c:txPr>
     </c:legend>
@@ -999,9 +1011,9 @@
     <a:lstStyle/>
     <a:p>
       <a:pPr>
-        <a:defRPr/>
+        <a:defRPr lang="zh-CN"/>
       </a:pPr>
-      <a:endParaRPr lang="en-US"/>
+      <a:endParaRPr lang="zh-CN"/>
     </a:p>
   </c:txPr>
   <c:externalData r:id="rId3">
@@ -1011,7 +1023,7 @@
 </file>
 
 <file path=ppt/charts/chart2.xml><?xml version="1.0" encoding="utf-8"?>
-<c:chartSpace xmlns:c="http://schemas.openxmlformats.org/drawingml/2006/chart" xmlns:a="http://schemas.openxmlformats.org/drawingml/2006/main" xmlns:r="http://schemas.openxmlformats.org/officeDocument/2006/relationships">
+<c:chartSpace xmlns:c="http://schemas.openxmlformats.org/drawingml/2006/chart" xmlns:a="http://schemas.openxmlformats.org/drawingml/2006/main" xmlns:r="http://schemas.openxmlformats.org/officeDocument/2006/relationships" xmlns:c16r2="http://schemas.microsoft.com/office/drawing/2015/06/chart">
   <c:date1904 val="0"/>
   <c:lang val="zh-CN"/>
   <c:roundedCorners val="0"/>
@@ -1031,23 +1043,34 @@
           <a:lstStyle/>
           <a:p>
             <a:pPr>
-              <a:defRPr sz="1600" b="1" i="0" u="none" strike="noStrike" kern="1200" cap="all" spc="120" normalizeH="0" baseline="0">
+              <a:defRPr lang="en-US" altLang="zh-CN" sz="1400" b="1" i="0" u="none" strike="noStrike" kern="1200" cap="all" spc="0" normalizeH="0" baseline="0">
                 <a:solidFill>
-                  <a:schemeClr val="tx1">
+                  <a:prstClr val="black">
                     <a:lumMod val="65000"/>
                     <a:lumOff val="35000"/>
-                  </a:schemeClr>
+                  </a:prstClr>
                 </a:solidFill>
+                <a:effectLst/>
                 <a:latin typeface="+mn-lt"/>
                 <a:ea typeface="+mn-ea"/>
                 <a:cs typeface="+mn-cs"/>
               </a:defRPr>
             </a:pPr>
             <a:r>
-              <a:rPr lang="en-US" altLang="zh-CN" sz="900"/>
+              <a:rPr lang="en-US" altLang="zh-CN" sz="1400" b="1" i="0" u="none" strike="noStrike" kern="1200" cap="all" spc="0" baseline="0">
+                <a:solidFill>
+                  <a:prstClr val="black">
+                    <a:lumMod val="65000"/>
+                    <a:lumOff val="35000"/>
+                  </a:prstClr>
+                </a:solidFill>
+                <a:effectLst/>
+                <a:latin typeface="+mn-lt"/>
+                <a:ea typeface="+mn-ea"/>
+                <a:cs typeface="+mn-cs"/>
+              </a:rPr>
               <a:t>AUC pour la quantité des clusters différentE</a:t>
             </a:r>
-            <a:endParaRPr lang="zh-CN" sz="900"/>
           </a:p>
         </c:rich>
       </c:tx>
@@ -1055,8 +1078,8 @@
         <c:manualLayout>
           <c:xMode val="edge"/>
           <c:yMode val="edge"/>
-          <c:x val="0.10222356085270763"/>
-          <c:y val="3.981797497155859E-2"/>
+          <c:x val="0.20412053967025698"/>
+          <c:y val="7.3954148463790767E-2"/>
         </c:manualLayout>
       </c:layout>
       <c:overlay val="0"/>
@@ -1072,19 +1095,20 @@
         <a:lstStyle/>
         <a:p>
           <a:pPr>
-            <a:defRPr sz="1600" b="1" i="0" u="none" strike="noStrike" kern="1200" cap="all" spc="120" normalizeH="0" baseline="0">
+            <a:defRPr lang="en-US" altLang="zh-CN" sz="1400" b="1" i="0" u="none" strike="noStrike" kern="1200" cap="all" spc="0" normalizeH="0" baseline="0">
               <a:solidFill>
-                <a:schemeClr val="tx1">
+                <a:prstClr val="black">
                   <a:lumMod val="65000"/>
                   <a:lumOff val="35000"/>
-                </a:schemeClr>
+                </a:prstClr>
               </a:solidFill>
+              <a:effectLst/>
               <a:latin typeface="+mn-lt"/>
               <a:ea typeface="+mn-ea"/>
               <a:cs typeface="+mn-cs"/>
             </a:defRPr>
           </a:pPr>
-          <a:endParaRPr lang="en-US"/>
+          <a:endParaRPr lang="zh-CN"/>
         </a:p>
       </c:txPr>
     </c:title>
@@ -1096,9 +1120,9 @@
           <c:xMode val="edge"/>
           <c:yMode val="edge"/>
           <c:x val="0.13916710411198599"/>
-          <c:y val="0.3645811461067367"/>
-          <c:w val="0.82749956255468071"/>
-          <c:h val="0.45085083114610675"/>
+          <c:y val="0.36458114610673698"/>
+          <c:w val="0.82749956255468105"/>
+          <c:h val="0.45085083114610702"/>
         </c:manualLayout>
       </c:layout>
       <c:lineChart>
@@ -1255,9 +1279,9 @@
             </c:numRef>
           </c:val>
           <c:smooth val="0"/>
-          <c:extLst xmlns:c16r2="http://schemas.microsoft.com/office/drawing/2015/06/chart">
+          <c:extLst>
             <c:ext xmlns:c16="http://schemas.microsoft.com/office/drawing/2014/chart" uri="{C3380CC4-5D6E-409C-BE32-E72D297353CC}">
-              <c16:uniqueId val="{00000000-7040-4693-BE8D-39A8C0F816A5}"/>
+              <c16:uniqueId val="{00000000-2965-4CE7-9EB0-17E7EBF8D867}"/>
             </c:ext>
           </c:extLst>
         </c:ser>
@@ -1415,9 +1439,9 @@
             </c:numRef>
           </c:val>
           <c:smooth val="0"/>
-          <c:extLst xmlns:c16r2="http://schemas.microsoft.com/office/drawing/2015/06/chart">
+          <c:extLst>
             <c:ext xmlns:c16="http://schemas.microsoft.com/office/drawing/2014/chart" uri="{C3380CC4-5D6E-409C-BE32-E72D297353CC}">
-              <c16:uniqueId val="{00000001-7040-4693-BE8D-39A8C0F816A5}"/>
+              <c16:uniqueId val="{00000001-2965-4CE7-9EB0-17E7EBF8D867}"/>
             </c:ext>
           </c:extLst>
         </c:ser>
@@ -1575,9 +1599,9 @@
             </c:numRef>
           </c:val>
           <c:smooth val="0"/>
-          <c:extLst xmlns:c16r2="http://schemas.microsoft.com/office/drawing/2015/06/chart">
+          <c:extLst>
             <c:ext xmlns:c16="http://schemas.microsoft.com/office/drawing/2014/chart" uri="{C3380CC4-5D6E-409C-BE32-E72D297353CC}">
-              <c16:uniqueId val="{00000002-7040-4693-BE8D-39A8C0F816A5}"/>
+              <c16:uniqueId val="{00000002-2965-4CE7-9EB0-17E7EBF8D867}"/>
             </c:ext>
           </c:extLst>
         </c:ser>
@@ -1622,7 +1646,7 @@
               <a:lstStyle/>
               <a:p>
                 <a:pPr>
-                  <a:defRPr sz="900" b="0" i="0" u="none" strike="noStrike" kern="1200" cap="all" baseline="0">
+                  <a:defRPr lang="zh-CN" sz="900" b="0" i="0" u="none" strike="noStrike" kern="1200" cap="all" baseline="0">
                     <a:solidFill>
                       <a:schemeClr val="tx1">
                         <a:lumMod val="65000"/>
@@ -1642,7 +1666,6 @@
               </a:p>
             </c:rich>
           </c:tx>
-          <c:layout/>
           <c:overlay val="0"/>
           <c:spPr>
             <a:noFill/>
@@ -1656,7 +1679,7 @@
             <a:lstStyle/>
             <a:p>
               <a:pPr>
-                <a:defRPr sz="900" b="0" i="0" u="none" strike="noStrike" kern="1200" cap="all" baseline="0">
+                <a:defRPr lang="zh-CN" sz="900" b="0" i="0" u="none" strike="noStrike" kern="1200" cap="all" baseline="0">
                   <a:solidFill>
                     <a:schemeClr val="tx1">
                       <a:lumMod val="65000"/>
@@ -1668,7 +1691,7 @@
                   <a:cs typeface="+mn-cs"/>
                 </a:defRPr>
               </a:pPr>
-              <a:endParaRPr lang="en-US"/>
+              <a:endParaRPr lang="zh-CN"/>
             </a:p>
           </c:txPr>
         </c:title>
@@ -1694,7 +1717,7 @@
           <a:lstStyle/>
           <a:p>
             <a:pPr>
-              <a:defRPr sz="800" b="0" i="0" u="none" strike="noStrike" kern="1200" cap="all" spc="120" normalizeH="0" baseline="0">
+              <a:defRPr lang="zh-CN" sz="800" b="0" i="0" u="none" strike="noStrike" kern="1200" cap="all" spc="120" normalizeH="0" baseline="0">
                 <a:solidFill>
                   <a:schemeClr val="tx1">
                     <a:lumMod val="65000"/>
@@ -1706,7 +1729,7 @@
                 <a:cs typeface="+mn-cs"/>
               </a:defRPr>
             </a:pPr>
-            <a:endParaRPr lang="en-US"/>
+            <a:endParaRPr lang="zh-CN"/>
           </a:p>
         </c:txPr>
         <c:crossAx val="279376656"/>
@@ -1730,7 +1753,7 @@
               <a:lstStyle/>
               <a:p>
                 <a:pPr>
-                  <a:defRPr sz="900" b="0" i="0" u="none" strike="noStrike" kern="1200" cap="all" baseline="0">
+                  <a:defRPr lang="zh-CN" sz="900" b="0" i="0" u="none" strike="noStrike" kern="1200" cap="all" baseline="0">
                     <a:solidFill>
                       <a:schemeClr val="tx1">
                         <a:lumMod val="65000"/>
@@ -1750,7 +1773,6 @@
               </a:p>
             </c:rich>
           </c:tx>
-          <c:layout/>
           <c:overlay val="0"/>
           <c:spPr>
             <a:noFill/>
@@ -1764,7 +1786,7 @@
             <a:lstStyle/>
             <a:p>
               <a:pPr>
-                <a:defRPr sz="900" b="0" i="0" u="none" strike="noStrike" kern="1200" cap="all" baseline="0">
+                <a:defRPr lang="zh-CN" sz="900" b="0" i="0" u="none" strike="noStrike" kern="1200" cap="all" baseline="0">
                   <a:solidFill>
                     <a:schemeClr val="tx1">
                       <a:lumMod val="65000"/>
@@ -1776,7 +1798,7 @@
                   <a:cs typeface="+mn-cs"/>
                 </a:defRPr>
               </a:pPr>
-              <a:endParaRPr lang="en-US"/>
+              <a:endParaRPr lang="zh-CN"/>
             </a:p>
           </c:txPr>
         </c:title>
@@ -1802,7 +1824,7 @@
           <a:lstStyle/>
           <a:p>
             <a:pPr>
-              <a:defRPr sz="900" b="0" i="0" u="none" strike="noStrike" kern="1200" baseline="0">
+              <a:defRPr lang="zh-CN" sz="900" b="0" i="0" u="none" strike="noStrike" kern="1200" baseline="0">
                 <a:solidFill>
                   <a:schemeClr val="tx1">
                     <a:lumMod val="65000"/>
@@ -1814,7 +1836,7 @@
                 <a:cs typeface="+mn-cs"/>
               </a:defRPr>
             </a:pPr>
-            <a:endParaRPr lang="en-US"/>
+            <a:endParaRPr lang="zh-CN"/>
           </a:p>
         </c:txPr>
         <c:crossAx val="279379376"/>
@@ -1831,7 +1853,6 @@
     </c:plotArea>
     <c:legend>
       <c:legendPos val="t"/>
-      <c:layout/>
       <c:overlay val="0"/>
       <c:spPr>
         <a:noFill/>
@@ -1845,7 +1866,7 @@
         <a:lstStyle/>
         <a:p>
           <a:pPr>
-            <a:defRPr sz="900" b="0" i="0" u="none" strike="noStrike" kern="1200" baseline="0">
+            <a:defRPr lang="zh-CN" sz="900" b="0" i="0" u="none" strike="noStrike" kern="1200" baseline="0">
               <a:solidFill>
                 <a:schemeClr val="tx1">
                   <a:lumMod val="65000"/>
@@ -1857,25 +1878,19 @@
               <a:cs typeface="+mn-cs"/>
             </a:defRPr>
           </a:pPr>
-          <a:endParaRPr lang="en-US"/>
+          <a:endParaRPr lang="zh-CN"/>
         </a:p>
       </c:txPr>
     </c:legend>
     <c:plotVisOnly val="1"/>
     <c:dispBlanksAs val="gap"/>
     <c:showDLblsOverMax val="0"/>
-    <c:extLst xmlns:c16r2="http://schemas.microsoft.com/office/drawing/2015/06/chart">
-      <c:ext xmlns:c16r3="http://schemas.microsoft.com/office/drawing/2017/03/chart" uri="{56B9EC1D-385E-4148-901F-78D8002777C0}">
-        <c16r3:dataDisplayOptions16>
-          <c16r3:dispNaAsBlank val="1"/>
-        </c16r3:dataDisplayOptions16>
-      </c:ext>
-    </c:extLst>
   </c:chart>
   <c:spPr>
     <a:noFill/>
-    <a:ln>
+    <a:ln w="9525" cap="flat" cmpd="sng" algn="ctr">
       <a:noFill/>
+      <a:round/>
     </a:ln>
     <a:effectLst/>
   </c:spPr>
@@ -1884,9 +1899,9 @@
     <a:lstStyle/>
     <a:p>
       <a:pPr>
-        <a:defRPr/>
+        <a:defRPr lang="zh-CN"/>
       </a:pPr>
-      <a:endParaRPr lang="en-US"/>
+      <a:endParaRPr lang="zh-CN"/>
     </a:p>
   </c:txPr>
   <c:externalData r:id="rId3">
@@ -3081,7 +3096,7 @@
           <a:p>
             <a:fld id="{11B50710-B8B7-4D8F-BDE7-5C763412CDFD}" type="datetimeFigureOut">
               <a:rPr lang="fr-FR" smtClean="0"/>
-              <a:t>25/02/2018</a:t>
+              <a:t>28/02/2018</a:t>
             </a:fld>
             <a:endParaRPr lang="fr-FR"/>
           </a:p>
@@ -3145,38 +3160,37 @@
           <a:p>
             <a:pPr lvl="0"/>
             <a:r>
-              <a:rPr lang="fr-FR" smtClean="0"/>
+              <a:rPr lang="fr-FR"/>
               <a:t>Modifiez les styles du texte du masque</a:t>
             </a:r>
           </a:p>
           <a:p>
             <a:pPr lvl="1"/>
             <a:r>
-              <a:rPr lang="fr-FR" smtClean="0"/>
+              <a:rPr lang="fr-FR"/>
               <a:t>Deuxième niveau</a:t>
             </a:r>
           </a:p>
           <a:p>
             <a:pPr lvl="2"/>
             <a:r>
-              <a:rPr lang="fr-FR" smtClean="0"/>
+              <a:rPr lang="fr-FR"/>
               <a:t>Troisième niveau</a:t>
             </a:r>
           </a:p>
           <a:p>
             <a:pPr lvl="3"/>
             <a:r>
-              <a:rPr lang="fr-FR" smtClean="0"/>
+              <a:rPr lang="fr-FR"/>
               <a:t>Quatrième niveau</a:t>
             </a:r>
           </a:p>
           <a:p>
             <a:pPr lvl="4"/>
             <a:r>
-              <a:rPr lang="fr-FR" smtClean="0"/>
+              <a:rPr lang="fr-FR"/>
               <a:t>Cinquième niveau</a:t>
             </a:r>
-            <a:endParaRPr lang="fr-FR"/>
           </a:p>
         </p:txBody>
       </p:sp>
@@ -3247,11 +3261,6 @@
         </p:txBody>
       </p:sp>
     </p:spTree>
-    <p:extLst>
-      <p:ext uri="{BB962C8B-B14F-4D97-AF65-F5344CB8AC3E}">
-        <p14:creationId xmlns:p14="http://schemas.microsoft.com/office/powerpoint/2010/main" val="1215976356"/>
-      </p:ext>
-    </p:extLst>
   </p:cSld>
   <p:clrMap bg1="lt1" tx1="dk1" bg2="lt2" tx2="dk2" accent1="accent1" accent2="accent2" accent3="accent3" accent4="accent4" accent5="accent5" accent6="accent6" hlink="hlink" folHlink="folHlink"/>
   <p:notesStyle>
@@ -3407,11 +3416,10 @@
               <a:buSzTx/>
               <a:buFontTx/>
               <a:buNone/>
-              <a:tabLst/>
               <a:defRPr/>
             </a:pPr>
             <a:r>
-              <a:rPr lang="fr-FR" sz="1200" kern="1200" dirty="0" smtClean="0">
+              <a:rPr lang="fr-FR" sz="1200" kern="1200" dirty="0">
                 <a:solidFill>
                   <a:schemeClr val="tx1"/>
                 </a:solidFill>
@@ -3438,11 +3446,10 @@
               <a:buSzTx/>
               <a:buFontTx/>
               <a:buNone/>
-              <a:tabLst/>
               <a:defRPr/>
             </a:pPr>
             <a:r>
-              <a:rPr lang="fr-FR" sz="1200" kern="1200" dirty="0" smtClean="0">
+              <a:rPr lang="fr-FR" sz="1200" kern="1200" dirty="0">
                 <a:solidFill>
                   <a:schemeClr val="tx1"/>
                 </a:solidFill>
@@ -3454,7 +3461,7 @@
               <a:t>les points détectés par </a:t>
             </a:r>
             <a:r>
-              <a:rPr lang="fr-FR" sz="1200" kern="1200" dirty="0" err="1" smtClean="0">
+              <a:rPr lang="fr-FR" sz="1200" kern="1200" dirty="0" err="1">
                 <a:solidFill>
                   <a:schemeClr val="tx1"/>
                 </a:solidFill>
@@ -3466,7 +3473,7 @@
               <a:t>Brief</a:t>
             </a:r>
             <a:r>
-              <a:rPr lang="fr-FR" sz="1200" kern="1200" dirty="0" smtClean="0">
+              <a:rPr lang="fr-FR" sz="1200" kern="1200" dirty="0">
                 <a:solidFill>
                   <a:schemeClr val="tx1"/>
                 </a:solidFill>
@@ -3478,7 +3485,7 @@
               <a:t> (</a:t>
             </a:r>
             <a:r>
-              <a:rPr lang="fr-FR" sz="1200" i="1" kern="1200" dirty="0" smtClean="0">
+              <a:rPr lang="fr-FR" sz="1200" i="1" kern="1200" dirty="0">
                 <a:solidFill>
                   <a:schemeClr val="tx1"/>
                 </a:solidFill>
@@ -3490,7 +3497,7 @@
               <a:t>Star detector</a:t>
             </a:r>
             <a:r>
-              <a:rPr lang="fr-FR" sz="1200" kern="1200" dirty="0" smtClean="0">
+              <a:rPr lang="fr-FR" sz="1200" kern="1200" dirty="0">
                 <a:solidFill>
                   <a:schemeClr val="tx1"/>
                 </a:solidFill>
@@ -3517,11 +3524,10 @@
               <a:buSzTx/>
               <a:buFontTx/>
               <a:buNone/>
-              <a:tabLst/>
               <a:defRPr/>
             </a:pPr>
             <a:r>
-              <a:rPr lang="fr-FR" sz="1200" kern="1200" dirty="0" smtClean="0">
+              <a:rPr lang="fr-FR" sz="1200" kern="1200" dirty="0">
                 <a:solidFill>
                   <a:schemeClr val="tx1"/>
                 </a:solidFill>
@@ -3533,7 +3539,7 @@
               <a:t>autres détecteurs (</a:t>
             </a:r>
             <a:r>
-              <a:rPr lang="fr-FR" sz="1200" kern="1200" dirty="0" err="1" smtClean="0">
+              <a:rPr lang="fr-FR" sz="1200" kern="1200" dirty="0" err="1">
                 <a:solidFill>
                   <a:schemeClr val="tx1"/>
                 </a:solidFill>
@@ -3545,7 +3551,7 @@
               <a:t>DoG</a:t>
             </a:r>
             <a:r>
-              <a:rPr lang="fr-FR" sz="1200" kern="1200" dirty="0" smtClean="0">
+              <a:rPr lang="fr-FR" sz="1200" kern="1200" dirty="0">
                 <a:solidFill>
                   <a:schemeClr val="tx1"/>
                 </a:solidFill>
@@ -3572,11 +3578,10 @@
               <a:buSzTx/>
               <a:buFontTx/>
               <a:buNone/>
-              <a:tabLst/>
               <a:defRPr/>
             </a:pPr>
             <a:r>
-              <a:rPr lang="fr-FR" sz="1200" kern="1200" dirty="0" smtClean="0">
+              <a:rPr lang="fr-FR" sz="1200" kern="1200" dirty="0">
                 <a:solidFill>
                   <a:schemeClr val="tx1"/>
                 </a:solidFill>
@@ -3588,7 +3593,7 @@
               <a:t>détecter les points qui couvrent chaque partie de </a:t>
             </a:r>
             <a:r>
-              <a:rPr lang="fr-FR" sz="1200" kern="1200" dirty="0" err="1" smtClean="0">
+              <a:rPr lang="fr-FR" sz="1200" kern="1200" dirty="0" err="1">
                 <a:solidFill>
                   <a:schemeClr val="tx1"/>
                 </a:solidFill>
@@ -3600,7 +3605,7 @@
               <a:t>l’object</a:t>
             </a:r>
             <a:r>
-              <a:rPr lang="fr-FR" sz="1200" kern="1200" dirty="0" smtClean="0">
+              <a:rPr lang="fr-FR" sz="1200" kern="1200" dirty="0">
                 <a:solidFill>
                   <a:schemeClr val="tx1"/>
                 </a:solidFill>
@@ -3627,11 +3632,10 @@
               <a:buSzTx/>
               <a:buFontTx/>
               <a:buNone/>
-              <a:tabLst/>
               <a:defRPr/>
             </a:pPr>
             <a:r>
-              <a:rPr lang="fr-FR" sz="1200" kern="1200" dirty="0" smtClean="0">
+              <a:rPr lang="fr-FR" sz="1200" kern="1200" dirty="0">
                 <a:solidFill>
                   <a:schemeClr val="tx1"/>
                 </a:solidFill>
@@ -3658,11 +3662,10 @@
               <a:buSzTx/>
               <a:buFontTx/>
               <a:buNone/>
-              <a:tabLst/>
               <a:defRPr/>
             </a:pPr>
             <a:r>
-              <a:rPr lang="fr-FR" sz="1200" kern="1200" dirty="0" smtClean="0">
+              <a:rPr lang="fr-FR" sz="1200" kern="1200" dirty="0">
                 <a:solidFill>
                   <a:schemeClr val="tx1"/>
                 </a:solidFill>
@@ -3674,7 +3677,7 @@
               <a:t>de pixels assez grande est nécessaire pour la détection des</a:t>
             </a:r>
             <a:r>
-              <a:rPr lang="fr-FR" sz="1200" i="1" kern="1200" dirty="0" smtClean="0">
+              <a:rPr lang="fr-FR" sz="1200" i="1" kern="1200" dirty="0">
                 <a:solidFill>
                   <a:schemeClr val="tx1"/>
                 </a:solidFill>
@@ -3686,7 +3689,7 @@
               <a:t> </a:t>
             </a:r>
             <a:r>
-              <a:rPr lang="fr-FR" sz="1200" i="1" kern="1200" dirty="0" err="1" smtClean="0">
+              <a:rPr lang="fr-FR" sz="1200" i="1" kern="1200" dirty="0" err="1">
                 <a:solidFill>
                   <a:schemeClr val="tx1"/>
                 </a:solidFill>
@@ -3698,7 +3701,7 @@
               <a:t>keypoints</a:t>
             </a:r>
             <a:r>
-              <a:rPr lang="fr-FR" sz="1200" kern="1200" dirty="0" smtClean="0">
+              <a:rPr lang="fr-FR" sz="1200" kern="1200" dirty="0">
                 <a:solidFill>
                   <a:schemeClr val="tx1"/>
                 </a:solidFill>
@@ -3725,11 +3728,10 @@
               <a:buSzTx/>
               <a:buFontTx/>
               <a:buNone/>
-              <a:tabLst/>
               <a:defRPr/>
             </a:pPr>
             <a:r>
-              <a:rPr lang="fr-FR" sz="1200" kern="1200" dirty="0" smtClean="0">
+              <a:rPr lang="fr-FR" sz="1200" kern="1200" dirty="0">
                 <a:solidFill>
                   <a:schemeClr val="tx1"/>
                 </a:solidFill>
@@ -3740,7 +3742,7 @@
               </a:rPr>
               <a:t>Dans ce projet, nous avons choisi une taille de 384x288.</a:t>
             </a:r>
-            <a:endParaRPr lang="en-US" sz="1200" kern="1200" dirty="0" smtClean="0">
+            <a:endParaRPr lang="en-US" sz="1200" kern="1200" dirty="0">
               <a:solidFill>
                 <a:schemeClr val="tx1"/>
               </a:solidFill>
@@ -3779,11 +3781,6 @@
         </p:txBody>
       </p:sp>
     </p:spTree>
-    <p:extLst>
-      <p:ext uri="{BB962C8B-B14F-4D97-AF65-F5344CB8AC3E}">
-        <p14:creationId xmlns:p14="http://schemas.microsoft.com/office/powerpoint/2010/main" val="75141831"/>
-      </p:ext>
-    </p:extLst>
   </p:cSld>
   <p:clrMapOvr>
     <a:masterClrMapping/>
@@ -3863,11 +3860,6 @@
         </p:txBody>
       </p:sp>
     </p:spTree>
-    <p:extLst>
-      <p:ext uri="{BB962C8B-B14F-4D97-AF65-F5344CB8AC3E}">
-        <p14:creationId xmlns:p14="http://schemas.microsoft.com/office/powerpoint/2010/main" val="1509366024"/>
-      </p:ext>
-    </p:extLst>
   </p:cSld>
   <p:clrMapOvr>
     <a:masterClrMapping/>
@@ -3920,7 +3912,7 @@
           <a:lstStyle/>
           <a:p>
             <a:r>
-              <a:rPr lang="fr-FR" sz="1200" kern="1200" dirty="0" smtClean="0">
+              <a:rPr lang="fr-FR" sz="1200" kern="1200" dirty="0">
                 <a:solidFill>
                   <a:schemeClr val="tx1"/>
                 </a:solidFill>
@@ -3932,7 +3924,7 @@
               <a:t>D’une part, l’objet tourné est difficile à trouver ses images similaires parce que la forme est déformée et une partie de l’objet est cachée. En revanche, le simple changement de la luminosité n’est pas gênant pour les détecteurs. D’autre part, nous pouvons voir que l’ORB a un meilleur résultat pour cette image (voir ci-dessous) et souvent l’ORB est capable de trouver plus de points caractéristiques que d’autres méthodes. La performance de </a:t>
             </a:r>
             <a:r>
-              <a:rPr lang="fr-FR" sz="1200" kern="1200" dirty="0" err="1" smtClean="0">
+              <a:rPr lang="fr-FR" sz="1200" kern="1200" dirty="0" err="1">
                 <a:solidFill>
                   <a:schemeClr val="tx1"/>
                 </a:solidFill>
@@ -3944,7 +3936,7 @@
               <a:t>Brief</a:t>
             </a:r>
             <a:r>
-              <a:rPr lang="fr-FR" sz="1200" kern="1200" dirty="0" smtClean="0">
+              <a:rPr lang="fr-FR" sz="1200" kern="1200" dirty="0">
                 <a:solidFill>
                   <a:schemeClr val="tx1"/>
                 </a:solidFill>
@@ -3991,11 +3983,6 @@
         </p:txBody>
       </p:sp>
     </p:spTree>
-    <p:extLst>
-      <p:ext uri="{BB962C8B-B14F-4D97-AF65-F5344CB8AC3E}">
-        <p14:creationId xmlns:p14="http://schemas.microsoft.com/office/powerpoint/2010/main" val="746667567"/>
-      </p:ext>
-    </p:extLst>
   </p:cSld>
   <p:clrMapOvr>
     <a:masterClrMapping/>
@@ -4075,11 +4062,6 @@
         </p:txBody>
       </p:sp>
     </p:spTree>
-    <p:extLst>
-      <p:ext uri="{BB962C8B-B14F-4D97-AF65-F5344CB8AC3E}">
-        <p14:creationId xmlns:p14="http://schemas.microsoft.com/office/powerpoint/2010/main" val="586151697"/>
-      </p:ext>
-    </p:extLst>
   </p:cSld>
   <p:clrMapOvr>
     <a:masterClrMapping/>
@@ -4159,11 +4141,6 @@
         </p:txBody>
       </p:sp>
     </p:spTree>
-    <p:extLst>
-      <p:ext uri="{BB962C8B-B14F-4D97-AF65-F5344CB8AC3E}">
-        <p14:creationId xmlns:p14="http://schemas.microsoft.com/office/powerpoint/2010/main" val="1598246403"/>
-      </p:ext>
-    </p:extLst>
   </p:cSld>
   <p:clrMapOvr>
     <a:masterClrMapping/>
@@ -4582,7 +4559,7 @@
           <a:p>
             <a:fld id="{2D54133B-371A-451E-83B0-12E77C669547}" type="datetime1">
               <a:rPr lang="fr-FR" smtClean="0"/>
-              <a:t>25/02/2018</a:t>
+              <a:t>28/02/2018</a:t>
             </a:fld>
             <a:endParaRPr lang="fr-FR" dirty="0"/>
           </a:p>
@@ -4620,7 +4597,6 @@
           <a:p>
             <a:fld id="{10C140CD-8AED-46FF-A9A2-77308F3F39AE}" type="slidenum">
               <a:rPr lang="fr-FR" smtClean="0"/>
-              <a:pPr/>
               <a:t>‹#›</a:t>
             </a:fld>
             <a:endParaRPr lang="fr-FR"/>
@@ -4658,7 +4634,7 @@
           </a:lstStyle>
           <a:p>
             <a:r>
-              <a:rPr lang="en-US" smtClean="0"/>
+              <a:rPr lang="en-US"/>
               <a:t>Markov Random Fields for Super-resolution and Texture Synthesis</a:t>
             </a:r>
             <a:endParaRPr lang="fr-FR" dirty="0"/>
@@ -4702,14 +4678,14 @@
           <a:p>
             <a:pPr lvl="0"/>
             <a:r>
-              <a:rPr lang="fr-FR" dirty="0" smtClean="0"/>
+              <a:rPr lang="fr-FR" dirty="0"/>
               <a:t>TITRE</a:t>
             </a:r>
           </a:p>
           <a:p>
             <a:pPr lvl="1"/>
             <a:r>
-              <a:rPr lang="fr-FR" dirty="0" smtClean="0"/>
+              <a:rPr lang="fr-FR" dirty="0"/>
               <a:t>TITRE</a:t>
             </a:r>
           </a:p>
@@ -4746,11 +4722,6 @@
         </p:spPr>
       </p:pic>
     </p:spTree>
-    <p:extLst>
-      <p:ext uri="{BB962C8B-B14F-4D97-AF65-F5344CB8AC3E}">
-        <p14:creationId xmlns:p14="http://schemas.microsoft.com/office/powerpoint/2010/main" val="38659496"/>
-      </p:ext>
-    </p:extLst>
   </p:cSld>
   <p:clrMapOvr>
     <a:masterClrMapping/>
@@ -5009,7 +4980,7 @@
           <a:p>
             <a:fld id="{2071B99B-66F4-44C1-85BA-391C8832129F}" type="datetime1">
               <a:rPr lang="fr-FR" smtClean="0"/>
-              <a:t>25/02/2018</a:t>
+              <a:t>28/02/2018</a:t>
             </a:fld>
             <a:endParaRPr lang="fr-FR"/>
           </a:p>
@@ -5047,7 +5018,6 @@
           <a:p>
             <a:fld id="{10C140CD-8AED-46FF-A9A2-77308F3F39AE}" type="slidenum">
               <a:rPr lang="fr-FR" smtClean="0"/>
-              <a:pPr/>
               <a:t>‹#›</a:t>
             </a:fld>
             <a:endParaRPr lang="fr-FR"/>
@@ -5085,7 +5055,7 @@
           </a:lstStyle>
           <a:p>
             <a:r>
-              <a:rPr lang="en-US" smtClean="0"/>
+              <a:rPr lang="en-US"/>
               <a:t>Markov Random Fields for Super-resolution and Texture Synthesis</a:t>
             </a:r>
             <a:endParaRPr lang="fr-FR" dirty="0"/>
@@ -5129,14 +5099,14 @@
           <a:p>
             <a:pPr lvl="0"/>
             <a:r>
-              <a:rPr lang="fr-FR" dirty="0" smtClean="0"/>
+              <a:rPr lang="fr-FR" dirty="0"/>
               <a:t>Chapitre</a:t>
             </a:r>
           </a:p>
           <a:p>
             <a:pPr lvl="1"/>
             <a:r>
-              <a:rPr lang="fr-FR" dirty="0" smtClean="0"/>
+              <a:rPr lang="fr-FR" dirty="0"/>
               <a:t>Chapitre</a:t>
             </a:r>
           </a:p>
@@ -5173,11 +5143,6 @@
         </p:spPr>
       </p:pic>
     </p:spTree>
-    <p:extLst>
-      <p:ext uri="{BB962C8B-B14F-4D97-AF65-F5344CB8AC3E}">
-        <p14:creationId xmlns:p14="http://schemas.microsoft.com/office/powerpoint/2010/main" val="2651176342"/>
-      </p:ext>
-    </p:extLst>
   </p:cSld>
   <p:clrMapOvr>
     <a:masterClrMapping/>
@@ -5488,7 +5453,7 @@
                 </a:solidFill>
               </a:defRPr>
             </a:lvl1pPr>
-            <a:lvl2pPr marL="342000" indent="0" algn="l">
+            <a:lvl2pPr marL="342265" indent="0" algn="l">
               <a:lnSpc>
                 <a:spcPct val="130000"/>
               </a:lnSpc>
@@ -5502,14 +5467,14 @@
           <a:p>
             <a:pPr lvl="0"/>
             <a:r>
-              <a:rPr lang="fr-FR" dirty="0" smtClean="0"/>
+              <a:rPr lang="fr-FR" dirty="0"/>
               <a:t>Texte de niveau 1</a:t>
             </a:r>
           </a:p>
           <a:p>
             <a:pPr lvl="1"/>
             <a:r>
-              <a:rPr lang="fr-FR" dirty="0" smtClean="0"/>
+              <a:rPr lang="fr-FR" dirty="0"/>
               <a:t>1.1 Deuxième niveau</a:t>
             </a:r>
           </a:p>
@@ -5544,10 +5509,9 @@
           </a:lstStyle>
           <a:p>
             <a:r>
-              <a:rPr lang="fr-FR" dirty="0" smtClean="0"/>
+              <a:rPr lang="fr-FR" dirty="0"/>
               <a:t>Titre</a:t>
             </a:r>
-            <a:endParaRPr lang="fr-FR" dirty="0"/>
           </a:p>
         </p:txBody>
       </p:sp>
@@ -5582,11 +5546,6 @@
         </p:spPr>
       </p:pic>
     </p:spTree>
-    <p:extLst>
-      <p:ext uri="{BB962C8B-B14F-4D97-AF65-F5344CB8AC3E}">
-        <p14:creationId xmlns:p14="http://schemas.microsoft.com/office/powerpoint/2010/main" val="936777249"/>
-      </p:ext>
-    </p:extLst>
   </p:cSld>
   <p:clrMapOvr>
     <a:masterClrMapping/>
@@ -5632,7 +5591,7 @@
           <a:lstStyle/>
           <a:p>
             <a:r>
-              <a:rPr lang="fr-FR" noProof="0" dirty="0" smtClean="0"/>
+              <a:rPr lang="fr-FR" noProof="0" dirty="0"/>
               <a:t>Chapitre 0 : Titre</a:t>
             </a:r>
             <a:endParaRPr lang="fr-FR" dirty="0"/>
@@ -5669,10 +5628,9 @@
           <a:p>
             <a:pPr lvl="0"/>
             <a:r>
-              <a:rPr lang="fr-FR" dirty="0" smtClean="0"/>
+              <a:rPr lang="fr-FR" dirty="0"/>
               <a:t>0.0 Titre</a:t>
             </a:r>
-            <a:endParaRPr lang="fr-FR" dirty="0"/>
           </a:p>
         </p:txBody>
       </p:sp>
@@ -5683,7 +5641,7 @@
             <a:spLocks noGrp="1"/>
           </p:cNvSpPr>
           <p:nvPr>
-            <p:ph idx="14"/>
+            <p:ph idx="14" hasCustomPrompt="1"/>
           </p:nvPr>
         </p:nvSpPr>
         <p:spPr bwMode="gray">
@@ -5698,38 +5656,37 @@
           <a:p>
             <a:pPr lvl="0"/>
             <a:r>
-              <a:rPr lang="fr-FR" dirty="0" smtClean="0"/>
+              <a:rPr lang="fr-FR" dirty="0"/>
               <a:t>Modifiez les styles du texte du masque</a:t>
             </a:r>
           </a:p>
           <a:p>
             <a:pPr lvl="1"/>
             <a:r>
-              <a:rPr lang="fr-FR" dirty="0" smtClean="0"/>
+              <a:rPr lang="fr-FR" dirty="0"/>
               <a:t>Deuxième niveau</a:t>
             </a:r>
           </a:p>
           <a:p>
             <a:pPr lvl="2"/>
             <a:r>
-              <a:rPr lang="fr-FR" dirty="0" smtClean="0"/>
+              <a:rPr lang="fr-FR" dirty="0"/>
               <a:t>Troisième niveau</a:t>
             </a:r>
           </a:p>
           <a:p>
             <a:pPr lvl="3"/>
             <a:r>
-              <a:rPr lang="fr-FR" dirty="0" smtClean="0"/>
+              <a:rPr lang="fr-FR" dirty="0"/>
               <a:t>Quatrième niveau</a:t>
             </a:r>
           </a:p>
           <a:p>
             <a:pPr lvl="4"/>
             <a:r>
-              <a:rPr lang="fr-FR" dirty="0" smtClean="0"/>
+              <a:rPr lang="fr-FR" dirty="0"/>
               <a:t>Cinquième niveau</a:t>
             </a:r>
-            <a:endParaRPr lang="fr-FR" dirty="0"/>
           </a:p>
         </p:txBody>
       </p:sp>
@@ -5750,7 +5707,7 @@
           <a:p>
             <a:fld id="{02F2A944-B0D2-4E65-9B75-234B8B45C846}" type="datetime1">
               <a:rPr lang="fr-FR" smtClean="0"/>
-              <a:t>25/02/2018</a:t>
+              <a:t>28/02/2018</a:t>
             </a:fld>
             <a:endParaRPr lang="fr-FR" dirty="0"/>
           </a:p>
@@ -5772,10 +5729,9 @@
           <a:lstStyle/>
           <a:p>
             <a:r>
-              <a:rPr lang="fr-FR" dirty="0" smtClean="0"/>
+              <a:rPr lang="fr-FR" dirty="0"/>
               <a:t>Descripteurs locaux pour la recherche d’images similaires</a:t>
             </a:r>
-            <a:endParaRPr lang="fr-FR" dirty="0"/>
           </a:p>
         </p:txBody>
       </p:sp>
@@ -5796,7 +5752,6 @@
           <a:p>
             <a:fld id="{10C140CD-8AED-46FF-A9A2-77308F3F39AE}" type="slidenum">
               <a:rPr lang="fr-FR" smtClean="0"/>
-              <a:pPr/>
               <a:t>‹#›</a:t>
             </a:fld>
             <a:endParaRPr lang="fr-FR" dirty="0"/>
@@ -5804,11 +5759,6 @@
         </p:txBody>
       </p:sp>
     </p:spTree>
-    <p:extLst>
-      <p:ext uri="{BB962C8B-B14F-4D97-AF65-F5344CB8AC3E}">
-        <p14:creationId xmlns:p14="http://schemas.microsoft.com/office/powerpoint/2010/main" val="2321209879"/>
-      </p:ext>
-    </p:extLst>
   </p:cSld>
   <p:clrMapOvr>
     <a:masterClrMapping/>
@@ -5854,7 +5804,7 @@
           <a:lstStyle/>
           <a:p>
             <a:r>
-              <a:rPr lang="fr-FR" noProof="0" dirty="0" smtClean="0"/>
+              <a:rPr lang="fr-FR" noProof="0" dirty="0"/>
               <a:t>Chapitre 0 : Titre</a:t>
             </a:r>
             <a:endParaRPr lang="fr-FR" dirty="0"/>
@@ -5891,10 +5841,9 @@
           <a:p>
             <a:pPr lvl="0"/>
             <a:r>
-              <a:rPr lang="fr-FR" dirty="0" smtClean="0"/>
+              <a:rPr lang="fr-FR" dirty="0"/>
               <a:t>0.0 Titre</a:t>
             </a:r>
-            <a:endParaRPr lang="fr-FR" dirty="0"/>
           </a:p>
         </p:txBody>
       </p:sp>
@@ -5905,7 +5854,7 @@
             <a:spLocks noGrp="1"/>
           </p:cNvSpPr>
           <p:nvPr>
-            <p:ph idx="14"/>
+            <p:ph idx="14" hasCustomPrompt="1"/>
           </p:nvPr>
         </p:nvSpPr>
         <p:spPr bwMode="gray">
@@ -5920,38 +5869,37 @@
           <a:p>
             <a:pPr lvl="0"/>
             <a:r>
-              <a:rPr lang="fr-FR" dirty="0" smtClean="0"/>
+              <a:rPr lang="fr-FR" dirty="0"/>
               <a:t>Modifiez les styles du texte du masque</a:t>
             </a:r>
           </a:p>
           <a:p>
             <a:pPr lvl="1"/>
             <a:r>
-              <a:rPr lang="fr-FR" dirty="0" smtClean="0"/>
+              <a:rPr lang="fr-FR" dirty="0"/>
               <a:t>Deuxième niveau</a:t>
             </a:r>
           </a:p>
           <a:p>
             <a:pPr lvl="2"/>
             <a:r>
-              <a:rPr lang="fr-FR" dirty="0" smtClean="0"/>
+              <a:rPr lang="fr-FR" dirty="0"/>
               <a:t>Troisième niveau</a:t>
             </a:r>
           </a:p>
           <a:p>
             <a:pPr lvl="3"/>
             <a:r>
-              <a:rPr lang="fr-FR" dirty="0" smtClean="0"/>
+              <a:rPr lang="fr-FR" dirty="0"/>
               <a:t>Quatrième niveau</a:t>
             </a:r>
           </a:p>
           <a:p>
             <a:pPr lvl="4"/>
             <a:r>
-              <a:rPr lang="fr-FR" dirty="0" smtClean="0"/>
+              <a:rPr lang="fr-FR" dirty="0"/>
               <a:t>Cinquième niveau</a:t>
             </a:r>
-            <a:endParaRPr lang="fr-FR" dirty="0"/>
           </a:p>
         </p:txBody>
       </p:sp>
@@ -5986,9 +5934,8 @@
               </a:spcAft>
               <a:buClrTx/>
               <a:buSzTx/>
-              <a:buFont typeface="Arial" pitchFamily="34" charset="0"/>
+              <a:buFont typeface="Arial" panose="020B0604020202020204" pitchFamily="34" charset="0"/>
               <a:buNone/>
-              <a:tabLst/>
               <a:defRPr sz="1000">
                 <a:solidFill>
                   <a:schemeClr val="tx1"/>
@@ -5998,14 +5945,14 @@
           </a:lstStyle>
           <a:p>
             <a:r>
-              <a:rPr lang="fr-FR" noProof="0" dirty="0" smtClean="0"/>
+              <a:rPr lang="fr-FR" noProof="0" dirty="0"/>
               <a:t>Logotype</a:t>
             </a:r>
             <a:br>
-              <a:rPr lang="fr-FR" noProof="0" dirty="0" smtClean="0"/>
+              <a:rPr lang="fr-FR" noProof="0" dirty="0"/>
             </a:br>
             <a:r>
-              <a:rPr lang="fr-FR" noProof="0" dirty="0" smtClean="0"/>
+              <a:rPr lang="fr-FR" noProof="0" dirty="0"/>
               <a:t>partenaire</a:t>
             </a:r>
           </a:p>
@@ -6028,7 +5975,7 @@
           <a:p>
             <a:fld id="{2F62CE10-E0DE-439D-8CD1-69273313363A}" type="datetime1">
               <a:rPr lang="fr-FR" smtClean="0"/>
-              <a:t>25/02/2018</a:t>
+              <a:t>28/02/2018</a:t>
             </a:fld>
             <a:endParaRPr lang="fr-FR" dirty="0"/>
           </a:p>
@@ -6050,10 +5997,9 @@
           <a:lstStyle/>
           <a:p>
             <a:r>
-              <a:rPr lang="fr-FR" dirty="0" smtClean="0"/>
+              <a:rPr lang="fr-FR" dirty="0"/>
               <a:t>Descripteurs locaux pour la recherche d’images similaires</a:t>
             </a:r>
-            <a:endParaRPr lang="fr-FR" dirty="0"/>
           </a:p>
         </p:txBody>
       </p:sp>
@@ -6074,7 +6020,6 @@
           <a:p>
             <a:fld id="{10C140CD-8AED-46FF-A9A2-77308F3F39AE}" type="slidenum">
               <a:rPr lang="fr-FR" smtClean="0"/>
-              <a:pPr/>
               <a:t>‹#›</a:t>
             </a:fld>
             <a:endParaRPr lang="fr-FR" dirty="0"/>
@@ -6082,11 +6027,6 @@
         </p:txBody>
       </p:sp>
     </p:spTree>
-    <p:extLst>
-      <p:ext uri="{BB962C8B-B14F-4D97-AF65-F5344CB8AC3E}">
-        <p14:creationId xmlns:p14="http://schemas.microsoft.com/office/powerpoint/2010/main" val="652593402"/>
-      </p:ext>
-    </p:extLst>
   </p:cSld>
   <p:clrMapOvr>
     <a:masterClrMapping/>
@@ -6127,7 +6067,7 @@
           <a:lstStyle/>
           <a:p>
             <a:r>
-              <a:rPr lang="fr-FR" noProof="0" dirty="0" smtClean="0"/>
+              <a:rPr lang="fr-FR" noProof="0" dirty="0"/>
               <a:t>Chapitre 0 : Titre</a:t>
             </a:r>
             <a:endParaRPr lang="fr-FR" dirty="0"/>
@@ -6164,10 +6104,9 @@
           <a:p>
             <a:pPr lvl="0"/>
             <a:r>
-              <a:rPr lang="fr-FR" dirty="0" smtClean="0"/>
+              <a:rPr lang="fr-FR" dirty="0"/>
               <a:t>0.0 Titre</a:t>
             </a:r>
-            <a:endParaRPr lang="fr-FR" dirty="0"/>
           </a:p>
         </p:txBody>
       </p:sp>
@@ -6178,7 +6117,7 @@
             <a:spLocks noGrp="1"/>
           </p:cNvSpPr>
           <p:nvPr>
-            <p:ph idx="14"/>
+            <p:ph idx="14" hasCustomPrompt="1"/>
           </p:nvPr>
         </p:nvSpPr>
         <p:spPr bwMode="gray">
@@ -6193,38 +6132,37 @@
           <a:p>
             <a:pPr lvl="0"/>
             <a:r>
-              <a:rPr lang="fr-FR" dirty="0" smtClean="0"/>
+              <a:rPr lang="fr-FR" dirty="0"/>
               <a:t>Modifiez les styles du texte du masque</a:t>
             </a:r>
           </a:p>
           <a:p>
             <a:pPr lvl="1"/>
             <a:r>
-              <a:rPr lang="fr-FR" dirty="0" smtClean="0"/>
+              <a:rPr lang="fr-FR" dirty="0"/>
               <a:t>Deuxième niveau</a:t>
             </a:r>
           </a:p>
           <a:p>
             <a:pPr lvl="2"/>
             <a:r>
-              <a:rPr lang="fr-FR" dirty="0" smtClean="0"/>
+              <a:rPr lang="fr-FR" dirty="0"/>
               <a:t>Troisième niveau</a:t>
             </a:r>
           </a:p>
           <a:p>
             <a:pPr lvl="3"/>
             <a:r>
-              <a:rPr lang="fr-FR" dirty="0" smtClean="0"/>
+              <a:rPr lang="fr-FR" dirty="0"/>
               <a:t>Quatrième niveau</a:t>
             </a:r>
           </a:p>
           <a:p>
             <a:pPr lvl="4"/>
             <a:r>
-              <a:rPr lang="fr-FR" dirty="0" smtClean="0"/>
+              <a:rPr lang="fr-FR" dirty="0"/>
               <a:t>Cinquième niveau</a:t>
             </a:r>
-            <a:endParaRPr lang="fr-FR" dirty="0"/>
           </a:p>
         </p:txBody>
       </p:sp>
@@ -6235,7 +6173,7 @@
             <a:spLocks noGrp="1"/>
           </p:cNvSpPr>
           <p:nvPr>
-            <p:ph idx="15"/>
+            <p:ph idx="15" hasCustomPrompt="1"/>
           </p:nvPr>
         </p:nvSpPr>
         <p:spPr bwMode="gray">
@@ -6250,38 +6188,37 @@
           <a:p>
             <a:pPr lvl="0"/>
             <a:r>
-              <a:rPr lang="fr-FR" dirty="0" smtClean="0"/>
+              <a:rPr lang="fr-FR" dirty="0"/>
               <a:t>Modifiez les styles du texte du masque</a:t>
             </a:r>
           </a:p>
           <a:p>
             <a:pPr lvl="1"/>
             <a:r>
-              <a:rPr lang="fr-FR" dirty="0" smtClean="0"/>
+              <a:rPr lang="fr-FR" dirty="0"/>
               <a:t>Deuxième niveau</a:t>
             </a:r>
           </a:p>
           <a:p>
             <a:pPr lvl="2"/>
             <a:r>
-              <a:rPr lang="fr-FR" dirty="0" smtClean="0"/>
+              <a:rPr lang="fr-FR" dirty="0"/>
               <a:t>Troisième niveau</a:t>
             </a:r>
           </a:p>
           <a:p>
             <a:pPr lvl="3"/>
             <a:r>
-              <a:rPr lang="fr-FR" dirty="0" smtClean="0"/>
+              <a:rPr lang="fr-FR" dirty="0"/>
               <a:t>Quatrième niveau</a:t>
             </a:r>
           </a:p>
           <a:p>
             <a:pPr lvl="4"/>
             <a:r>
-              <a:rPr lang="fr-FR" dirty="0" smtClean="0"/>
+              <a:rPr lang="fr-FR" dirty="0"/>
               <a:t>Cinquième niveau</a:t>
             </a:r>
-            <a:endParaRPr lang="fr-FR" dirty="0"/>
           </a:p>
         </p:txBody>
       </p:sp>
@@ -6302,7 +6239,7 @@
           <a:p>
             <a:fld id="{1643EF77-D5D6-40EF-9F4B-07F203095EEF}" type="datetime1">
               <a:rPr lang="fr-FR" smtClean="0"/>
-              <a:t>25/02/2018</a:t>
+              <a:t>28/02/2018</a:t>
             </a:fld>
             <a:endParaRPr lang="fr-FR" dirty="0"/>
           </a:p>
@@ -6324,10 +6261,9 @@
           <a:lstStyle/>
           <a:p>
             <a:r>
-              <a:rPr lang="fr-FR" dirty="0" smtClean="0"/>
+              <a:rPr lang="fr-FR" dirty="0"/>
               <a:t>Descripteurs locaux pour la recherche d’images similaires</a:t>
             </a:r>
-            <a:endParaRPr lang="fr-FR" dirty="0"/>
           </a:p>
         </p:txBody>
       </p:sp>
@@ -6348,7 +6284,6 @@
           <a:p>
             <a:fld id="{10C140CD-8AED-46FF-A9A2-77308F3F39AE}" type="slidenum">
               <a:rPr lang="fr-FR" smtClean="0"/>
-              <a:pPr/>
               <a:t>‹#›</a:t>
             </a:fld>
             <a:endParaRPr lang="fr-FR" dirty="0"/>
@@ -6356,11 +6291,6 @@
         </p:txBody>
       </p:sp>
     </p:spTree>
-    <p:extLst>
-      <p:ext uri="{BB962C8B-B14F-4D97-AF65-F5344CB8AC3E}">
-        <p14:creationId xmlns:p14="http://schemas.microsoft.com/office/powerpoint/2010/main" val="845761313"/>
-      </p:ext>
-    </p:extLst>
   </p:cSld>
   <p:clrMapOvr>
     <a:masterClrMapping/>
@@ -6401,7 +6331,7 @@
           <a:lstStyle/>
           <a:p>
             <a:r>
-              <a:rPr lang="fr-FR" noProof="0" dirty="0" smtClean="0"/>
+              <a:rPr lang="fr-FR" noProof="0" dirty="0"/>
               <a:t>Chapitre 0 : Titre</a:t>
             </a:r>
             <a:endParaRPr lang="fr-FR" dirty="0"/>
@@ -6438,10 +6368,9 @@
           <a:p>
             <a:pPr lvl="0"/>
             <a:r>
-              <a:rPr lang="fr-FR" dirty="0" smtClean="0"/>
+              <a:rPr lang="fr-FR" dirty="0"/>
               <a:t>0.0 Titre</a:t>
             </a:r>
-            <a:endParaRPr lang="fr-FR" dirty="0"/>
           </a:p>
         </p:txBody>
       </p:sp>
@@ -6452,7 +6381,7 @@
             <a:spLocks noGrp="1"/>
           </p:cNvSpPr>
           <p:nvPr>
-            <p:ph idx="14"/>
+            <p:ph idx="14" hasCustomPrompt="1"/>
           </p:nvPr>
         </p:nvSpPr>
         <p:spPr bwMode="gray">
@@ -6467,38 +6396,37 @@
           <a:p>
             <a:pPr lvl="0"/>
             <a:r>
-              <a:rPr lang="fr-FR" dirty="0" smtClean="0"/>
+              <a:rPr lang="fr-FR" dirty="0"/>
               <a:t>Modifiez les styles du texte du masque</a:t>
             </a:r>
           </a:p>
           <a:p>
             <a:pPr lvl="1"/>
             <a:r>
-              <a:rPr lang="fr-FR" dirty="0" smtClean="0"/>
+              <a:rPr lang="fr-FR" dirty="0"/>
               <a:t>Deuxième niveau</a:t>
             </a:r>
           </a:p>
           <a:p>
             <a:pPr lvl="2"/>
             <a:r>
-              <a:rPr lang="fr-FR" dirty="0" smtClean="0"/>
+              <a:rPr lang="fr-FR" dirty="0"/>
               <a:t>Troisième niveau</a:t>
             </a:r>
           </a:p>
           <a:p>
             <a:pPr lvl="3"/>
             <a:r>
-              <a:rPr lang="fr-FR" dirty="0" smtClean="0"/>
+              <a:rPr lang="fr-FR" dirty="0"/>
               <a:t>Quatrième niveau</a:t>
             </a:r>
           </a:p>
           <a:p>
             <a:pPr lvl="4"/>
             <a:r>
-              <a:rPr lang="fr-FR" dirty="0" smtClean="0"/>
+              <a:rPr lang="fr-FR" dirty="0"/>
               <a:t>Cinquième niveau</a:t>
             </a:r>
-            <a:endParaRPr lang="fr-FR" dirty="0"/>
           </a:p>
         </p:txBody>
       </p:sp>
@@ -6509,7 +6437,7 @@
             <a:spLocks noGrp="1"/>
           </p:cNvSpPr>
           <p:nvPr>
-            <p:ph idx="15"/>
+            <p:ph idx="15" hasCustomPrompt="1"/>
           </p:nvPr>
         </p:nvSpPr>
         <p:spPr bwMode="gray">
@@ -6524,38 +6452,37 @@
           <a:p>
             <a:pPr lvl="0"/>
             <a:r>
-              <a:rPr lang="fr-FR" dirty="0" smtClean="0"/>
+              <a:rPr lang="fr-FR" dirty="0"/>
               <a:t>Modifiez les styles du texte du masque</a:t>
             </a:r>
           </a:p>
           <a:p>
             <a:pPr lvl="1"/>
             <a:r>
-              <a:rPr lang="fr-FR" dirty="0" smtClean="0"/>
+              <a:rPr lang="fr-FR" dirty="0"/>
               <a:t>Deuxième niveau</a:t>
             </a:r>
           </a:p>
           <a:p>
             <a:pPr lvl="2"/>
             <a:r>
-              <a:rPr lang="fr-FR" dirty="0" smtClean="0"/>
+              <a:rPr lang="fr-FR" dirty="0"/>
               <a:t>Troisième niveau</a:t>
             </a:r>
           </a:p>
           <a:p>
             <a:pPr lvl="3"/>
             <a:r>
-              <a:rPr lang="fr-FR" dirty="0" smtClean="0"/>
+              <a:rPr lang="fr-FR" dirty="0"/>
               <a:t>Quatrième niveau</a:t>
             </a:r>
           </a:p>
           <a:p>
             <a:pPr lvl="4"/>
             <a:r>
-              <a:rPr lang="fr-FR" dirty="0" smtClean="0"/>
+              <a:rPr lang="fr-FR" dirty="0"/>
               <a:t>Cinquième niveau</a:t>
             </a:r>
-            <a:endParaRPr lang="fr-FR" dirty="0"/>
           </a:p>
         </p:txBody>
       </p:sp>
@@ -6590,9 +6517,8 @@
               </a:spcAft>
               <a:buClrTx/>
               <a:buSzTx/>
-              <a:buFont typeface="Arial" pitchFamily="34" charset="0"/>
+              <a:buFont typeface="Arial" panose="020B0604020202020204" pitchFamily="34" charset="0"/>
               <a:buNone/>
-              <a:tabLst/>
               <a:defRPr sz="1000">
                 <a:solidFill>
                   <a:schemeClr val="tx1"/>
@@ -6602,14 +6528,14 @@
           </a:lstStyle>
           <a:p>
             <a:r>
-              <a:rPr lang="fr-FR" noProof="0" dirty="0" smtClean="0"/>
+              <a:rPr lang="fr-FR" noProof="0" dirty="0"/>
               <a:t>Logotype</a:t>
             </a:r>
             <a:br>
-              <a:rPr lang="fr-FR" noProof="0" dirty="0" smtClean="0"/>
+              <a:rPr lang="fr-FR" noProof="0" dirty="0"/>
             </a:br>
             <a:r>
-              <a:rPr lang="fr-FR" noProof="0" dirty="0" smtClean="0"/>
+              <a:rPr lang="fr-FR" noProof="0" dirty="0"/>
               <a:t>partenaire</a:t>
             </a:r>
           </a:p>
@@ -6632,7 +6558,7 @@
           <a:p>
             <a:fld id="{AC5CD3B3-8D2B-4B82-9D76-E78AABAA42A0}" type="datetime1">
               <a:rPr lang="fr-FR" smtClean="0"/>
-              <a:t>25/02/2018</a:t>
+              <a:t>28/02/2018</a:t>
             </a:fld>
             <a:endParaRPr lang="fr-FR" dirty="0"/>
           </a:p>
@@ -6654,10 +6580,9 @@
           <a:lstStyle/>
           <a:p>
             <a:r>
-              <a:rPr lang="fr-FR" dirty="0" smtClean="0"/>
+              <a:rPr lang="fr-FR" dirty="0"/>
               <a:t>Descripteurs locaux pour la recherche d’images similaires</a:t>
             </a:r>
-            <a:endParaRPr lang="fr-FR" dirty="0"/>
           </a:p>
         </p:txBody>
       </p:sp>
@@ -6678,7 +6603,6 @@
           <a:p>
             <a:fld id="{10C140CD-8AED-46FF-A9A2-77308F3F39AE}" type="slidenum">
               <a:rPr lang="fr-FR" smtClean="0"/>
-              <a:pPr/>
               <a:t>‹#›</a:t>
             </a:fld>
             <a:endParaRPr lang="fr-FR" dirty="0"/>
@@ -6686,11 +6610,6 @@
         </p:txBody>
       </p:sp>
     </p:spTree>
-    <p:extLst>
-      <p:ext uri="{BB962C8B-B14F-4D97-AF65-F5344CB8AC3E}">
-        <p14:creationId xmlns:p14="http://schemas.microsoft.com/office/powerpoint/2010/main" val="3469676486"/>
-      </p:ext>
-    </p:extLst>
   </p:cSld>
   <p:clrMapOvr>
     <a:masterClrMapping/>
@@ -6746,9 +6665,8 @@
               </a:spcAft>
               <a:buClrTx/>
               <a:buSzTx/>
-              <a:buFont typeface="Arial" pitchFamily="34" charset="0"/>
+              <a:buFont typeface="Arial" panose="020B0604020202020204" pitchFamily="34" charset="0"/>
               <a:buNone/>
-              <a:tabLst/>
               <a:defRPr sz="1000">
                 <a:solidFill>
                   <a:schemeClr val="tx1"/>
@@ -6758,7 +6676,7 @@
           </a:lstStyle>
           <a:p>
             <a:r>
-              <a:rPr lang="fr-FR" noProof="0" dirty="0" smtClean="0"/>
+              <a:rPr lang="fr-FR" noProof="0" dirty="0"/>
               <a:t>Sélectionner l’icône pour insérer une image</a:t>
             </a:r>
           </a:p>
@@ -6780,7 +6698,7 @@
           <a:lstStyle/>
           <a:p>
             <a:r>
-              <a:rPr lang="fr-FR" noProof="0" dirty="0" smtClean="0"/>
+              <a:rPr lang="fr-FR" noProof="0" dirty="0"/>
               <a:t>Chapitre 0 : Titre</a:t>
             </a:r>
             <a:endParaRPr lang="fr-FR" dirty="0"/>
@@ -6817,10 +6735,9 @@
           <a:p>
             <a:pPr lvl="0"/>
             <a:r>
-              <a:rPr lang="fr-FR" dirty="0" smtClean="0"/>
+              <a:rPr lang="fr-FR" dirty="0"/>
               <a:t>0.0 Titre</a:t>
             </a:r>
-            <a:endParaRPr lang="fr-FR" dirty="0"/>
           </a:p>
         </p:txBody>
       </p:sp>
@@ -6859,38 +6776,37 @@
           <a:p>
             <a:pPr lvl="0"/>
             <a:r>
-              <a:rPr lang="fr-FR" noProof="0" dirty="0" smtClean="0"/>
+              <a:rPr lang="fr-FR" noProof="0" dirty="0"/>
               <a:t>Texte de niveau 1</a:t>
             </a:r>
           </a:p>
           <a:p>
             <a:pPr lvl="1"/>
             <a:r>
-              <a:rPr lang="fr-FR" noProof="0" dirty="0" smtClean="0"/>
+              <a:rPr lang="fr-FR" noProof="0" dirty="0"/>
               <a:t>Texte de niveau 2</a:t>
             </a:r>
           </a:p>
           <a:p>
             <a:pPr lvl="2"/>
             <a:r>
-              <a:rPr lang="fr-FR" noProof="0" dirty="0" smtClean="0"/>
+              <a:rPr lang="fr-FR" noProof="0" dirty="0"/>
               <a:t>Texte de niveau 3</a:t>
             </a:r>
           </a:p>
           <a:p>
             <a:pPr lvl="3"/>
             <a:r>
-              <a:rPr lang="fr-FR" noProof="0" dirty="0" smtClean="0"/>
+              <a:rPr lang="fr-FR" noProof="0" dirty="0"/>
               <a:t>Texte de niveau 4</a:t>
             </a:r>
           </a:p>
           <a:p>
             <a:pPr lvl="4"/>
             <a:r>
-              <a:rPr lang="fr-FR" noProof="0" dirty="0" smtClean="0"/>
+              <a:rPr lang="fr-FR" noProof="0" dirty="0"/>
               <a:t>Texte de niveau 5</a:t>
             </a:r>
-            <a:endParaRPr lang="fr-FR" noProof="0" dirty="0"/>
           </a:p>
         </p:txBody>
       </p:sp>
@@ -6911,7 +6827,7 @@
           <a:p>
             <a:fld id="{603695C0-14E2-48AD-9FD9-408AC13866B4}" type="datetime1">
               <a:rPr lang="fr-FR" smtClean="0"/>
-              <a:t>25/02/2018</a:t>
+              <a:t>28/02/2018</a:t>
             </a:fld>
             <a:endParaRPr lang="fr-FR" dirty="0"/>
           </a:p>
@@ -6933,10 +6849,9 @@
           <a:lstStyle/>
           <a:p>
             <a:r>
-              <a:rPr lang="fr-FR" dirty="0" smtClean="0"/>
+              <a:rPr lang="fr-FR" dirty="0"/>
               <a:t>Descripteurs locaux pour la recherche d’images similaires</a:t>
             </a:r>
-            <a:endParaRPr lang="fr-FR" dirty="0"/>
           </a:p>
         </p:txBody>
       </p:sp>
@@ -6957,7 +6872,6 @@
           <a:p>
             <a:fld id="{10C140CD-8AED-46FF-A9A2-77308F3F39AE}" type="slidenum">
               <a:rPr lang="fr-FR" smtClean="0"/>
-              <a:pPr/>
               <a:t>‹#›</a:t>
             </a:fld>
             <a:endParaRPr lang="fr-FR" dirty="0"/>
@@ -6965,11 +6879,6 @@
         </p:txBody>
       </p:sp>
     </p:spTree>
-    <p:extLst>
-      <p:ext uri="{BB962C8B-B14F-4D97-AF65-F5344CB8AC3E}">
-        <p14:creationId xmlns:p14="http://schemas.microsoft.com/office/powerpoint/2010/main" val="1215996358"/>
-      </p:ext>
-    </p:extLst>
   </p:cSld>
   <p:clrMapOvr>
     <a:masterClrMapping/>
@@ -7025,9 +6934,8 @@
               </a:spcAft>
               <a:buClrTx/>
               <a:buSzTx/>
-              <a:buFont typeface="Arial" pitchFamily="34" charset="0"/>
+              <a:buFont typeface="Arial" panose="020B0604020202020204" pitchFamily="34" charset="0"/>
               <a:buNone/>
-              <a:tabLst/>
               <a:defRPr sz="1000">
                 <a:solidFill>
                   <a:schemeClr val="tx1"/>
@@ -7037,7 +6945,7 @@
           </a:lstStyle>
           <a:p>
             <a:r>
-              <a:rPr lang="fr-FR" noProof="0" dirty="0" smtClean="0"/>
+              <a:rPr lang="fr-FR" noProof="0" dirty="0"/>
               <a:t>Sélectionner l’icône pour insérer une image</a:t>
             </a:r>
           </a:p>
@@ -7059,7 +6967,7 @@
           <a:lstStyle/>
           <a:p>
             <a:r>
-              <a:rPr lang="fr-FR" noProof="0" dirty="0" smtClean="0"/>
+              <a:rPr lang="fr-FR" noProof="0" dirty="0"/>
               <a:t>Chapitre 0 : Titre</a:t>
             </a:r>
             <a:endParaRPr lang="fr-FR" dirty="0"/>
@@ -7096,10 +7004,9 @@
           <a:p>
             <a:pPr lvl="0"/>
             <a:r>
-              <a:rPr lang="fr-FR" dirty="0" smtClean="0"/>
+              <a:rPr lang="fr-FR" dirty="0"/>
               <a:t>0.0 Titre</a:t>
             </a:r>
-            <a:endParaRPr lang="fr-FR" dirty="0"/>
           </a:p>
         </p:txBody>
       </p:sp>
@@ -7138,38 +7045,37 @@
           <a:p>
             <a:pPr lvl="0"/>
             <a:r>
-              <a:rPr lang="fr-FR" noProof="0" dirty="0" smtClean="0"/>
+              <a:rPr lang="fr-FR" noProof="0" dirty="0"/>
               <a:t>Texte de niveau 1</a:t>
             </a:r>
           </a:p>
           <a:p>
             <a:pPr lvl="1"/>
             <a:r>
-              <a:rPr lang="fr-FR" noProof="0" dirty="0" smtClean="0"/>
+              <a:rPr lang="fr-FR" noProof="0" dirty="0"/>
               <a:t>Texte de niveau 2</a:t>
             </a:r>
           </a:p>
           <a:p>
             <a:pPr lvl="2"/>
             <a:r>
-              <a:rPr lang="fr-FR" noProof="0" dirty="0" smtClean="0"/>
+              <a:rPr lang="fr-FR" noProof="0" dirty="0"/>
               <a:t>Texte de niveau 3</a:t>
             </a:r>
           </a:p>
           <a:p>
             <a:pPr lvl="3"/>
             <a:r>
-              <a:rPr lang="fr-FR" noProof="0" dirty="0" smtClean="0"/>
+              <a:rPr lang="fr-FR" noProof="0" dirty="0"/>
               <a:t>Texte de niveau 4</a:t>
             </a:r>
           </a:p>
           <a:p>
             <a:pPr lvl="4"/>
             <a:r>
-              <a:rPr lang="fr-FR" noProof="0" dirty="0" smtClean="0"/>
+              <a:rPr lang="fr-FR" noProof="0" dirty="0"/>
               <a:t>Texte de niveau 5</a:t>
             </a:r>
-            <a:endParaRPr lang="fr-FR" noProof="0" dirty="0"/>
           </a:p>
         </p:txBody>
       </p:sp>
@@ -7204,9 +7110,8 @@
               </a:spcAft>
               <a:buClrTx/>
               <a:buSzTx/>
-              <a:buFont typeface="Arial" pitchFamily="34" charset="0"/>
+              <a:buFont typeface="Arial" panose="020B0604020202020204" pitchFamily="34" charset="0"/>
               <a:buNone/>
-              <a:tabLst/>
               <a:defRPr sz="1000">
                 <a:solidFill>
                   <a:schemeClr val="tx1"/>
@@ -7216,14 +7121,14 @@
           </a:lstStyle>
           <a:p>
             <a:r>
-              <a:rPr lang="fr-FR" noProof="0" dirty="0" smtClean="0"/>
+              <a:rPr lang="fr-FR" noProof="0" dirty="0"/>
               <a:t>Logotype</a:t>
             </a:r>
             <a:br>
-              <a:rPr lang="fr-FR" noProof="0" dirty="0" smtClean="0"/>
+              <a:rPr lang="fr-FR" noProof="0" dirty="0"/>
             </a:br>
             <a:r>
-              <a:rPr lang="fr-FR" noProof="0" dirty="0" smtClean="0"/>
+              <a:rPr lang="fr-FR" noProof="0" dirty="0"/>
               <a:t>partenaire</a:t>
             </a:r>
           </a:p>
@@ -7246,7 +7151,7 @@
           <a:p>
             <a:fld id="{98E2A745-9137-47F7-8E9B-5BFBAFF7B600}" type="datetime1">
               <a:rPr lang="fr-FR" smtClean="0"/>
-              <a:t>25/02/2018</a:t>
+              <a:t>28/02/2018</a:t>
             </a:fld>
             <a:endParaRPr lang="fr-FR" dirty="0"/>
           </a:p>
@@ -7268,10 +7173,9 @@
           <a:lstStyle/>
           <a:p>
             <a:r>
-              <a:rPr lang="fr-FR" dirty="0" smtClean="0"/>
+              <a:rPr lang="fr-FR" dirty="0"/>
               <a:t>Descripteurs locaux pour la recherche d’images similaires</a:t>
             </a:r>
-            <a:endParaRPr lang="fr-FR" dirty="0"/>
           </a:p>
         </p:txBody>
       </p:sp>
@@ -7292,7 +7196,6 @@
           <a:p>
             <a:fld id="{10C140CD-8AED-46FF-A9A2-77308F3F39AE}" type="slidenum">
               <a:rPr lang="fr-FR" smtClean="0"/>
-              <a:pPr/>
               <a:t>‹#›</a:t>
             </a:fld>
             <a:endParaRPr lang="fr-FR" dirty="0"/>
@@ -7300,11 +7203,6 @@
         </p:txBody>
       </p:sp>
     </p:spTree>
-    <p:extLst>
-      <p:ext uri="{BB962C8B-B14F-4D97-AF65-F5344CB8AC3E}">
-        <p14:creationId xmlns:p14="http://schemas.microsoft.com/office/powerpoint/2010/main" val="83725409"/>
-      </p:ext>
-    </p:extLst>
   </p:cSld>
   <p:clrMapOvr>
     <a:masterClrMapping/>
@@ -7406,10 +7304,9 @@
           <a:lstStyle/>
           <a:p>
             <a:r>
-              <a:rPr lang="fr-FR" noProof="0" dirty="0" smtClean="0"/>
+              <a:rPr lang="fr-FR" noProof="0" dirty="0"/>
               <a:t>Chapitre 0 : Titre</a:t>
             </a:r>
-            <a:endParaRPr lang="fr-FR" noProof="0" dirty="0"/>
           </a:p>
         </p:txBody>
       </p:sp>
@@ -7440,35 +7337,35 @@
           <a:p>
             <a:pPr lvl="0"/>
             <a:r>
-              <a:rPr lang="fr-FR" noProof="0" dirty="0" smtClean="0"/>
+              <a:rPr lang="fr-FR" noProof="0" dirty="0"/>
               <a:t>Texte de niveau 1</a:t>
             </a:r>
           </a:p>
           <a:p>
             <a:pPr lvl="1"/>
             <a:r>
-              <a:rPr lang="fr-FR" noProof="0" dirty="0" smtClean="0"/>
+              <a:rPr lang="fr-FR" noProof="0" dirty="0"/>
               <a:t>Texte de niveau 2</a:t>
             </a:r>
           </a:p>
           <a:p>
             <a:pPr lvl="2"/>
             <a:r>
-              <a:rPr lang="fr-FR" noProof="0" dirty="0" smtClean="0"/>
+              <a:rPr lang="fr-FR" noProof="0" dirty="0"/>
               <a:t>Texte de niveau 3</a:t>
             </a:r>
           </a:p>
           <a:p>
             <a:pPr lvl="3"/>
             <a:r>
-              <a:rPr lang="fr-FR" noProof="0" dirty="0" smtClean="0"/>
+              <a:rPr lang="fr-FR" noProof="0" dirty="0"/>
               <a:t>Texte de niveau 4</a:t>
             </a:r>
           </a:p>
           <a:p>
             <a:pPr lvl="4"/>
             <a:r>
-              <a:rPr lang="fr-FR" noProof="0" dirty="0" smtClean="0"/>
+              <a:rPr lang="fr-FR" noProof="0" dirty="0"/>
               <a:t>Texte de niveau 5</a:t>
             </a:r>
           </a:p>
@@ -7509,7 +7406,7 @@
           <a:p>
             <a:fld id="{81A6A722-77CE-483A-9C01-962190722771}" type="datetime1">
               <a:rPr lang="fr-FR" smtClean="0"/>
-              <a:t>25/02/2018</a:t>
+              <a:t>28/02/2018</a:t>
             </a:fld>
             <a:endParaRPr lang="fr-FR" dirty="0"/>
           </a:p>
@@ -7549,7 +7446,7 @@
           </a:lstStyle>
           <a:p>
             <a:r>
-              <a:rPr lang="en-US" smtClean="0"/>
+              <a:rPr lang="en-US"/>
               <a:t>Markov Random Fields for Super-resolution and Texture Synthesis</a:t>
             </a:r>
             <a:endParaRPr lang="fr-FR" dirty="0"/>
@@ -7591,7 +7488,6 @@
           <a:p>
             <a:fld id="{10C140CD-8AED-46FF-A9A2-77308F3F39AE}" type="slidenum">
               <a:rPr lang="fr-FR" smtClean="0"/>
-              <a:pPr/>
               <a:t>‹#›</a:t>
             </a:fld>
             <a:endParaRPr lang="fr-FR" dirty="0"/>
@@ -7632,15 +7528,15 @@
   </p:cSld>
   <p:clrMap bg1="lt1" tx1="dk1" bg2="lt2" tx2="dk2" accent1="accent1" accent2="accent2" accent3="accent3" accent4="accent4" accent5="accent5" accent6="accent6" hlink="hlink" folHlink="folHlink"/>
   <p:sldLayoutIdLst>
-    <p:sldLayoutId id="2147483674" r:id="rId1"/>
-    <p:sldLayoutId id="2147483675" r:id="rId2"/>
-    <p:sldLayoutId id="2147483670" r:id="rId3"/>
-    <p:sldLayoutId id="2147483669" r:id="rId4"/>
-    <p:sldLayoutId id="2147483676" r:id="rId5"/>
-    <p:sldLayoutId id="2147483671" r:id="rId6"/>
-    <p:sldLayoutId id="2147483673" r:id="rId7"/>
-    <p:sldLayoutId id="2147483677" r:id="rId8"/>
-    <p:sldLayoutId id="2147483672" r:id="rId9"/>
+    <p:sldLayoutId id="2147483649" r:id="rId1"/>
+    <p:sldLayoutId id="2147483650" r:id="rId2"/>
+    <p:sldLayoutId id="2147483651" r:id="rId3"/>
+    <p:sldLayoutId id="2147483652" r:id="rId4"/>
+    <p:sldLayoutId id="2147483653" r:id="rId5"/>
+    <p:sldLayoutId id="2147483654" r:id="rId6"/>
+    <p:sldLayoutId id="2147483655" r:id="rId7"/>
+    <p:sldLayoutId id="2147483656" r:id="rId8"/>
+    <p:sldLayoutId id="2147483657" r:id="rId9"/>
   </p:sldLayoutIdLst>
   <p:hf hdr="0"/>
   <p:txStyles>
@@ -7787,7 +7683,7 @@
         <a:spcBef>
           <a:spcPct val="20000"/>
         </a:spcBef>
-        <a:buFont typeface="Arial" pitchFamily="34" charset="0"/>
+        <a:buFont typeface="Arial" panose="020B0604020202020204" pitchFamily="34" charset="0"/>
         <a:buNone/>
         <a:defRPr sz="1500" kern="1200">
           <a:solidFill>
@@ -7820,7 +7716,7 @@
         <a:spcBef>
           <a:spcPct val="20000"/>
         </a:spcBef>
-        <a:buFont typeface="Arial" pitchFamily="34" charset="0"/>
+        <a:buFont typeface="Arial" panose="020B0604020202020204" pitchFamily="34" charset="0"/>
         <a:buChar char="•"/>
         <a:defRPr sz="2000" kern="1200">
           <a:solidFill>
@@ -7835,7 +7731,7 @@
         <a:spcBef>
           <a:spcPct val="20000"/>
         </a:spcBef>
-        <a:buFont typeface="Arial" pitchFamily="34" charset="0"/>
+        <a:buFont typeface="Arial" panose="020B0604020202020204" pitchFamily="34" charset="0"/>
         <a:buChar char="•"/>
         <a:defRPr sz="2000" kern="1200">
           <a:solidFill>
@@ -7980,7 +7876,7 @@
           <a:p>
             <a:fld id="{2D54133B-371A-451E-83B0-12E77C669547}" type="datetime1">
               <a:rPr lang="fr-FR" smtClean="0"/>
-              <a:t>25/02/2018</a:t>
+              <a:t>28/02/2018</a:t>
             </a:fld>
             <a:endParaRPr lang="fr-FR" dirty="0"/>
           </a:p>
@@ -8003,7 +7899,6 @@
           <a:p>
             <a:fld id="{10C140CD-8AED-46FF-A9A2-77308F3F39AE}" type="slidenum">
               <a:rPr lang="fr-FR" smtClean="0"/>
-              <a:pPr/>
               <a:t>1</a:t>
             </a:fld>
             <a:endParaRPr lang="fr-FR"/>
@@ -8026,7 +7921,7 @@
           <a:lstStyle/>
           <a:p>
             <a:r>
-              <a:rPr lang="en-US" smtClean="0"/>
+              <a:rPr lang="en-US"/>
               <a:t>Markov Random Fields for Super-resolution and Texture Synthesis</a:t>
             </a:r>
             <a:endParaRPr lang="fr-FR" dirty="0"/>
@@ -8049,16 +7944,12 @@
           <a:lstStyle/>
           <a:p>
             <a:r>
-              <a:rPr lang="en-US" dirty="0" smtClean="0"/>
+              <a:rPr lang="en-US" dirty="0"/>
               <a:t>Lot1 : </a:t>
             </a:r>
             <a:r>
               <a:rPr lang="fr-FR" dirty="0"/>
-              <a:t>Descripteurs locaux pour la recherche d’images </a:t>
-            </a:r>
-            <a:r>
-              <a:rPr lang="fr-FR" dirty="0" smtClean="0"/>
-              <a:t>similaires</a:t>
+              <a:t>Descripteurs locaux pour la recherche d’images similaires</a:t>
             </a:r>
             <a:endParaRPr lang="en-US" dirty="0"/>
           </a:p>
@@ -8087,29 +7978,23 @@
           <a:lstStyle/>
           <a:p>
             <a:r>
-              <a:rPr lang="en-US" dirty="0" err="1" smtClean="0"/>
+              <a:rPr lang="en-US" dirty="0" err="1"/>
               <a:t>Junshuai</a:t>
             </a:r>
             <a:r>
-              <a:rPr lang="en-US" dirty="0" smtClean="0"/>
+              <a:rPr lang="en-US" dirty="0"/>
               <a:t> ZHU</a:t>
             </a:r>
           </a:p>
           <a:p>
             <a:r>
-              <a:rPr lang="en-US" dirty="0" smtClean="0"/>
+              <a:rPr lang="en-US" dirty="0"/>
               <a:t>Yihong XU</a:t>
             </a:r>
-            <a:endParaRPr lang="en-US" dirty="0"/>
           </a:p>
         </p:txBody>
       </p:sp>
     </p:spTree>
-    <p:extLst>
-      <p:ext uri="{BB962C8B-B14F-4D97-AF65-F5344CB8AC3E}">
-        <p14:creationId xmlns:p14="http://schemas.microsoft.com/office/powerpoint/2010/main" val="778495316"/>
-      </p:ext>
-    </p:extLst>
   </p:cSld>
   <p:clrMapOvr>
     <a:masterClrMapping/>
@@ -8159,23 +8044,15 @@
               <a:t>PHASE DE </a:t>
             </a:r>
             <a:r>
-              <a:rPr lang="fr-FR" dirty="0" err="1" smtClean="0"/>
+              <a:rPr lang="fr-FR" dirty="0" err="1"/>
               <a:t>TESTs</a:t>
             </a:r>
             <a:r>
-              <a:rPr lang="fr-FR" dirty="0" smtClean="0"/>
-              <a:t> </a:t>
-            </a:r>
-            <a:r>
               <a:rPr lang="fr-FR" dirty="0"/>
-              <a:t>ET </a:t>
-            </a:r>
-            <a:r>
-              <a:rPr lang="fr-FR" dirty="0" smtClean="0"/>
-              <a:t>COMPARAISONS – </a:t>
-            </a:r>
-            <a:r>
-              <a:rPr lang="fr-FR" dirty="0" err="1" smtClean="0"/>
+              <a:t> ET COMPARAISONS – </a:t>
+            </a:r>
+            <a:r>
+              <a:rPr lang="fr-FR" dirty="0" err="1"/>
               <a:t>ranking</a:t>
             </a:r>
             <a:endParaRPr lang="en-US" dirty="0"/>
@@ -8199,7 +8076,7 @@
           <a:p>
             <a:fld id="{02F2A944-B0D2-4E65-9B75-234B8B45C846}" type="datetime1">
               <a:rPr lang="fr-FR" smtClean="0"/>
-              <a:t>25/02/2018</a:t>
+              <a:t>28/02/2018</a:t>
             </a:fld>
             <a:endParaRPr lang="fr-FR" dirty="0"/>
           </a:p>
@@ -8224,7 +8101,6 @@
               <a:rPr lang="fr-FR" dirty="0"/>
               <a:t>Descripteurs locaux pour la recherche d’images similaires</a:t>
             </a:r>
-            <a:endParaRPr lang="fr-FR" dirty="0"/>
           </a:p>
         </p:txBody>
       </p:sp>
@@ -8245,7 +8121,6 @@
           <a:p>
             <a:fld id="{10C140CD-8AED-46FF-A9A2-77308F3F39AE}" type="slidenum">
               <a:rPr lang="fr-FR" smtClean="0"/>
-              <a:pPr/>
               <a:t>10</a:t>
             </a:fld>
             <a:endParaRPr lang="fr-FR" dirty="0"/>
@@ -8258,13 +8133,7 @@
           <p:cNvGraphicFramePr>
             <a:graphicFrameLocks noGrp="1"/>
           </p:cNvGraphicFramePr>
-          <p:nvPr>
-            <p:extLst>
-              <p:ext uri="{D42A27DB-BD31-4B8C-83A1-F6EECF244321}">
-                <p14:modId xmlns:p14="http://schemas.microsoft.com/office/powerpoint/2010/main" val="432247876"/>
-              </p:ext>
-            </p:extLst>
-          </p:nvPr>
+          <p:nvPr/>
         </p:nvGraphicFramePr>
         <p:xfrm>
           <a:off x="396000" y="1204238"/>
@@ -8277,13 +8146,55 @@
                 <a:tableStyleId>{5C22544A-7EE6-4342-B048-85BDC9FD1C3A}</a:tableStyleId>
               </a:tblPr>
               <a:tblGrid>
-                <a:gridCol w="1213783"/>
-                <a:gridCol w="1213783"/>
-                <a:gridCol w="1213783"/>
-                <a:gridCol w="1213783"/>
-                <a:gridCol w="1213783"/>
-                <a:gridCol w="1213783"/>
-                <a:gridCol w="1213783"/>
+                <a:gridCol w="1213783">
+                  <a:extLst>
+                    <a:ext uri="{9D8B030D-6E8A-4147-A177-3AD203B41FA5}">
+                      <a16:colId xmlns:a16="http://schemas.microsoft.com/office/drawing/2014/main" val="20000"/>
+                    </a:ext>
+                  </a:extLst>
+                </a:gridCol>
+                <a:gridCol w="1213783">
+                  <a:extLst>
+                    <a:ext uri="{9D8B030D-6E8A-4147-A177-3AD203B41FA5}">
+                      <a16:colId xmlns:a16="http://schemas.microsoft.com/office/drawing/2014/main" val="20001"/>
+                    </a:ext>
+                  </a:extLst>
+                </a:gridCol>
+                <a:gridCol w="1213783">
+                  <a:extLst>
+                    <a:ext uri="{9D8B030D-6E8A-4147-A177-3AD203B41FA5}">
+                      <a16:colId xmlns:a16="http://schemas.microsoft.com/office/drawing/2014/main" val="20002"/>
+                    </a:ext>
+                  </a:extLst>
+                </a:gridCol>
+                <a:gridCol w="1213783">
+                  <a:extLst>
+                    <a:ext uri="{9D8B030D-6E8A-4147-A177-3AD203B41FA5}">
+                      <a16:colId xmlns:a16="http://schemas.microsoft.com/office/drawing/2014/main" val="20003"/>
+                    </a:ext>
+                  </a:extLst>
+                </a:gridCol>
+                <a:gridCol w="1213783">
+                  <a:extLst>
+                    <a:ext uri="{9D8B030D-6E8A-4147-A177-3AD203B41FA5}">
+                      <a16:colId xmlns:a16="http://schemas.microsoft.com/office/drawing/2014/main" val="20004"/>
+                    </a:ext>
+                  </a:extLst>
+                </a:gridCol>
+                <a:gridCol w="1213783">
+                  <a:extLst>
+                    <a:ext uri="{9D8B030D-6E8A-4147-A177-3AD203B41FA5}">
+                      <a16:colId xmlns:a16="http://schemas.microsoft.com/office/drawing/2014/main" val="20005"/>
+                    </a:ext>
+                  </a:extLst>
+                </a:gridCol>
+                <a:gridCol w="1213783">
+                  <a:extLst>
+                    <a:ext uri="{9D8B030D-6E8A-4147-A177-3AD203B41FA5}">
+                      <a16:colId xmlns:a16="http://schemas.microsoft.com/office/drawing/2014/main" val="20006"/>
+                    </a:ext>
+                  </a:extLst>
+                </a:gridCol>
               </a:tblGrid>
               <a:tr h="394869">
                 <a:tc>
@@ -8373,7 +8284,7 @@
                     <a:bodyPr/>
                     <a:lstStyle/>
                     <a:p>
-                      <a:endParaRPr lang="en-US"/>
+                      <a:endParaRPr lang="zh-CN"/>
                     </a:p>
                   </a:txBody>
                   <a:tcPr/>
@@ -8418,7 +8329,7 @@
                     <a:bodyPr/>
                     <a:lstStyle/>
                     <a:p>
-                      <a:endParaRPr lang="en-US"/>
+                      <a:endParaRPr lang="zh-CN"/>
                     </a:p>
                   </a:txBody>
                   <a:tcPr/>
@@ -8463,11 +8374,16 @@
                     <a:bodyPr/>
                     <a:lstStyle/>
                     <a:p>
-                      <a:endParaRPr lang="en-US"/>
+                      <a:endParaRPr lang="zh-CN"/>
                     </a:p>
                   </a:txBody>
                   <a:tcPr/>
                 </a:tc>
+                <a:extLst>
+                  <a:ext uri="{0D108BD9-81ED-4DB2-BD59-A6C34878D82A}">
+                    <a16:rowId xmlns:a16="http://schemas.microsoft.com/office/drawing/2014/main" val="10000"/>
+                  </a:ext>
+                </a:extLst>
               </a:tr>
               <a:tr h="686907">
                 <a:tc>
@@ -8694,6 +8610,11 @@
                   </a:txBody>
                   <a:tcPr marL="68580" marR="68580" marT="0" marB="0"/>
                 </a:tc>
+                <a:extLst>
+                  <a:ext uri="{0D108BD9-81ED-4DB2-BD59-A6C34878D82A}">
+                    <a16:rowId xmlns:a16="http://schemas.microsoft.com/office/drawing/2014/main" val="10001"/>
+                  </a:ext>
+                </a:extLst>
               </a:tr>
               <a:tr h="197434">
                 <a:tc>
@@ -8938,6 +8859,11 @@
                   </a:txBody>
                   <a:tcPr marL="68580" marR="68580" marT="0" marB="0"/>
                 </a:tc>
+                <a:extLst>
+                  <a:ext uri="{0D108BD9-81ED-4DB2-BD59-A6C34878D82A}">
+                    <a16:rowId xmlns:a16="http://schemas.microsoft.com/office/drawing/2014/main" val="10002"/>
+                  </a:ext>
+                </a:extLst>
               </a:tr>
               <a:tr h="197434">
                 <a:tc>
@@ -9179,6 +9105,11 @@
                   </a:txBody>
                   <a:tcPr marL="68580" marR="68580" marT="0" marB="0"/>
                 </a:tc>
+                <a:extLst>
+                  <a:ext uri="{0D108BD9-81ED-4DB2-BD59-A6C34878D82A}">
+                    <a16:rowId xmlns:a16="http://schemas.microsoft.com/office/drawing/2014/main" val="10003"/>
+                  </a:ext>
+                </a:extLst>
               </a:tr>
               <a:tr h="197434">
                 <a:tc>
@@ -9423,6 +9354,11 @@
                   </a:txBody>
                   <a:tcPr marL="68580" marR="68580" marT="0" marB="0"/>
                 </a:tc>
+                <a:extLst>
+                  <a:ext uri="{0D108BD9-81ED-4DB2-BD59-A6C34878D82A}">
+                    <a16:rowId xmlns:a16="http://schemas.microsoft.com/office/drawing/2014/main" val="10004"/>
+                  </a:ext>
+                </a:extLst>
               </a:tr>
               <a:tr h="197434">
                 <a:tc>
@@ -9664,6 +9600,11 @@
                   </a:txBody>
                   <a:tcPr marL="68580" marR="68580" marT="0" marB="0"/>
                 </a:tc>
+                <a:extLst>
+                  <a:ext uri="{0D108BD9-81ED-4DB2-BD59-A6C34878D82A}">
+                    <a16:rowId xmlns:a16="http://schemas.microsoft.com/office/drawing/2014/main" val="10005"/>
+                  </a:ext>
+                </a:extLst>
               </a:tr>
               <a:tr h="197434">
                 <a:tc>
@@ -9902,6 +9843,11 @@
                   </a:txBody>
                   <a:tcPr marL="68580" marR="68580" marT="0" marB="0"/>
                 </a:tc>
+                <a:extLst>
+                  <a:ext uri="{0D108BD9-81ED-4DB2-BD59-A6C34878D82A}">
+                    <a16:rowId xmlns:a16="http://schemas.microsoft.com/office/drawing/2014/main" val="10006"/>
+                  </a:ext>
+                </a:extLst>
               </a:tr>
               <a:tr h="197434">
                 <a:tc>
@@ -10146,6 +10092,11 @@
                   </a:txBody>
                   <a:tcPr marL="68580" marR="68580" marT="0" marB="0"/>
                 </a:tc>
+                <a:extLst>
+                  <a:ext uri="{0D108BD9-81ED-4DB2-BD59-A6C34878D82A}">
+                    <a16:rowId xmlns:a16="http://schemas.microsoft.com/office/drawing/2014/main" val="10007"/>
+                  </a:ext>
+                </a:extLst>
               </a:tr>
               <a:tr h="197434">
                 <a:tc>
@@ -10381,6 +10332,11 @@
                   </a:txBody>
                   <a:tcPr marL="68580" marR="68580" marT="0" marB="0"/>
                 </a:tc>
+                <a:extLst>
+                  <a:ext uri="{0D108BD9-81ED-4DB2-BD59-A6C34878D82A}">
+                    <a16:rowId xmlns:a16="http://schemas.microsoft.com/office/drawing/2014/main" val="10008"/>
+                  </a:ext>
+                </a:extLst>
               </a:tr>
               <a:tr h="197434">
                 <a:tc>
@@ -10619,6 +10575,11 @@
                   </a:txBody>
                   <a:tcPr marL="68580" marR="68580" marT="0" marB="0"/>
                 </a:tc>
+                <a:extLst>
+                  <a:ext uri="{0D108BD9-81ED-4DB2-BD59-A6C34878D82A}">
+                    <a16:rowId xmlns:a16="http://schemas.microsoft.com/office/drawing/2014/main" val="10009"/>
+                  </a:ext>
+                </a:extLst>
               </a:tr>
               <a:tr h="197434">
                 <a:tc>
@@ -10851,6 +10812,11 @@
                   </a:txBody>
                   <a:tcPr marL="68580" marR="68580" marT="0" marB="0"/>
                 </a:tc>
+                <a:extLst>
+                  <a:ext uri="{0D108BD9-81ED-4DB2-BD59-A6C34878D82A}">
+                    <a16:rowId xmlns:a16="http://schemas.microsoft.com/office/drawing/2014/main" val="10010"/>
+                  </a:ext>
+                </a:extLst>
               </a:tr>
               <a:tr h="237662">
                 <a:tc>
@@ -11092,6 +11058,11 @@
                   </a:txBody>
                   <a:tcPr marL="68580" marR="68580" marT="0" marB="0"/>
                 </a:tc>
+                <a:extLst>
+                  <a:ext uri="{0D108BD9-81ED-4DB2-BD59-A6C34878D82A}">
+                    <a16:rowId xmlns:a16="http://schemas.microsoft.com/office/drawing/2014/main" val="10011"/>
+                  </a:ext>
+                </a:extLst>
               </a:tr>
             </a:tbl>
           </a:graphicData>
@@ -11119,28 +11090,16 @@
           <a:lstStyle/>
           <a:p>
             <a:r>
-              <a:rPr lang="fr-FR" i="1" dirty="0" smtClean="0"/>
+              <a:rPr lang="fr-FR" i="1" dirty="0"/>
               <a:t>251_c.png</a:t>
             </a:r>
             <a:r>
-              <a:rPr lang="fr-FR" dirty="0" smtClean="0"/>
-              <a:t> </a:t>
-            </a:r>
-            <a:r>
               <a:rPr lang="fr-FR" dirty="0"/>
-              <a:t>et </a:t>
-            </a:r>
-            <a:r>
-              <a:rPr lang="fr-FR" i="1" dirty="0" smtClean="0"/>
+              <a:t> et </a:t>
+            </a:r>
+            <a:r>
+              <a:rPr lang="fr-FR" i="1" dirty="0"/>
               <a:t>251_i120.png, </a:t>
-            </a:r>
-            <a:r>
-              <a:rPr lang="fr-FR" dirty="0" smtClean="0">
-                <a:latin typeface="Arial" panose="020B0604020202020204" pitchFamily="34" charset="0"/>
-                <a:ea typeface="宋体" panose="02010600030101010101" pitchFamily="2" charset="-122"/>
-                <a:cs typeface="Times New Roman" panose="02020603050405020304" pitchFamily="18" charset="0"/>
-              </a:rPr>
-              <a:t>#cluster </a:t>
             </a:r>
             <a:r>
               <a:rPr lang="fr-FR" dirty="0">
@@ -11148,23 +11107,7 @@
                 <a:ea typeface="宋体" panose="02010600030101010101" pitchFamily="2" charset="-122"/>
                 <a:cs typeface="Times New Roman" panose="02020603050405020304" pitchFamily="18" charset="0"/>
               </a:rPr>
-              <a:t>= 50</a:t>
-            </a:r>
-            <a:r>
-              <a:rPr lang="fr-FR" dirty="0" smtClean="0">
-                <a:latin typeface="Arial" panose="020B0604020202020204" pitchFamily="34" charset="0"/>
-                <a:ea typeface="宋体" panose="02010600030101010101" pitchFamily="2" charset="-122"/>
-                <a:cs typeface="Times New Roman" panose="02020603050405020304" pitchFamily="18" charset="0"/>
-              </a:rPr>
-              <a:t>, #</a:t>
-            </a:r>
-            <a:r>
-              <a:rPr lang="fr-FR" dirty="0">
-                <a:latin typeface="Arial" panose="020B0604020202020204" pitchFamily="34" charset="0"/>
-                <a:ea typeface="宋体" panose="02010600030101010101" pitchFamily="2" charset="-122"/>
-                <a:cs typeface="Times New Roman" panose="02020603050405020304" pitchFamily="18" charset="0"/>
-              </a:rPr>
-              <a:t>max </a:t>
+              <a:t>#cluster = 50, #max </a:t>
             </a:r>
             <a:r>
               <a:rPr lang="fr-FR" dirty="0" err="1">
@@ -11247,11 +11190,6 @@
         </p:spPr>
       </p:pic>
     </p:spTree>
-    <p:extLst>
-      <p:ext uri="{BB962C8B-B14F-4D97-AF65-F5344CB8AC3E}">
-        <p14:creationId xmlns:p14="http://schemas.microsoft.com/office/powerpoint/2010/main" val="1191240986"/>
-      </p:ext>
-    </p:extLst>
   </p:cSld>
   <p:clrMapOvr>
     <a:masterClrMapping/>
@@ -11292,7 +11230,7 @@
           <a:lstStyle/>
           <a:p>
             <a:r>
-              <a:rPr lang="fr-FR" dirty="0" smtClean="0"/>
+              <a:rPr lang="fr-FR" dirty="0"/>
               <a:t>conclusions</a:t>
             </a:r>
             <a:endParaRPr lang="en-US" dirty="0"/>
@@ -11316,7 +11254,7 @@
           <a:p>
             <a:fld id="{02F2A944-B0D2-4E65-9B75-234B8B45C846}" type="datetime1">
               <a:rPr lang="fr-FR" smtClean="0"/>
-              <a:t>25/02/2018</a:t>
+              <a:t>28/02/2018</a:t>
             </a:fld>
             <a:endParaRPr lang="fr-FR" dirty="0"/>
           </a:p>
@@ -11341,7 +11279,6 @@
               <a:rPr lang="fr-FR" dirty="0"/>
               <a:t>Descripteurs locaux pour la recherche d’images similaires</a:t>
             </a:r>
-            <a:endParaRPr lang="fr-FR" dirty="0"/>
           </a:p>
         </p:txBody>
       </p:sp>
@@ -11362,7 +11299,6 @@
           <a:p>
             <a:fld id="{10C140CD-8AED-46FF-A9A2-77308F3F39AE}" type="slidenum">
               <a:rPr lang="fr-FR" smtClean="0"/>
-              <a:pPr/>
               <a:t>11</a:t>
             </a:fld>
             <a:endParaRPr lang="fr-FR" dirty="0"/>
@@ -11403,15 +11339,15 @@
                 <a:ea typeface="宋体" panose="02010600030101010101" pitchFamily="2" charset="-122"/>
                 <a:cs typeface="Times New Roman" panose="02020603050405020304" pitchFamily="18" charset="0"/>
               </a:rPr>
-              <a:t>L’ORB a une performance meilleure que d’autres méthodes dans le cas général parce qu’il </a:t>
-            </a:r>
-            <a:r>
-              <a:rPr lang="fr-FR" sz="1600" dirty="0" smtClean="0">
+              <a:t>L’ORB a une performance meilleure que d’autres méthodes dans le cas général parce qu’il est capable de détecter plus </a:t>
+            </a:r>
+            <a:r>
+              <a:rPr lang="fr-FR" sz="1600" dirty="0" err="1">
                 <a:latin typeface="Arial" panose="020B0604020202020204" pitchFamily="34" charset="0"/>
                 <a:ea typeface="宋体" panose="02010600030101010101" pitchFamily="2" charset="-122"/>
                 <a:cs typeface="Times New Roman" panose="02020603050405020304" pitchFamily="18" charset="0"/>
               </a:rPr>
-              <a:t>est </a:t>
+              <a:t>depoints</a:t>
             </a:r>
             <a:r>
               <a:rPr lang="fr-FR" sz="1600" dirty="0">
@@ -11419,23 +11355,7 @@
                 <a:ea typeface="宋体" panose="02010600030101010101" pitchFamily="2" charset="-122"/>
                 <a:cs typeface="Times New Roman" panose="02020603050405020304" pitchFamily="18" charset="0"/>
               </a:rPr>
-              <a:t>capable de détecter plus de </a:t>
-            </a:r>
-            <a:r>
-              <a:rPr lang="fr-FR" sz="1600" dirty="0" err="1" smtClean="0">
-                <a:latin typeface="Arial" panose="020B0604020202020204" pitchFamily="34" charset="0"/>
-                <a:ea typeface="宋体" panose="02010600030101010101" pitchFamily="2" charset="-122"/>
-                <a:cs typeface="Times New Roman" panose="02020603050405020304" pitchFamily="18" charset="0"/>
-              </a:rPr>
-              <a:t>keypoints</a:t>
-            </a:r>
-            <a:r>
-              <a:rPr lang="fr-FR" sz="1600" dirty="0" smtClean="0">
-                <a:latin typeface="Arial" panose="020B0604020202020204" pitchFamily="34" charset="0"/>
-                <a:ea typeface="宋体" panose="02010600030101010101" pitchFamily="2" charset="-122"/>
-                <a:cs typeface="Times New Roman" panose="02020603050405020304" pitchFamily="18" charset="0"/>
-              </a:rPr>
-              <a:t>.</a:t>
+              <a:t> caractéristiques.</a:t>
             </a:r>
             <a:endParaRPr lang="en-US" sz="1600" dirty="0">
               <a:latin typeface="Arial" panose="020B0604020202020204" pitchFamily="34" charset="0"/>
@@ -11457,15 +11377,7 @@
                 <a:ea typeface="宋体" panose="02010600030101010101" pitchFamily="2" charset="-122"/>
                 <a:cs typeface="Times New Roman" panose="02020603050405020304" pitchFamily="18" charset="0"/>
               </a:rPr>
-              <a:t>La rotation de l’objet déforme et cache la forme de l’objet. Il est donc difficile à trouver ses images similaires</a:t>
-            </a:r>
-            <a:r>
-              <a:rPr lang="fr-FR" sz="1600" dirty="0" smtClean="0">
-                <a:latin typeface="Arial" panose="020B0604020202020204" pitchFamily="34" charset="0"/>
-                <a:ea typeface="宋体" panose="02010600030101010101" pitchFamily="2" charset="-122"/>
-                <a:cs typeface="Times New Roman" panose="02020603050405020304" pitchFamily="18" charset="0"/>
-              </a:rPr>
-              <a:t>.</a:t>
+              <a:t>La rotation de l’objet déforme et cache la forme de l’objet. Il est donc difficile à trouver ses images similaires.</a:t>
             </a:r>
             <a:endParaRPr lang="en-US" sz="1600" dirty="0">
               <a:latin typeface="Arial" panose="020B0604020202020204" pitchFamily="34" charset="0"/>
@@ -11487,15 +11399,7 @@
                 <a:ea typeface="宋体" panose="02010600030101010101" pitchFamily="2" charset="-122"/>
                 <a:cs typeface="Times New Roman" panose="02020603050405020304" pitchFamily="18" charset="0"/>
               </a:rPr>
-              <a:t>L’ORB est la méthode la plus rapide en termes de temps de calcul parmi les trois</a:t>
-            </a:r>
-            <a:r>
-              <a:rPr lang="fr-FR" sz="1600" dirty="0" smtClean="0">
-                <a:latin typeface="Arial" panose="020B0604020202020204" pitchFamily="34" charset="0"/>
-                <a:ea typeface="宋体" panose="02010600030101010101" pitchFamily="2" charset="-122"/>
-                <a:cs typeface="Times New Roman" panose="02020603050405020304" pitchFamily="18" charset="0"/>
-              </a:rPr>
-              <a:t>.</a:t>
+              <a:t>L’ORB est la méthode la plus rapide en termes de temps de calcul parmi les trois.</a:t>
             </a:r>
             <a:endParaRPr lang="en-US" sz="1600" dirty="0">
               <a:latin typeface="Arial" panose="020B0604020202020204" pitchFamily="34" charset="0"/>
@@ -11517,15 +11421,7 @@
                 <a:ea typeface="宋体" panose="02010600030101010101" pitchFamily="2" charset="-122"/>
                 <a:cs typeface="Times New Roman" panose="02020603050405020304" pitchFamily="18" charset="0"/>
               </a:rPr>
-              <a:t>Le nombre de points caractéristiques a une influence importante sur la performance, nous constatons qu’il a besoin au moins 100 pour caractériser l’objet dans une image</a:t>
-            </a:r>
-            <a:r>
-              <a:rPr lang="fr-FR" sz="1600" dirty="0" smtClean="0">
-                <a:latin typeface="Arial" panose="020B0604020202020204" pitchFamily="34" charset="0"/>
-                <a:ea typeface="宋体" panose="02010600030101010101" pitchFamily="2" charset="-122"/>
-                <a:cs typeface="Times New Roman" panose="02020603050405020304" pitchFamily="18" charset="0"/>
-              </a:rPr>
-              <a:t>.</a:t>
+              <a:t>Le nombre de points caractéristiques a une influence importante sur la performance, nous constatons qu’il a besoin au moins 100 pour caractériser l’objet dans une image.</a:t>
             </a:r>
             <a:endParaRPr lang="en-US" sz="1600" dirty="0">
               <a:latin typeface="Arial" panose="020B0604020202020204" pitchFamily="34" charset="0"/>
@@ -11579,15 +11475,7 @@
                 <a:ea typeface="宋体" panose="02010600030101010101" pitchFamily="2" charset="-122"/>
                 <a:cs typeface="Times New Roman" panose="02020603050405020304" pitchFamily="18" charset="0"/>
               </a:rPr>
-              <a:t> pour calculer les histogrammes). Un nombre de 25, 50, 100 n’a pas de différence conséquente</a:t>
-            </a:r>
-            <a:r>
-              <a:rPr lang="fr-FR" sz="1600" dirty="0" smtClean="0">
-                <a:latin typeface="Arial" panose="020B0604020202020204" pitchFamily="34" charset="0"/>
-                <a:ea typeface="宋体" panose="02010600030101010101" pitchFamily="2" charset="-122"/>
-                <a:cs typeface="Times New Roman" panose="02020603050405020304" pitchFamily="18" charset="0"/>
-              </a:rPr>
-              <a:t>.</a:t>
+              <a:t> pour calculer les histogrammes). Un nombre de 25, 50, 100 n’a pas de différence conséquente.</a:t>
             </a:r>
             <a:endParaRPr lang="en-US" sz="1600" dirty="0">
               <a:latin typeface="Arial" panose="020B0604020202020204" pitchFamily="34" charset="0"/>
@@ -11621,11 +11509,6 @@
         </p:txBody>
       </p:sp>
     </p:spTree>
-    <p:extLst>
-      <p:ext uri="{BB962C8B-B14F-4D97-AF65-F5344CB8AC3E}">
-        <p14:creationId xmlns:p14="http://schemas.microsoft.com/office/powerpoint/2010/main" val="1397142821"/>
-      </p:ext>
-    </p:extLst>
   </p:cSld>
   <p:clrMapOvr>
     <a:masterClrMapping/>
@@ -11667,7 +11550,7 @@
           <a:p>
             <a:fld id="{02F2A944-B0D2-4E65-9B75-234B8B45C846}" type="datetime1">
               <a:rPr lang="fr-FR" smtClean="0"/>
-              <a:t>25/02/2018</a:t>
+              <a:t>28/02/2018</a:t>
             </a:fld>
             <a:endParaRPr lang="fr-FR" dirty="0"/>
           </a:p>
@@ -11692,7 +11575,6 @@
               <a:rPr lang="fr-FR" dirty="0"/>
               <a:t>Descripteurs locaux pour la recherche d’images similaires</a:t>
             </a:r>
-            <a:endParaRPr lang="fr-FR" dirty="0"/>
           </a:p>
         </p:txBody>
       </p:sp>
@@ -11713,7 +11595,6 @@
           <a:p>
             <a:fld id="{10C140CD-8AED-46FF-A9A2-77308F3F39AE}" type="slidenum">
               <a:rPr lang="fr-FR" smtClean="0"/>
-              <a:pPr/>
               <a:t>12</a:t>
             </a:fld>
             <a:endParaRPr lang="fr-FR" dirty="0"/>
@@ -11744,7 +11625,7 @@
           <a:p>
             <a:pPr algn="ctr"/>
             <a:r>
-              <a:rPr lang="fr-FR" altLang="zh-CN" sz="5400" b="1" spc="50" dirty="0" smtClean="0">
+              <a:rPr lang="fr-FR" altLang="zh-CN" sz="5400" b="1" spc="50" dirty="0">
                 <a:ln w="0"/>
                 <a:solidFill>
                   <a:schemeClr val="bg2"/>
@@ -11776,11 +11657,6 @@
         </p:txBody>
       </p:sp>
     </p:spTree>
-    <p:extLst>
-      <p:ext uri="{BB962C8B-B14F-4D97-AF65-F5344CB8AC3E}">
-        <p14:creationId xmlns:p14="http://schemas.microsoft.com/office/powerpoint/2010/main" val="2120825741"/>
-      </p:ext>
-    </p:extLst>
   </p:cSld>
   <p:clrMapOvr>
     <a:masterClrMapping/>
@@ -11815,55 +11691,53 @@
             <p:ph type="body" sz="quarter" idx="13"/>
           </p:nvPr>
         </p:nvSpPr>
-        <p:spPr/>
+        <p:spPr>
+          <a:xfrm>
+            <a:off x="4121150" y="736600"/>
+            <a:ext cx="4333875" cy="4095750"/>
+          </a:xfrm>
+        </p:spPr>
         <p:txBody>
           <a:bodyPr/>
           <a:lstStyle/>
           <a:p>
             <a:pPr lvl="0"/>
             <a:r>
-              <a:rPr lang="fr-FR" dirty="0" smtClean="0"/>
-              <a:t>Problématique</a:t>
+              <a:rPr lang="fr-FR" sz="1400" dirty="0"/>
+              <a:t>Problmatique</a:t>
             </a:r>
           </a:p>
           <a:p>
             <a:pPr lvl="0"/>
             <a:r>
-              <a:rPr lang="fr-FR" dirty="0" smtClean="0"/>
-              <a:t>descripteurs</a:t>
+              <a:rPr lang="fr-FR" sz="1400" dirty="0"/>
+              <a:t>Introduction dedescripteurs</a:t>
             </a:r>
           </a:p>
           <a:p>
             <a:pPr lvl="0"/>
             <a:r>
-              <a:rPr lang="fr-FR" dirty="0" smtClean="0"/>
-              <a:t>Introduction de la BASE de données</a:t>
-            </a:r>
-          </a:p>
-          <a:p>
-            <a:r>
-              <a:rPr lang="fr-FR" dirty="0"/>
-              <a:t>Chaîne de traitement </a:t>
-            </a:r>
-            <a:endParaRPr lang="en-US" dirty="0"/>
-          </a:p>
-          <a:p>
-            <a:r>
-              <a:rPr lang="fr-FR" dirty="0"/>
-              <a:t>PHASE DE TEST ET </a:t>
-            </a:r>
-            <a:r>
-              <a:rPr lang="fr-FR" dirty="0" smtClean="0"/>
-              <a:t>COMPARAISONS</a:t>
-            </a:r>
-            <a:endParaRPr lang="en-US" dirty="0"/>
-          </a:p>
-          <a:p>
-            <a:r>
-              <a:rPr lang="fr-FR" dirty="0" smtClean="0"/>
-              <a:t>Conclusion</a:t>
-            </a:r>
-            <a:endParaRPr lang="en-US" dirty="0"/>
+              <a:rPr lang="fr-FR" sz="1400" dirty="0"/>
+              <a:t>Introduction de la BASE de donnees</a:t>
+            </a:r>
+          </a:p>
+          <a:p>
+            <a:r>
+              <a:rPr lang="fr-FR" sz="1400" dirty="0"/>
+              <a:t>Chaine du traitement </a:t>
+            </a:r>
+          </a:p>
+          <a:p>
+            <a:r>
+              <a:rPr lang="fr-FR" sz="1400" dirty="0"/>
+              <a:t>PHASE DE TESTs ET COMPARAISONS</a:t>
+            </a:r>
+          </a:p>
+          <a:p>
+            <a:r>
+              <a:rPr lang="fr-FR" sz="1400" dirty="0"/>
+              <a:t>Conclusions</a:t>
+            </a:r>
           </a:p>
         </p:txBody>
       </p:sp>
@@ -11883,7 +11757,7 @@
           <a:lstStyle/>
           <a:p>
             <a:r>
-              <a:rPr lang="en-US" dirty="0" err="1" smtClean="0"/>
+              <a:rPr lang="en-US" dirty="0" err="1"/>
               <a:t>pLAN</a:t>
             </a:r>
             <a:endParaRPr lang="en-US" dirty="0"/>
@@ -11891,11 +11765,6 @@
         </p:txBody>
       </p:sp>
     </p:spTree>
-    <p:extLst>
-      <p:ext uri="{BB962C8B-B14F-4D97-AF65-F5344CB8AC3E}">
-        <p14:creationId xmlns:p14="http://schemas.microsoft.com/office/powerpoint/2010/main" val="2739064295"/>
-      </p:ext>
-    </p:extLst>
   </p:cSld>
   <p:clrMapOvr>
     <a:masterClrMapping/>
@@ -11936,7 +11805,7 @@
           <a:lstStyle/>
           <a:p>
             <a:r>
-              <a:rPr lang="fr-FR" dirty="0" smtClean="0"/>
+              <a:rPr lang="fr-FR" dirty="0"/>
               <a:t>Problématique</a:t>
             </a:r>
             <a:endParaRPr lang="en-US" dirty="0"/>
@@ -11959,54 +11828,30 @@
           <a:lstStyle/>
           <a:p>
             <a:r>
-              <a:rPr lang="fr-FR" dirty="0" smtClean="0"/>
+              <a:rPr lang="fr-FR" dirty="0"/>
               <a:t>Objectif : </a:t>
             </a:r>
           </a:p>
           <a:p>
             <a:pPr algn="just"/>
             <a:r>
-              <a:rPr lang="fr-FR" dirty="0" smtClean="0"/>
-              <a:t>Rechercher </a:t>
-            </a:r>
-            <a:r>
               <a:rPr lang="fr-FR" dirty="0"/>
-              <a:t>de manière automatique les objets similaires dans les images dont l’angle de visualisation et la condition luminaire changent. </a:t>
-            </a:r>
-            <a:r>
-              <a:rPr lang="fr-FR" dirty="0" smtClean="0"/>
-              <a:t>L’entrée et une image ayant un objet principal et la sortie souhaitée est des images des objets les plus similaires. </a:t>
+              <a:t>Rechercher de manière automatique les objets similaires dans les images dont l’angle de visualisation et la condition luminaire changent. L’entrée et une image ayant un objet principal et la sortie souhaitée est des images des objets les plus similaires en termes de distance. </a:t>
             </a:r>
           </a:p>
           <a:p>
             <a:pPr algn="just"/>
             <a:r>
-              <a:rPr lang="fr-FR" dirty="0" smtClean="0"/>
-              <a:t>Les algorithmes : ORB</a:t>
-            </a:r>
-            <a:r>
               <a:rPr lang="fr-FR" dirty="0"/>
-              <a:t>, </a:t>
-            </a:r>
-            <a:r>
-              <a:rPr lang="fr-FR" dirty="0" err="1" smtClean="0"/>
-              <a:t>Brief</a:t>
-            </a:r>
-            <a:r>
-              <a:rPr lang="fr-FR" dirty="0" smtClean="0"/>
-              <a:t> </a:t>
-            </a:r>
-            <a:r>
-              <a:rPr lang="en-US" altLang="zh-CN" dirty="0" smtClean="0"/>
+              <a:t>Les descripteurs utilisés : ORB, Brief </a:t>
+            </a:r>
+            <a:r>
+              <a:rPr lang="en-US" altLang="zh-CN" dirty="0"/>
               <a:t>et </a:t>
             </a:r>
             <a:r>
-              <a:rPr lang="fr-FR" dirty="0" smtClean="0"/>
-              <a:t>SIFT</a:t>
-            </a:r>
-            <a:r>
               <a:rPr lang="fr-FR" dirty="0"/>
-              <a:t>.</a:t>
+              <a:t>SIFT.</a:t>
             </a:r>
             <a:endParaRPr lang="en-US" dirty="0"/>
           </a:p>
@@ -12032,7 +11877,7 @@
           <a:p>
             <a:fld id="{02F2A944-B0D2-4E65-9B75-234B8B45C846}" type="datetime1">
               <a:rPr lang="fr-FR" smtClean="0"/>
-              <a:t>25/02/2018</a:t>
+              <a:t>28/02/2018</a:t>
             </a:fld>
             <a:endParaRPr lang="fr-FR" dirty="0"/>
           </a:p>
@@ -12057,7 +11902,6 @@
               <a:rPr lang="fr-FR" dirty="0"/>
               <a:t>Descripteurs locaux pour la recherche d’images similaires</a:t>
             </a:r>
-            <a:endParaRPr lang="fr-FR" dirty="0"/>
           </a:p>
         </p:txBody>
       </p:sp>
@@ -12078,7 +11922,6 @@
           <a:p>
             <a:fld id="{10C140CD-8AED-46FF-A9A2-77308F3F39AE}" type="slidenum">
               <a:rPr lang="fr-FR" smtClean="0"/>
-              <a:pPr/>
               <a:t>3</a:t>
             </a:fld>
             <a:endParaRPr lang="fr-FR" dirty="0"/>
@@ -12086,11 +11929,6 @@
         </p:txBody>
       </p:sp>
     </p:spTree>
-    <p:extLst>
-      <p:ext uri="{BB962C8B-B14F-4D97-AF65-F5344CB8AC3E}">
-        <p14:creationId xmlns:p14="http://schemas.microsoft.com/office/powerpoint/2010/main" val="4048826301"/>
-      </p:ext>
-    </p:extLst>
   </p:cSld>
   <p:clrMapOvr>
     <a:masterClrMapping/>
@@ -12131,7 +11969,7 @@
           <a:lstStyle/>
           <a:p>
             <a:r>
-              <a:rPr lang="fr-FR" dirty="0" smtClean="0"/>
+              <a:rPr lang="fr-FR" dirty="0"/>
               <a:t>Descripteurs</a:t>
             </a:r>
             <a:endParaRPr lang="en-US" dirty="0"/>
@@ -12155,7 +11993,7 @@
           <a:p>
             <a:fld id="{02F2A944-B0D2-4E65-9B75-234B8B45C846}" type="datetime1">
               <a:rPr lang="fr-FR" smtClean="0"/>
-              <a:t>25/02/2018</a:t>
+              <a:t>28/02/2018</a:t>
             </a:fld>
             <a:endParaRPr lang="fr-FR" dirty="0"/>
           </a:p>
@@ -12180,7 +12018,6 @@
               <a:rPr lang="fr-FR" dirty="0"/>
               <a:t>Descripteurs locaux pour la recherche d’images similaires</a:t>
             </a:r>
-            <a:endParaRPr lang="fr-FR" dirty="0"/>
           </a:p>
         </p:txBody>
       </p:sp>
@@ -12201,7 +12038,6 @@
           <a:p>
             <a:fld id="{10C140CD-8AED-46FF-A9A2-77308F3F39AE}" type="slidenum">
               <a:rPr lang="fr-FR" smtClean="0"/>
-              <a:pPr/>
               <a:t>4</a:t>
             </a:fld>
             <a:endParaRPr lang="fr-FR" dirty="0"/>
@@ -12300,7 +12136,7 @@
         </p:nvSpPr>
         <p:spPr>
           <a:xfrm>
-            <a:off x="323528" y="3657257"/>
+            <a:off x="396000" y="3618627"/>
             <a:ext cx="2592288" cy="282645"/>
           </a:xfrm>
           <a:prstGeom prst="rect">
@@ -12315,20 +12151,12 @@
           <a:p>
             <a:pPr algn="ctr"/>
             <a:r>
-              <a:rPr lang="fr-FR" sz="1200" b="1" dirty="0" smtClean="0">
-                <a:latin typeface="Arial" panose="020B0604020202020204" pitchFamily="34" charset="0"/>
-                <a:ea typeface="宋体" panose="02010600030101010101" pitchFamily="2" charset="-122"/>
-                <a:cs typeface="Times New Roman" panose="02020603050405020304" pitchFamily="18" charset="0"/>
-              </a:rPr>
-              <a:t>SIFT </a:t>
-            </a:r>
-            <a:r>
               <a:rPr lang="fr-FR" sz="1200" b="1" dirty="0">
                 <a:latin typeface="Arial" panose="020B0604020202020204" pitchFamily="34" charset="0"/>
                 <a:ea typeface="宋体" panose="02010600030101010101" pitchFamily="2" charset="-122"/>
                 <a:cs typeface="Times New Roman" panose="02020603050405020304" pitchFamily="18" charset="0"/>
               </a:rPr>
-              <a:t>(178 </a:t>
+              <a:t>SIFT (178 </a:t>
             </a:r>
             <a:r>
               <a:rPr lang="fr-FR" sz="1200" b="1" i="1" dirty="0" err="1">
@@ -12358,7 +12186,7 @@
         </p:nvSpPr>
         <p:spPr>
           <a:xfrm>
-            <a:off x="3131840" y="3657257"/>
+            <a:off x="3203848" y="3618628"/>
             <a:ext cx="2592288" cy="282645"/>
           </a:xfrm>
           <a:prstGeom prst="rect">
@@ -12373,7 +12201,7 @@
           <a:p>
             <a:pPr algn="ctr"/>
             <a:r>
-              <a:rPr lang="fr-FR" sz="1200" b="1" dirty="0" err="1" smtClean="0">
+              <a:rPr lang="fr-FR" sz="1200" b="1" dirty="0" err="1">
                 <a:latin typeface="Arial" panose="020B0604020202020204" pitchFamily="34" charset="0"/>
                 <a:ea typeface="宋体" panose="02010600030101010101" pitchFamily="2" charset="-122"/>
                 <a:cs typeface="Times New Roman" panose="02020603050405020304" pitchFamily="18" charset="0"/>
@@ -12381,7 +12209,7 @@
               <a:t>Brief</a:t>
             </a:r>
             <a:r>
-              <a:rPr lang="fr-FR" sz="1200" b="1" dirty="0" smtClean="0">
+              <a:rPr lang="fr-FR" sz="1200" b="1" dirty="0">
                 <a:latin typeface="Arial" panose="020B0604020202020204" pitchFamily="34" charset="0"/>
                 <a:ea typeface="宋体" panose="02010600030101010101" pitchFamily="2" charset="-122"/>
                 <a:cs typeface="Times New Roman" panose="02020603050405020304" pitchFamily="18" charset="0"/>
@@ -12389,7 +12217,7 @@
               <a:t> (75 </a:t>
             </a:r>
             <a:r>
-              <a:rPr lang="fr-FR" sz="1200" b="1" i="1" dirty="0" err="1" smtClean="0">
+              <a:rPr lang="fr-FR" sz="1200" b="1" i="1" dirty="0" err="1">
                 <a:latin typeface="Arial" panose="020B0604020202020204" pitchFamily="34" charset="0"/>
                 <a:ea typeface="宋体" panose="02010600030101010101" pitchFamily="2" charset="-122"/>
                 <a:cs typeface="Times New Roman" panose="02020603050405020304" pitchFamily="18" charset="0"/>
@@ -12397,7 +12225,7 @@
               <a:t>keypoints</a:t>
             </a:r>
             <a:r>
-              <a:rPr lang="fr-FR" sz="1200" b="1" dirty="0" smtClean="0">
+              <a:rPr lang="fr-FR" sz="1200" b="1" dirty="0">
                 <a:latin typeface="Arial" panose="020B0604020202020204" pitchFamily="34" charset="0"/>
                 <a:ea typeface="宋体" panose="02010600030101010101" pitchFamily="2" charset="-122"/>
                 <a:cs typeface="Times New Roman" panose="02020603050405020304" pitchFamily="18" charset="0"/>
@@ -12416,7 +12244,7 @@
         </p:nvSpPr>
         <p:spPr>
           <a:xfrm>
-            <a:off x="6228184" y="3657257"/>
+            <a:off x="6190601" y="3618626"/>
             <a:ext cx="2592288" cy="282645"/>
           </a:xfrm>
           <a:prstGeom prst="rect">
@@ -12431,7 +12259,7 @@
           <a:p>
             <a:pPr algn="ctr"/>
             <a:r>
-              <a:rPr lang="fr-FR" sz="1200" b="1" dirty="0" smtClean="0">
+              <a:rPr lang="fr-FR" sz="1200" b="1" dirty="0">
                 <a:latin typeface="Arial" panose="020B0604020202020204" pitchFamily="34" charset="0"/>
                 <a:ea typeface="宋体" panose="02010600030101010101" pitchFamily="2" charset="-122"/>
                 <a:cs typeface="Times New Roman" panose="02020603050405020304" pitchFamily="18" charset="0"/>
@@ -12439,7 +12267,7 @@
               <a:t>ORB (478 </a:t>
             </a:r>
             <a:r>
-              <a:rPr lang="fr-FR" sz="1200" b="1" i="1" dirty="0" err="1" smtClean="0">
+              <a:rPr lang="fr-FR" sz="1200" b="1" i="1" dirty="0" err="1">
                 <a:latin typeface="Arial" panose="020B0604020202020204" pitchFamily="34" charset="0"/>
                 <a:ea typeface="宋体" panose="02010600030101010101" pitchFamily="2" charset="-122"/>
                 <a:cs typeface="Times New Roman" panose="02020603050405020304" pitchFamily="18" charset="0"/>
@@ -12447,7 +12275,7 @@
               <a:t>keypoints</a:t>
             </a:r>
             <a:r>
-              <a:rPr lang="fr-FR" sz="1200" b="1" dirty="0" smtClean="0">
+              <a:rPr lang="fr-FR" sz="1200" b="1" dirty="0">
                 <a:latin typeface="Arial" panose="020B0604020202020204" pitchFamily="34" charset="0"/>
                 <a:ea typeface="宋体" panose="02010600030101010101" pitchFamily="2" charset="-122"/>
                 <a:cs typeface="Times New Roman" panose="02020603050405020304" pitchFamily="18" charset="0"/>
@@ -12459,11 +12287,6 @@
         </p:txBody>
       </p:sp>
     </p:spTree>
-    <p:extLst>
-      <p:ext uri="{BB962C8B-B14F-4D97-AF65-F5344CB8AC3E}">
-        <p14:creationId xmlns:p14="http://schemas.microsoft.com/office/powerpoint/2010/main" val="2719724938"/>
-      </p:ext>
-    </p:extLst>
   </p:cSld>
   <p:clrMapOvr>
     <a:masterClrMapping/>
@@ -12533,16 +12356,8 @@
           <a:p>
             <a:pPr algn="just"/>
             <a:r>
-              <a:rPr lang="fr-FR" b="1" dirty="0" smtClean="0"/>
-              <a:t>Changement </a:t>
-            </a:r>
-            <a:r>
               <a:rPr lang="fr-FR" b="1" dirty="0"/>
-              <a:t>de température de </a:t>
-            </a:r>
-            <a:r>
-              <a:rPr lang="fr-FR" b="1" dirty="0" smtClean="0"/>
-              <a:t>couleur</a:t>
+              <a:t>Changement de température de couleur</a:t>
             </a:r>
           </a:p>
           <a:p>
@@ -12551,7 +12366,7 @@
           </a:p>
           <a:p>
             <a:pPr algn="just"/>
-            <a:endParaRPr lang="fr-FR" b="1" dirty="0" smtClean="0"/>
+            <a:endParaRPr lang="fr-FR" b="1" dirty="0"/>
           </a:p>
           <a:p>
             <a:pPr algn="just"/>
@@ -12599,7 +12414,7 @@
           <a:p>
             <a:fld id="{02F2A944-B0D2-4E65-9B75-234B8B45C846}" type="datetime1">
               <a:rPr lang="fr-FR" smtClean="0"/>
-              <a:t>25/02/2018</a:t>
+              <a:t>28/02/2018</a:t>
             </a:fld>
             <a:endParaRPr lang="fr-FR" dirty="0"/>
           </a:p>
@@ -12624,7 +12439,6 @@
               <a:rPr lang="fr-FR" dirty="0"/>
               <a:t>Descripteurs locaux pour la recherche d’images similaires</a:t>
             </a:r>
-            <a:endParaRPr lang="fr-FR" dirty="0"/>
           </a:p>
         </p:txBody>
       </p:sp>
@@ -12645,7 +12459,6 @@
           <a:p>
             <a:fld id="{10C140CD-8AED-46FF-A9A2-77308F3F39AE}" type="slidenum">
               <a:rPr lang="fr-FR" smtClean="0"/>
-              <a:pPr/>
               <a:t>5</a:t>
             </a:fld>
             <a:endParaRPr lang="fr-FR" dirty="0"/>
@@ -12745,12 +12558,12 @@
               <a:buChar char="Ø"/>
             </a:pPr>
             <a:r>
-              <a:rPr lang="fr-FR" dirty="0" smtClean="0"/>
+              <a:rPr lang="fr-FR" dirty="0"/>
               <a:t>100 classes</a:t>
             </a:r>
           </a:p>
           <a:p>
-            <a:endParaRPr lang="fr-FR" dirty="0" smtClean="0"/>
+            <a:endParaRPr lang="fr-FR" dirty="0"/>
           </a:p>
           <a:p>
             <a:pPr marL="285750" indent="-285750">
@@ -12758,18 +12571,18 @@
               <a:buChar char="Ø"/>
             </a:pPr>
             <a:r>
-              <a:rPr lang="fr-FR" dirty="0" smtClean="0"/>
-              <a:t>15 images/ classe </a:t>
-            </a:r>
-          </a:p>
-          <a:p>
-            <a:r>
-              <a:rPr lang="fr-FR" dirty="0" smtClean="0"/>
+              <a:rPr lang="fr-FR" dirty="0"/>
+              <a:t>15 images/classe </a:t>
+            </a:r>
+          </a:p>
+          <a:p>
+            <a:r>
+              <a:rPr lang="fr-FR" dirty="0"/>
               <a:t>(12 températures + 3 rotations)</a:t>
             </a:r>
           </a:p>
           <a:p>
-            <a:endParaRPr lang="fr-FR" dirty="0" smtClean="0"/>
+            <a:endParaRPr lang="fr-FR" dirty="0"/>
           </a:p>
           <a:p>
             <a:pPr marL="285750" indent="-285750">
@@ -12777,18 +12590,18 @@
               <a:buChar char="Ø"/>
             </a:pPr>
             <a:r>
-              <a:rPr lang="fr-FR" dirty="0" smtClean="0"/>
+              <a:rPr lang="fr-FR" dirty="0"/>
               <a:t>2/3 pour la base de recherche </a:t>
             </a:r>
           </a:p>
           <a:p>
             <a:r>
-              <a:rPr lang="fr-FR" dirty="0" smtClean="0"/>
+              <a:rPr lang="fr-FR" dirty="0"/>
               <a:t>(2 rotations + 8 températures /classe)</a:t>
             </a:r>
           </a:p>
           <a:p>
-            <a:endParaRPr lang="fr-FR" dirty="0" smtClean="0"/>
+            <a:endParaRPr lang="fr-FR" dirty="0"/>
           </a:p>
           <a:p>
             <a:pPr marL="285750" indent="-285750">
@@ -12796,33 +12609,20 @@
               <a:buChar char="Ø"/>
             </a:pPr>
             <a:r>
-              <a:rPr lang="fr-FR" dirty="0" smtClean="0"/>
+              <a:rPr lang="fr-FR" dirty="0"/>
               <a:t>1/3 pour le test </a:t>
             </a:r>
           </a:p>
           <a:p>
             <a:r>
-              <a:rPr lang="fr-FR" dirty="0" smtClean="0"/>
-              <a:t>(4 </a:t>
-            </a:r>
-            <a:r>
               <a:rPr lang="fr-FR" dirty="0"/>
-              <a:t>rotations + </a:t>
-            </a:r>
-            <a:r>
-              <a:rPr lang="fr-FR" dirty="0" smtClean="0"/>
-              <a:t>1 température/classe)</a:t>
+              <a:t>(4 rotations + 1 température/classe)</a:t>
             </a:r>
             <a:endParaRPr lang="en-US" dirty="0"/>
           </a:p>
         </p:txBody>
       </p:sp>
     </p:spTree>
-    <p:extLst>
-      <p:ext uri="{BB962C8B-B14F-4D97-AF65-F5344CB8AC3E}">
-        <p14:creationId xmlns:p14="http://schemas.microsoft.com/office/powerpoint/2010/main" val="970294129"/>
-      </p:ext>
-    </p:extLst>
   </p:cSld>
   <p:clrMapOvr>
     <a:masterClrMapping/>
@@ -12864,11 +12664,7 @@
           <a:p>
             <a:r>
               <a:rPr lang="fr-FR" dirty="0"/>
-              <a:t>Chaîne de </a:t>
-            </a:r>
-            <a:r>
-              <a:rPr lang="fr-FR" dirty="0" smtClean="0"/>
-              <a:t>traitement</a:t>
+              <a:t>Chaîne du traitement</a:t>
             </a:r>
             <a:endParaRPr lang="en-US" dirty="0"/>
           </a:p>
@@ -12891,7 +12687,7 @@
           <a:p>
             <a:fld id="{02F2A944-B0D2-4E65-9B75-234B8B45C846}" type="datetime1">
               <a:rPr lang="fr-FR" smtClean="0"/>
-              <a:t>25/02/2018</a:t>
+              <a:t>28/02/2018</a:t>
             </a:fld>
             <a:endParaRPr lang="fr-FR" dirty="0"/>
           </a:p>
@@ -12916,7 +12712,6 @@
               <a:rPr lang="fr-FR" dirty="0"/>
               <a:t>Descripteurs locaux pour la recherche d’images similaires</a:t>
             </a:r>
-            <a:endParaRPr lang="fr-FR" dirty="0"/>
           </a:p>
         </p:txBody>
       </p:sp>
@@ -12937,7 +12732,6 @@
           <a:p>
             <a:fld id="{10C140CD-8AED-46FF-A9A2-77308F3F39AE}" type="slidenum">
               <a:rPr lang="fr-FR" smtClean="0"/>
-              <a:pPr/>
               <a:t>6</a:t>
             </a:fld>
             <a:endParaRPr lang="fr-FR" dirty="0"/>
@@ -12973,11 +12767,6 @@
         </p:spPr>
       </p:pic>
     </p:spTree>
-    <p:extLst>
-      <p:ext uri="{BB962C8B-B14F-4D97-AF65-F5344CB8AC3E}">
-        <p14:creationId xmlns:p14="http://schemas.microsoft.com/office/powerpoint/2010/main" val="3573411635"/>
-      </p:ext>
-    </p:extLst>
   </p:cSld>
   <p:clrMapOvr>
     <a:masterClrMapping/>
@@ -13027,20 +12816,12 @@
               <a:t>PHASE DE </a:t>
             </a:r>
             <a:r>
-              <a:rPr lang="fr-FR" dirty="0" err="1" smtClean="0"/>
+              <a:rPr lang="fr-FR" dirty="0" err="1"/>
               <a:t>TESTs</a:t>
             </a:r>
             <a:r>
-              <a:rPr lang="fr-FR" dirty="0" smtClean="0"/>
-              <a:t> </a:t>
-            </a:r>
-            <a:r>
               <a:rPr lang="fr-FR" dirty="0"/>
-              <a:t>ET </a:t>
-            </a:r>
-            <a:r>
-              <a:rPr lang="fr-FR" dirty="0" smtClean="0"/>
-              <a:t>COMPARAISONS – courbe p-r (1/3)</a:t>
+              <a:t> ET COMPARAISONS – courbe p-r (1/3)</a:t>
             </a:r>
             <a:endParaRPr lang="en-US" dirty="0"/>
           </a:p>
@@ -13063,7 +12844,7 @@
           <a:p>
             <a:fld id="{02F2A944-B0D2-4E65-9B75-234B8B45C846}" type="datetime1">
               <a:rPr lang="fr-FR" smtClean="0"/>
-              <a:t>25/02/2018</a:t>
+              <a:t>28/02/2018</a:t>
             </a:fld>
             <a:endParaRPr lang="fr-FR" dirty="0"/>
           </a:p>
@@ -13088,7 +12869,6 @@
               <a:rPr lang="fr-FR" dirty="0"/>
               <a:t>Descripteurs locaux pour la recherche d’images similaires</a:t>
             </a:r>
-            <a:endParaRPr lang="fr-FR" dirty="0"/>
           </a:p>
         </p:txBody>
       </p:sp>
@@ -13109,7 +12889,6 @@
           <a:p>
             <a:fld id="{10C140CD-8AED-46FF-A9A2-77308F3F39AE}" type="slidenum">
               <a:rPr lang="fr-FR" smtClean="0"/>
-              <a:pPr/>
               <a:t>7</a:t>
             </a:fld>
             <a:endParaRPr lang="fr-FR" dirty="0"/>
@@ -13126,8 +12905,8 @@
             </p:nvSpPr>
             <p:spPr>
               <a:xfrm>
-                <a:off x="827584" y="861777"/>
-                <a:ext cx="4344811" cy="895823"/>
+                <a:off x="611560" y="861777"/>
+                <a:ext cx="4560835" cy="895823"/>
               </a:xfrm>
               <a:prstGeom prst="rect">
                 <a:avLst/>
@@ -13140,6 +12919,7 @@
               </a:bodyPr>
               <a:lstStyle/>
               <a:p>
+                <a:pPr/>
                 <a14:m>
                   <m:oMathPara xmlns:m="http://schemas.openxmlformats.org/officeDocument/2006/math">
                     <m:oMathParaPr>
@@ -13147,11 +12927,15 @@
                     </m:oMathParaPr>
                     <m:oMath xmlns:m="http://schemas.openxmlformats.org/officeDocument/2006/math">
                       <m:r>
-                        <a:rPr lang="fr-FR" sz="1200" i="1" smtClean="0"/>
+                        <a:rPr lang="fr-FR" sz="1200" i="1" smtClean="0">
+                          <a:latin typeface="Cambria Math" panose="02040503050406030204" pitchFamily="18" charset="0"/>
+                        </a:rPr>
                         <m:t>𝑠𝑐𝑜𝑟𝑒</m:t>
                       </m:r>
                       <m:r>
-                        <a:rPr lang="fr-FR" sz="1200" i="1"/>
+                        <a:rPr lang="fr-FR" sz="1200" i="1">
+                          <a:latin typeface="Cambria Math" panose="02040503050406030204" pitchFamily="18" charset="0"/>
+                        </a:rPr>
                         <m:t>=</m:t>
                       </m:r>
                       <m:nary>
@@ -13159,74 +12943,108 @@
                           <m:chr m:val="∑"/>
                           <m:limLoc m:val="undOvr"/>
                           <m:ctrlPr>
-                            <a:rPr lang="en-US" sz="1200" i="1"/>
+                            <a:rPr lang="en-US" sz="1200" i="1">
+                              <a:latin typeface="Cambria Math" panose="02040503050406030204" pitchFamily="18" charset="0"/>
+                            </a:rPr>
                           </m:ctrlPr>
                         </m:naryPr>
                         <m:sub>
                           <m:r>
-                            <a:rPr lang="fr-FR" sz="1200" i="1"/>
+                            <a:rPr lang="fr-FR" sz="1200" i="1">
+                              <a:latin typeface="Cambria Math" panose="02040503050406030204" pitchFamily="18" charset="0"/>
+                            </a:rPr>
                             <m:t>𝑖</m:t>
                           </m:r>
                         </m:sub>
                         <m:sup>
                           <m:r>
-                            <a:rPr lang="fr-FR" sz="1200" i="1"/>
+                            <a:rPr lang="fr-FR" sz="1200" i="1">
+                              <a:latin typeface="Cambria Math" panose="02040503050406030204" pitchFamily="18" charset="0"/>
+                            </a:rPr>
                             <m:t>𝑡𝑜𝑢𝑡𝑒𝑠</m:t>
                           </m:r>
                           <m:r>
-                            <a:rPr lang="fr-FR" sz="1200" i="1"/>
+                            <a:rPr lang="fr-FR" sz="1200" i="1">
+                              <a:latin typeface="Cambria Math" panose="02040503050406030204" pitchFamily="18" charset="0"/>
+                            </a:rPr>
                             <m:t> </m:t>
                           </m:r>
                           <m:r>
-                            <a:rPr lang="fr-FR" sz="1200" i="1"/>
+                            <a:rPr lang="fr-FR" sz="1200" i="1">
+                              <a:latin typeface="Cambria Math" panose="02040503050406030204" pitchFamily="18" charset="0"/>
+                            </a:rPr>
                             <m:t>𝑖𝑚𝑎𝑔𝑒𝑠</m:t>
                           </m:r>
                           <m:r>
-                            <a:rPr lang="fr-FR" sz="1200" i="1"/>
+                            <a:rPr lang="fr-FR" sz="1200" i="1">
+                              <a:latin typeface="Cambria Math" panose="02040503050406030204" pitchFamily="18" charset="0"/>
+                            </a:rPr>
                             <m:t> </m:t>
                           </m:r>
                           <m:r>
-                            <a:rPr lang="fr-FR" sz="1200" i="1"/>
+                            <a:rPr lang="fr-FR" sz="1200" i="1">
+                              <a:latin typeface="Cambria Math" panose="02040503050406030204" pitchFamily="18" charset="0"/>
+                            </a:rPr>
                             <m:t>𝑑𝑒</m:t>
                           </m:r>
                           <m:r>
-                            <a:rPr lang="fr-FR" sz="1200" i="1"/>
+                            <a:rPr lang="fr-FR" sz="1200" i="1">
+                              <a:latin typeface="Cambria Math" panose="02040503050406030204" pitchFamily="18" charset="0"/>
+                            </a:rPr>
                             <m:t> </m:t>
                           </m:r>
                           <m:r>
-                            <a:rPr lang="fr-FR" sz="1200" i="1"/>
+                            <a:rPr lang="fr-FR" sz="1200" i="1">
+                              <a:latin typeface="Cambria Math" panose="02040503050406030204" pitchFamily="18" charset="0"/>
+                            </a:rPr>
                             <m:t>𝑐𝑒𝑡𝑡𝑒</m:t>
                           </m:r>
                           <m:r>
-                            <a:rPr lang="fr-FR" sz="1200" i="1"/>
+                            <a:rPr lang="fr-FR" sz="1200" i="1">
+                              <a:latin typeface="Cambria Math" panose="02040503050406030204" pitchFamily="18" charset="0"/>
+                            </a:rPr>
                             <m:t> </m:t>
                           </m:r>
                           <m:r>
-                            <a:rPr lang="fr-FR" sz="1200" i="1"/>
+                            <a:rPr lang="fr-FR" sz="1200" i="1">
+                              <a:latin typeface="Cambria Math" panose="02040503050406030204" pitchFamily="18" charset="0"/>
+                            </a:rPr>
                             <m:t>𝑐𝑙𝑎𝑠𝑠𝑒</m:t>
                           </m:r>
                           <m:r>
-                            <a:rPr lang="fr-FR" sz="1200" i="1"/>
+                            <a:rPr lang="fr-FR" sz="1200" i="1">
+                              <a:latin typeface="Cambria Math" panose="02040503050406030204" pitchFamily="18" charset="0"/>
+                            </a:rPr>
                             <m:t> </m:t>
                           </m:r>
                           <m:r>
-                            <a:rPr lang="fr-FR" sz="1200" i="1"/>
+                            <a:rPr lang="fr-FR" sz="1200" i="1">
+                              <a:latin typeface="Cambria Math" panose="02040503050406030204" pitchFamily="18" charset="0"/>
+                            </a:rPr>
                             <m:t>𝑑𝑎𝑛𝑠</m:t>
                           </m:r>
                           <m:r>
-                            <a:rPr lang="fr-FR" sz="1200" i="1"/>
+                            <a:rPr lang="fr-FR" sz="1200" i="1">
+                              <a:latin typeface="Cambria Math" panose="02040503050406030204" pitchFamily="18" charset="0"/>
+                            </a:rPr>
                             <m:t> </m:t>
                           </m:r>
                           <m:r>
-                            <a:rPr lang="fr-FR" sz="1200" i="1"/>
+                            <a:rPr lang="fr-FR" sz="1200" i="1">
+                              <a:latin typeface="Cambria Math" panose="02040503050406030204" pitchFamily="18" charset="0"/>
+                            </a:rPr>
                             <m:t>𝑙𝑎</m:t>
                           </m:r>
                           <m:r>
-                            <a:rPr lang="fr-FR" sz="1200" i="1"/>
+                            <a:rPr lang="fr-FR" sz="1200" i="1">
+                              <a:latin typeface="Cambria Math" panose="02040503050406030204" pitchFamily="18" charset="0"/>
+                            </a:rPr>
                             <m:t> </m:t>
                           </m:r>
                           <m:r>
-                            <a:rPr lang="fr-FR" sz="1200" i="1"/>
+                            <a:rPr lang="fr-FR" sz="1200" i="1">
+                              <a:latin typeface="Cambria Math" panose="02040503050406030204" pitchFamily="18" charset="0"/>
+                            </a:rPr>
                             <m:t>𝑏𝑎𝑠𝑒</m:t>
                           </m:r>
                         </m:sup>
@@ -13234,22 +13052,30 @@
                           <m:f>
                             <m:fPr>
                               <m:ctrlPr>
-                                <a:rPr lang="en-US" sz="1200" i="1"/>
+                                <a:rPr lang="en-US" sz="1200" i="1">
+                                  <a:latin typeface="Cambria Math" panose="02040503050406030204" pitchFamily="18" charset="0"/>
+                                </a:rPr>
                               </m:ctrlPr>
                             </m:fPr>
                             <m:num>
                               <m:r>
-                                <a:rPr lang="fr-FR" sz="1200" i="1"/>
+                                <a:rPr lang="fr-FR" sz="1200" i="1">
+                                  <a:latin typeface="Cambria Math" panose="02040503050406030204" pitchFamily="18" charset="0"/>
+                                </a:rPr>
                                 <m:t>1</m:t>
                               </m:r>
                             </m:num>
                             <m:den>
                               <m:r>
-                                <a:rPr lang="fr-FR" sz="1200" i="1"/>
+                                <a:rPr lang="fr-FR" sz="1200" i="1">
+                                  <a:latin typeface="Cambria Math" panose="02040503050406030204" pitchFamily="18" charset="0"/>
+                                </a:rPr>
                                 <m:t>𝑑𝑖𝑠𝑡𝑎𝑛𝑐𝑒</m:t>
                               </m:r>
                               <m:r>
-                                <a:rPr lang="fr-FR" sz="1200" i="1"/>
+                                <a:rPr lang="fr-FR" sz="1200" i="1">
+                                  <a:latin typeface="Cambria Math" panose="02040503050406030204" pitchFamily="18" charset="0"/>
+                                </a:rPr>
                                 <m:t> </m:t>
                               </m:r>
                               <m:r>
@@ -13259,7 +13085,9 @@
                                 <m:t>𝑖</m:t>
                               </m:r>
                               <m:r>
-                                <a:rPr lang="fr-FR" sz="1200" i="1"/>
+                                <a:rPr lang="fr-FR" sz="1200" i="1">
+                                  <a:latin typeface="Cambria Math" panose="02040503050406030204" pitchFamily="18" charset="0"/>
+                                </a:rPr>
                                 <m:t>+0.001</m:t>
                               </m:r>
                             </m:den>
@@ -13267,7 +13095,9 @@
                         </m:e>
                       </m:nary>
                       <m:r>
-                        <a:rPr lang="fr-FR" sz="1200" i="1"/>
+                        <a:rPr lang="fr-FR" sz="1200" i="1">
+                          <a:latin typeface="Cambria Math" panose="02040503050406030204" pitchFamily="18" charset="0"/>
+                        </a:rPr>
                         <m:t>  </m:t>
                       </m:r>
                     </m:oMath>
@@ -13292,13 +13122,13 @@
             </p:nvSpPr>
             <p:spPr>
               <a:xfrm>
-                <a:off x="827584" y="861777"/>
-                <a:ext cx="4344811" cy="895823"/>
+                <a:off x="611560" y="861777"/>
+                <a:ext cx="4560835" cy="895823"/>
               </a:xfrm>
               <a:prstGeom prst="rect">
                 <a:avLst/>
               </a:prstGeom>
-              <a:blipFill rotWithShape="0">
+              <a:blipFill>
                 <a:blip r:embed="rId3"/>
                 <a:stretch>
                   <a:fillRect/>
@@ -13310,7 +13140,7 @@
               <a:lstStyle/>
               <a:p>
                 <a:r>
-                  <a:rPr lang="en-US">
+                  <a:rPr lang="zh-CN" altLang="en-US">
                     <a:noFill/>
                   </a:rPr>
                   <a:t> </a:t>
@@ -13354,13 +13184,7 @@
           <p:cNvGraphicFramePr>
             <a:graphicFrameLocks noGrp="1"/>
           </p:cNvGraphicFramePr>
-          <p:nvPr>
-            <p:extLst>
-              <p:ext uri="{D42A27DB-BD31-4B8C-83A1-F6EECF244321}">
-                <p14:modId xmlns:p14="http://schemas.microsoft.com/office/powerpoint/2010/main" val="3087045497"/>
-              </p:ext>
-            </p:extLst>
-          </p:nvPr>
+          <p:nvPr/>
         </p:nvGraphicFramePr>
         <p:xfrm>
           <a:off x="5198643" y="2355726"/>
@@ -13373,9 +13197,27 @@
                 <a:tableStyleId>{5C22544A-7EE6-4342-B048-85BDC9FD1C3A}</a:tableStyleId>
               </a:tblPr>
               <a:tblGrid>
-                <a:gridCol w="1297991"/>
-                <a:gridCol w="1297991"/>
-                <a:gridCol w="1297991"/>
+                <a:gridCol w="1297991">
+                  <a:extLst>
+                    <a:ext uri="{9D8B030D-6E8A-4147-A177-3AD203B41FA5}">
+                      <a16:colId xmlns:a16="http://schemas.microsoft.com/office/drawing/2014/main" val="20000"/>
+                    </a:ext>
+                  </a:extLst>
+                </a:gridCol>
+                <a:gridCol w="1297991">
+                  <a:extLst>
+                    <a:ext uri="{9D8B030D-6E8A-4147-A177-3AD203B41FA5}">
+                      <a16:colId xmlns:a16="http://schemas.microsoft.com/office/drawing/2014/main" val="20001"/>
+                    </a:ext>
+                  </a:extLst>
+                </a:gridCol>
+                <a:gridCol w="1297991">
+                  <a:extLst>
+                    <a:ext uri="{9D8B030D-6E8A-4147-A177-3AD203B41FA5}">
+                      <a16:colId xmlns:a16="http://schemas.microsoft.com/office/drawing/2014/main" val="20002"/>
+                    </a:ext>
+                  </a:extLst>
+                </a:gridCol>
               </a:tblGrid>
               <a:tr h="432162">
                 <a:tc>
@@ -13483,6 +13325,11 @@
                   </a:txBody>
                   <a:tcPr marL="68580" marR="68580" marT="0" marB="0"/>
                 </a:tc>
+                <a:extLst>
+                  <a:ext uri="{0D108BD9-81ED-4DB2-BD59-A6C34878D82A}">
+                    <a16:rowId xmlns:a16="http://schemas.microsoft.com/office/drawing/2014/main" val="10000"/>
+                  </a:ext>
+                </a:extLst>
               </a:tr>
               <a:tr h="432162">
                 <a:tc>
@@ -13584,6 +13431,11 @@
                   </a:txBody>
                   <a:tcPr marL="68580" marR="68580" marT="0" marB="0"/>
                 </a:tc>
+                <a:extLst>
+                  <a:ext uri="{0D108BD9-81ED-4DB2-BD59-A6C34878D82A}">
+                    <a16:rowId xmlns:a16="http://schemas.microsoft.com/office/drawing/2014/main" val="10001"/>
+                  </a:ext>
+                </a:extLst>
               </a:tr>
               <a:tr h="432162">
                 <a:tc>
@@ -13685,6 +13537,11 @@
                   </a:txBody>
                   <a:tcPr marL="68580" marR="68580" marT="0" marB="0"/>
                 </a:tc>
+                <a:extLst>
+                  <a:ext uri="{0D108BD9-81ED-4DB2-BD59-A6C34878D82A}">
+                    <a16:rowId xmlns:a16="http://schemas.microsoft.com/office/drawing/2014/main" val="10002"/>
+                  </a:ext>
+                </a:extLst>
               </a:tr>
               <a:tr h="432162">
                 <a:tc>
@@ -13786,6 +13643,11 @@
                   </a:txBody>
                   <a:tcPr marL="68580" marR="68580" marT="0" marB="0"/>
                 </a:tc>
+                <a:extLst>
+                  <a:ext uri="{0D108BD9-81ED-4DB2-BD59-A6C34878D82A}">
+                    <a16:rowId xmlns:a16="http://schemas.microsoft.com/office/drawing/2014/main" val="10003"/>
+                  </a:ext>
+                </a:extLst>
               </a:tr>
             </a:tbl>
           </a:graphicData>
@@ -13815,64 +13677,35 @@
           <a:p>
             <a:r>
               <a:rPr lang="fr-FR" dirty="0"/>
-              <a:t> </a:t>
-            </a:r>
-            <a:r>
-              <a:rPr lang="fr-FR" dirty="0" smtClean="0"/>
-              <a:t>#</a:t>
+              <a:t> # clusters (</a:t>
+            </a:r>
+            <a:r>
+              <a:rPr lang="fr-FR" dirty="0" err="1"/>
+              <a:t>visual</a:t>
             </a:r>
             <a:r>
               <a:rPr lang="fr-FR" dirty="0"/>
               <a:t> </a:t>
             </a:r>
             <a:r>
-              <a:rPr lang="fr-FR" dirty="0" smtClean="0"/>
-              <a:t>clusters (</a:t>
-            </a:r>
-            <a:r>
-              <a:rPr lang="fr-FR" dirty="0" err="1" smtClean="0"/>
-              <a:t>visual</a:t>
-            </a:r>
-            <a:r>
-              <a:rPr lang="fr-FR" dirty="0" smtClean="0"/>
-              <a:t> </a:t>
-            </a:r>
-            <a:r>
-              <a:rPr lang="fr-FR" dirty="0" err="1" smtClean="0"/>
+              <a:rPr lang="fr-FR" dirty="0" err="1"/>
               <a:t>words</a:t>
             </a:r>
             <a:r>
-              <a:rPr lang="fr-FR" dirty="0" smtClean="0"/>
-              <a:t>) </a:t>
-            </a:r>
-            <a:r>
               <a:rPr lang="fr-FR" dirty="0"/>
-              <a:t>=</a:t>
-            </a:r>
-            <a:r>
-              <a:rPr lang="fr-FR" dirty="0" smtClean="0"/>
-              <a:t> 50</a:t>
-            </a:r>
-          </a:p>
-          <a:p>
-            <a:r>
-              <a:rPr lang="fr-FR" dirty="0" smtClean="0"/>
-              <a:t> # max de key points = 100</a:t>
-            </a:r>
+              <a:t>) = 50 ;</a:t>
+            </a:r>
+          </a:p>
+          <a:p>
             <a:r>
               <a:rPr lang="fr-FR" dirty="0"/>
-              <a:t>.</a:t>
+              <a:t> # max de key points = 100.</a:t>
             </a:r>
             <a:endParaRPr lang="en-US" dirty="0"/>
           </a:p>
         </p:txBody>
       </p:sp>
     </p:spTree>
-    <p:extLst>
-      <p:ext uri="{BB962C8B-B14F-4D97-AF65-F5344CB8AC3E}">
-        <p14:creationId xmlns:p14="http://schemas.microsoft.com/office/powerpoint/2010/main" val="1139468901"/>
-      </p:ext>
-    </p:extLst>
   </p:cSld>
   <p:clrMapOvr>
     <a:masterClrMapping/>
@@ -13922,20 +13755,12 @@
               <a:t>PHASE DE </a:t>
             </a:r>
             <a:r>
-              <a:rPr lang="fr-FR" dirty="0" err="1" smtClean="0"/>
+              <a:rPr lang="fr-FR" dirty="0" err="1"/>
               <a:t>TESTs</a:t>
             </a:r>
             <a:r>
-              <a:rPr lang="fr-FR" dirty="0" smtClean="0"/>
-              <a:t> </a:t>
-            </a:r>
-            <a:r>
               <a:rPr lang="fr-FR" dirty="0"/>
-              <a:t>ET </a:t>
-            </a:r>
-            <a:r>
-              <a:rPr lang="fr-FR" dirty="0" smtClean="0"/>
-              <a:t>COMPARAISONS – courbe p-r (2/3)</a:t>
+              <a:t> ET COMPARAISONS – courbe p-r (2/3)</a:t>
             </a:r>
             <a:endParaRPr lang="en-US" dirty="0"/>
           </a:p>
@@ -13958,7 +13783,7 @@
           <a:p>
             <a:fld id="{02F2A944-B0D2-4E65-9B75-234B8B45C846}" type="datetime1">
               <a:rPr lang="fr-FR" smtClean="0"/>
-              <a:t>25/02/2018</a:t>
+              <a:t>28/02/2018</a:t>
             </a:fld>
             <a:endParaRPr lang="fr-FR" dirty="0"/>
           </a:p>
@@ -13983,7 +13808,6 @@
               <a:rPr lang="fr-FR" dirty="0"/>
               <a:t>Descripteurs locaux pour la recherche d’images similaires</a:t>
             </a:r>
-            <a:endParaRPr lang="fr-FR" dirty="0"/>
           </a:p>
         </p:txBody>
       </p:sp>
@@ -14004,7 +13828,6 @@
           <a:p>
             <a:fld id="{10C140CD-8AED-46FF-A9A2-77308F3F39AE}" type="slidenum">
               <a:rPr lang="fr-FR" smtClean="0"/>
-              <a:pPr/>
               <a:t>8</a:t>
             </a:fld>
             <a:endParaRPr lang="fr-FR" dirty="0"/>
@@ -14021,8 +13844,8 @@
             </p:nvSpPr>
             <p:spPr>
               <a:xfrm>
-                <a:off x="827584" y="861777"/>
-                <a:ext cx="4344811" cy="895823"/>
+                <a:off x="554676" y="861777"/>
+                <a:ext cx="4617719" cy="895823"/>
               </a:xfrm>
               <a:prstGeom prst="rect">
                 <a:avLst/>
@@ -14035,6 +13858,7 @@
               </a:bodyPr>
               <a:lstStyle/>
               <a:p>
+                <a:pPr/>
                 <a14:m>
                   <m:oMathPara xmlns:m="http://schemas.openxmlformats.org/officeDocument/2006/math">
                     <m:oMathParaPr>
@@ -14042,11 +13866,15 @@
                     </m:oMathParaPr>
                     <m:oMath xmlns:m="http://schemas.openxmlformats.org/officeDocument/2006/math">
                       <m:r>
-                        <a:rPr lang="fr-FR" sz="1200" i="1" smtClean="0"/>
+                        <a:rPr lang="fr-FR" sz="1200" i="1" smtClean="0">
+                          <a:latin typeface="Cambria Math" panose="02040503050406030204" pitchFamily="18" charset="0"/>
+                        </a:rPr>
                         <m:t>𝑠𝑐𝑜𝑟𝑒</m:t>
                       </m:r>
                       <m:r>
-                        <a:rPr lang="fr-FR" sz="1200" i="1"/>
+                        <a:rPr lang="fr-FR" sz="1200" i="1">
+                          <a:latin typeface="Cambria Math" panose="02040503050406030204" pitchFamily="18" charset="0"/>
+                        </a:rPr>
                         <m:t>=</m:t>
                       </m:r>
                       <m:nary>
@@ -14054,74 +13882,108 @@
                           <m:chr m:val="∑"/>
                           <m:limLoc m:val="undOvr"/>
                           <m:ctrlPr>
-                            <a:rPr lang="en-US" sz="1200" i="1"/>
+                            <a:rPr lang="en-US" sz="1200" i="1">
+                              <a:latin typeface="Cambria Math" panose="02040503050406030204" pitchFamily="18" charset="0"/>
+                            </a:rPr>
                           </m:ctrlPr>
                         </m:naryPr>
                         <m:sub>
                           <m:r>
-                            <a:rPr lang="fr-FR" sz="1200" i="1"/>
+                            <a:rPr lang="fr-FR" sz="1200" i="1">
+                              <a:latin typeface="Cambria Math" panose="02040503050406030204" pitchFamily="18" charset="0"/>
+                            </a:rPr>
                             <m:t>𝑖</m:t>
                           </m:r>
                         </m:sub>
                         <m:sup>
                           <m:r>
-                            <a:rPr lang="fr-FR" sz="1200" i="1"/>
+                            <a:rPr lang="fr-FR" sz="1200" i="1">
+                              <a:latin typeface="Cambria Math" panose="02040503050406030204" pitchFamily="18" charset="0"/>
+                            </a:rPr>
                             <m:t>𝑡𝑜𝑢𝑡𝑒𝑠</m:t>
                           </m:r>
                           <m:r>
-                            <a:rPr lang="fr-FR" sz="1200" i="1"/>
+                            <a:rPr lang="fr-FR" sz="1200" i="1">
+                              <a:latin typeface="Cambria Math" panose="02040503050406030204" pitchFamily="18" charset="0"/>
+                            </a:rPr>
                             <m:t> </m:t>
                           </m:r>
                           <m:r>
-                            <a:rPr lang="fr-FR" sz="1200" i="1"/>
+                            <a:rPr lang="fr-FR" sz="1200" i="1">
+                              <a:latin typeface="Cambria Math" panose="02040503050406030204" pitchFamily="18" charset="0"/>
+                            </a:rPr>
                             <m:t>𝑖𝑚𝑎𝑔𝑒𝑠</m:t>
                           </m:r>
                           <m:r>
-                            <a:rPr lang="fr-FR" sz="1200" i="1"/>
+                            <a:rPr lang="fr-FR" sz="1200" i="1">
+                              <a:latin typeface="Cambria Math" panose="02040503050406030204" pitchFamily="18" charset="0"/>
+                            </a:rPr>
                             <m:t> </m:t>
                           </m:r>
                           <m:r>
-                            <a:rPr lang="fr-FR" sz="1200" i="1"/>
+                            <a:rPr lang="fr-FR" sz="1200" i="1">
+                              <a:latin typeface="Cambria Math" panose="02040503050406030204" pitchFamily="18" charset="0"/>
+                            </a:rPr>
                             <m:t>𝑑𝑒</m:t>
                           </m:r>
                           <m:r>
-                            <a:rPr lang="fr-FR" sz="1200" i="1"/>
+                            <a:rPr lang="fr-FR" sz="1200" i="1">
+                              <a:latin typeface="Cambria Math" panose="02040503050406030204" pitchFamily="18" charset="0"/>
+                            </a:rPr>
                             <m:t> </m:t>
                           </m:r>
                           <m:r>
-                            <a:rPr lang="fr-FR" sz="1200" i="1"/>
+                            <a:rPr lang="fr-FR" sz="1200" i="1">
+                              <a:latin typeface="Cambria Math" panose="02040503050406030204" pitchFamily="18" charset="0"/>
+                            </a:rPr>
                             <m:t>𝑐𝑒𝑡𝑡𝑒</m:t>
                           </m:r>
                           <m:r>
-                            <a:rPr lang="fr-FR" sz="1200" i="1"/>
+                            <a:rPr lang="fr-FR" sz="1200" i="1">
+                              <a:latin typeface="Cambria Math" panose="02040503050406030204" pitchFamily="18" charset="0"/>
+                            </a:rPr>
                             <m:t> </m:t>
                           </m:r>
                           <m:r>
-                            <a:rPr lang="fr-FR" sz="1200" i="1"/>
+                            <a:rPr lang="fr-FR" sz="1200" i="1">
+                              <a:latin typeface="Cambria Math" panose="02040503050406030204" pitchFamily="18" charset="0"/>
+                            </a:rPr>
                             <m:t>𝑐𝑙𝑎𝑠𝑠𝑒</m:t>
                           </m:r>
                           <m:r>
-                            <a:rPr lang="fr-FR" sz="1200" i="1"/>
+                            <a:rPr lang="fr-FR" sz="1200" i="1">
+                              <a:latin typeface="Cambria Math" panose="02040503050406030204" pitchFamily="18" charset="0"/>
+                            </a:rPr>
                             <m:t> </m:t>
                           </m:r>
                           <m:r>
-                            <a:rPr lang="fr-FR" sz="1200" i="1"/>
+                            <a:rPr lang="fr-FR" sz="1200" i="1">
+                              <a:latin typeface="Cambria Math" panose="02040503050406030204" pitchFamily="18" charset="0"/>
+                            </a:rPr>
                             <m:t>𝑑𝑎𝑛𝑠</m:t>
                           </m:r>
                           <m:r>
-                            <a:rPr lang="fr-FR" sz="1200" i="1"/>
+                            <a:rPr lang="fr-FR" sz="1200" i="1">
+                              <a:latin typeface="Cambria Math" panose="02040503050406030204" pitchFamily="18" charset="0"/>
+                            </a:rPr>
                             <m:t> </m:t>
                           </m:r>
                           <m:r>
-                            <a:rPr lang="fr-FR" sz="1200" i="1"/>
+                            <a:rPr lang="fr-FR" sz="1200" i="1">
+                              <a:latin typeface="Cambria Math" panose="02040503050406030204" pitchFamily="18" charset="0"/>
+                            </a:rPr>
                             <m:t>𝑙𝑎</m:t>
                           </m:r>
                           <m:r>
-                            <a:rPr lang="fr-FR" sz="1200" i="1"/>
+                            <a:rPr lang="fr-FR" sz="1200" i="1">
+                              <a:latin typeface="Cambria Math" panose="02040503050406030204" pitchFamily="18" charset="0"/>
+                            </a:rPr>
                             <m:t> </m:t>
                           </m:r>
                           <m:r>
-                            <a:rPr lang="fr-FR" sz="1200" i="1"/>
+                            <a:rPr lang="fr-FR" sz="1200" i="1">
+                              <a:latin typeface="Cambria Math" panose="02040503050406030204" pitchFamily="18" charset="0"/>
+                            </a:rPr>
                             <m:t>𝑏𝑎𝑠𝑒</m:t>
                           </m:r>
                         </m:sup>
@@ -14129,22 +13991,30 @@
                           <m:f>
                             <m:fPr>
                               <m:ctrlPr>
-                                <a:rPr lang="en-US" sz="1200" i="1"/>
+                                <a:rPr lang="en-US" sz="1200" i="1">
+                                  <a:latin typeface="Cambria Math" panose="02040503050406030204" pitchFamily="18" charset="0"/>
+                                </a:rPr>
                               </m:ctrlPr>
                             </m:fPr>
                             <m:num>
                               <m:r>
-                                <a:rPr lang="fr-FR" sz="1200" i="1"/>
+                                <a:rPr lang="fr-FR" sz="1200" i="1">
+                                  <a:latin typeface="Cambria Math" panose="02040503050406030204" pitchFamily="18" charset="0"/>
+                                </a:rPr>
                                 <m:t>1</m:t>
                               </m:r>
                             </m:num>
                             <m:den>
                               <m:r>
-                                <a:rPr lang="fr-FR" sz="1200" i="1"/>
+                                <a:rPr lang="fr-FR" sz="1200" i="1">
+                                  <a:latin typeface="Cambria Math" panose="02040503050406030204" pitchFamily="18" charset="0"/>
+                                </a:rPr>
                                 <m:t>𝑑𝑖𝑠𝑡𝑎𝑛𝑐𝑒</m:t>
                               </m:r>
                               <m:r>
-                                <a:rPr lang="fr-FR" sz="1200" i="1"/>
+                                <a:rPr lang="fr-FR" sz="1200" i="1">
+                                  <a:latin typeface="Cambria Math" panose="02040503050406030204" pitchFamily="18" charset="0"/>
+                                </a:rPr>
                                 <m:t> </m:t>
                               </m:r>
                               <m:r>
@@ -14154,7 +14024,9 @@
                                 <m:t>𝑖</m:t>
                               </m:r>
                               <m:r>
-                                <a:rPr lang="fr-FR" sz="1200" i="1"/>
+                                <a:rPr lang="fr-FR" sz="1200" i="1">
+                                  <a:latin typeface="Cambria Math" panose="02040503050406030204" pitchFamily="18" charset="0"/>
+                                </a:rPr>
                                 <m:t>+0.001</m:t>
                               </m:r>
                             </m:den>
@@ -14162,7 +14034,9 @@
                         </m:e>
                       </m:nary>
                       <m:r>
-                        <a:rPr lang="fr-FR" sz="1200" i="1"/>
+                        <a:rPr lang="fr-FR" sz="1200" i="1">
+                          <a:latin typeface="Cambria Math" panose="02040503050406030204" pitchFamily="18" charset="0"/>
+                        </a:rPr>
                         <m:t>  </m:t>
                       </m:r>
                     </m:oMath>
@@ -14187,13 +14061,13 @@
             </p:nvSpPr>
             <p:spPr>
               <a:xfrm>
-                <a:off x="827584" y="861777"/>
-                <a:ext cx="4344811" cy="895823"/>
+                <a:off x="554676" y="861777"/>
+                <a:ext cx="4617719" cy="895823"/>
               </a:xfrm>
               <a:prstGeom prst="rect">
                 <a:avLst/>
               </a:prstGeom>
-              <a:blipFill rotWithShape="0">
+              <a:blipFill>
                 <a:blip r:embed="rId2"/>
                 <a:stretch>
                   <a:fillRect/>
@@ -14205,7 +14079,7 @@
               <a:lstStyle/>
               <a:p>
                 <a:r>
-                  <a:rPr lang="en-US">
+                  <a:rPr lang="zh-CN" altLang="en-US">
                     <a:noFill/>
                   </a:rPr>
                   <a:t> </a:t>
@@ -14221,13 +14095,7 @@
           <p:cNvGraphicFramePr>
             <a:graphicFrameLocks noGrp="1"/>
           </p:cNvGraphicFramePr>
-          <p:nvPr>
-            <p:extLst>
-              <p:ext uri="{D42A27DB-BD31-4B8C-83A1-F6EECF244321}">
-                <p14:modId xmlns:p14="http://schemas.microsoft.com/office/powerpoint/2010/main" val="1472481536"/>
-              </p:ext>
-            </p:extLst>
-          </p:nvPr>
+          <p:nvPr/>
         </p:nvGraphicFramePr>
         <p:xfrm>
           <a:off x="5198643" y="2355726"/>
@@ -14240,9 +14108,27 @@
                 <a:tableStyleId>{5C22544A-7EE6-4342-B048-85BDC9FD1C3A}</a:tableStyleId>
               </a:tblPr>
               <a:tblGrid>
-                <a:gridCol w="1297991"/>
-                <a:gridCol w="1297991"/>
-                <a:gridCol w="1297991"/>
+                <a:gridCol w="1297991">
+                  <a:extLst>
+                    <a:ext uri="{9D8B030D-6E8A-4147-A177-3AD203B41FA5}">
+                      <a16:colId xmlns:a16="http://schemas.microsoft.com/office/drawing/2014/main" val="20000"/>
+                    </a:ext>
+                  </a:extLst>
+                </a:gridCol>
+                <a:gridCol w="1297991">
+                  <a:extLst>
+                    <a:ext uri="{9D8B030D-6E8A-4147-A177-3AD203B41FA5}">
+                      <a16:colId xmlns:a16="http://schemas.microsoft.com/office/drawing/2014/main" val="20001"/>
+                    </a:ext>
+                  </a:extLst>
+                </a:gridCol>
+                <a:gridCol w="1297991">
+                  <a:extLst>
+                    <a:ext uri="{9D8B030D-6E8A-4147-A177-3AD203B41FA5}">
+                      <a16:colId xmlns:a16="http://schemas.microsoft.com/office/drawing/2014/main" val="20002"/>
+                    </a:ext>
+                  </a:extLst>
+                </a:gridCol>
               </a:tblGrid>
               <a:tr h="432162">
                 <a:tc>
@@ -14350,6 +14236,11 @@
                   </a:txBody>
                   <a:tcPr marL="68580" marR="68580" marT="0" marB="0"/>
                 </a:tc>
+                <a:extLst>
+                  <a:ext uri="{0D108BD9-81ED-4DB2-BD59-A6C34878D82A}">
+                    <a16:rowId xmlns:a16="http://schemas.microsoft.com/office/drawing/2014/main" val="10000"/>
+                  </a:ext>
+                </a:extLst>
               </a:tr>
               <a:tr h="432162">
                 <a:tc>
@@ -14365,7 +14256,7 @@
                           <a:spcPts val="0"/>
                         </a:spcAft>
                       </a:pPr>
-                      <a:endParaRPr lang="fr-FR" sz="1100" b="1" dirty="0" smtClean="0">
+                      <a:endParaRPr lang="fr-FR" sz="1100" b="1" dirty="0">
                         <a:solidFill>
                           <a:srgbClr val="FFFFFF"/>
                         </a:solidFill>
@@ -14385,18 +14276,6 @@
                         </a:spcAft>
                       </a:pPr>
                       <a:r>
-                        <a:rPr lang="fr-FR" sz="1100" b="1" dirty="0" smtClean="0">
-                          <a:solidFill>
-                            <a:srgbClr val="FFFFFF"/>
-                          </a:solidFill>
-                          <a:effectLst/>
-                          <a:latin typeface="Arial" panose="020B0604020202020204" pitchFamily="34" charset="0"/>
-                          <a:ea typeface="宋体" panose="02010600030101010101" pitchFamily="2" charset="-122"/>
-                          <a:cs typeface="Times New Roman" panose="02020603050405020304" pitchFamily="18" charset="0"/>
-                        </a:rPr>
-                        <a:t>#</a:t>
-                      </a:r>
-                      <a:r>
                         <a:rPr lang="fr-FR" sz="1100" b="1" dirty="0">
                           <a:solidFill>
                             <a:srgbClr val="FFFFFF"/>
@@ -14406,7 +14285,7 @@
                           <a:ea typeface="宋体" panose="02010600030101010101" pitchFamily="2" charset="-122"/>
                           <a:cs typeface="Times New Roman" panose="02020603050405020304" pitchFamily="18" charset="0"/>
                         </a:rPr>
-                        <a:t>N = 50</a:t>
+                        <a:t>#N = 50</a:t>
                       </a:r>
                       <a:endParaRPr lang="en-US" sz="1100" dirty="0">
                         <a:effectLst/>
@@ -14482,6 +14361,11 @@
                   </a:txBody>
                   <a:tcPr marL="68580" marR="68580" marT="0" marB="0" anchor="ctr"/>
                 </a:tc>
+                <a:extLst>
+                  <a:ext uri="{0D108BD9-81ED-4DB2-BD59-A6C34878D82A}">
+                    <a16:rowId xmlns:a16="http://schemas.microsoft.com/office/drawing/2014/main" val="10001"/>
+                  </a:ext>
+                </a:extLst>
               </a:tr>
               <a:tr h="432162">
                 <a:tc>
@@ -14497,7 +14381,7 @@
                           <a:spcPts val="0"/>
                         </a:spcAft>
                       </a:pPr>
-                      <a:endParaRPr lang="fr-FR" sz="1100" b="1" dirty="0" smtClean="0">
+                      <a:endParaRPr lang="fr-FR" sz="1100" b="1" dirty="0">
                         <a:solidFill>
                           <a:srgbClr val="FFFFFF"/>
                         </a:solidFill>
@@ -14517,18 +14401,6 @@
                         </a:spcAft>
                       </a:pPr>
                       <a:r>
-                        <a:rPr lang="fr-FR" sz="1100" b="1" dirty="0" smtClean="0">
-                          <a:solidFill>
-                            <a:srgbClr val="FFFFFF"/>
-                          </a:solidFill>
-                          <a:effectLst/>
-                          <a:latin typeface="Arial" panose="020B0604020202020204" pitchFamily="34" charset="0"/>
-                          <a:ea typeface="宋体" panose="02010600030101010101" pitchFamily="2" charset="-122"/>
-                          <a:cs typeface="Times New Roman" panose="02020603050405020304" pitchFamily="18" charset="0"/>
-                        </a:rPr>
-                        <a:t>#</a:t>
-                      </a:r>
-                      <a:r>
                         <a:rPr lang="fr-FR" sz="1100" b="1" dirty="0">
                           <a:solidFill>
                             <a:srgbClr val="FFFFFF"/>
@@ -14538,7 +14410,7 @@
                           <a:ea typeface="宋体" panose="02010600030101010101" pitchFamily="2" charset="-122"/>
                           <a:cs typeface="Times New Roman" panose="02020603050405020304" pitchFamily="18" charset="0"/>
                         </a:rPr>
-                        <a:t>N = 100</a:t>
+                        <a:t>#N = 100</a:t>
                       </a:r>
                       <a:endParaRPr lang="en-US" sz="1100" dirty="0">
                         <a:effectLst/>
@@ -14614,6 +14486,11 @@
                   </a:txBody>
                   <a:tcPr marL="68580" marR="68580" marT="0" marB="0" anchor="ctr"/>
                 </a:tc>
+                <a:extLst>
+                  <a:ext uri="{0D108BD9-81ED-4DB2-BD59-A6C34878D82A}">
+                    <a16:rowId xmlns:a16="http://schemas.microsoft.com/office/drawing/2014/main" val="10002"/>
+                  </a:ext>
+                </a:extLst>
               </a:tr>
               <a:tr h="432162">
                 <a:tc>
@@ -14629,7 +14506,7 @@
                           <a:spcPts val="0"/>
                         </a:spcAft>
                       </a:pPr>
-                      <a:endParaRPr lang="fr-FR" sz="1100" b="1" dirty="0" smtClean="0">
+                      <a:endParaRPr lang="fr-FR" sz="1100" b="1" dirty="0">
                         <a:solidFill>
                           <a:srgbClr val="FFFFFF"/>
                         </a:solidFill>
@@ -14649,18 +14526,6 @@
                         </a:spcAft>
                       </a:pPr>
                       <a:r>
-                        <a:rPr lang="fr-FR" sz="1100" b="1" dirty="0" smtClean="0">
-                          <a:solidFill>
-                            <a:srgbClr val="FFFFFF"/>
-                          </a:solidFill>
-                          <a:effectLst/>
-                          <a:latin typeface="Arial" panose="020B0604020202020204" pitchFamily="34" charset="0"/>
-                          <a:ea typeface="宋体" panose="02010600030101010101" pitchFamily="2" charset="-122"/>
-                          <a:cs typeface="Times New Roman" panose="02020603050405020304" pitchFamily="18" charset="0"/>
-                        </a:rPr>
-                        <a:t>#</a:t>
-                      </a:r>
-                      <a:r>
                         <a:rPr lang="fr-FR" sz="1100" b="1" dirty="0">
                           <a:solidFill>
                             <a:srgbClr val="FFFFFF"/>
@@ -14670,7 +14535,7 @@
                           <a:ea typeface="宋体" panose="02010600030101010101" pitchFamily="2" charset="-122"/>
                           <a:cs typeface="Times New Roman" panose="02020603050405020304" pitchFamily="18" charset="0"/>
                         </a:rPr>
-                        <a:t>N = 200</a:t>
+                        <a:t>#N = 200</a:t>
                       </a:r>
                       <a:endParaRPr lang="en-US" sz="1100" dirty="0">
                         <a:effectLst/>
@@ -14746,6 +14611,11 @@
                   </a:txBody>
                   <a:tcPr marL="68580" marR="68580" marT="0" marB="0" anchor="ctr"/>
                 </a:tc>
+                <a:extLst>
+                  <a:ext uri="{0D108BD9-81ED-4DB2-BD59-A6C34878D82A}">
+                    <a16:rowId xmlns:a16="http://schemas.microsoft.com/office/drawing/2014/main" val="10003"/>
+                  </a:ext>
+                </a:extLst>
               </a:tr>
             </a:tbl>
           </a:graphicData>
@@ -14775,32 +14645,28 @@
           <a:p>
             <a:r>
               <a:rPr lang="fr-FR" dirty="0"/>
+              <a:t> descripteur ORB ;</a:t>
+            </a:r>
+          </a:p>
+          <a:p>
+            <a:r>
+              <a:rPr lang="fr-FR" dirty="0"/>
+              <a:t> # clusters (</a:t>
+            </a:r>
+            <a:r>
+              <a:rPr lang="fr-FR" dirty="0" err="1"/>
+              <a:t>visual</a:t>
+            </a:r>
+            <a:r>
+              <a:rPr lang="fr-FR" dirty="0"/>
               <a:t> </a:t>
             </a:r>
             <a:r>
-              <a:rPr lang="fr-FR" dirty="0" smtClean="0"/>
-              <a:t>descripteur ORB ;</a:t>
-            </a:r>
-          </a:p>
-          <a:p>
-            <a:r>
-              <a:rPr lang="fr-FR" dirty="0" smtClean="0"/>
-              <a:t> # clusters (</a:t>
-            </a:r>
-            <a:r>
-              <a:rPr lang="fr-FR" dirty="0" err="1" smtClean="0"/>
-              <a:t>visual</a:t>
-            </a:r>
-            <a:r>
-              <a:rPr lang="fr-FR" dirty="0" smtClean="0"/>
-              <a:t> </a:t>
-            </a:r>
-            <a:r>
-              <a:rPr lang="fr-FR" dirty="0" err="1" smtClean="0"/>
+              <a:rPr lang="fr-FR" dirty="0" err="1"/>
               <a:t>words</a:t>
             </a:r>
             <a:r>
-              <a:rPr lang="fr-FR" dirty="0" smtClean="0"/>
+              <a:rPr lang="fr-FR" dirty="0"/>
               <a:t>) = 50.</a:t>
             </a:r>
             <a:endParaRPr lang="en-US" dirty="0"/>
@@ -14814,7 +14680,7 @@
           <p:nvPr>
             <p:extLst>
               <p:ext uri="{D42A27DB-BD31-4B8C-83A1-F6EECF244321}">
-                <p14:modId xmlns:p14="http://schemas.microsoft.com/office/powerpoint/2010/main" val="3166836916"/>
+                <p14:modId xmlns:p14="http://schemas.microsoft.com/office/powerpoint/2010/main" val="1830801315"/>
               </p:ext>
             </p:extLst>
           </p:nvPr>
@@ -14830,11 +14696,6 @@
         </a:graphic>
       </p:graphicFrame>
     </p:spTree>
-    <p:extLst>
-      <p:ext uri="{BB962C8B-B14F-4D97-AF65-F5344CB8AC3E}">
-        <p14:creationId xmlns:p14="http://schemas.microsoft.com/office/powerpoint/2010/main" val="3709481267"/>
-      </p:ext>
-    </p:extLst>
   </p:cSld>
   <p:clrMapOvr>
     <a:masterClrMapping/>
@@ -14884,20 +14745,12 @@
               <a:t>PHASE DE </a:t>
             </a:r>
             <a:r>
-              <a:rPr lang="fr-FR" dirty="0" err="1" smtClean="0"/>
+              <a:rPr lang="fr-FR" dirty="0" err="1"/>
               <a:t>TESTs</a:t>
             </a:r>
             <a:r>
-              <a:rPr lang="fr-FR" dirty="0" smtClean="0"/>
-              <a:t> </a:t>
-            </a:r>
-            <a:r>
               <a:rPr lang="fr-FR" dirty="0"/>
-              <a:t>ET </a:t>
-            </a:r>
-            <a:r>
-              <a:rPr lang="fr-FR" dirty="0" smtClean="0"/>
-              <a:t>COMPARAISONS – courbe p-r (3/3)</a:t>
+              <a:t> ET COMPARAISONS – courbe p-r (3/3)</a:t>
             </a:r>
             <a:endParaRPr lang="en-US" dirty="0"/>
           </a:p>
@@ -14920,7 +14773,7 @@
           <a:p>
             <a:fld id="{02F2A944-B0D2-4E65-9B75-234B8B45C846}" type="datetime1">
               <a:rPr lang="fr-FR" smtClean="0"/>
-              <a:t>25/02/2018</a:t>
+              <a:t>28/02/2018</a:t>
             </a:fld>
             <a:endParaRPr lang="fr-FR" dirty="0"/>
           </a:p>
@@ -14945,7 +14798,6 @@
               <a:rPr lang="fr-FR" dirty="0"/>
               <a:t>Descripteurs locaux pour la recherche d’images similaires</a:t>
             </a:r>
-            <a:endParaRPr lang="fr-FR" dirty="0"/>
           </a:p>
         </p:txBody>
       </p:sp>
@@ -14966,7 +14818,6 @@
           <a:p>
             <a:fld id="{10C140CD-8AED-46FF-A9A2-77308F3F39AE}" type="slidenum">
               <a:rPr lang="fr-FR" smtClean="0"/>
-              <a:pPr/>
               <a:t>9</a:t>
             </a:fld>
             <a:endParaRPr lang="fr-FR" dirty="0"/>
@@ -14983,8 +14834,8 @@
             </p:nvSpPr>
             <p:spPr>
               <a:xfrm>
-                <a:off x="827584" y="861777"/>
-                <a:ext cx="4344811" cy="895823"/>
+                <a:off x="611560" y="861777"/>
+                <a:ext cx="4560835" cy="895823"/>
               </a:xfrm>
               <a:prstGeom prst="rect">
                 <a:avLst/>
@@ -14997,6 +14848,7 @@
               </a:bodyPr>
               <a:lstStyle/>
               <a:p>
+                <a:pPr/>
                 <a14:m>
                   <m:oMathPara xmlns:m="http://schemas.openxmlformats.org/officeDocument/2006/math">
                     <m:oMathParaPr>
@@ -15004,11 +14856,15 @@
                     </m:oMathParaPr>
                     <m:oMath xmlns:m="http://schemas.openxmlformats.org/officeDocument/2006/math">
                       <m:r>
-                        <a:rPr lang="fr-FR" sz="1200" i="1" smtClean="0"/>
+                        <a:rPr lang="fr-FR" sz="1200" i="1" smtClean="0">
+                          <a:latin typeface="Cambria Math" panose="02040503050406030204" pitchFamily="18" charset="0"/>
+                        </a:rPr>
                         <m:t>𝑠𝑐𝑜𝑟𝑒</m:t>
                       </m:r>
                       <m:r>
-                        <a:rPr lang="fr-FR" sz="1200" i="1"/>
+                        <a:rPr lang="fr-FR" sz="1200" i="1">
+                          <a:latin typeface="Cambria Math" panose="02040503050406030204" pitchFamily="18" charset="0"/>
+                        </a:rPr>
                         <m:t>=</m:t>
                       </m:r>
                       <m:nary>
@@ -15016,74 +14872,108 @@
                           <m:chr m:val="∑"/>
                           <m:limLoc m:val="undOvr"/>
                           <m:ctrlPr>
-                            <a:rPr lang="en-US" sz="1200" i="1"/>
+                            <a:rPr lang="en-US" sz="1200" i="1">
+                              <a:latin typeface="Cambria Math" panose="02040503050406030204" pitchFamily="18" charset="0"/>
+                            </a:rPr>
                           </m:ctrlPr>
                         </m:naryPr>
                         <m:sub>
                           <m:r>
-                            <a:rPr lang="fr-FR" sz="1200" i="1"/>
+                            <a:rPr lang="fr-FR" sz="1200" i="1">
+                              <a:latin typeface="Cambria Math" panose="02040503050406030204" pitchFamily="18" charset="0"/>
+                            </a:rPr>
                             <m:t>𝑖</m:t>
                           </m:r>
                         </m:sub>
                         <m:sup>
                           <m:r>
-                            <a:rPr lang="fr-FR" sz="1200" i="1"/>
+                            <a:rPr lang="fr-FR" sz="1200" i="1">
+                              <a:latin typeface="Cambria Math" panose="02040503050406030204" pitchFamily="18" charset="0"/>
+                            </a:rPr>
                             <m:t>𝑡𝑜𝑢𝑡𝑒𝑠</m:t>
                           </m:r>
                           <m:r>
-                            <a:rPr lang="fr-FR" sz="1200" i="1"/>
+                            <a:rPr lang="fr-FR" sz="1200" i="1">
+                              <a:latin typeface="Cambria Math" panose="02040503050406030204" pitchFamily="18" charset="0"/>
+                            </a:rPr>
                             <m:t> </m:t>
                           </m:r>
                           <m:r>
-                            <a:rPr lang="fr-FR" sz="1200" i="1"/>
+                            <a:rPr lang="fr-FR" sz="1200" i="1">
+                              <a:latin typeface="Cambria Math" panose="02040503050406030204" pitchFamily="18" charset="0"/>
+                            </a:rPr>
                             <m:t>𝑖𝑚𝑎𝑔𝑒𝑠</m:t>
                           </m:r>
                           <m:r>
-                            <a:rPr lang="fr-FR" sz="1200" i="1"/>
+                            <a:rPr lang="fr-FR" sz="1200" i="1">
+                              <a:latin typeface="Cambria Math" panose="02040503050406030204" pitchFamily="18" charset="0"/>
+                            </a:rPr>
                             <m:t> </m:t>
                           </m:r>
                           <m:r>
-                            <a:rPr lang="fr-FR" sz="1200" i="1"/>
+                            <a:rPr lang="fr-FR" sz="1200" i="1">
+                              <a:latin typeface="Cambria Math" panose="02040503050406030204" pitchFamily="18" charset="0"/>
+                            </a:rPr>
                             <m:t>𝑑𝑒</m:t>
                           </m:r>
                           <m:r>
-                            <a:rPr lang="fr-FR" sz="1200" i="1"/>
+                            <a:rPr lang="fr-FR" sz="1200" i="1">
+                              <a:latin typeface="Cambria Math" panose="02040503050406030204" pitchFamily="18" charset="0"/>
+                            </a:rPr>
                             <m:t> </m:t>
                           </m:r>
                           <m:r>
-                            <a:rPr lang="fr-FR" sz="1200" i="1"/>
+                            <a:rPr lang="fr-FR" sz="1200" i="1">
+                              <a:latin typeface="Cambria Math" panose="02040503050406030204" pitchFamily="18" charset="0"/>
+                            </a:rPr>
                             <m:t>𝑐𝑒𝑡𝑡𝑒</m:t>
                           </m:r>
                           <m:r>
-                            <a:rPr lang="fr-FR" sz="1200" i="1"/>
+                            <a:rPr lang="fr-FR" sz="1200" i="1">
+                              <a:latin typeface="Cambria Math" panose="02040503050406030204" pitchFamily="18" charset="0"/>
+                            </a:rPr>
                             <m:t> </m:t>
                           </m:r>
                           <m:r>
-                            <a:rPr lang="fr-FR" sz="1200" i="1"/>
+                            <a:rPr lang="fr-FR" sz="1200" i="1">
+                              <a:latin typeface="Cambria Math" panose="02040503050406030204" pitchFamily="18" charset="0"/>
+                            </a:rPr>
                             <m:t>𝑐𝑙𝑎𝑠𝑠𝑒</m:t>
                           </m:r>
                           <m:r>
-                            <a:rPr lang="fr-FR" sz="1200" i="1"/>
+                            <a:rPr lang="fr-FR" sz="1200" i="1">
+                              <a:latin typeface="Cambria Math" panose="02040503050406030204" pitchFamily="18" charset="0"/>
+                            </a:rPr>
                             <m:t> </m:t>
                           </m:r>
                           <m:r>
-                            <a:rPr lang="fr-FR" sz="1200" i="1"/>
+                            <a:rPr lang="fr-FR" sz="1200" i="1">
+                              <a:latin typeface="Cambria Math" panose="02040503050406030204" pitchFamily="18" charset="0"/>
+                            </a:rPr>
                             <m:t>𝑑𝑎𝑛𝑠</m:t>
                           </m:r>
                           <m:r>
-                            <a:rPr lang="fr-FR" sz="1200" i="1"/>
+                            <a:rPr lang="fr-FR" sz="1200" i="1">
+                              <a:latin typeface="Cambria Math" panose="02040503050406030204" pitchFamily="18" charset="0"/>
+                            </a:rPr>
                             <m:t> </m:t>
                           </m:r>
                           <m:r>
-                            <a:rPr lang="fr-FR" sz="1200" i="1"/>
+                            <a:rPr lang="fr-FR" sz="1200" i="1">
+                              <a:latin typeface="Cambria Math" panose="02040503050406030204" pitchFamily="18" charset="0"/>
+                            </a:rPr>
                             <m:t>𝑙𝑎</m:t>
                           </m:r>
                           <m:r>
-                            <a:rPr lang="fr-FR" sz="1200" i="1"/>
+                            <a:rPr lang="fr-FR" sz="1200" i="1">
+                              <a:latin typeface="Cambria Math" panose="02040503050406030204" pitchFamily="18" charset="0"/>
+                            </a:rPr>
                             <m:t> </m:t>
                           </m:r>
                           <m:r>
-                            <a:rPr lang="fr-FR" sz="1200" i="1"/>
+                            <a:rPr lang="fr-FR" sz="1200" i="1">
+                              <a:latin typeface="Cambria Math" panose="02040503050406030204" pitchFamily="18" charset="0"/>
+                            </a:rPr>
                             <m:t>𝑏𝑎𝑠𝑒</m:t>
                           </m:r>
                         </m:sup>
@@ -15091,22 +14981,30 @@
                           <m:f>
                             <m:fPr>
                               <m:ctrlPr>
-                                <a:rPr lang="en-US" sz="1200" i="1"/>
+                                <a:rPr lang="en-US" sz="1200" i="1">
+                                  <a:latin typeface="Cambria Math" panose="02040503050406030204" pitchFamily="18" charset="0"/>
+                                </a:rPr>
                               </m:ctrlPr>
                             </m:fPr>
                             <m:num>
                               <m:r>
-                                <a:rPr lang="fr-FR" sz="1200" i="1"/>
+                                <a:rPr lang="fr-FR" sz="1200" i="1">
+                                  <a:latin typeface="Cambria Math" panose="02040503050406030204" pitchFamily="18" charset="0"/>
+                                </a:rPr>
                                 <m:t>1</m:t>
                               </m:r>
                             </m:num>
                             <m:den>
                               <m:r>
-                                <a:rPr lang="fr-FR" sz="1200" i="1"/>
+                                <a:rPr lang="fr-FR" sz="1200" i="1">
+                                  <a:latin typeface="Cambria Math" panose="02040503050406030204" pitchFamily="18" charset="0"/>
+                                </a:rPr>
                                 <m:t>𝑑𝑖𝑠𝑡𝑎𝑛𝑐𝑒</m:t>
                               </m:r>
                               <m:r>
-                                <a:rPr lang="fr-FR" sz="1200" i="1"/>
+                                <a:rPr lang="fr-FR" sz="1200" i="1">
+                                  <a:latin typeface="Cambria Math" panose="02040503050406030204" pitchFamily="18" charset="0"/>
+                                </a:rPr>
                                 <m:t> </m:t>
                               </m:r>
                               <m:r>
@@ -15116,7 +15014,9 @@
                                 <m:t>𝑖</m:t>
                               </m:r>
                               <m:r>
-                                <a:rPr lang="fr-FR" sz="1200" i="1"/>
+                                <a:rPr lang="fr-FR" sz="1200" i="1">
+                                  <a:latin typeface="Cambria Math" panose="02040503050406030204" pitchFamily="18" charset="0"/>
+                                </a:rPr>
                                 <m:t>+0.001</m:t>
                               </m:r>
                             </m:den>
@@ -15124,7 +15024,9 @@
                         </m:e>
                       </m:nary>
                       <m:r>
-                        <a:rPr lang="fr-FR" sz="1200" i="1"/>
+                        <a:rPr lang="fr-FR" sz="1200" i="1">
+                          <a:latin typeface="Cambria Math" panose="02040503050406030204" pitchFamily="18" charset="0"/>
+                        </a:rPr>
                         <m:t>  </m:t>
                       </m:r>
                     </m:oMath>
@@ -15149,13 +15051,13 @@
             </p:nvSpPr>
             <p:spPr>
               <a:xfrm>
-                <a:off x="827584" y="861777"/>
-                <a:ext cx="4344811" cy="895823"/>
+                <a:off x="611560" y="861777"/>
+                <a:ext cx="4560835" cy="895823"/>
               </a:xfrm>
               <a:prstGeom prst="rect">
                 <a:avLst/>
               </a:prstGeom>
-              <a:blipFill rotWithShape="0">
+              <a:blipFill>
                 <a:blip r:embed="rId2"/>
                 <a:stretch>
                   <a:fillRect/>
@@ -15167,7 +15069,7 @@
               <a:lstStyle/>
               <a:p>
                 <a:r>
-                  <a:rPr lang="en-US">
+                  <a:rPr lang="zh-CN" altLang="en-US">
                     <a:noFill/>
                   </a:rPr>
                   <a:t> </a:t>
@@ -15183,13 +15085,7 @@
           <p:cNvGraphicFramePr>
             <a:graphicFrameLocks noGrp="1"/>
           </p:cNvGraphicFramePr>
-          <p:nvPr>
-            <p:extLst>
-              <p:ext uri="{D42A27DB-BD31-4B8C-83A1-F6EECF244321}">
-                <p14:modId xmlns:p14="http://schemas.microsoft.com/office/powerpoint/2010/main" val="1832880531"/>
-              </p:ext>
-            </p:extLst>
-          </p:nvPr>
+          <p:nvPr/>
         </p:nvGraphicFramePr>
         <p:xfrm>
           <a:off x="5198643" y="2355726"/>
@@ -15202,9 +15098,27 @@
                 <a:tableStyleId>{5C22544A-7EE6-4342-B048-85BDC9FD1C3A}</a:tableStyleId>
               </a:tblPr>
               <a:tblGrid>
-                <a:gridCol w="1297991"/>
-                <a:gridCol w="1297991"/>
-                <a:gridCol w="1297991"/>
+                <a:gridCol w="1297991">
+                  <a:extLst>
+                    <a:ext uri="{9D8B030D-6E8A-4147-A177-3AD203B41FA5}">
+                      <a16:colId xmlns:a16="http://schemas.microsoft.com/office/drawing/2014/main" val="20000"/>
+                    </a:ext>
+                  </a:extLst>
+                </a:gridCol>
+                <a:gridCol w="1297991">
+                  <a:extLst>
+                    <a:ext uri="{9D8B030D-6E8A-4147-A177-3AD203B41FA5}">
+                      <a16:colId xmlns:a16="http://schemas.microsoft.com/office/drawing/2014/main" val="20001"/>
+                    </a:ext>
+                  </a:extLst>
+                </a:gridCol>
+                <a:gridCol w="1297991">
+                  <a:extLst>
+                    <a:ext uri="{9D8B030D-6E8A-4147-A177-3AD203B41FA5}">
+                      <a16:colId xmlns:a16="http://schemas.microsoft.com/office/drawing/2014/main" val="20002"/>
+                    </a:ext>
+                  </a:extLst>
+                </a:gridCol>
               </a:tblGrid>
               <a:tr h="432162">
                 <a:tc>
@@ -15312,6 +15226,11 @@
                   </a:txBody>
                   <a:tcPr marL="68580" marR="68580" marT="0" marB="0"/>
                 </a:tc>
+                <a:extLst>
+                  <a:ext uri="{0D108BD9-81ED-4DB2-BD59-A6C34878D82A}">
+                    <a16:rowId xmlns:a16="http://schemas.microsoft.com/office/drawing/2014/main" val="10000"/>
+                  </a:ext>
+                </a:extLst>
               </a:tr>
               <a:tr h="432162">
                 <a:tc>
@@ -15327,7 +15246,7 @@
                           <a:spcPts val="0"/>
                         </a:spcAft>
                       </a:pPr>
-                      <a:endParaRPr lang="fr-FR" sz="1100" b="1" dirty="0" smtClean="0">
+                      <a:endParaRPr lang="fr-FR" sz="1100" b="1" dirty="0">
                         <a:solidFill>
                           <a:srgbClr val="FFFFFF"/>
                         </a:solidFill>
@@ -15347,18 +15266,6 @@
                         </a:spcAft>
                       </a:pPr>
                       <a:r>
-                        <a:rPr lang="fr-FR" sz="1100" b="1" dirty="0" smtClean="0">
-                          <a:solidFill>
-                            <a:srgbClr val="FFFFFF"/>
-                          </a:solidFill>
-                          <a:effectLst/>
-                          <a:latin typeface="Arial" panose="020B0604020202020204" pitchFamily="34" charset="0"/>
-                          <a:ea typeface="宋体" panose="02010600030101010101" pitchFamily="2" charset="-122"/>
-                          <a:cs typeface="Times New Roman" panose="02020603050405020304" pitchFamily="18" charset="0"/>
-                        </a:rPr>
-                        <a:t>#</a:t>
-                      </a:r>
-                      <a:r>
                         <a:rPr lang="fr-FR" sz="1100" b="1" dirty="0">
                           <a:solidFill>
                             <a:srgbClr val="FFFFFF"/>
@@ -15368,7 +15275,7 @@
                           <a:ea typeface="宋体" panose="02010600030101010101" pitchFamily="2" charset="-122"/>
                           <a:cs typeface="Times New Roman" panose="02020603050405020304" pitchFamily="18" charset="0"/>
                         </a:rPr>
-                        <a:t>C = 25</a:t>
+                        <a:t>#C = 25</a:t>
                       </a:r>
                       <a:endParaRPr lang="en-US" sz="1100" dirty="0">
                         <a:effectLst/>
@@ -15393,7 +15300,7 @@
                           <a:spcPts val="0"/>
                         </a:spcAft>
                       </a:pPr>
-                      <a:endParaRPr lang="fr-FR" sz="1100" dirty="0" smtClean="0">
+                      <a:endParaRPr lang="fr-FR" sz="1100" dirty="0">
                         <a:effectLst/>
                         <a:latin typeface="Arial" panose="020B0604020202020204" pitchFamily="34" charset="0"/>
                         <a:ea typeface="宋体" panose="02010600030101010101" pitchFamily="2" charset="-122"/>
@@ -15410,7 +15317,7 @@
                         </a:spcAft>
                       </a:pPr>
                       <a:r>
-                        <a:rPr lang="fr-FR" sz="1100" dirty="0" smtClean="0">
+                        <a:rPr lang="fr-FR" sz="1100" dirty="0">
                           <a:effectLst/>
                           <a:latin typeface="Arial" panose="020B0604020202020204" pitchFamily="34" charset="0"/>
                           <a:ea typeface="宋体" panose="02010600030101010101" pitchFamily="2" charset="-122"/>
@@ -15441,7 +15348,7 @@
                           <a:spcPts val="0"/>
                         </a:spcAft>
                       </a:pPr>
-                      <a:endParaRPr lang="fr-FR" sz="1100" dirty="0" smtClean="0">
+                      <a:endParaRPr lang="fr-FR" sz="1100" dirty="0">
                         <a:effectLst/>
                         <a:latin typeface="Arial" panose="020B0604020202020204" pitchFamily="34" charset="0"/>
                         <a:ea typeface="宋体" panose="02010600030101010101" pitchFamily="2" charset="-122"/>
@@ -15458,7 +15365,7 @@
                         </a:spcAft>
                       </a:pPr>
                       <a:r>
-                        <a:rPr lang="fr-FR" sz="1100" dirty="0" smtClean="0">
+                        <a:rPr lang="fr-FR" sz="1100" dirty="0">
                           <a:effectLst/>
                           <a:latin typeface="Arial" panose="020B0604020202020204" pitchFamily="34" charset="0"/>
                           <a:ea typeface="宋体" panose="02010600030101010101" pitchFamily="2" charset="-122"/>
@@ -15476,6 +15383,11 @@
                   </a:txBody>
                   <a:tcPr marL="68580" marR="68580" marT="0" marB="0"/>
                 </a:tc>
+                <a:extLst>
+                  <a:ext uri="{0D108BD9-81ED-4DB2-BD59-A6C34878D82A}">
+                    <a16:rowId xmlns:a16="http://schemas.microsoft.com/office/drawing/2014/main" val="10001"/>
+                  </a:ext>
+                </a:extLst>
               </a:tr>
               <a:tr h="432162">
                 <a:tc>
@@ -15491,7 +15403,7 @@
                           <a:spcPts val="0"/>
                         </a:spcAft>
                       </a:pPr>
-                      <a:endParaRPr lang="fr-FR" sz="1100" b="1" dirty="0" smtClean="0">
+                      <a:endParaRPr lang="fr-FR" sz="1100" b="1" dirty="0">
                         <a:solidFill>
                           <a:srgbClr val="FFFFFF"/>
                         </a:solidFill>
@@ -15511,18 +15423,6 @@
                         </a:spcAft>
                       </a:pPr>
                       <a:r>
-                        <a:rPr lang="fr-FR" sz="1100" b="1" dirty="0" smtClean="0">
-                          <a:solidFill>
-                            <a:srgbClr val="FFFFFF"/>
-                          </a:solidFill>
-                          <a:effectLst/>
-                          <a:latin typeface="Arial" panose="020B0604020202020204" pitchFamily="34" charset="0"/>
-                          <a:ea typeface="宋体" panose="02010600030101010101" pitchFamily="2" charset="-122"/>
-                          <a:cs typeface="Times New Roman" panose="02020603050405020304" pitchFamily="18" charset="0"/>
-                        </a:rPr>
-                        <a:t>#</a:t>
-                      </a:r>
-                      <a:r>
                         <a:rPr lang="fr-FR" sz="1100" b="1" dirty="0">
                           <a:solidFill>
                             <a:srgbClr val="FFFFFF"/>
@@ -15532,7 +15432,7 @@
                           <a:ea typeface="宋体" panose="02010600030101010101" pitchFamily="2" charset="-122"/>
                           <a:cs typeface="Times New Roman" panose="02020603050405020304" pitchFamily="18" charset="0"/>
                         </a:rPr>
-                        <a:t>C = 50</a:t>
+                        <a:t>#C = 50</a:t>
                       </a:r>
                       <a:endParaRPr lang="en-US" sz="1100" dirty="0">
                         <a:effectLst/>
@@ -15557,7 +15457,7 @@
                           <a:spcPts val="0"/>
                         </a:spcAft>
                       </a:pPr>
-                      <a:endParaRPr lang="fr-FR" sz="1100" dirty="0" smtClean="0">
+                      <a:endParaRPr lang="fr-FR" sz="1100" dirty="0">
                         <a:effectLst/>
                         <a:latin typeface="Arial" panose="020B0604020202020204" pitchFamily="34" charset="0"/>
                         <a:ea typeface="宋体" panose="02010600030101010101" pitchFamily="2" charset="-122"/>
@@ -15574,7 +15474,7 @@
                         </a:spcAft>
                       </a:pPr>
                       <a:r>
-                        <a:rPr lang="fr-FR" sz="1100" dirty="0" smtClean="0">
+                        <a:rPr lang="fr-FR" sz="1100" dirty="0">
                           <a:effectLst/>
                           <a:latin typeface="Arial" panose="020B0604020202020204" pitchFamily="34" charset="0"/>
                           <a:ea typeface="宋体" panose="02010600030101010101" pitchFamily="2" charset="-122"/>
@@ -15605,7 +15505,7 @@
                           <a:spcPts val="0"/>
                         </a:spcAft>
                       </a:pPr>
-                      <a:endParaRPr lang="fr-FR" sz="1100" dirty="0" smtClean="0">
+                      <a:endParaRPr lang="fr-FR" sz="1100" dirty="0">
                         <a:effectLst/>
                         <a:latin typeface="Arial" panose="020B0604020202020204" pitchFamily="34" charset="0"/>
                         <a:ea typeface="宋体" panose="02010600030101010101" pitchFamily="2" charset="-122"/>
@@ -15622,7 +15522,7 @@
                         </a:spcAft>
                       </a:pPr>
                       <a:r>
-                        <a:rPr lang="fr-FR" sz="1100" dirty="0" smtClean="0">
+                        <a:rPr lang="fr-FR" sz="1100" dirty="0">
                           <a:effectLst/>
                           <a:latin typeface="Arial" panose="020B0604020202020204" pitchFamily="34" charset="0"/>
                           <a:ea typeface="宋体" panose="02010600030101010101" pitchFamily="2" charset="-122"/>
@@ -15640,6 +15540,11 @@
                   </a:txBody>
                   <a:tcPr marL="68580" marR="68580" marT="0" marB="0"/>
                 </a:tc>
+                <a:extLst>
+                  <a:ext uri="{0D108BD9-81ED-4DB2-BD59-A6C34878D82A}">
+                    <a16:rowId xmlns:a16="http://schemas.microsoft.com/office/drawing/2014/main" val="10002"/>
+                  </a:ext>
+                </a:extLst>
               </a:tr>
               <a:tr h="432162">
                 <a:tc>
@@ -15655,7 +15560,7 @@
                           <a:spcPts val="0"/>
                         </a:spcAft>
                       </a:pPr>
-                      <a:endParaRPr lang="fr-FR" sz="1100" b="1" dirty="0" smtClean="0">
+                      <a:endParaRPr lang="fr-FR" sz="1100" b="1" dirty="0">
                         <a:solidFill>
                           <a:srgbClr val="FFFFFF"/>
                         </a:solidFill>
@@ -15675,18 +15580,6 @@
                         </a:spcAft>
                       </a:pPr>
                       <a:r>
-                        <a:rPr lang="fr-FR" sz="1100" b="1" dirty="0" smtClean="0">
-                          <a:solidFill>
-                            <a:srgbClr val="FFFFFF"/>
-                          </a:solidFill>
-                          <a:effectLst/>
-                          <a:latin typeface="Arial" panose="020B0604020202020204" pitchFamily="34" charset="0"/>
-                          <a:ea typeface="宋体" panose="02010600030101010101" pitchFamily="2" charset="-122"/>
-                          <a:cs typeface="Times New Roman" panose="02020603050405020304" pitchFamily="18" charset="0"/>
-                        </a:rPr>
-                        <a:t>#</a:t>
-                      </a:r>
-                      <a:r>
                         <a:rPr lang="fr-FR" sz="1100" b="1" dirty="0">
                           <a:solidFill>
                             <a:srgbClr val="FFFFFF"/>
@@ -15696,7 +15589,7 @@
                           <a:ea typeface="宋体" panose="02010600030101010101" pitchFamily="2" charset="-122"/>
                           <a:cs typeface="Times New Roman" panose="02020603050405020304" pitchFamily="18" charset="0"/>
                         </a:rPr>
-                        <a:t>C = 100</a:t>
+                        <a:t>#C = 100</a:t>
                       </a:r>
                       <a:endParaRPr lang="en-US" sz="1100" dirty="0">
                         <a:effectLst/>
@@ -15721,7 +15614,7 @@
                           <a:spcPts val="0"/>
                         </a:spcAft>
                       </a:pPr>
-                      <a:endParaRPr lang="fr-FR" sz="1100" b="1" u="sng" dirty="0" smtClean="0">
+                      <a:endParaRPr lang="fr-FR" sz="1100" b="1" u="sng" dirty="0">
                         <a:effectLst/>
                         <a:latin typeface="Arial" panose="020B0604020202020204" pitchFamily="34" charset="0"/>
                         <a:ea typeface="宋体" panose="02010600030101010101" pitchFamily="2" charset="-122"/>
@@ -15738,7 +15631,7 @@
                         </a:spcAft>
                       </a:pPr>
                       <a:r>
-                        <a:rPr lang="fr-FR" sz="1100" b="1" u="sng" dirty="0" smtClean="0">
+                        <a:rPr lang="fr-FR" sz="1100" b="1" u="sng" dirty="0">
                           <a:effectLst/>
                           <a:latin typeface="Arial" panose="020B0604020202020204" pitchFamily="34" charset="0"/>
                           <a:ea typeface="宋体" panose="02010600030101010101" pitchFamily="2" charset="-122"/>
@@ -15769,7 +15662,7 @@
                           <a:spcPts val="0"/>
                         </a:spcAft>
                       </a:pPr>
-                      <a:endParaRPr lang="fr-FR" sz="1100" b="1" u="sng" dirty="0" smtClean="0">
+                      <a:endParaRPr lang="fr-FR" sz="1100" b="1" u="sng" dirty="0">
                         <a:effectLst/>
                         <a:latin typeface="Arial" panose="020B0604020202020204" pitchFamily="34" charset="0"/>
                         <a:ea typeface="宋体" panose="02010600030101010101" pitchFamily="2" charset="-122"/>
@@ -15786,7 +15679,7 @@
                         </a:spcAft>
                       </a:pPr>
                       <a:r>
-                        <a:rPr lang="fr-FR" sz="1100" b="1" u="sng" dirty="0" smtClean="0">
+                        <a:rPr lang="fr-FR" sz="1100" b="1" u="sng" dirty="0">
                           <a:effectLst/>
                           <a:latin typeface="Arial" panose="020B0604020202020204" pitchFamily="34" charset="0"/>
                           <a:ea typeface="宋体" panose="02010600030101010101" pitchFamily="2" charset="-122"/>
@@ -15804,6 +15697,11 @@
                   </a:txBody>
                   <a:tcPr marL="68580" marR="68580" marT="0" marB="0"/>
                 </a:tc>
+                <a:extLst>
+                  <a:ext uri="{0D108BD9-81ED-4DB2-BD59-A6C34878D82A}">
+                    <a16:rowId xmlns:a16="http://schemas.microsoft.com/office/drawing/2014/main" val="10003"/>
+                  </a:ext>
+                </a:extLst>
               </a:tr>
             </a:tbl>
           </a:graphicData>
@@ -15833,25 +15731,13 @@
           <a:p>
             <a:r>
               <a:rPr lang="fr-FR" dirty="0"/>
-              <a:t> </a:t>
-            </a:r>
-            <a:r>
-              <a:rPr lang="fr-FR" dirty="0" smtClean="0"/>
-              <a:t>descripteur ORB ;</a:t>
-            </a:r>
-          </a:p>
-          <a:p>
-            <a:r>
-              <a:rPr lang="fr-FR" dirty="0" smtClean="0"/>
-              <a:t> </a:t>
-            </a:r>
+              <a:t> descripteur ORB ;</a:t>
+            </a:r>
+          </a:p>
+          <a:p>
             <a:r>
               <a:rPr lang="fr-FR" dirty="0"/>
-              <a:t># max de key points = </a:t>
-            </a:r>
-            <a:r>
-              <a:rPr lang="fr-FR" dirty="0" smtClean="0"/>
-              <a:t>50.</a:t>
+              <a:t> # max de key points = 50.</a:t>
             </a:r>
             <a:endParaRPr lang="en-US" dirty="0"/>
           </a:p>
@@ -15859,18 +15745,12 @@
       </p:sp>
       <p:graphicFrame>
         <p:nvGraphicFramePr>
-          <p:cNvPr id="10" name="图表 9">
-            <a:extLst>
-              <a:ext uri="{FF2B5EF4-FFF2-40B4-BE49-F238E27FC236}">
-                <a16:creationId xmlns:wpc="http://schemas.microsoft.com/office/word/2010/wordprocessingCanvas" xmlns:mc="http://schemas.openxmlformats.org/markup-compatibility/2006" xmlns:m="http://schemas.openxmlformats.org/officeDocument/2006/math" xmlns:wp14="http://schemas.microsoft.com/office/word/2010/wordprocessingDrawing" xmlns:wp="http://schemas.openxmlformats.org/drawingml/2006/wordprocessingDrawing" xmlns:w14="http://schemas.microsoft.com/office/word/2010/wordml" xmlns:w15="http://schemas.microsoft.com/office/word/2012/wordml" xmlns:wpg="http://schemas.microsoft.com/office/word/2010/wordprocessingGroup" xmlns:wpi="http://schemas.microsoft.com/office/word/2010/wordprocessingInk" xmlns:wne="http://schemas.microsoft.com/office/word/2006/wordml" xmlns:wps="http://schemas.microsoft.com/office/word/2010/wordprocessingShape" xmlns:a16="http://schemas.microsoft.com/office/drawing/2014/main" xmlns:w16se="http://schemas.microsoft.com/office/word/2015/wordml/symex" xmlns:w16cid="http://schemas.microsoft.com/office/word/2016/wordml/cid" xmlns:w="http://schemas.openxmlformats.org/wordprocessingml/2006/main" xmlns:w10="urn:schemas-microsoft-com:office:word" xmlns:v="urn:schemas-microsoft-com:vml" xmlns:o="urn:schemas-microsoft-com:office:office" xmlns:am3d="http://schemas.microsoft.com/office/drawing/2017/model3d" xmlns:aink="http://schemas.microsoft.com/office/drawing/2016/ink" xmlns:cx8="http://schemas.microsoft.com/office/drawing/2016/5/14/chartex" xmlns:cx7="http://schemas.microsoft.com/office/drawing/2016/5/13/chartex" xmlns:cx6="http://schemas.microsoft.com/office/drawing/2016/5/12/chartex" xmlns:cx5="http://schemas.microsoft.com/office/drawing/2016/5/11/chartex" xmlns:cx4="http://schemas.microsoft.com/office/drawing/2016/5/10/chartex" xmlns:cx3="http://schemas.microsoft.com/office/drawing/2016/5/9/chartex" xmlns:cx2="http://schemas.microsoft.com/office/drawing/2015/10/21/chartex" xmlns:cx1="http://schemas.microsoft.com/office/drawing/2015/9/8/chartex" xmlns:cx="http://schemas.microsoft.com/office/drawing/2014/chartex" xmlns="" xmlns:lc="http://schemas.openxmlformats.org/drawingml/2006/lockedCanvas" id="{0138B8E8-76E4-4738-94B7-D124E9C5E8EE}"/>
-              </a:ext>
-            </a:extLst>
-          </p:cNvPr>
+          <p:cNvPr id="10" name="图表 9"/>
           <p:cNvGraphicFramePr/>
           <p:nvPr>
             <p:extLst>
               <p:ext uri="{D42A27DB-BD31-4B8C-83A1-F6EECF244321}">
-                <p14:modId xmlns:p14="http://schemas.microsoft.com/office/powerpoint/2010/main" val="352533021"/>
+                <p14:modId xmlns:p14="http://schemas.microsoft.com/office/powerpoint/2010/main" val="1836490331"/>
               </p:ext>
             </p:extLst>
           </p:nvPr>
@@ -15886,11 +15766,6 @@
         </a:graphic>
       </p:graphicFrame>
     </p:spTree>
-    <p:extLst>
-      <p:ext uri="{BB962C8B-B14F-4D97-AF65-F5344CB8AC3E}">
-        <p14:creationId xmlns:p14="http://schemas.microsoft.com/office/powerpoint/2010/main" val="3984328720"/>
-      </p:ext>
-    </p:extLst>
   </p:cSld>
   <p:clrMapOvr>
     <a:masterClrMapping/>
@@ -16120,6 +15995,11 @@
   </a:themeElements>
   <a:objectDefaults/>
   <a:extraClrSchemeLst/>
+  <a:extLst>
+    <a:ext uri="{05A4C25C-085E-4340-85A3-A5531E510DB2}">
+      <thm15:themeFamily xmlns:thm15="http://schemas.microsoft.com/office/thememl/2012/main" name="Office Theme" id="{62F939B6-93AF-4DB8-9C6B-D6C7DFDC589F}" vid="{4A3C46E8-61CC-4603-A589-7422A47A8E4A}"/>
+    </a:ext>
+  </a:extLst>
 </a:theme>
 </file>
 
@@ -16405,5 +16285,10 @@
   </a:themeElements>
   <a:objectDefaults/>
   <a:extraClrSchemeLst/>
+  <a:extLst>
+    <a:ext uri="{05A4C25C-085E-4340-85A3-A5531E510DB2}">
+      <thm15:themeFamily xmlns:thm15="http://schemas.microsoft.com/office/thememl/2012/main" name="Office Theme" id="{62F939B6-93AF-4DB8-9C6B-D6C7DFDC589F}" vid="{4A3C46E8-61CC-4603-A589-7422A47A8E4A}"/>
+    </a:ext>
+  </a:extLst>
 </a:theme>
 </file>
--- a/rapport/lot1_presentation.pptx
+++ b/rapport/lot1_presentation.pptx
@@ -5,21 +5,21 @@
     <p:sldMasterId id="2147483648" r:id="rId1"/>
   </p:sldMasterIdLst>
   <p:notesMasterIdLst>
-    <p:notesMasterId r:id="rId14"/>
+    <p:notesMasterId r:id="rId7"/>
   </p:notesMasterIdLst>
   <p:sldIdLst>
-    <p:sldId id="256" r:id="rId2"/>
-    <p:sldId id="257" r:id="rId3"/>
-    <p:sldId id="258" r:id="rId4"/>
-    <p:sldId id="259" r:id="rId5"/>
-    <p:sldId id="260" r:id="rId6"/>
-    <p:sldId id="261" r:id="rId7"/>
-    <p:sldId id="263" r:id="rId8"/>
-    <p:sldId id="262" r:id="rId9"/>
-    <p:sldId id="264" r:id="rId10"/>
-    <p:sldId id="265" r:id="rId11"/>
-    <p:sldId id="266" r:id="rId12"/>
-    <p:sldId id="267" r:id="rId13"/>
+    <p:sldId id="256" r:id="rId3"/>
+    <p:sldId id="257" r:id="rId4"/>
+    <p:sldId id="258" r:id="rId5"/>
+    <p:sldId id="259" r:id="rId6"/>
+    <p:sldId id="260" r:id="rId8"/>
+    <p:sldId id="261" r:id="rId9"/>
+    <p:sldId id="263" r:id="rId10"/>
+    <p:sldId id="262" r:id="rId11"/>
+    <p:sldId id="264" r:id="rId12"/>
+    <p:sldId id="265" r:id="rId13"/>
+    <p:sldId id="266" r:id="rId14"/>
+    <p:sldId id="267" r:id="rId15"/>
   </p:sldIdLst>
   <p:sldSz cx="9144000" cy="5143500" type="screen16x9"/>
   <p:notesSz cx="6858000" cy="9144000"/>
@@ -126,7 +126,6 @@
             <p14:sldId id="256"/>
             <p14:sldId id="257"/>
             <p14:sldId id="258"/>
-            <p14:sldId id="259"/>
             <p14:sldId id="260"/>
             <p14:sldId id="261"/>
             <p14:sldId id="263"/>
@@ -135,6 +134,7 @@
             <p14:sldId id="265"/>
             <p14:sldId id="266"/>
             <p14:sldId id="267"/>
+            <p14:sldId id="259"/>
           </p14:sldIdLst>
         </p14:section>
         <p14:section name="Méthodologie" id="{251C04F7-02AB-494A-8F07-9732C4A2D8D3}">
@@ -142,121 +142,12 @@
         </p14:section>
       </p14:sectionLst>
     </p:ext>
-    <p:ext uri="{EFAFB233-063F-42B5-8137-9DF3F51BA10A}">
-      <p15:sldGuideLst xmlns:p15="http://schemas.microsoft.com/office/powerpoint/2012/main">
-        <p15:guide id="1" orient="horz" pos="1620">
-          <p15:clr>
-            <a:srgbClr val="A4A3A4"/>
-          </p15:clr>
-        </p15:guide>
-        <p15:guide id="2" orient="horz" pos="715">
-          <p15:clr>
-            <a:srgbClr val="A4A3A4"/>
-          </p15:clr>
-        </p15:guide>
-        <p15:guide id="3" orient="horz" pos="2798">
-          <p15:clr>
-            <a:srgbClr val="A4A3A4"/>
-          </p15:clr>
-        </p15:guide>
-        <p15:guide id="4" orient="horz" pos="2743">
-          <p15:clr>
-            <a:srgbClr val="A4A3A4"/>
-          </p15:clr>
-        </p15:guide>
-        <p15:guide id="5" orient="horz" pos="3111">
-          <p15:clr>
-            <a:srgbClr val="A4A3A4"/>
-          </p15:clr>
-        </p15:guide>
-        <p15:guide id="6" orient="horz" pos="665">
-          <p15:clr>
-            <a:srgbClr val="A4A3A4"/>
-          </p15:clr>
-        </p15:guide>
-        <p15:guide id="7" orient="horz" pos="1862">
-          <p15:clr>
-            <a:srgbClr val="A4A3A4"/>
-          </p15:clr>
-        </p15:guide>
-        <p15:guide id="8" orient="horz" pos="1301">
-          <p15:clr>
-            <a:srgbClr val="A4A3A4"/>
-          </p15:clr>
-        </p15:guide>
-        <p15:guide id="9" orient="horz" pos="1395">
-          <p15:clr>
-            <a:srgbClr val="A4A3A4"/>
-          </p15:clr>
-        </p15:guide>
-        <p15:guide id="10" orient="horz" pos="3044">
-          <p15:clr>
-            <a:srgbClr val="A4A3A4"/>
-          </p15:clr>
-        </p15:guide>
-        <p15:guide id="11" orient="horz" pos="2876">
-          <p15:clr>
-            <a:srgbClr val="A4A3A4"/>
-          </p15:clr>
-        </p15:guide>
-        <p15:guide id="12" orient="horz" pos="593">
-          <p15:clr>
-            <a:srgbClr val="A4A3A4"/>
-          </p15:clr>
-        </p15:guide>
-        <p15:guide id="13" pos="2880">
-          <p15:clr>
-            <a:srgbClr val="A4A3A4"/>
-          </p15:clr>
-        </p15:guide>
-        <p15:guide id="14" pos="257">
-          <p15:clr>
-            <a:srgbClr val="A4A3A4"/>
-          </p15:clr>
-        </p15:guide>
-        <p15:guide id="15" pos="5515">
-          <p15:clr>
-            <a:srgbClr val="A4A3A4"/>
-          </p15:clr>
-        </p15:guide>
-        <p15:guide id="16" pos="5188">
-          <p15:clr>
-            <a:srgbClr val="A4A3A4"/>
-          </p15:clr>
-        </p15:guide>
-        <p15:guide id="17" pos="3353">
-          <p15:clr>
-            <a:srgbClr val="A4A3A4"/>
-          </p15:clr>
-        </p15:guide>
-        <p15:guide id="18" pos="4805">
-          <p15:clr>
-            <a:srgbClr val="A4A3A4"/>
-          </p15:clr>
-        </p15:guide>
-        <p15:guide id="19" pos="1436">
-          <p15:clr>
-            <a:srgbClr val="A4A3A4"/>
-          </p15:clr>
-        </p15:guide>
-        <p15:guide id="20" pos="794">
-          <p15:clr>
-            <a:srgbClr val="A4A3A4"/>
-          </p15:clr>
-        </p15:guide>
-        <p15:guide id="21" pos="5326">
-          <p15:clr>
-            <a:srgbClr val="A4A3A4"/>
-          </p15:clr>
-        </p15:guide>
-      </p15:sldGuideLst>
-    </p:ext>
   </p:extLst>
 </p:presentation>
 </file>
 
 <file path=ppt/charts/chart1.xml><?xml version="1.0" encoding="utf-8"?>
-<c:chartSpace xmlns:c="http://schemas.openxmlformats.org/drawingml/2006/chart" xmlns:a="http://schemas.openxmlformats.org/drawingml/2006/main" xmlns:r="http://schemas.openxmlformats.org/officeDocument/2006/relationships" xmlns:c16r2="http://schemas.microsoft.com/office/drawing/2015/06/chart">
+<c:chartSpace xmlns:c="http://schemas.openxmlformats.org/drawingml/2006/chart" xmlns:a="http://schemas.openxmlformats.org/drawingml/2006/main" xmlns:r="http://schemas.openxmlformats.org/officeDocument/2006/relationships">
   <c:date1904 val="0"/>
   <c:lang val="zh-CN"/>
   <c:roundedCorners val="0"/>
@@ -300,6 +191,7 @@
           </a:p>
         </c:rich>
       </c:tx>
+      <c:layout/>
       <c:overlay val="0"/>
       <c:spPr>
         <a:noFill/>
@@ -308,26 +200,6 @@
         </a:ln>
         <a:effectLst/>
       </c:spPr>
-      <c:txPr>
-        <a:bodyPr rot="0" spcFirstLastPara="1" vertOverflow="ellipsis" vert="horz" wrap="square" anchor="ctr" anchorCtr="1"/>
-        <a:lstStyle/>
-        <a:p>
-          <a:pPr>
-            <a:defRPr lang="zh-CN" sz="1400" b="0" i="0" u="none" strike="noStrike" kern="1200" spc="0" baseline="0">
-              <a:solidFill>
-                <a:schemeClr val="tx1">
-                  <a:lumMod val="65000"/>
-                  <a:lumOff val="35000"/>
-                </a:schemeClr>
-              </a:solidFill>
-              <a:latin typeface="+mn-lt"/>
-              <a:ea typeface="+mn-ea"/>
-              <a:cs typeface="+mn-cs"/>
-            </a:defRPr>
-          </a:pPr>
-          <a:endParaRPr lang="zh-CN"/>
-        </a:p>
-      </c:txPr>
     </c:title>
     <c:autoTitleDeleted val="0"/>
     <c:plotArea>
@@ -336,10 +208,10 @@
           <c:layoutTarget val="inner"/>
           <c:xMode val="edge"/>
           <c:yMode val="edge"/>
-          <c:x val="0.14371594639778901"/>
-          <c:y val="0.44484126984126998"/>
+          <c:x val="0.143715946397789"/>
+          <c:y val="0.44484126984127"/>
           <c:w val="0.82603102829968"/>
-          <c:h val="0.41853362079739997"/>
+          <c:h val="0.4185336207974"/>
         </c:manualLayout>
       </c:layout>
       <c:lineChart>
@@ -383,6 +255,9 @@
               <a:effectLst/>
             </c:spPr>
           </c:marker>
+          <c:dLbls>
+            <c:delete val="1"/>
+          </c:dLbls>
           <c:cat>
             <c:numRef>
               <c:f>Sheet1!$A$2:$A$11</c:f>
@@ -462,11 +337,6 @@
             </c:numRef>
           </c:val>
           <c:smooth val="0"/>
-          <c:extLst>
-            <c:ext xmlns:c16="http://schemas.microsoft.com/office/drawing/2014/chart" uri="{C3380CC4-5D6E-409C-BE32-E72D297353CC}">
-              <c16:uniqueId val="{00000000-028B-4A26-85FE-321B0D697AF6}"/>
-            </c:ext>
-          </c:extLst>
         </c:ser>
         <c:ser>
           <c:idx val="1"/>
@@ -506,6 +376,9 @@
               <a:effectLst/>
             </c:spPr>
           </c:marker>
+          <c:dLbls>
+            <c:delete val="1"/>
+          </c:dLbls>
           <c:cat>
             <c:numRef>
               <c:f>Sheet1!$A$2:$A$11</c:f>
@@ -585,11 +458,6 @@
             </c:numRef>
           </c:val>
           <c:smooth val="0"/>
-          <c:extLst>
-            <c:ext xmlns:c16="http://schemas.microsoft.com/office/drawing/2014/chart" uri="{C3380CC4-5D6E-409C-BE32-E72D297353CC}">
-              <c16:uniqueId val="{00000001-028B-4A26-85FE-321B0D697AF6}"/>
-            </c:ext>
-          </c:extLst>
         </c:ser>
         <c:ser>
           <c:idx val="2"/>
@@ -629,6 +497,9 @@
               <a:effectLst/>
             </c:spPr>
           </c:marker>
+          <c:dLbls>
+            <c:delete val="1"/>
+          </c:dLbls>
           <c:cat>
             <c:numRef>
               <c:f>Sheet1!$A$2:$A$11</c:f>
@@ -708,11 +579,6 @@
             </c:numRef>
           </c:val>
           <c:smooth val="0"/>
-          <c:extLst>
-            <c:ext xmlns:c16="http://schemas.microsoft.com/office/drawing/2014/chart" uri="{C3380CC4-5D6E-409C-BE32-E72D297353CC}">
-              <c16:uniqueId val="{00000002-028B-4A26-85FE-321B0D697AF6}"/>
-            </c:ext>
-          </c:extLst>
         </c:ser>
         <c:dLbls>
           <c:showLegendKey val="0"/>
@@ -761,6 +627,7 @@
               </a:p>
             </c:rich>
           </c:tx>
+          <c:layout/>
           <c:overlay val="0"/>
           <c:spPr>
             <a:noFill/>
@@ -769,26 +636,6 @@
             </a:ln>
             <a:effectLst/>
           </c:spPr>
-          <c:txPr>
-            <a:bodyPr rot="0" spcFirstLastPara="1" vertOverflow="ellipsis" vert="horz" wrap="square" anchor="ctr" anchorCtr="1"/>
-            <a:lstStyle/>
-            <a:p>
-              <a:pPr>
-                <a:defRPr lang="zh-CN" sz="1000" b="0" i="0" u="none" strike="noStrike" kern="1200" baseline="0">
-                  <a:solidFill>
-                    <a:schemeClr val="tx1">
-                      <a:lumMod val="65000"/>
-                      <a:lumOff val="35000"/>
-                    </a:schemeClr>
-                  </a:solidFill>
-                  <a:latin typeface="+mn-lt"/>
-                  <a:ea typeface="+mn-ea"/>
-                  <a:cs typeface="+mn-cs"/>
-                </a:defRPr>
-              </a:pPr>
-              <a:endParaRPr lang="zh-CN"/>
-            </a:p>
-          </c:txPr>
         </c:title>
         <c:numFmt formatCode="General" sourceLinked="1"/>
         <c:majorTickMark val="none"/>
@@ -824,7 +671,6 @@
                 <a:cs typeface="+mn-cs"/>
               </a:defRPr>
             </a:pPr>
-            <a:endParaRPr lang="zh-CN"/>
           </a:p>
         </c:txPr>
         <c:crossAx val="279372848"/>
@@ -882,6 +728,7 @@
               </a:p>
             </c:rich>
           </c:tx>
+          <c:layout/>
           <c:overlay val="0"/>
           <c:spPr>
             <a:noFill/>
@@ -890,26 +737,6 @@
             </a:ln>
             <a:effectLst/>
           </c:spPr>
-          <c:txPr>
-            <a:bodyPr rot="-5400000" spcFirstLastPara="1" vertOverflow="ellipsis" vert="horz" wrap="square" anchor="ctr" anchorCtr="1"/>
-            <a:lstStyle/>
-            <a:p>
-              <a:pPr>
-                <a:defRPr lang="zh-CN" sz="1000" b="0" i="0" u="none" strike="noStrike" kern="1200" baseline="0">
-                  <a:solidFill>
-                    <a:schemeClr val="tx1">
-                      <a:lumMod val="65000"/>
-                      <a:lumOff val="35000"/>
-                    </a:schemeClr>
-                  </a:solidFill>
-                  <a:latin typeface="+mn-lt"/>
-                  <a:ea typeface="+mn-ea"/>
-                  <a:cs typeface="+mn-cs"/>
-                </a:defRPr>
-              </a:pPr>
-              <a:endParaRPr lang="zh-CN"/>
-            </a:p>
-          </c:txPr>
         </c:title>
         <c:numFmt formatCode="General" sourceLinked="1"/>
         <c:majorTickMark val="none"/>
@@ -939,7 +766,6 @@
                 <a:cs typeface="+mn-cs"/>
               </a:defRPr>
             </a:pPr>
-            <a:endParaRPr lang="zh-CN"/>
           </a:p>
         </c:txPr>
         <c:crossAx val="279370672"/>
@@ -960,10 +786,10 @@
         <c:manualLayout>
           <c:xMode val="edge"/>
           <c:yMode val="edge"/>
-          <c:x val="0.28016163821106499"/>
-          <c:y val="0.27797806524184498"/>
-          <c:w val="0.48368112401791402"/>
-          <c:h val="8.8904835892169007E-2"/>
+          <c:x val="0.280161638211065"/>
+          <c:y val="0.277978065241845"/>
+          <c:w val="0.483681124017914"/>
+          <c:h val="0.088904835892169"/>
         </c:manualLayout>
       </c:layout>
       <c:overlay val="0"/>
@@ -991,7 +817,6 @@
               <a:cs typeface="+mn-cs"/>
             </a:defRPr>
           </a:pPr>
-          <a:endParaRPr lang="zh-CN"/>
         </a:p>
       </c:txPr>
     </c:legend>
@@ -1013,17 +838,16 @@
       <a:pPr>
         <a:defRPr lang="zh-CN"/>
       </a:pPr>
-      <a:endParaRPr lang="zh-CN"/>
     </a:p>
   </c:txPr>
-  <c:externalData r:id="rId3">
+  <c:externalData r:id="rId1">
     <c:autoUpdate val="0"/>
   </c:externalData>
 </c:chartSpace>
 </file>
 
 <file path=ppt/charts/chart2.xml><?xml version="1.0" encoding="utf-8"?>
-<c:chartSpace xmlns:c="http://schemas.openxmlformats.org/drawingml/2006/chart" xmlns:a="http://schemas.openxmlformats.org/drawingml/2006/main" xmlns:r="http://schemas.openxmlformats.org/officeDocument/2006/relationships" xmlns:c16r2="http://schemas.microsoft.com/office/drawing/2015/06/chart">
+<c:chartSpace xmlns:c="http://schemas.openxmlformats.org/drawingml/2006/chart" xmlns:a="http://schemas.openxmlformats.org/drawingml/2006/main" xmlns:r="http://schemas.openxmlformats.org/officeDocument/2006/relationships">
   <c:date1904 val="0"/>
   <c:lang val="zh-CN"/>
   <c:roundedCorners val="0"/>
@@ -1071,6 +895,18 @@
               </a:rPr>
               <a:t>AUC pour la quantité des clusters différentE</a:t>
             </a:r>
+            <a:endParaRPr lang="en-US" altLang="zh-CN" sz="1400" b="1" i="0" u="none" strike="noStrike" kern="1200" cap="all" spc="0" baseline="0">
+              <a:solidFill>
+                <a:prstClr val="black">
+                  <a:lumMod val="65000"/>
+                  <a:lumOff val="35000"/>
+                </a:prstClr>
+              </a:solidFill>
+              <a:effectLst/>
+              <a:latin typeface="+mn-lt"/>
+              <a:ea typeface="+mn-ea"/>
+              <a:cs typeface="+mn-cs"/>
+            </a:endParaRPr>
           </a:p>
         </c:rich>
       </c:tx>
@@ -1078,8 +914,8 @@
         <c:manualLayout>
           <c:xMode val="edge"/>
           <c:yMode val="edge"/>
-          <c:x val="0.20412053967025698"/>
-          <c:y val="7.3954148463790767E-2"/>
+          <c:x val="0.204120539670257"/>
+          <c:y val="0.0739541484637908"/>
         </c:manualLayout>
       </c:layout>
       <c:overlay val="0"/>
@@ -1090,27 +926,6 @@
         </a:ln>
         <a:effectLst/>
       </c:spPr>
-      <c:txPr>
-        <a:bodyPr rot="0" spcFirstLastPara="1" vertOverflow="ellipsis" vert="horz" wrap="square" anchor="ctr" anchorCtr="1"/>
-        <a:lstStyle/>
-        <a:p>
-          <a:pPr>
-            <a:defRPr lang="en-US" altLang="zh-CN" sz="1400" b="1" i="0" u="none" strike="noStrike" kern="1200" cap="all" spc="0" normalizeH="0" baseline="0">
-              <a:solidFill>
-                <a:prstClr val="black">
-                  <a:lumMod val="65000"/>
-                  <a:lumOff val="35000"/>
-                </a:prstClr>
-              </a:solidFill>
-              <a:effectLst/>
-              <a:latin typeface="+mn-lt"/>
-              <a:ea typeface="+mn-ea"/>
-              <a:cs typeface="+mn-cs"/>
-            </a:defRPr>
-          </a:pPr>
-          <a:endParaRPr lang="zh-CN"/>
-        </a:p>
-      </c:txPr>
     </c:title>
     <c:autoTitleDeleted val="0"/>
     <c:plotArea>
@@ -1119,10 +934,10 @@
           <c:layoutTarget val="inner"/>
           <c:xMode val="edge"/>
           <c:yMode val="edge"/>
-          <c:x val="0.13916710411198599"/>
-          <c:y val="0.36458114610673698"/>
-          <c:w val="0.82749956255468105"/>
-          <c:h val="0.45085083114610702"/>
+          <c:x val="0.139167104111986"/>
+          <c:y val="0.364581146106737"/>
+          <c:w val="0.827499562554681"/>
+          <c:h val="0.450850831146107"/>
         </c:manualLayout>
       </c:layout>
       <c:lineChart>
@@ -1167,6 +982,9 @@
               <a:effectLst/>
             </c:spPr>
           </c:marker>
+          <c:dLbls>
+            <c:delete val="1"/>
+          </c:dLbls>
           <c:cat>
             <c:numRef>
               <c:f>Sheet1!$B$1:$Q$1</c:f>
@@ -1279,11 +1097,6 @@
             </c:numRef>
           </c:val>
           <c:smooth val="0"/>
-          <c:extLst>
-            <c:ext xmlns:c16="http://schemas.microsoft.com/office/drawing/2014/chart" uri="{C3380CC4-5D6E-409C-BE32-E72D297353CC}">
-              <c16:uniqueId val="{00000000-2965-4CE7-9EB0-17E7EBF8D867}"/>
-            </c:ext>
-          </c:extLst>
         </c:ser>
         <c:ser>
           <c:idx val="1"/>
@@ -1324,6 +1137,9 @@
               <a:effectLst/>
             </c:spPr>
           </c:marker>
+          <c:dLbls>
+            <c:delete val="1"/>
+          </c:dLbls>
           <c:cat>
             <c:numRef>
               <c:f>Sheet1!$B$1:$Q$1</c:f>
@@ -1439,11 +1255,6 @@
             </c:numRef>
           </c:val>
           <c:smooth val="0"/>
-          <c:extLst>
-            <c:ext xmlns:c16="http://schemas.microsoft.com/office/drawing/2014/chart" uri="{C3380CC4-5D6E-409C-BE32-E72D297353CC}">
-              <c16:uniqueId val="{00000001-2965-4CE7-9EB0-17E7EBF8D867}"/>
-            </c:ext>
-          </c:extLst>
         </c:ser>
         <c:ser>
           <c:idx val="2"/>
@@ -1484,6 +1295,9 @@
               <a:effectLst/>
             </c:spPr>
           </c:marker>
+          <c:dLbls>
+            <c:delete val="1"/>
+          </c:dLbls>
           <c:cat>
             <c:numRef>
               <c:f>Sheet1!$B$1:$Q$1</c:f>
@@ -1599,11 +1413,6 @@
             </c:numRef>
           </c:val>
           <c:smooth val="0"/>
-          <c:extLst>
-            <c:ext xmlns:c16="http://schemas.microsoft.com/office/drawing/2014/chart" uri="{C3380CC4-5D6E-409C-BE32-E72D297353CC}">
-              <c16:uniqueId val="{00000002-2965-4CE7-9EB0-17E7EBF8D867}"/>
-            </c:ext>
-          </c:extLst>
         </c:ser>
         <c:dLbls>
           <c:showLegendKey val="0"/>
@@ -1666,6 +1475,7 @@
               </a:p>
             </c:rich>
           </c:tx>
+          <c:layout/>
           <c:overlay val="0"/>
           <c:spPr>
             <a:noFill/>
@@ -1674,26 +1484,6 @@
             </a:ln>
             <a:effectLst/>
           </c:spPr>
-          <c:txPr>
-            <a:bodyPr rot="0" spcFirstLastPara="1" vertOverflow="ellipsis" vert="horz" wrap="square" anchor="ctr" anchorCtr="1"/>
-            <a:lstStyle/>
-            <a:p>
-              <a:pPr>
-                <a:defRPr lang="zh-CN" sz="900" b="0" i="0" u="none" strike="noStrike" kern="1200" cap="all" baseline="0">
-                  <a:solidFill>
-                    <a:schemeClr val="tx1">
-                      <a:lumMod val="65000"/>
-                      <a:lumOff val="35000"/>
-                    </a:schemeClr>
-                  </a:solidFill>
-                  <a:latin typeface="+mn-lt"/>
-                  <a:ea typeface="+mn-ea"/>
-                  <a:cs typeface="+mn-cs"/>
-                </a:defRPr>
-              </a:pPr>
-              <a:endParaRPr lang="zh-CN"/>
-            </a:p>
-          </c:txPr>
         </c:title>
         <c:numFmt formatCode="General" sourceLinked="1"/>
         <c:majorTickMark val="none"/>
@@ -1729,7 +1519,6 @@
                 <a:cs typeface="+mn-cs"/>
               </a:defRPr>
             </a:pPr>
-            <a:endParaRPr lang="zh-CN"/>
           </a:p>
         </c:txPr>
         <c:crossAx val="279376656"/>
@@ -1773,6 +1562,7 @@
               </a:p>
             </c:rich>
           </c:tx>
+          <c:layout/>
           <c:overlay val="0"/>
           <c:spPr>
             <a:noFill/>
@@ -1781,26 +1571,6 @@
             </a:ln>
             <a:effectLst/>
           </c:spPr>
-          <c:txPr>
-            <a:bodyPr rot="-5400000" spcFirstLastPara="1" vertOverflow="ellipsis" vert="horz" wrap="square" anchor="ctr" anchorCtr="1"/>
-            <a:lstStyle/>
-            <a:p>
-              <a:pPr>
-                <a:defRPr lang="zh-CN" sz="900" b="0" i="0" u="none" strike="noStrike" kern="1200" cap="all" baseline="0">
-                  <a:solidFill>
-                    <a:schemeClr val="tx1">
-                      <a:lumMod val="65000"/>
-                      <a:lumOff val="35000"/>
-                    </a:schemeClr>
-                  </a:solidFill>
-                  <a:latin typeface="+mn-lt"/>
-                  <a:ea typeface="+mn-ea"/>
-                  <a:cs typeface="+mn-cs"/>
-                </a:defRPr>
-              </a:pPr>
-              <a:endParaRPr lang="zh-CN"/>
-            </a:p>
-          </c:txPr>
         </c:title>
         <c:numFmt formatCode="General" sourceLinked="1"/>
         <c:majorTickMark val="none"/>
@@ -1836,7 +1606,6 @@
                 <a:cs typeface="+mn-cs"/>
               </a:defRPr>
             </a:pPr>
-            <a:endParaRPr lang="zh-CN"/>
           </a:p>
         </c:txPr>
         <c:crossAx val="279379376"/>
@@ -1853,6 +1622,7 @@
     </c:plotArea>
     <c:legend>
       <c:legendPos val="t"/>
+      <c:layout/>
       <c:overlay val="0"/>
       <c:spPr>
         <a:noFill/>
@@ -1878,7 +1648,6 @@
               <a:cs typeface="+mn-cs"/>
             </a:defRPr>
           </a:pPr>
-          <a:endParaRPr lang="zh-CN"/>
         </a:p>
       </c:txPr>
     </c:legend>
@@ -1901,10 +1670,9 @@
       <a:pPr>
         <a:defRPr lang="zh-CN"/>
       </a:pPr>
-      <a:endParaRPr lang="zh-CN"/>
     </a:p>
   </c:txPr>
-  <c:externalData r:id="rId3">
+  <c:externalData r:id="rId1">
     <c:autoUpdate val="0"/>
   </c:externalData>
 </c:chartSpace>
@@ -3096,7 +2864,6 @@
           <a:p>
             <a:fld id="{11B50710-B8B7-4D8F-BDE7-5C763412CDFD}" type="datetimeFigureOut">
               <a:rPr lang="fr-FR" smtClean="0"/>
-              <a:t>28/02/2018</a:t>
             </a:fld>
             <a:endParaRPr lang="fr-FR"/>
           </a:p>
@@ -3163,6 +2930,7 @@
               <a:rPr lang="fr-FR"/>
               <a:t>Modifiez les styles du texte du masque</a:t>
             </a:r>
+            <a:endParaRPr lang="fr-FR"/>
           </a:p>
           <a:p>
             <a:pPr lvl="1"/>
@@ -3170,6 +2938,7 @@
               <a:rPr lang="fr-FR"/>
               <a:t>Deuxième niveau</a:t>
             </a:r>
+            <a:endParaRPr lang="fr-FR"/>
           </a:p>
           <a:p>
             <a:pPr lvl="2"/>
@@ -3177,6 +2946,7 @@
               <a:rPr lang="fr-FR"/>
               <a:t>Troisième niveau</a:t>
             </a:r>
+            <a:endParaRPr lang="fr-FR"/>
           </a:p>
           <a:p>
             <a:pPr lvl="3"/>
@@ -3184,6 +2954,7 @@
               <a:rPr lang="fr-FR"/>
               <a:t>Quatrième niveau</a:t>
             </a:r>
+            <a:endParaRPr lang="fr-FR"/>
           </a:p>
           <a:p>
             <a:pPr lvl="4"/>
@@ -3191,6 +2962,7 @@
               <a:rPr lang="fr-FR"/>
               <a:t>Cinquième niveau</a:t>
             </a:r>
+            <a:endParaRPr lang="fr-FR"/>
           </a:p>
         </p:txBody>
       </p:sp>
@@ -3254,7 +3026,6 @@
           <a:p>
             <a:fld id="{5A906ACB-0641-497D-A6F6-17171FCA9B16}" type="slidenum">
               <a:rPr lang="fr-FR" smtClean="0"/>
-              <a:t>‹#›</a:t>
             </a:fld>
             <a:endParaRPr lang="fr-FR"/>
           </a:p>
@@ -3430,6 +3201,15 @@
               </a:rPr>
               <a:t>Dans l’exemple, le nombre de points détectés est varié. En plus, nous constatons aussi que 		</a:t>
             </a:r>
+            <a:endParaRPr lang="fr-FR" sz="1200" kern="1200" dirty="0">
+              <a:solidFill>
+                <a:schemeClr val="tx1"/>
+              </a:solidFill>
+              <a:effectLst/>
+              <a:latin typeface="+mn-lt"/>
+              <a:ea typeface="+mn-ea"/>
+              <a:cs typeface="+mn-cs"/>
+            </a:endParaRPr>
           </a:p>
           <a:p>
             <a:pPr marL="0" marR="0" lvl="0" indent="0" algn="l" defTabSz="914400" rtl="0" eaLnBrk="1" fontAlgn="auto" latinLnBrk="0" hangingPunct="1">
@@ -3508,6 +3288,15 @@
               </a:rPr>
               <a:t>) sont plus dispersés de l’objet par rapport aux 	</a:t>
             </a:r>
+            <a:endParaRPr lang="fr-FR" sz="1200" kern="1200" dirty="0">
+              <a:solidFill>
+                <a:schemeClr val="tx1"/>
+              </a:solidFill>
+              <a:effectLst/>
+              <a:latin typeface="+mn-lt"/>
+              <a:ea typeface="+mn-ea"/>
+              <a:cs typeface="+mn-cs"/>
+            </a:endParaRPr>
           </a:p>
           <a:p>
             <a:pPr marL="0" marR="0" lvl="0" indent="0" algn="l" defTabSz="914400" rtl="0" eaLnBrk="1" fontAlgn="auto" latinLnBrk="0" hangingPunct="1">
@@ -3562,6 +3351,15 @@
               </a:rPr>
               <a:t> pour SIFT ; détecteur rapide pour ORB). SIFT est capable de 			</a:t>
             </a:r>
+            <a:endParaRPr lang="fr-FR" sz="1200" kern="1200" dirty="0">
+              <a:solidFill>
+                <a:schemeClr val="tx1"/>
+              </a:solidFill>
+              <a:effectLst/>
+              <a:latin typeface="+mn-lt"/>
+              <a:ea typeface="+mn-ea"/>
+              <a:cs typeface="+mn-cs"/>
+            </a:endParaRPr>
           </a:p>
           <a:p>
             <a:pPr marL="0" marR="0" lvl="0" indent="0" algn="l" defTabSz="914400" rtl="0" eaLnBrk="1" fontAlgn="auto" latinLnBrk="0" hangingPunct="1">
@@ -3616,6 +3414,15 @@
               </a:rPr>
               <a:t>. Une remarque est que la taille de 	</a:t>
             </a:r>
+            <a:endParaRPr lang="fr-FR" sz="1200" kern="1200" dirty="0">
+              <a:solidFill>
+                <a:schemeClr val="tx1"/>
+              </a:solidFill>
+              <a:effectLst/>
+              <a:latin typeface="+mn-lt"/>
+              <a:ea typeface="+mn-ea"/>
+              <a:cs typeface="+mn-cs"/>
+            </a:endParaRPr>
           </a:p>
           <a:p>
             <a:pPr marL="0" marR="0" lvl="0" indent="0" algn="l" defTabSz="914400" rtl="0" eaLnBrk="1" fontAlgn="auto" latinLnBrk="0" hangingPunct="1">
@@ -3646,6 +3453,15 @@
               </a:rPr>
               <a:t>l’image a une influence importante au nombre de points caractéristiques détectés. Une taille </a:t>
             </a:r>
+            <a:endParaRPr lang="fr-FR" sz="1200" kern="1200" dirty="0">
+              <a:solidFill>
+                <a:schemeClr val="tx1"/>
+              </a:solidFill>
+              <a:effectLst/>
+              <a:latin typeface="+mn-lt"/>
+              <a:ea typeface="+mn-ea"/>
+              <a:cs typeface="+mn-cs"/>
+            </a:endParaRPr>
           </a:p>
           <a:p>
             <a:pPr marL="0" marR="0" lvl="0" indent="0" algn="l" defTabSz="914400" rtl="0" eaLnBrk="1" fontAlgn="auto" latinLnBrk="0" hangingPunct="1">
@@ -3712,6 +3528,15 @@
               </a:rPr>
               <a:t> dans l’objet. </a:t>
             </a:r>
+            <a:endParaRPr lang="fr-FR" sz="1200" kern="1200" dirty="0">
+              <a:solidFill>
+                <a:schemeClr val="tx1"/>
+              </a:solidFill>
+              <a:effectLst/>
+              <a:latin typeface="+mn-lt"/>
+              <a:ea typeface="+mn-ea"/>
+              <a:cs typeface="+mn-cs"/>
+            </a:endParaRPr>
           </a:p>
           <a:p>
             <a:pPr marL="0" marR="0" lvl="0" indent="0" algn="l" defTabSz="914400" rtl="0" eaLnBrk="1" fontAlgn="auto" latinLnBrk="0" hangingPunct="1">
@@ -3774,7 +3599,6 @@
           <a:p>
             <a:fld id="{5A906ACB-0641-497D-A6F6-17171FCA9B16}" type="slidenum">
               <a:rPr lang="fr-FR" smtClean="0"/>
-              <a:t>4</a:t>
             </a:fld>
             <a:endParaRPr lang="fr-FR"/>
           </a:p>
@@ -3853,7 +3677,6 @@
           <a:p>
             <a:fld id="{5A906ACB-0641-497D-A6F6-17171FCA9B16}" type="slidenum">
               <a:rPr lang="fr-FR" smtClean="0"/>
-              <a:t>7</a:t>
             </a:fld>
             <a:endParaRPr lang="fr-FR"/>
           </a:p>
@@ -3976,7 +3799,6 @@
           <a:p>
             <a:fld id="{5A906ACB-0641-497D-A6F6-17171FCA9B16}" type="slidenum">
               <a:rPr lang="fr-FR" smtClean="0"/>
-              <a:t>10</a:t>
             </a:fld>
             <a:endParaRPr lang="fr-FR"/>
           </a:p>
@@ -4055,7 +3877,6 @@
           <a:p>
             <a:fld id="{5A906ACB-0641-497D-A6F6-17171FCA9B16}" type="slidenum">
               <a:rPr lang="fr-FR" smtClean="0"/>
-              <a:t>11</a:t>
             </a:fld>
             <a:endParaRPr lang="fr-FR"/>
           </a:p>
@@ -4134,7 +3955,6 @@
           <a:p>
             <a:fld id="{5A906ACB-0641-497D-A6F6-17171FCA9B16}" type="slidenum">
               <a:rPr lang="fr-FR" smtClean="0"/>
-              <a:t>12</a:t>
             </a:fld>
             <a:endParaRPr lang="fr-FR"/>
           </a:p>
@@ -4149,7 +3969,7 @@
 </file>
 
 <file path=ppt/slideLayouts/slideLayout1.xml><?xml version="1.0" encoding="utf-8"?>
-<p:sldLayout xmlns:a="http://schemas.openxmlformats.org/drawingml/2006/main" xmlns:r="http://schemas.openxmlformats.org/officeDocument/2006/relationships" xmlns:p="http://schemas.openxmlformats.org/presentationml/2006/main" showMasterSp="0" preserve="1" userDrawn="1">
+<p:sldLayout xmlns:a="http://schemas.openxmlformats.org/drawingml/2006/main" xmlns:r="http://schemas.openxmlformats.org/officeDocument/2006/relationships" xmlns:p="http://schemas.openxmlformats.org/presentationml/2006/main" preserve="1" showMasterSp="0" userDrawn="1">
   <p:cSld name="Couverture">
     <p:spTree>
       <p:nvGrpSpPr>
@@ -4559,7 +4379,6 @@
           <a:p>
             <a:fld id="{2D54133B-371A-451E-83B0-12E77C669547}" type="datetime1">
               <a:rPr lang="fr-FR" smtClean="0"/>
-              <a:t>28/02/2018</a:t>
             </a:fld>
             <a:endParaRPr lang="fr-FR" dirty="0"/>
           </a:p>
@@ -4597,7 +4416,6 @@
           <a:p>
             <a:fld id="{10C140CD-8AED-46FF-A9A2-77308F3F39AE}" type="slidenum">
               <a:rPr lang="fr-FR" smtClean="0"/>
-              <a:t>‹#›</a:t>
             </a:fld>
             <a:endParaRPr lang="fr-FR"/>
           </a:p>
@@ -4681,6 +4499,7 @@
               <a:rPr lang="fr-FR" dirty="0"/>
               <a:t>TITRE</a:t>
             </a:r>
+            <a:endParaRPr lang="fr-FR" dirty="0"/>
           </a:p>
           <a:p>
             <a:pPr lvl="1"/>
@@ -4688,6 +4507,7 @@
               <a:rPr lang="fr-FR" dirty="0"/>
               <a:t>TITRE</a:t>
             </a:r>
+            <a:endParaRPr lang="fr-FR" dirty="0"/>
           </a:p>
         </p:txBody>
       </p:sp>
@@ -4730,7 +4550,7 @@
 </file>
 
 <file path=ppt/slideLayouts/slideLayout2.xml><?xml version="1.0" encoding="utf-8"?>
-<p:sldLayout xmlns:a="http://schemas.openxmlformats.org/drawingml/2006/main" xmlns:r="http://schemas.openxmlformats.org/officeDocument/2006/relationships" xmlns:p="http://schemas.openxmlformats.org/presentationml/2006/main" showMasterSp="0" preserve="1" userDrawn="1">
+<p:sldLayout xmlns:a="http://schemas.openxmlformats.org/drawingml/2006/main" xmlns:r="http://schemas.openxmlformats.org/officeDocument/2006/relationships" xmlns:p="http://schemas.openxmlformats.org/presentationml/2006/main" preserve="1" showMasterSp="0" userDrawn="1">
   <p:cSld name="Chapitre">
     <p:spTree>
       <p:nvGrpSpPr>
@@ -4980,7 +4800,6 @@
           <a:p>
             <a:fld id="{2071B99B-66F4-44C1-85BA-391C8832129F}" type="datetime1">
               <a:rPr lang="fr-FR" smtClean="0"/>
-              <a:t>28/02/2018</a:t>
             </a:fld>
             <a:endParaRPr lang="fr-FR"/>
           </a:p>
@@ -5018,7 +4837,6 @@
           <a:p>
             <a:fld id="{10C140CD-8AED-46FF-A9A2-77308F3F39AE}" type="slidenum">
               <a:rPr lang="fr-FR" smtClean="0"/>
-              <a:t>‹#›</a:t>
             </a:fld>
             <a:endParaRPr lang="fr-FR"/>
           </a:p>
@@ -5102,6 +4920,7 @@
               <a:rPr lang="fr-FR" dirty="0"/>
               <a:t>Chapitre</a:t>
             </a:r>
+            <a:endParaRPr lang="fr-FR" dirty="0"/>
           </a:p>
           <a:p>
             <a:pPr lvl="1"/>
@@ -5109,6 +4928,7 @@
               <a:rPr lang="fr-FR" dirty="0"/>
               <a:t>Chapitre</a:t>
             </a:r>
+            <a:endParaRPr lang="fr-FR" dirty="0"/>
           </a:p>
         </p:txBody>
       </p:sp>
@@ -5151,7 +4971,7 @@
 </file>
 
 <file path=ppt/slideLayouts/slideLayout3.xml><?xml version="1.0" encoding="utf-8"?>
-<p:sldLayout xmlns:a="http://schemas.openxmlformats.org/drawingml/2006/main" xmlns:r="http://schemas.openxmlformats.org/officeDocument/2006/relationships" xmlns:p="http://schemas.openxmlformats.org/presentationml/2006/main" showMasterSp="0" preserve="1" userDrawn="1">
+<p:sldLayout xmlns:a="http://schemas.openxmlformats.org/drawingml/2006/main" xmlns:r="http://schemas.openxmlformats.org/officeDocument/2006/relationships" xmlns:p="http://schemas.openxmlformats.org/presentationml/2006/main" preserve="1" showMasterSp="0" userDrawn="1">
   <p:cSld name="Sommaire">
     <p:spTree>
       <p:nvGrpSpPr>
@@ -5470,6 +5290,7 @@
               <a:rPr lang="fr-FR" dirty="0"/>
               <a:t>Texte de niveau 1</a:t>
             </a:r>
+            <a:endParaRPr lang="fr-FR" dirty="0"/>
           </a:p>
           <a:p>
             <a:pPr lvl="1"/>
@@ -5477,6 +5298,7 @@
               <a:rPr lang="fr-FR" dirty="0"/>
               <a:t>1.1 Deuxième niveau</a:t>
             </a:r>
+            <a:endParaRPr lang="fr-FR" dirty="0"/>
           </a:p>
         </p:txBody>
       </p:sp>
@@ -5512,6 +5334,7 @@
               <a:rPr lang="fr-FR" dirty="0"/>
               <a:t>Titre</a:t>
             </a:r>
+            <a:endParaRPr lang="fr-FR" dirty="0"/>
           </a:p>
         </p:txBody>
       </p:sp>
@@ -5631,6 +5454,7 @@
               <a:rPr lang="fr-FR" dirty="0"/>
               <a:t>0.0 Titre</a:t>
             </a:r>
+            <a:endParaRPr lang="fr-FR" dirty="0"/>
           </a:p>
         </p:txBody>
       </p:sp>
@@ -5659,6 +5483,7 @@
               <a:rPr lang="fr-FR" dirty="0"/>
               <a:t>Modifiez les styles du texte du masque</a:t>
             </a:r>
+            <a:endParaRPr lang="fr-FR" dirty="0"/>
           </a:p>
           <a:p>
             <a:pPr lvl="1"/>
@@ -5666,6 +5491,7 @@
               <a:rPr lang="fr-FR" dirty="0"/>
               <a:t>Deuxième niveau</a:t>
             </a:r>
+            <a:endParaRPr lang="fr-FR" dirty="0"/>
           </a:p>
           <a:p>
             <a:pPr lvl="2"/>
@@ -5673,6 +5499,7 @@
               <a:rPr lang="fr-FR" dirty="0"/>
               <a:t>Troisième niveau</a:t>
             </a:r>
+            <a:endParaRPr lang="fr-FR" dirty="0"/>
           </a:p>
           <a:p>
             <a:pPr lvl="3"/>
@@ -5680,6 +5507,7 @@
               <a:rPr lang="fr-FR" dirty="0"/>
               <a:t>Quatrième niveau</a:t>
             </a:r>
+            <a:endParaRPr lang="fr-FR" dirty="0"/>
           </a:p>
           <a:p>
             <a:pPr lvl="4"/>
@@ -5687,6 +5515,7 @@
               <a:rPr lang="fr-FR" dirty="0"/>
               <a:t>Cinquième niveau</a:t>
             </a:r>
+            <a:endParaRPr lang="fr-FR" dirty="0"/>
           </a:p>
         </p:txBody>
       </p:sp>
@@ -5707,7 +5536,6 @@
           <a:p>
             <a:fld id="{02F2A944-B0D2-4E65-9B75-234B8B45C846}" type="datetime1">
               <a:rPr lang="fr-FR" smtClean="0"/>
-              <a:t>28/02/2018</a:t>
             </a:fld>
             <a:endParaRPr lang="fr-FR" dirty="0"/>
           </a:p>
@@ -5732,6 +5560,7 @@
               <a:rPr lang="fr-FR" dirty="0"/>
               <a:t>Descripteurs locaux pour la recherche d’images similaires</a:t>
             </a:r>
+            <a:endParaRPr lang="fr-FR" dirty="0"/>
           </a:p>
         </p:txBody>
       </p:sp>
@@ -5752,7 +5581,6 @@
           <a:p>
             <a:fld id="{10C140CD-8AED-46FF-A9A2-77308F3F39AE}" type="slidenum">
               <a:rPr lang="fr-FR" smtClean="0"/>
-              <a:t>‹#›</a:t>
             </a:fld>
             <a:endParaRPr lang="fr-FR" dirty="0"/>
           </a:p>
@@ -5844,6 +5672,7 @@
               <a:rPr lang="fr-FR" dirty="0"/>
               <a:t>0.0 Titre</a:t>
             </a:r>
+            <a:endParaRPr lang="fr-FR" dirty="0"/>
           </a:p>
         </p:txBody>
       </p:sp>
@@ -5872,6 +5701,7 @@
               <a:rPr lang="fr-FR" dirty="0"/>
               <a:t>Modifiez les styles du texte du masque</a:t>
             </a:r>
+            <a:endParaRPr lang="fr-FR" dirty="0"/>
           </a:p>
           <a:p>
             <a:pPr lvl="1"/>
@@ -5879,6 +5709,7 @@
               <a:rPr lang="fr-FR" dirty="0"/>
               <a:t>Deuxième niveau</a:t>
             </a:r>
+            <a:endParaRPr lang="fr-FR" dirty="0"/>
           </a:p>
           <a:p>
             <a:pPr lvl="2"/>
@@ -5886,6 +5717,7 @@
               <a:rPr lang="fr-FR" dirty="0"/>
               <a:t>Troisième niveau</a:t>
             </a:r>
+            <a:endParaRPr lang="fr-FR" dirty="0"/>
           </a:p>
           <a:p>
             <a:pPr lvl="3"/>
@@ -5893,6 +5725,7 @@
               <a:rPr lang="fr-FR" dirty="0"/>
               <a:t>Quatrième niveau</a:t>
             </a:r>
+            <a:endParaRPr lang="fr-FR" dirty="0"/>
           </a:p>
           <a:p>
             <a:pPr lvl="4"/>
@@ -5900,6 +5733,7 @@
               <a:rPr lang="fr-FR" dirty="0"/>
               <a:t>Cinquième niveau</a:t>
             </a:r>
+            <a:endParaRPr lang="fr-FR" dirty="0"/>
           </a:p>
         </p:txBody>
       </p:sp>
@@ -5955,6 +5789,7 @@
               <a:rPr lang="fr-FR" noProof="0" dirty="0"/>
               <a:t>partenaire</a:t>
             </a:r>
+            <a:endParaRPr lang="fr-FR" noProof="0" dirty="0"/>
           </a:p>
         </p:txBody>
       </p:sp>
@@ -5975,7 +5810,6 @@
           <a:p>
             <a:fld id="{2F62CE10-E0DE-439D-8CD1-69273313363A}" type="datetime1">
               <a:rPr lang="fr-FR" smtClean="0"/>
-              <a:t>28/02/2018</a:t>
             </a:fld>
             <a:endParaRPr lang="fr-FR" dirty="0"/>
           </a:p>
@@ -6000,6 +5834,7 @@
               <a:rPr lang="fr-FR" dirty="0"/>
               <a:t>Descripteurs locaux pour la recherche d’images similaires</a:t>
             </a:r>
+            <a:endParaRPr lang="fr-FR" dirty="0"/>
           </a:p>
         </p:txBody>
       </p:sp>
@@ -6020,7 +5855,6 @@
           <a:p>
             <a:fld id="{10C140CD-8AED-46FF-A9A2-77308F3F39AE}" type="slidenum">
               <a:rPr lang="fr-FR" smtClean="0"/>
-              <a:t>‹#›</a:t>
             </a:fld>
             <a:endParaRPr lang="fr-FR" dirty="0"/>
           </a:p>
@@ -6107,6 +5941,7 @@
               <a:rPr lang="fr-FR" dirty="0"/>
               <a:t>0.0 Titre</a:t>
             </a:r>
+            <a:endParaRPr lang="fr-FR" dirty="0"/>
           </a:p>
         </p:txBody>
       </p:sp>
@@ -6135,6 +5970,7 @@
               <a:rPr lang="fr-FR" dirty="0"/>
               <a:t>Modifiez les styles du texte du masque</a:t>
             </a:r>
+            <a:endParaRPr lang="fr-FR" dirty="0"/>
           </a:p>
           <a:p>
             <a:pPr lvl="1"/>
@@ -6142,6 +5978,7 @@
               <a:rPr lang="fr-FR" dirty="0"/>
               <a:t>Deuxième niveau</a:t>
             </a:r>
+            <a:endParaRPr lang="fr-FR" dirty="0"/>
           </a:p>
           <a:p>
             <a:pPr lvl="2"/>
@@ -6149,6 +5986,7 @@
               <a:rPr lang="fr-FR" dirty="0"/>
               <a:t>Troisième niveau</a:t>
             </a:r>
+            <a:endParaRPr lang="fr-FR" dirty="0"/>
           </a:p>
           <a:p>
             <a:pPr lvl="3"/>
@@ -6156,6 +5994,7 @@
               <a:rPr lang="fr-FR" dirty="0"/>
               <a:t>Quatrième niveau</a:t>
             </a:r>
+            <a:endParaRPr lang="fr-FR" dirty="0"/>
           </a:p>
           <a:p>
             <a:pPr lvl="4"/>
@@ -6163,6 +6002,7 @@
               <a:rPr lang="fr-FR" dirty="0"/>
               <a:t>Cinquième niveau</a:t>
             </a:r>
+            <a:endParaRPr lang="fr-FR" dirty="0"/>
           </a:p>
         </p:txBody>
       </p:sp>
@@ -6191,6 +6031,7 @@
               <a:rPr lang="fr-FR" dirty="0"/>
               <a:t>Modifiez les styles du texte du masque</a:t>
             </a:r>
+            <a:endParaRPr lang="fr-FR" dirty="0"/>
           </a:p>
           <a:p>
             <a:pPr lvl="1"/>
@@ -6198,6 +6039,7 @@
               <a:rPr lang="fr-FR" dirty="0"/>
               <a:t>Deuxième niveau</a:t>
             </a:r>
+            <a:endParaRPr lang="fr-FR" dirty="0"/>
           </a:p>
           <a:p>
             <a:pPr lvl="2"/>
@@ -6205,6 +6047,7 @@
               <a:rPr lang="fr-FR" dirty="0"/>
               <a:t>Troisième niveau</a:t>
             </a:r>
+            <a:endParaRPr lang="fr-FR" dirty="0"/>
           </a:p>
           <a:p>
             <a:pPr lvl="3"/>
@@ -6212,6 +6055,7 @@
               <a:rPr lang="fr-FR" dirty="0"/>
               <a:t>Quatrième niveau</a:t>
             </a:r>
+            <a:endParaRPr lang="fr-FR" dirty="0"/>
           </a:p>
           <a:p>
             <a:pPr lvl="4"/>
@@ -6219,6 +6063,7 @@
               <a:rPr lang="fr-FR" dirty="0"/>
               <a:t>Cinquième niveau</a:t>
             </a:r>
+            <a:endParaRPr lang="fr-FR" dirty="0"/>
           </a:p>
         </p:txBody>
       </p:sp>
@@ -6239,7 +6084,6 @@
           <a:p>
             <a:fld id="{1643EF77-D5D6-40EF-9F4B-07F203095EEF}" type="datetime1">
               <a:rPr lang="fr-FR" smtClean="0"/>
-              <a:t>28/02/2018</a:t>
             </a:fld>
             <a:endParaRPr lang="fr-FR" dirty="0"/>
           </a:p>
@@ -6264,6 +6108,7 @@
               <a:rPr lang="fr-FR" dirty="0"/>
               <a:t>Descripteurs locaux pour la recherche d’images similaires</a:t>
             </a:r>
+            <a:endParaRPr lang="fr-FR" dirty="0"/>
           </a:p>
         </p:txBody>
       </p:sp>
@@ -6284,7 +6129,6 @@
           <a:p>
             <a:fld id="{10C140CD-8AED-46FF-A9A2-77308F3F39AE}" type="slidenum">
               <a:rPr lang="fr-FR" smtClean="0"/>
-              <a:t>‹#›</a:t>
             </a:fld>
             <a:endParaRPr lang="fr-FR" dirty="0"/>
           </a:p>
@@ -6371,6 +6215,7 @@
               <a:rPr lang="fr-FR" dirty="0"/>
               <a:t>0.0 Titre</a:t>
             </a:r>
+            <a:endParaRPr lang="fr-FR" dirty="0"/>
           </a:p>
         </p:txBody>
       </p:sp>
@@ -6399,6 +6244,7 @@
               <a:rPr lang="fr-FR" dirty="0"/>
               <a:t>Modifiez les styles du texte du masque</a:t>
             </a:r>
+            <a:endParaRPr lang="fr-FR" dirty="0"/>
           </a:p>
           <a:p>
             <a:pPr lvl="1"/>
@@ -6406,6 +6252,7 @@
               <a:rPr lang="fr-FR" dirty="0"/>
               <a:t>Deuxième niveau</a:t>
             </a:r>
+            <a:endParaRPr lang="fr-FR" dirty="0"/>
           </a:p>
           <a:p>
             <a:pPr lvl="2"/>
@@ -6413,6 +6260,7 @@
               <a:rPr lang="fr-FR" dirty="0"/>
               <a:t>Troisième niveau</a:t>
             </a:r>
+            <a:endParaRPr lang="fr-FR" dirty="0"/>
           </a:p>
           <a:p>
             <a:pPr lvl="3"/>
@@ -6420,6 +6268,7 @@
               <a:rPr lang="fr-FR" dirty="0"/>
               <a:t>Quatrième niveau</a:t>
             </a:r>
+            <a:endParaRPr lang="fr-FR" dirty="0"/>
           </a:p>
           <a:p>
             <a:pPr lvl="4"/>
@@ -6427,6 +6276,7 @@
               <a:rPr lang="fr-FR" dirty="0"/>
               <a:t>Cinquième niveau</a:t>
             </a:r>
+            <a:endParaRPr lang="fr-FR" dirty="0"/>
           </a:p>
         </p:txBody>
       </p:sp>
@@ -6455,6 +6305,7 @@
               <a:rPr lang="fr-FR" dirty="0"/>
               <a:t>Modifiez les styles du texte du masque</a:t>
             </a:r>
+            <a:endParaRPr lang="fr-FR" dirty="0"/>
           </a:p>
           <a:p>
             <a:pPr lvl="1"/>
@@ -6462,6 +6313,7 @@
               <a:rPr lang="fr-FR" dirty="0"/>
               <a:t>Deuxième niveau</a:t>
             </a:r>
+            <a:endParaRPr lang="fr-FR" dirty="0"/>
           </a:p>
           <a:p>
             <a:pPr lvl="2"/>
@@ -6469,6 +6321,7 @@
               <a:rPr lang="fr-FR" dirty="0"/>
               <a:t>Troisième niveau</a:t>
             </a:r>
+            <a:endParaRPr lang="fr-FR" dirty="0"/>
           </a:p>
           <a:p>
             <a:pPr lvl="3"/>
@@ -6476,6 +6329,7 @@
               <a:rPr lang="fr-FR" dirty="0"/>
               <a:t>Quatrième niveau</a:t>
             </a:r>
+            <a:endParaRPr lang="fr-FR" dirty="0"/>
           </a:p>
           <a:p>
             <a:pPr lvl="4"/>
@@ -6483,6 +6337,7 @@
               <a:rPr lang="fr-FR" dirty="0"/>
               <a:t>Cinquième niveau</a:t>
             </a:r>
+            <a:endParaRPr lang="fr-FR" dirty="0"/>
           </a:p>
         </p:txBody>
       </p:sp>
@@ -6538,6 +6393,7 @@
               <a:rPr lang="fr-FR" noProof="0" dirty="0"/>
               <a:t>partenaire</a:t>
             </a:r>
+            <a:endParaRPr lang="fr-FR" noProof="0" dirty="0"/>
           </a:p>
         </p:txBody>
       </p:sp>
@@ -6558,7 +6414,6 @@
           <a:p>
             <a:fld id="{AC5CD3B3-8D2B-4B82-9D76-E78AABAA42A0}" type="datetime1">
               <a:rPr lang="fr-FR" smtClean="0"/>
-              <a:t>28/02/2018</a:t>
             </a:fld>
             <a:endParaRPr lang="fr-FR" dirty="0"/>
           </a:p>
@@ -6583,6 +6438,7 @@
               <a:rPr lang="fr-FR" dirty="0"/>
               <a:t>Descripteurs locaux pour la recherche d’images similaires</a:t>
             </a:r>
+            <a:endParaRPr lang="fr-FR" dirty="0"/>
           </a:p>
         </p:txBody>
       </p:sp>
@@ -6603,7 +6459,6 @@
           <a:p>
             <a:fld id="{10C140CD-8AED-46FF-A9A2-77308F3F39AE}" type="slidenum">
               <a:rPr lang="fr-FR" smtClean="0"/>
-              <a:t>‹#›</a:t>
             </a:fld>
             <a:endParaRPr lang="fr-FR" dirty="0"/>
           </a:p>
@@ -6679,6 +6534,7 @@
               <a:rPr lang="fr-FR" noProof="0" dirty="0"/>
               <a:t>Sélectionner l’icône pour insérer une image</a:t>
             </a:r>
+            <a:endParaRPr lang="fr-FR" noProof="0" dirty="0"/>
           </a:p>
         </p:txBody>
       </p:sp>
@@ -6738,6 +6594,7 @@
               <a:rPr lang="fr-FR" dirty="0"/>
               <a:t>0.0 Titre</a:t>
             </a:r>
+            <a:endParaRPr lang="fr-FR" dirty="0"/>
           </a:p>
         </p:txBody>
       </p:sp>
@@ -6779,6 +6636,7 @@
               <a:rPr lang="fr-FR" noProof="0" dirty="0"/>
               <a:t>Texte de niveau 1</a:t>
             </a:r>
+            <a:endParaRPr lang="fr-FR" noProof="0" dirty="0"/>
           </a:p>
           <a:p>
             <a:pPr lvl="1"/>
@@ -6786,6 +6644,7 @@
               <a:rPr lang="fr-FR" noProof="0" dirty="0"/>
               <a:t>Texte de niveau 2</a:t>
             </a:r>
+            <a:endParaRPr lang="fr-FR" noProof="0" dirty="0"/>
           </a:p>
           <a:p>
             <a:pPr lvl="2"/>
@@ -6793,6 +6652,7 @@
               <a:rPr lang="fr-FR" noProof="0" dirty="0"/>
               <a:t>Texte de niveau 3</a:t>
             </a:r>
+            <a:endParaRPr lang="fr-FR" noProof="0" dirty="0"/>
           </a:p>
           <a:p>
             <a:pPr lvl="3"/>
@@ -6800,6 +6660,7 @@
               <a:rPr lang="fr-FR" noProof="0" dirty="0"/>
               <a:t>Texte de niveau 4</a:t>
             </a:r>
+            <a:endParaRPr lang="fr-FR" noProof="0" dirty="0"/>
           </a:p>
           <a:p>
             <a:pPr lvl="4"/>
@@ -6807,6 +6668,7 @@
               <a:rPr lang="fr-FR" noProof="0" dirty="0"/>
               <a:t>Texte de niveau 5</a:t>
             </a:r>
+            <a:endParaRPr lang="fr-FR" noProof="0" dirty="0"/>
           </a:p>
         </p:txBody>
       </p:sp>
@@ -6827,7 +6689,6 @@
           <a:p>
             <a:fld id="{603695C0-14E2-48AD-9FD9-408AC13866B4}" type="datetime1">
               <a:rPr lang="fr-FR" smtClean="0"/>
-              <a:t>28/02/2018</a:t>
             </a:fld>
             <a:endParaRPr lang="fr-FR" dirty="0"/>
           </a:p>
@@ -6852,6 +6713,7 @@
               <a:rPr lang="fr-FR" dirty="0"/>
               <a:t>Descripteurs locaux pour la recherche d’images similaires</a:t>
             </a:r>
+            <a:endParaRPr lang="fr-FR" dirty="0"/>
           </a:p>
         </p:txBody>
       </p:sp>
@@ -6872,7 +6734,6 @@
           <a:p>
             <a:fld id="{10C140CD-8AED-46FF-A9A2-77308F3F39AE}" type="slidenum">
               <a:rPr lang="fr-FR" smtClean="0"/>
-              <a:t>‹#›</a:t>
             </a:fld>
             <a:endParaRPr lang="fr-FR" dirty="0"/>
           </a:p>
@@ -6948,6 +6809,7 @@
               <a:rPr lang="fr-FR" noProof="0" dirty="0"/>
               <a:t>Sélectionner l’icône pour insérer une image</a:t>
             </a:r>
+            <a:endParaRPr lang="fr-FR" noProof="0" dirty="0"/>
           </a:p>
         </p:txBody>
       </p:sp>
@@ -7007,6 +6869,7 @@
               <a:rPr lang="fr-FR" dirty="0"/>
               <a:t>0.0 Titre</a:t>
             </a:r>
+            <a:endParaRPr lang="fr-FR" dirty="0"/>
           </a:p>
         </p:txBody>
       </p:sp>
@@ -7048,6 +6911,7 @@
               <a:rPr lang="fr-FR" noProof="0" dirty="0"/>
               <a:t>Texte de niveau 1</a:t>
             </a:r>
+            <a:endParaRPr lang="fr-FR" noProof="0" dirty="0"/>
           </a:p>
           <a:p>
             <a:pPr lvl="1"/>
@@ -7055,6 +6919,7 @@
               <a:rPr lang="fr-FR" noProof="0" dirty="0"/>
               <a:t>Texte de niveau 2</a:t>
             </a:r>
+            <a:endParaRPr lang="fr-FR" noProof="0" dirty="0"/>
           </a:p>
           <a:p>
             <a:pPr lvl="2"/>
@@ -7062,6 +6927,7 @@
               <a:rPr lang="fr-FR" noProof="0" dirty="0"/>
               <a:t>Texte de niveau 3</a:t>
             </a:r>
+            <a:endParaRPr lang="fr-FR" noProof="0" dirty="0"/>
           </a:p>
           <a:p>
             <a:pPr lvl="3"/>
@@ -7069,6 +6935,7 @@
               <a:rPr lang="fr-FR" noProof="0" dirty="0"/>
               <a:t>Texte de niveau 4</a:t>
             </a:r>
+            <a:endParaRPr lang="fr-FR" noProof="0" dirty="0"/>
           </a:p>
           <a:p>
             <a:pPr lvl="4"/>
@@ -7076,6 +6943,7 @@
               <a:rPr lang="fr-FR" noProof="0" dirty="0"/>
               <a:t>Texte de niveau 5</a:t>
             </a:r>
+            <a:endParaRPr lang="fr-FR" noProof="0" dirty="0"/>
           </a:p>
         </p:txBody>
       </p:sp>
@@ -7131,6 +6999,7 @@
               <a:rPr lang="fr-FR" noProof="0" dirty="0"/>
               <a:t>partenaire</a:t>
             </a:r>
+            <a:endParaRPr lang="fr-FR" noProof="0" dirty="0"/>
           </a:p>
         </p:txBody>
       </p:sp>
@@ -7151,7 +7020,6 @@
           <a:p>
             <a:fld id="{98E2A745-9137-47F7-8E9B-5BFBAFF7B600}" type="datetime1">
               <a:rPr lang="fr-FR" smtClean="0"/>
-              <a:t>28/02/2018</a:t>
             </a:fld>
             <a:endParaRPr lang="fr-FR" dirty="0"/>
           </a:p>
@@ -7176,6 +7044,7 @@
               <a:rPr lang="fr-FR" dirty="0"/>
               <a:t>Descripteurs locaux pour la recherche d’images similaires</a:t>
             </a:r>
+            <a:endParaRPr lang="fr-FR" dirty="0"/>
           </a:p>
         </p:txBody>
       </p:sp>
@@ -7196,7 +7065,6 @@
           <a:p>
             <a:fld id="{10C140CD-8AED-46FF-A9A2-77308F3F39AE}" type="slidenum">
               <a:rPr lang="fr-FR" smtClean="0"/>
-              <a:t>‹#›</a:t>
             </a:fld>
             <a:endParaRPr lang="fr-FR" dirty="0"/>
           </a:p>
@@ -7307,6 +7175,7 @@
               <a:rPr lang="fr-FR" noProof="0" dirty="0"/>
               <a:t>Chapitre 0 : Titre</a:t>
             </a:r>
+            <a:endParaRPr lang="fr-FR" noProof="0" dirty="0"/>
           </a:p>
         </p:txBody>
       </p:sp>
@@ -7340,6 +7209,7 @@
               <a:rPr lang="fr-FR" noProof="0" dirty="0"/>
               <a:t>Texte de niveau 1</a:t>
             </a:r>
+            <a:endParaRPr lang="fr-FR" noProof="0" dirty="0"/>
           </a:p>
           <a:p>
             <a:pPr lvl="1"/>
@@ -7347,6 +7217,7 @@
               <a:rPr lang="fr-FR" noProof="0" dirty="0"/>
               <a:t>Texte de niveau 2</a:t>
             </a:r>
+            <a:endParaRPr lang="fr-FR" noProof="0" dirty="0"/>
           </a:p>
           <a:p>
             <a:pPr lvl="2"/>
@@ -7354,6 +7225,7 @@
               <a:rPr lang="fr-FR" noProof="0" dirty="0"/>
               <a:t>Texte de niveau 3</a:t>
             </a:r>
+            <a:endParaRPr lang="fr-FR" noProof="0" dirty="0"/>
           </a:p>
           <a:p>
             <a:pPr lvl="3"/>
@@ -7361,6 +7233,7 @@
               <a:rPr lang="fr-FR" noProof="0" dirty="0"/>
               <a:t>Texte de niveau 4</a:t>
             </a:r>
+            <a:endParaRPr lang="fr-FR" noProof="0" dirty="0"/>
           </a:p>
           <a:p>
             <a:pPr lvl="4"/>
@@ -7368,6 +7241,7 @@
               <a:rPr lang="fr-FR" noProof="0" dirty="0"/>
               <a:t>Texte de niveau 5</a:t>
             </a:r>
+            <a:endParaRPr lang="fr-FR" noProof="0" dirty="0"/>
           </a:p>
         </p:txBody>
       </p:sp>
@@ -7406,7 +7280,6 @@
           <a:p>
             <a:fld id="{81A6A722-77CE-483A-9C01-962190722771}" type="datetime1">
               <a:rPr lang="fr-FR" smtClean="0"/>
-              <a:t>28/02/2018</a:t>
             </a:fld>
             <a:endParaRPr lang="fr-FR" dirty="0"/>
           </a:p>
@@ -7488,7 +7361,6 @@
           <a:p>
             <a:fld id="{10C140CD-8AED-46FF-A9A2-77308F3F39AE}" type="slidenum">
               <a:rPr lang="fr-FR" smtClean="0"/>
-              <a:t>‹#›</a:t>
             </a:fld>
             <a:endParaRPr lang="fr-FR" dirty="0"/>
           </a:p>
@@ -7503,7 +7375,7 @@
           <p:nvPr userDrawn="1"/>
         </p:nvPicPr>
         <p:blipFill>
-          <a:blip r:embed="rId11" cstate="print">
+          <a:blip r:embed="rId10" cstate="print">
             <a:extLst>
               <a:ext uri="{28A0092B-C50C-407E-A947-70E740481C1C}">
                 <a14:useLocalDpi xmlns:a14="http://schemas.microsoft.com/office/drawing/2010/main" val="0"/>
@@ -7876,7 +7748,6 @@
           <a:p>
             <a:fld id="{2D54133B-371A-451E-83B0-12E77C669547}" type="datetime1">
               <a:rPr lang="fr-FR" smtClean="0"/>
-              <a:t>28/02/2018</a:t>
             </a:fld>
             <a:endParaRPr lang="fr-FR" dirty="0"/>
           </a:p>
@@ -7899,7 +7770,6 @@
           <a:p>
             <a:fld id="{10C140CD-8AED-46FF-A9A2-77308F3F39AE}" type="slidenum">
               <a:rPr lang="fr-FR" smtClean="0"/>
-              <a:t>1</a:t>
             </a:fld>
             <a:endParaRPr lang="fr-FR"/>
           </a:p>
@@ -7985,12 +7855,14 @@
               <a:rPr lang="en-US" dirty="0"/>
               <a:t> ZHU</a:t>
             </a:r>
+            <a:endParaRPr lang="en-US" dirty="0"/>
           </a:p>
           <a:p>
             <a:r>
               <a:rPr lang="en-US" dirty="0"/>
               <a:t>Yihong XU</a:t>
             </a:r>
+            <a:endParaRPr lang="en-US" dirty="0"/>
           </a:p>
         </p:txBody>
       </p:sp>
@@ -8076,7 +7948,6 @@
           <a:p>
             <a:fld id="{02F2A944-B0D2-4E65-9B75-234B8B45C846}" type="datetime1">
               <a:rPr lang="fr-FR" smtClean="0"/>
-              <a:t>28/02/2018</a:t>
             </a:fld>
             <a:endParaRPr lang="fr-FR" dirty="0"/>
           </a:p>
@@ -8101,6 +7972,7 @@
               <a:rPr lang="fr-FR" dirty="0"/>
               <a:t>Descripteurs locaux pour la recherche d’images similaires</a:t>
             </a:r>
+            <a:endParaRPr lang="fr-FR" dirty="0"/>
           </a:p>
         </p:txBody>
       </p:sp>
@@ -8121,7 +7993,6 @@
           <a:p>
             <a:fld id="{10C140CD-8AED-46FF-A9A2-77308F3F39AE}" type="slidenum">
               <a:rPr lang="fr-FR" smtClean="0"/>
-              <a:t>10</a:t>
             </a:fld>
             <a:endParaRPr lang="fr-FR" dirty="0"/>
           </a:p>
@@ -8146,55 +8017,13 @@
                 <a:tableStyleId>{5C22544A-7EE6-4342-B048-85BDC9FD1C3A}</a:tableStyleId>
               </a:tblPr>
               <a:tblGrid>
-                <a:gridCol w="1213783">
-                  <a:extLst>
-                    <a:ext uri="{9D8B030D-6E8A-4147-A177-3AD203B41FA5}">
-                      <a16:colId xmlns:a16="http://schemas.microsoft.com/office/drawing/2014/main" val="20000"/>
-                    </a:ext>
-                  </a:extLst>
-                </a:gridCol>
-                <a:gridCol w="1213783">
-                  <a:extLst>
-                    <a:ext uri="{9D8B030D-6E8A-4147-A177-3AD203B41FA5}">
-                      <a16:colId xmlns:a16="http://schemas.microsoft.com/office/drawing/2014/main" val="20001"/>
-                    </a:ext>
-                  </a:extLst>
-                </a:gridCol>
-                <a:gridCol w="1213783">
-                  <a:extLst>
-                    <a:ext uri="{9D8B030D-6E8A-4147-A177-3AD203B41FA5}">
-                      <a16:colId xmlns:a16="http://schemas.microsoft.com/office/drawing/2014/main" val="20002"/>
-                    </a:ext>
-                  </a:extLst>
-                </a:gridCol>
-                <a:gridCol w="1213783">
-                  <a:extLst>
-                    <a:ext uri="{9D8B030D-6E8A-4147-A177-3AD203B41FA5}">
-                      <a16:colId xmlns:a16="http://schemas.microsoft.com/office/drawing/2014/main" val="20003"/>
-                    </a:ext>
-                  </a:extLst>
-                </a:gridCol>
-                <a:gridCol w="1213783">
-                  <a:extLst>
-                    <a:ext uri="{9D8B030D-6E8A-4147-A177-3AD203B41FA5}">
-                      <a16:colId xmlns:a16="http://schemas.microsoft.com/office/drawing/2014/main" val="20004"/>
-                    </a:ext>
-                  </a:extLst>
-                </a:gridCol>
-                <a:gridCol w="1213783">
-                  <a:extLst>
-                    <a:ext uri="{9D8B030D-6E8A-4147-A177-3AD203B41FA5}">
-                      <a16:colId xmlns:a16="http://schemas.microsoft.com/office/drawing/2014/main" val="20005"/>
-                    </a:ext>
-                  </a:extLst>
-                </a:gridCol>
-                <a:gridCol w="1213783">
-                  <a:extLst>
-                    <a:ext uri="{9D8B030D-6E8A-4147-A177-3AD203B41FA5}">
-                      <a16:colId xmlns:a16="http://schemas.microsoft.com/office/drawing/2014/main" val="20006"/>
-                    </a:ext>
-                  </a:extLst>
-                </a:gridCol>
+                <a:gridCol w="1213783"/>
+                <a:gridCol w="1213783"/>
+                <a:gridCol w="1213783"/>
+                <a:gridCol w="1213783"/>
+                <a:gridCol w="1213783"/>
+                <a:gridCol w="1213783"/>
+                <a:gridCol w="1213783"/>
               </a:tblGrid>
               <a:tr h="394869">
                 <a:tc>
@@ -8280,13 +8109,6 @@
                   <a:tcPr marL="68580" marR="68580" marT="0" marB="0"/>
                 </a:tc>
                 <a:tc hMerge="1">
-                  <a:txBody>
-                    <a:bodyPr/>
-                    <a:lstStyle/>
-                    <a:p>
-                      <a:endParaRPr lang="zh-CN"/>
-                    </a:p>
-                  </a:txBody>
                   <a:tcPr/>
                 </a:tc>
                 <a:tc gridSpan="2">
@@ -8325,13 +8147,6 @@
                   <a:tcPr marL="68580" marR="68580" marT="0" marB="0"/>
                 </a:tc>
                 <a:tc hMerge="1">
-                  <a:txBody>
-                    <a:bodyPr/>
-                    <a:lstStyle/>
-                    <a:p>
-                      <a:endParaRPr lang="zh-CN"/>
-                    </a:p>
-                  </a:txBody>
                   <a:tcPr/>
                 </a:tc>
                 <a:tc gridSpan="2">
@@ -8370,20 +8185,8 @@
                   <a:tcPr marL="68580" marR="68580" marT="0" marB="0"/>
                 </a:tc>
                 <a:tc hMerge="1">
-                  <a:txBody>
-                    <a:bodyPr/>
-                    <a:lstStyle/>
-                    <a:p>
-                      <a:endParaRPr lang="zh-CN"/>
-                    </a:p>
-                  </a:txBody>
                   <a:tcPr/>
                 </a:tc>
-                <a:extLst>
-                  <a:ext uri="{0D108BD9-81ED-4DB2-BD59-A6C34878D82A}">
-                    <a16:rowId xmlns:a16="http://schemas.microsoft.com/office/drawing/2014/main" val="10000"/>
-                  </a:ext>
-                </a:extLst>
               </a:tr>
               <a:tr h="686907">
                 <a:tc>
@@ -8580,6 +8383,12 @@
                         </a:rPr>
                         <a:t>1_c (rotation)</a:t>
                       </a:r>
+                      <a:endParaRPr lang="en-US" sz="1100">
+                        <a:effectLst/>
+                        <a:latin typeface="Arial" panose="020B0604020202020204" pitchFamily="34" charset="0"/>
+                        <a:ea typeface="宋体" panose="02010600030101010101" pitchFamily="2" charset="-122"/>
+                        <a:cs typeface="Times New Roman" panose="02020603050405020304" pitchFamily="18" charset="0"/>
+                      </a:endParaRPr>
                     </a:p>
                   </a:txBody>
                   <a:tcPr marL="68580" marR="68580" marT="0" marB="0"/>
@@ -8606,15 +8415,16 @@
                         </a:rPr>
                         <a:t>251_i120 (color temperature)</a:t>
                       </a:r>
+                      <a:endParaRPr lang="en-US" sz="1100">
+                        <a:effectLst/>
+                        <a:latin typeface="Arial" panose="020B0604020202020204" pitchFamily="34" charset="0"/>
+                        <a:ea typeface="宋体" panose="02010600030101010101" pitchFamily="2" charset="-122"/>
+                        <a:cs typeface="Times New Roman" panose="02020603050405020304" pitchFamily="18" charset="0"/>
+                      </a:endParaRPr>
                     </a:p>
                   </a:txBody>
                   <a:tcPr marL="68580" marR="68580" marT="0" marB="0"/>
                 </a:tc>
-                <a:extLst>
-                  <a:ext uri="{0D108BD9-81ED-4DB2-BD59-A6C34878D82A}">
-                    <a16:rowId xmlns:a16="http://schemas.microsoft.com/office/drawing/2014/main" val="10001"/>
-                  </a:ext>
-                </a:extLst>
               </a:tr>
               <a:tr h="197434">
                 <a:tc>
@@ -8859,11 +8669,6 @@
                   </a:txBody>
                   <a:tcPr marL="68580" marR="68580" marT="0" marB="0"/>
                 </a:tc>
-                <a:extLst>
-                  <a:ext uri="{0D108BD9-81ED-4DB2-BD59-A6C34878D82A}">
-                    <a16:rowId xmlns:a16="http://schemas.microsoft.com/office/drawing/2014/main" val="10002"/>
-                  </a:ext>
-                </a:extLst>
               </a:tr>
               <a:tr h="197434">
                 <a:tc>
@@ -9105,11 +8910,6 @@
                   </a:txBody>
                   <a:tcPr marL="68580" marR="68580" marT="0" marB="0"/>
                 </a:tc>
-                <a:extLst>
-                  <a:ext uri="{0D108BD9-81ED-4DB2-BD59-A6C34878D82A}">
-                    <a16:rowId xmlns:a16="http://schemas.microsoft.com/office/drawing/2014/main" val="10003"/>
-                  </a:ext>
-                </a:extLst>
               </a:tr>
               <a:tr h="197434">
                 <a:tc>
@@ -9354,11 +9154,6 @@
                   </a:txBody>
                   <a:tcPr marL="68580" marR="68580" marT="0" marB="0"/>
                 </a:tc>
-                <a:extLst>
-                  <a:ext uri="{0D108BD9-81ED-4DB2-BD59-A6C34878D82A}">
-                    <a16:rowId xmlns:a16="http://schemas.microsoft.com/office/drawing/2014/main" val="10004"/>
-                  </a:ext>
-                </a:extLst>
               </a:tr>
               <a:tr h="197434">
                 <a:tc>
@@ -9600,11 +9395,6 @@
                   </a:txBody>
                   <a:tcPr marL="68580" marR="68580" marT="0" marB="0"/>
                 </a:tc>
-                <a:extLst>
-                  <a:ext uri="{0D108BD9-81ED-4DB2-BD59-A6C34878D82A}">
-                    <a16:rowId xmlns:a16="http://schemas.microsoft.com/office/drawing/2014/main" val="10005"/>
-                  </a:ext>
-                </a:extLst>
               </a:tr>
               <a:tr h="197434">
                 <a:tc>
@@ -9843,11 +9633,6 @@
                   </a:txBody>
                   <a:tcPr marL="68580" marR="68580" marT="0" marB="0"/>
                 </a:tc>
-                <a:extLst>
-                  <a:ext uri="{0D108BD9-81ED-4DB2-BD59-A6C34878D82A}">
-                    <a16:rowId xmlns:a16="http://schemas.microsoft.com/office/drawing/2014/main" val="10006"/>
-                  </a:ext>
-                </a:extLst>
               </a:tr>
               <a:tr h="197434">
                 <a:tc>
@@ -10092,11 +9877,6 @@
                   </a:txBody>
                   <a:tcPr marL="68580" marR="68580" marT="0" marB="0"/>
                 </a:tc>
-                <a:extLst>
-                  <a:ext uri="{0D108BD9-81ED-4DB2-BD59-A6C34878D82A}">
-                    <a16:rowId xmlns:a16="http://schemas.microsoft.com/office/drawing/2014/main" val="10007"/>
-                  </a:ext>
-                </a:extLst>
               </a:tr>
               <a:tr h="197434">
                 <a:tc>
@@ -10332,11 +10112,6 @@
                   </a:txBody>
                   <a:tcPr marL="68580" marR="68580" marT="0" marB="0"/>
                 </a:tc>
-                <a:extLst>
-                  <a:ext uri="{0D108BD9-81ED-4DB2-BD59-A6C34878D82A}">
-                    <a16:rowId xmlns:a16="http://schemas.microsoft.com/office/drawing/2014/main" val="10008"/>
-                  </a:ext>
-                </a:extLst>
               </a:tr>
               <a:tr h="197434">
                 <a:tc>
@@ -10575,11 +10350,6 @@
                   </a:txBody>
                   <a:tcPr marL="68580" marR="68580" marT="0" marB="0"/>
                 </a:tc>
-                <a:extLst>
-                  <a:ext uri="{0D108BD9-81ED-4DB2-BD59-A6C34878D82A}">
-                    <a16:rowId xmlns:a16="http://schemas.microsoft.com/office/drawing/2014/main" val="10009"/>
-                  </a:ext>
-                </a:extLst>
               </a:tr>
               <a:tr h="197434">
                 <a:tc>
@@ -10812,11 +10582,6 @@
                   </a:txBody>
                   <a:tcPr marL="68580" marR="68580" marT="0" marB="0"/>
                 </a:tc>
-                <a:extLst>
-                  <a:ext uri="{0D108BD9-81ED-4DB2-BD59-A6C34878D82A}">
-                    <a16:rowId xmlns:a16="http://schemas.microsoft.com/office/drawing/2014/main" val="10010"/>
-                  </a:ext>
-                </a:extLst>
               </a:tr>
               <a:tr h="237662">
                 <a:tc>
@@ -11058,11 +10823,6 @@
                   </a:txBody>
                   <a:tcPr marL="68580" marR="68580" marT="0" marB="0"/>
                 </a:tc>
-                <a:extLst>
-                  <a:ext uri="{0D108BD9-81ED-4DB2-BD59-A6C34878D82A}">
-                    <a16:rowId xmlns:a16="http://schemas.microsoft.com/office/drawing/2014/main" val="10011"/>
-                  </a:ext>
-                </a:extLst>
               </a:tr>
             </a:tbl>
           </a:graphicData>
@@ -11138,7 +10898,7 @@
           <p:nvPr/>
         </p:nvPicPr>
         <p:blipFill>
-          <a:blip r:embed="rId3" cstate="print">
+          <a:blip r:embed="rId1" cstate="print">
             <a:extLst>
               <a:ext uri="{28A0092B-C50C-407E-A947-70E740481C1C}">
                 <a14:useLocalDpi xmlns:a14="http://schemas.microsoft.com/office/drawing/2010/main" val="0"/>
@@ -11168,7 +10928,7 @@
           <p:nvPr/>
         </p:nvPicPr>
         <p:blipFill>
-          <a:blip r:embed="rId4" cstate="print">
+          <a:blip r:embed="rId2" cstate="print">
             <a:extLst>
               <a:ext uri="{28A0092B-C50C-407E-A947-70E740481C1C}">
                 <a14:useLocalDpi xmlns:a14="http://schemas.microsoft.com/office/drawing/2010/main" val="0"/>
@@ -11254,7 +11014,6 @@
           <a:p>
             <a:fld id="{02F2A944-B0D2-4E65-9B75-234B8B45C846}" type="datetime1">
               <a:rPr lang="fr-FR" smtClean="0"/>
-              <a:t>28/02/2018</a:t>
             </a:fld>
             <a:endParaRPr lang="fr-FR" dirty="0"/>
           </a:p>
@@ -11279,6 +11038,7 @@
               <a:rPr lang="fr-FR" dirty="0"/>
               <a:t>Descripteurs locaux pour la recherche d’images similaires</a:t>
             </a:r>
+            <a:endParaRPr lang="fr-FR" dirty="0"/>
           </a:p>
         </p:txBody>
       </p:sp>
@@ -11299,7 +11059,6 @@
           <a:p>
             <a:fld id="{10C140CD-8AED-46FF-A9A2-77308F3F39AE}" type="slidenum">
               <a:rPr lang="fr-FR" smtClean="0"/>
-              <a:t>11</a:t>
             </a:fld>
             <a:endParaRPr lang="fr-FR" dirty="0"/>
           </a:p>
@@ -11550,7 +11309,6 @@
           <a:p>
             <a:fld id="{02F2A944-B0D2-4E65-9B75-234B8B45C846}" type="datetime1">
               <a:rPr lang="fr-FR" smtClean="0"/>
-              <a:t>28/02/2018</a:t>
             </a:fld>
             <a:endParaRPr lang="fr-FR" dirty="0"/>
           </a:p>
@@ -11575,6 +11333,7 @@
               <a:rPr lang="fr-FR" dirty="0"/>
               <a:t>Descripteurs locaux pour la recherche d’images similaires</a:t>
             </a:r>
+            <a:endParaRPr lang="fr-FR" dirty="0"/>
           </a:p>
         </p:txBody>
       </p:sp>
@@ -11595,7 +11354,6 @@
           <a:p>
             <a:fld id="{10C140CD-8AED-46FF-A9A2-77308F3F39AE}" type="slidenum">
               <a:rPr lang="fr-FR" smtClean="0"/>
-              <a:t>12</a:t>
             </a:fld>
             <a:endParaRPr lang="fr-FR" dirty="0"/>
           </a:p>
@@ -11706,6 +11464,7 @@
               <a:rPr lang="fr-FR" sz="1400" dirty="0"/>
               <a:t>Problmatique</a:t>
             </a:r>
+            <a:endParaRPr lang="fr-FR" sz="1400" dirty="0"/>
           </a:p>
           <a:p>
             <a:pPr lvl="0"/>
@@ -11713,6 +11472,7 @@
               <a:rPr lang="fr-FR" sz="1400" dirty="0"/>
               <a:t>Introduction dedescripteurs</a:t>
             </a:r>
+            <a:endParaRPr lang="fr-FR" sz="1400" dirty="0"/>
           </a:p>
           <a:p>
             <a:pPr lvl="0"/>
@@ -11720,24 +11480,28 @@
               <a:rPr lang="fr-FR" sz="1400" dirty="0"/>
               <a:t>Introduction de la BASE de donnees</a:t>
             </a:r>
+            <a:endParaRPr lang="fr-FR" sz="1400" dirty="0"/>
           </a:p>
           <a:p>
             <a:r>
               <a:rPr lang="fr-FR" sz="1400" dirty="0"/>
               <a:t>Chaine du traitement </a:t>
             </a:r>
+            <a:endParaRPr lang="fr-FR" sz="1400" dirty="0"/>
           </a:p>
           <a:p>
             <a:r>
               <a:rPr lang="fr-FR" sz="1400" dirty="0"/>
               <a:t>PHASE DE TESTs ET COMPARAISONS</a:t>
             </a:r>
+            <a:endParaRPr lang="fr-FR" sz="1400" dirty="0"/>
           </a:p>
           <a:p>
             <a:r>
               <a:rPr lang="fr-FR" sz="1400" dirty="0"/>
               <a:t>Conclusions</a:t>
             </a:r>
+            <a:endParaRPr lang="fr-FR" sz="1400" dirty="0"/>
           </a:p>
         </p:txBody>
       </p:sp>
@@ -11831,6 +11595,7 @@
               <a:rPr lang="fr-FR" dirty="0"/>
               <a:t>Objectif : </a:t>
             </a:r>
+            <a:endParaRPr lang="fr-FR" dirty="0"/>
           </a:p>
           <a:p>
             <a:pPr algn="just"/>
@@ -11838,6 +11603,7 @@
               <a:rPr lang="fr-FR" dirty="0"/>
               <a:t>Rechercher de manière automatique les objets similaires dans les images dont l’angle de visualisation et la condition luminaire changent. L’entrée et une image ayant un objet principal et la sortie souhaitée est des images des objets les plus similaires en termes de distance. </a:t>
             </a:r>
+            <a:endParaRPr lang="fr-FR" dirty="0"/>
           </a:p>
           <a:p>
             <a:pPr algn="just"/>
@@ -11877,7 +11643,6 @@
           <a:p>
             <a:fld id="{02F2A944-B0D2-4E65-9B75-234B8B45C846}" type="datetime1">
               <a:rPr lang="fr-FR" smtClean="0"/>
-              <a:t>28/02/2018</a:t>
             </a:fld>
             <a:endParaRPr lang="fr-FR" dirty="0"/>
           </a:p>
@@ -11902,6 +11667,7 @@
               <a:rPr lang="fr-FR" dirty="0"/>
               <a:t>Descripteurs locaux pour la recherche d’images similaires</a:t>
             </a:r>
+            <a:endParaRPr lang="fr-FR" dirty="0"/>
           </a:p>
         </p:txBody>
       </p:sp>
@@ -11922,7 +11688,6 @@
           <a:p>
             <a:fld id="{10C140CD-8AED-46FF-A9A2-77308F3F39AE}" type="slidenum">
               <a:rPr lang="fr-FR" smtClean="0"/>
-              <a:t>3</a:t>
             </a:fld>
             <a:endParaRPr lang="fr-FR" dirty="0"/>
           </a:p>
@@ -11993,7 +11758,6 @@
           <a:p>
             <a:fld id="{02F2A944-B0D2-4E65-9B75-234B8B45C846}" type="datetime1">
               <a:rPr lang="fr-FR" smtClean="0"/>
-              <a:t>28/02/2018</a:t>
             </a:fld>
             <a:endParaRPr lang="fr-FR" dirty="0"/>
           </a:p>
@@ -12018,6 +11782,7 @@
               <a:rPr lang="fr-FR" dirty="0"/>
               <a:t>Descripteurs locaux pour la recherche d’images similaires</a:t>
             </a:r>
+            <a:endParaRPr lang="fr-FR" dirty="0"/>
           </a:p>
         </p:txBody>
       </p:sp>
@@ -12038,7 +11803,6 @@
           <a:p>
             <a:fld id="{10C140CD-8AED-46FF-A9A2-77308F3F39AE}" type="slidenum">
               <a:rPr lang="fr-FR" smtClean="0"/>
-              <a:t>4</a:t>
             </a:fld>
             <a:endParaRPr lang="fr-FR" dirty="0"/>
           </a:p>
@@ -12051,7 +11815,7 @@
           <p:nvPr/>
         </p:nvPicPr>
         <p:blipFill>
-          <a:blip r:embed="rId3">
+          <a:blip r:embed="rId1">
             <a:extLst>
               <a:ext uri="{28A0092B-C50C-407E-A947-70E740481C1C}">
                 <a14:useLocalDpi xmlns:a14="http://schemas.microsoft.com/office/drawing/2010/main" val="0"/>
@@ -12079,7 +11843,7 @@
           <p:nvPr/>
         </p:nvPicPr>
         <p:blipFill>
-          <a:blip r:embed="rId4">
+          <a:blip r:embed="rId2">
             <a:extLst>
               <a:ext uri="{28A0092B-C50C-407E-A947-70E740481C1C}">
                 <a14:useLocalDpi xmlns:a14="http://schemas.microsoft.com/office/drawing/2010/main" val="0"/>
@@ -12107,7 +11871,7 @@
           <p:nvPr/>
         </p:nvPicPr>
         <p:blipFill>
-          <a:blip r:embed="rId5">
+          <a:blip r:embed="rId3">
             <a:extLst>
               <a:ext uri="{28A0092B-C50C-407E-A947-70E740481C1C}">
                 <a14:useLocalDpi xmlns:a14="http://schemas.microsoft.com/office/drawing/2010/main" val="0"/>
@@ -12331,6 +12095,7 @@
               <a:rPr lang="fr-FR" dirty="0"/>
               <a:t>Introduction de la de données</a:t>
             </a:r>
+            <a:endParaRPr lang="fr-FR" dirty="0"/>
           </a:p>
         </p:txBody>
       </p:sp>
@@ -12359,6 +12124,7 @@
               <a:rPr lang="fr-FR" b="1" dirty="0"/>
               <a:t>Changement de température de couleur</a:t>
             </a:r>
+            <a:endParaRPr lang="fr-FR" b="1" dirty="0"/>
           </a:p>
           <a:p>
             <a:pPr algn="just"/>
@@ -12414,7 +12180,6 @@
           <a:p>
             <a:fld id="{02F2A944-B0D2-4E65-9B75-234B8B45C846}" type="datetime1">
               <a:rPr lang="fr-FR" smtClean="0"/>
-              <a:t>28/02/2018</a:t>
             </a:fld>
             <a:endParaRPr lang="fr-FR" dirty="0"/>
           </a:p>
@@ -12439,6 +12204,7 @@
               <a:rPr lang="fr-FR" dirty="0"/>
               <a:t>Descripteurs locaux pour la recherche d’images similaires</a:t>
             </a:r>
+            <a:endParaRPr lang="fr-FR" dirty="0"/>
           </a:p>
         </p:txBody>
       </p:sp>
@@ -12459,7 +12225,6 @@
           <a:p>
             <a:fld id="{10C140CD-8AED-46FF-A9A2-77308F3F39AE}" type="slidenum">
               <a:rPr lang="fr-FR" smtClean="0"/>
-              <a:t>5</a:t>
             </a:fld>
             <a:endParaRPr lang="fr-FR" dirty="0"/>
           </a:p>
@@ -12472,7 +12237,7 @@
           <p:nvPr/>
         </p:nvPicPr>
         <p:blipFill>
-          <a:blip r:embed="rId2">
+          <a:blip r:embed="rId1">
             <a:extLst>
               <a:ext uri="{28A0092B-C50C-407E-A947-70E740481C1C}">
                 <a14:useLocalDpi xmlns:a14="http://schemas.microsoft.com/office/drawing/2010/main" val="0"/>
@@ -12505,7 +12270,7 @@
           <p:nvPr/>
         </p:nvPicPr>
         <p:blipFill>
-          <a:blip r:embed="rId3">
+          <a:blip r:embed="rId2">
             <a:extLst>
               <a:ext uri="{28A0092B-C50C-407E-A947-70E740481C1C}">
                 <a14:useLocalDpi xmlns:a14="http://schemas.microsoft.com/office/drawing/2010/main" val="0"/>
@@ -12561,6 +12326,7 @@
               <a:rPr lang="fr-FR" dirty="0"/>
               <a:t>100 classes</a:t>
             </a:r>
+            <a:endParaRPr lang="fr-FR" dirty="0"/>
           </a:p>
           <a:p>
             <a:endParaRPr lang="fr-FR" dirty="0"/>
@@ -12574,12 +12340,14 @@
               <a:rPr lang="fr-FR" dirty="0"/>
               <a:t>15 images/classe </a:t>
             </a:r>
+            <a:endParaRPr lang="fr-FR" dirty="0"/>
           </a:p>
           <a:p>
             <a:r>
               <a:rPr lang="fr-FR" dirty="0"/>
               <a:t>(12 températures + 3 rotations)</a:t>
             </a:r>
+            <a:endParaRPr lang="fr-FR" dirty="0"/>
           </a:p>
           <a:p>
             <a:endParaRPr lang="fr-FR" dirty="0"/>
@@ -12593,12 +12361,14 @@
               <a:rPr lang="fr-FR" dirty="0"/>
               <a:t>2/3 pour la base de recherche </a:t>
             </a:r>
+            <a:endParaRPr lang="fr-FR" dirty="0"/>
           </a:p>
           <a:p>
             <a:r>
               <a:rPr lang="fr-FR" dirty="0"/>
               <a:t>(2 rotations + 8 températures /classe)</a:t>
             </a:r>
+            <a:endParaRPr lang="fr-FR" dirty="0"/>
           </a:p>
           <a:p>
             <a:endParaRPr lang="fr-FR" dirty="0"/>
@@ -12612,6 +12382,7 @@
               <a:rPr lang="fr-FR" dirty="0"/>
               <a:t>1/3 pour le test </a:t>
             </a:r>
+            <a:endParaRPr lang="fr-FR" dirty="0"/>
           </a:p>
           <a:p>
             <a:r>
@@ -12687,7 +12458,6 @@
           <a:p>
             <a:fld id="{02F2A944-B0D2-4E65-9B75-234B8B45C846}" type="datetime1">
               <a:rPr lang="fr-FR" smtClean="0"/>
-              <a:t>28/02/2018</a:t>
             </a:fld>
             <a:endParaRPr lang="fr-FR" dirty="0"/>
           </a:p>
@@ -12712,6 +12482,7 @@
               <a:rPr lang="fr-FR" dirty="0"/>
               <a:t>Descripteurs locaux pour la recherche d’images similaires</a:t>
             </a:r>
+            <a:endParaRPr lang="fr-FR" dirty="0"/>
           </a:p>
         </p:txBody>
       </p:sp>
@@ -12732,7 +12503,6 @@
           <a:p>
             <a:fld id="{10C140CD-8AED-46FF-A9A2-77308F3F39AE}" type="slidenum">
               <a:rPr lang="fr-FR" smtClean="0"/>
-              <a:t>6</a:t>
             </a:fld>
             <a:endParaRPr lang="fr-FR" dirty="0"/>
           </a:p>
@@ -12745,7 +12515,7 @@
           <p:nvPr/>
         </p:nvPicPr>
         <p:blipFill>
-          <a:blip r:embed="rId2">
+          <a:blip r:embed="rId1">
             <a:extLst>
               <a:ext uri="{28A0092B-C50C-407E-A947-70E740481C1C}">
                 <a14:useLocalDpi xmlns:a14="http://schemas.microsoft.com/office/drawing/2010/main" val="0"/>
@@ -12844,7 +12614,6 @@
           <a:p>
             <a:fld id="{02F2A944-B0D2-4E65-9B75-234B8B45C846}" type="datetime1">
               <a:rPr lang="fr-FR" smtClean="0"/>
-              <a:t>28/02/2018</a:t>
             </a:fld>
             <a:endParaRPr lang="fr-FR" dirty="0"/>
           </a:p>
@@ -12869,6 +12638,7 @@
               <a:rPr lang="fr-FR" dirty="0"/>
               <a:t>Descripteurs locaux pour la recherche d’images similaires</a:t>
             </a:r>
+            <a:endParaRPr lang="fr-FR" dirty="0"/>
           </a:p>
         </p:txBody>
       </p:sp>
@@ -12889,7 +12659,6 @@
           <a:p>
             <a:fld id="{10C140CD-8AED-46FF-A9A2-77308F3F39AE}" type="slidenum">
               <a:rPr lang="fr-FR" smtClean="0"/>
-              <a:t>7</a:t>
             </a:fld>
             <a:endParaRPr lang="fr-FR" dirty="0"/>
           </a:p>
@@ -13128,8 +12897,8 @@
               <a:prstGeom prst="rect">
                 <a:avLst/>
               </a:prstGeom>
-              <a:blipFill>
-                <a:blip r:embed="rId3"/>
+              <a:blipFill rotWithShape="1">
+                <a:blip r:embed="rId1"/>
                 <a:stretch>
                   <a:fillRect/>
                 </a:stretch>
@@ -13145,6 +12914,9 @@
                   </a:rPr>
                   <a:t> </a:t>
                 </a:r>
+                <a:endParaRPr lang="zh-CN" altLang="en-US">
+                  <a:noFill/>
+                </a:endParaRPr>
               </a:p>
             </p:txBody>
           </p:sp>
@@ -13157,7 +12929,7 @@
           <p:nvPr/>
         </p:nvPicPr>
         <p:blipFill>
-          <a:blip r:embed="rId4">
+          <a:blip r:embed="rId2">
             <a:extLst>
               <a:ext uri="{28A0092B-C50C-407E-A947-70E740481C1C}">
                 <a14:useLocalDpi xmlns:a14="http://schemas.microsoft.com/office/drawing/2010/main" val="0"/>
@@ -13197,27 +12969,9 @@
                 <a:tableStyleId>{5C22544A-7EE6-4342-B048-85BDC9FD1C3A}</a:tableStyleId>
               </a:tblPr>
               <a:tblGrid>
-                <a:gridCol w="1297991">
-                  <a:extLst>
-                    <a:ext uri="{9D8B030D-6E8A-4147-A177-3AD203B41FA5}">
-                      <a16:colId xmlns:a16="http://schemas.microsoft.com/office/drawing/2014/main" val="20000"/>
-                    </a:ext>
-                  </a:extLst>
-                </a:gridCol>
-                <a:gridCol w="1297991">
-                  <a:extLst>
-                    <a:ext uri="{9D8B030D-6E8A-4147-A177-3AD203B41FA5}">
-                      <a16:colId xmlns:a16="http://schemas.microsoft.com/office/drawing/2014/main" val="20001"/>
-                    </a:ext>
-                  </a:extLst>
-                </a:gridCol>
-                <a:gridCol w="1297991">
-                  <a:extLst>
-                    <a:ext uri="{9D8B030D-6E8A-4147-A177-3AD203B41FA5}">
-                      <a16:colId xmlns:a16="http://schemas.microsoft.com/office/drawing/2014/main" val="20002"/>
-                    </a:ext>
-                  </a:extLst>
-                </a:gridCol>
+                <a:gridCol w="1297991"/>
+                <a:gridCol w="1297991"/>
+                <a:gridCol w="1297991"/>
               </a:tblGrid>
               <a:tr h="432162">
                 <a:tc>
@@ -13325,11 +13079,6 @@
                   </a:txBody>
                   <a:tcPr marL="68580" marR="68580" marT="0" marB="0"/>
                 </a:tc>
-                <a:extLst>
-                  <a:ext uri="{0D108BD9-81ED-4DB2-BD59-A6C34878D82A}">
-                    <a16:rowId xmlns:a16="http://schemas.microsoft.com/office/drawing/2014/main" val="10000"/>
-                  </a:ext>
-                </a:extLst>
               </a:tr>
               <a:tr h="432162">
                 <a:tc>
@@ -13431,11 +13180,6 @@
                   </a:txBody>
                   <a:tcPr marL="68580" marR="68580" marT="0" marB="0"/>
                 </a:tc>
-                <a:extLst>
-                  <a:ext uri="{0D108BD9-81ED-4DB2-BD59-A6C34878D82A}">
-                    <a16:rowId xmlns:a16="http://schemas.microsoft.com/office/drawing/2014/main" val="10001"/>
-                  </a:ext>
-                </a:extLst>
               </a:tr>
               <a:tr h="432162">
                 <a:tc>
@@ -13537,11 +13281,6 @@
                   </a:txBody>
                   <a:tcPr marL="68580" marR="68580" marT="0" marB="0"/>
                 </a:tc>
-                <a:extLst>
-                  <a:ext uri="{0D108BD9-81ED-4DB2-BD59-A6C34878D82A}">
-                    <a16:rowId xmlns:a16="http://schemas.microsoft.com/office/drawing/2014/main" val="10002"/>
-                  </a:ext>
-                </a:extLst>
               </a:tr>
               <a:tr h="432162">
                 <a:tc>
@@ -13643,11 +13382,6 @@
                   </a:txBody>
                   <a:tcPr marL="68580" marR="68580" marT="0" marB="0"/>
                 </a:tc>
-                <a:extLst>
-                  <a:ext uri="{0D108BD9-81ED-4DB2-BD59-A6C34878D82A}">
-                    <a16:rowId xmlns:a16="http://schemas.microsoft.com/office/drawing/2014/main" val="10003"/>
-                  </a:ext>
-                </a:extLst>
               </a:tr>
             </a:tbl>
           </a:graphicData>
@@ -13695,6 +13429,7 @@
               <a:rPr lang="fr-FR" dirty="0"/>
               <a:t>) = 50 ;</a:t>
             </a:r>
+            <a:endParaRPr lang="fr-FR" dirty="0"/>
           </a:p>
           <a:p>
             <a:r>
@@ -13783,7 +13518,6 @@
           <a:p>
             <a:fld id="{02F2A944-B0D2-4E65-9B75-234B8B45C846}" type="datetime1">
               <a:rPr lang="fr-FR" smtClean="0"/>
-              <a:t>28/02/2018</a:t>
             </a:fld>
             <a:endParaRPr lang="fr-FR" dirty="0"/>
           </a:p>
@@ -13808,6 +13542,7 @@
               <a:rPr lang="fr-FR" dirty="0"/>
               <a:t>Descripteurs locaux pour la recherche d’images similaires</a:t>
             </a:r>
+            <a:endParaRPr lang="fr-FR" dirty="0"/>
           </a:p>
         </p:txBody>
       </p:sp>
@@ -13828,7 +13563,6 @@
           <a:p>
             <a:fld id="{10C140CD-8AED-46FF-A9A2-77308F3F39AE}" type="slidenum">
               <a:rPr lang="fr-FR" smtClean="0"/>
-              <a:t>8</a:t>
             </a:fld>
             <a:endParaRPr lang="fr-FR" dirty="0"/>
           </a:p>
@@ -14067,7 +13801,7 @@
               <a:prstGeom prst="rect">
                 <a:avLst/>
               </a:prstGeom>
-              <a:blipFill>
+              <a:blipFill rotWithShape="1">
                 <a:blip r:embed="rId2"/>
                 <a:stretch>
                   <a:fillRect/>
@@ -14084,6 +13818,9 @@
                   </a:rPr>
                   <a:t> </a:t>
                 </a:r>
+                <a:endParaRPr lang="zh-CN" altLang="en-US">
+                  <a:noFill/>
+                </a:endParaRPr>
               </a:p>
             </p:txBody>
           </p:sp>
@@ -14108,27 +13845,9 @@
                 <a:tableStyleId>{5C22544A-7EE6-4342-B048-85BDC9FD1C3A}</a:tableStyleId>
               </a:tblPr>
               <a:tblGrid>
-                <a:gridCol w="1297991">
-                  <a:extLst>
-                    <a:ext uri="{9D8B030D-6E8A-4147-A177-3AD203B41FA5}">
-                      <a16:colId xmlns:a16="http://schemas.microsoft.com/office/drawing/2014/main" val="20000"/>
-                    </a:ext>
-                  </a:extLst>
-                </a:gridCol>
-                <a:gridCol w="1297991">
-                  <a:extLst>
-                    <a:ext uri="{9D8B030D-6E8A-4147-A177-3AD203B41FA5}">
-                      <a16:colId xmlns:a16="http://schemas.microsoft.com/office/drawing/2014/main" val="20001"/>
-                    </a:ext>
-                  </a:extLst>
-                </a:gridCol>
-                <a:gridCol w="1297991">
-                  <a:extLst>
-                    <a:ext uri="{9D8B030D-6E8A-4147-A177-3AD203B41FA5}">
-                      <a16:colId xmlns:a16="http://schemas.microsoft.com/office/drawing/2014/main" val="20002"/>
-                    </a:ext>
-                  </a:extLst>
-                </a:gridCol>
+                <a:gridCol w="1297991"/>
+                <a:gridCol w="1297991"/>
+                <a:gridCol w="1297991"/>
               </a:tblGrid>
               <a:tr h="432162">
                 <a:tc>
@@ -14236,11 +13955,6 @@
                   </a:txBody>
                   <a:tcPr marL="68580" marR="68580" marT="0" marB="0"/>
                 </a:tc>
-                <a:extLst>
-                  <a:ext uri="{0D108BD9-81ED-4DB2-BD59-A6C34878D82A}">
-                    <a16:rowId xmlns:a16="http://schemas.microsoft.com/office/drawing/2014/main" val="10000"/>
-                  </a:ext>
-                </a:extLst>
               </a:tr>
               <a:tr h="432162">
                 <a:tc>
@@ -14361,11 +14075,6 @@
                   </a:txBody>
                   <a:tcPr marL="68580" marR="68580" marT="0" marB="0" anchor="ctr"/>
                 </a:tc>
-                <a:extLst>
-                  <a:ext uri="{0D108BD9-81ED-4DB2-BD59-A6C34878D82A}">
-                    <a16:rowId xmlns:a16="http://schemas.microsoft.com/office/drawing/2014/main" val="10001"/>
-                  </a:ext>
-                </a:extLst>
               </a:tr>
               <a:tr h="432162">
                 <a:tc>
@@ -14486,11 +14195,6 @@
                   </a:txBody>
                   <a:tcPr marL="68580" marR="68580" marT="0" marB="0" anchor="ctr"/>
                 </a:tc>
-                <a:extLst>
-                  <a:ext uri="{0D108BD9-81ED-4DB2-BD59-A6C34878D82A}">
-                    <a16:rowId xmlns:a16="http://schemas.microsoft.com/office/drawing/2014/main" val="10002"/>
-                  </a:ext>
-                </a:extLst>
               </a:tr>
               <a:tr h="432162">
                 <a:tc>
@@ -14611,11 +14315,6 @@
                   </a:txBody>
                   <a:tcPr marL="68580" marR="68580" marT="0" marB="0" anchor="ctr"/>
                 </a:tc>
-                <a:extLst>
-                  <a:ext uri="{0D108BD9-81ED-4DB2-BD59-A6C34878D82A}">
-                    <a16:rowId xmlns:a16="http://schemas.microsoft.com/office/drawing/2014/main" val="10003"/>
-                  </a:ext>
-                </a:extLst>
               </a:tr>
             </a:tbl>
           </a:graphicData>
@@ -14647,6 +14346,7 @@
               <a:rPr lang="fr-FR" dirty="0"/>
               <a:t> descripteur ORB ;</a:t>
             </a:r>
+            <a:endParaRPr lang="fr-FR" dirty="0"/>
           </a:p>
           <a:p>
             <a:r>
@@ -14677,13 +14377,7 @@
         <p:nvGraphicFramePr>
           <p:cNvPr id="12" name="图表 11"/>
           <p:cNvGraphicFramePr/>
-          <p:nvPr>
-            <p:extLst>
-              <p:ext uri="{D42A27DB-BD31-4B8C-83A1-F6EECF244321}">
-                <p14:modId xmlns:p14="http://schemas.microsoft.com/office/powerpoint/2010/main" val="1830801315"/>
-              </p:ext>
-            </p:extLst>
-          </p:nvPr>
+          <p:nvPr/>
         </p:nvGraphicFramePr>
         <p:xfrm>
           <a:off x="287760" y="1851670"/>
@@ -14691,7 +14385,7 @@
         </p:xfrm>
         <a:graphic>
           <a:graphicData uri="http://schemas.openxmlformats.org/drawingml/2006/chart">
-            <c:chart xmlns:c="http://schemas.openxmlformats.org/drawingml/2006/chart" xmlns:r="http://schemas.openxmlformats.org/officeDocument/2006/relationships" r:id="rId3"/>
+            <c:chart xmlns:c="http://schemas.openxmlformats.org/drawingml/2006/chart" xmlns:r="http://schemas.openxmlformats.org/officeDocument/2006/relationships" r:id="rId1"/>
           </a:graphicData>
         </a:graphic>
       </p:graphicFrame>
@@ -14773,7 +14467,6 @@
           <a:p>
             <a:fld id="{02F2A944-B0D2-4E65-9B75-234B8B45C846}" type="datetime1">
               <a:rPr lang="fr-FR" smtClean="0"/>
-              <a:t>28/02/2018</a:t>
             </a:fld>
             <a:endParaRPr lang="fr-FR" dirty="0"/>
           </a:p>
@@ -14798,6 +14491,7 @@
               <a:rPr lang="fr-FR" dirty="0"/>
               <a:t>Descripteurs locaux pour la recherche d’images similaires</a:t>
             </a:r>
+            <a:endParaRPr lang="fr-FR" dirty="0"/>
           </a:p>
         </p:txBody>
       </p:sp>
@@ -14818,7 +14512,6 @@
           <a:p>
             <a:fld id="{10C140CD-8AED-46FF-A9A2-77308F3F39AE}" type="slidenum">
               <a:rPr lang="fr-FR" smtClean="0"/>
-              <a:t>9</a:t>
             </a:fld>
             <a:endParaRPr lang="fr-FR" dirty="0"/>
           </a:p>
@@ -15057,7 +14750,7 @@
               <a:prstGeom prst="rect">
                 <a:avLst/>
               </a:prstGeom>
-              <a:blipFill>
+              <a:blipFill rotWithShape="1">
                 <a:blip r:embed="rId2"/>
                 <a:stretch>
                   <a:fillRect/>
@@ -15074,6 +14767,9 @@
                   </a:rPr>
                   <a:t> </a:t>
                 </a:r>
+                <a:endParaRPr lang="zh-CN" altLang="en-US">
+                  <a:noFill/>
+                </a:endParaRPr>
               </a:p>
             </p:txBody>
           </p:sp>
@@ -15098,27 +14794,9 @@
                 <a:tableStyleId>{5C22544A-7EE6-4342-B048-85BDC9FD1C3A}</a:tableStyleId>
               </a:tblPr>
               <a:tblGrid>
-                <a:gridCol w="1297991">
-                  <a:extLst>
-                    <a:ext uri="{9D8B030D-6E8A-4147-A177-3AD203B41FA5}">
-                      <a16:colId xmlns:a16="http://schemas.microsoft.com/office/drawing/2014/main" val="20000"/>
-                    </a:ext>
-                  </a:extLst>
-                </a:gridCol>
-                <a:gridCol w="1297991">
-                  <a:extLst>
-                    <a:ext uri="{9D8B030D-6E8A-4147-A177-3AD203B41FA5}">
-                      <a16:colId xmlns:a16="http://schemas.microsoft.com/office/drawing/2014/main" val="20001"/>
-                    </a:ext>
-                  </a:extLst>
-                </a:gridCol>
-                <a:gridCol w="1297991">
-                  <a:extLst>
-                    <a:ext uri="{9D8B030D-6E8A-4147-A177-3AD203B41FA5}">
-                      <a16:colId xmlns:a16="http://schemas.microsoft.com/office/drawing/2014/main" val="20002"/>
-                    </a:ext>
-                  </a:extLst>
-                </a:gridCol>
+                <a:gridCol w="1297991"/>
+                <a:gridCol w="1297991"/>
+                <a:gridCol w="1297991"/>
               </a:tblGrid>
               <a:tr h="432162">
                 <a:tc>
@@ -15226,11 +14904,6 @@
                   </a:txBody>
                   <a:tcPr marL="68580" marR="68580" marT="0" marB="0"/>
                 </a:tc>
-                <a:extLst>
-                  <a:ext uri="{0D108BD9-81ED-4DB2-BD59-A6C34878D82A}">
-                    <a16:rowId xmlns:a16="http://schemas.microsoft.com/office/drawing/2014/main" val="10000"/>
-                  </a:ext>
-                </a:extLst>
               </a:tr>
               <a:tr h="432162">
                 <a:tc>
@@ -15383,11 +15056,6 @@
                   </a:txBody>
                   <a:tcPr marL="68580" marR="68580" marT="0" marB="0"/>
                 </a:tc>
-                <a:extLst>
-                  <a:ext uri="{0D108BD9-81ED-4DB2-BD59-A6C34878D82A}">
-                    <a16:rowId xmlns:a16="http://schemas.microsoft.com/office/drawing/2014/main" val="10001"/>
-                  </a:ext>
-                </a:extLst>
               </a:tr>
               <a:tr h="432162">
                 <a:tc>
@@ -15540,11 +15208,6 @@
                   </a:txBody>
                   <a:tcPr marL="68580" marR="68580" marT="0" marB="0"/>
                 </a:tc>
-                <a:extLst>
-                  <a:ext uri="{0D108BD9-81ED-4DB2-BD59-A6C34878D82A}">
-                    <a16:rowId xmlns:a16="http://schemas.microsoft.com/office/drawing/2014/main" val="10002"/>
-                  </a:ext>
-                </a:extLst>
               </a:tr>
               <a:tr h="432162">
                 <a:tc>
@@ -15697,11 +15360,6 @@
                   </a:txBody>
                   <a:tcPr marL="68580" marR="68580" marT="0" marB="0"/>
                 </a:tc>
-                <a:extLst>
-                  <a:ext uri="{0D108BD9-81ED-4DB2-BD59-A6C34878D82A}">
-                    <a16:rowId xmlns:a16="http://schemas.microsoft.com/office/drawing/2014/main" val="10003"/>
-                  </a:ext>
-                </a:extLst>
               </a:tr>
             </a:tbl>
           </a:graphicData>
@@ -15733,6 +15391,7 @@
               <a:rPr lang="fr-FR" dirty="0"/>
               <a:t> descripteur ORB ;</a:t>
             </a:r>
+            <a:endParaRPr lang="fr-FR" dirty="0"/>
           </a:p>
           <a:p>
             <a:r>
@@ -15747,13 +15406,7 @@
         <p:nvGraphicFramePr>
           <p:cNvPr id="10" name="图表 9"/>
           <p:cNvGraphicFramePr/>
-          <p:nvPr>
-            <p:extLst>
-              <p:ext uri="{D42A27DB-BD31-4B8C-83A1-F6EECF244321}">
-                <p14:modId xmlns:p14="http://schemas.microsoft.com/office/powerpoint/2010/main" val="1836490331"/>
-              </p:ext>
-            </p:extLst>
-          </p:nvPr>
+          <p:nvPr/>
         </p:nvGraphicFramePr>
         <p:xfrm>
           <a:off x="373144" y="1923678"/>
@@ -15761,7 +15414,7 @@
         </p:xfrm>
         <a:graphic>
           <a:graphicData uri="http://schemas.openxmlformats.org/drawingml/2006/chart">
-            <c:chart xmlns:c="http://schemas.openxmlformats.org/drawingml/2006/chart" xmlns:r="http://schemas.openxmlformats.org/officeDocument/2006/relationships" r:id="rId3"/>
+            <c:chart xmlns:c="http://schemas.openxmlformats.org/drawingml/2006/chart" xmlns:r="http://schemas.openxmlformats.org/officeDocument/2006/relationships" r:id="rId1"/>
           </a:graphicData>
         </a:graphic>
       </p:graphicFrame>
@@ -15993,8 +15646,6 @@
       </a:bgFillStyleLst>
     </a:fmtScheme>
   </a:themeElements>
-  <a:objectDefaults/>
-  <a:extraClrSchemeLst/>
   <a:extLst>
     <a:ext uri="{05A4C25C-085E-4340-85A3-A5531E510DB2}">
       <thm15:themeFamily xmlns:thm15="http://schemas.microsoft.com/office/thememl/2012/main" name="Office Theme" id="{62F939B6-93AF-4DB8-9C6B-D6C7DFDC589F}" vid="{4A3C46E8-61CC-4603-A589-7422A47A8E4A}"/>
@@ -16283,8 +15934,6 @@
       </a:bgFillStyleLst>
     </a:fmtScheme>
   </a:themeElements>
-  <a:objectDefaults/>
-  <a:extraClrSchemeLst/>
   <a:extLst>
     <a:ext uri="{05A4C25C-085E-4340-85A3-A5531E510DB2}">
       <thm15:themeFamily xmlns:thm15="http://schemas.microsoft.com/office/thememl/2012/main" name="Office Theme" id="{62F939B6-93AF-4DB8-9C6B-D6C7DFDC589F}" vid="{4A3C46E8-61CC-4603-A589-7422A47A8E4A}"/>

--- a/rapport/lot1_presentation.pptx
+++ b/rapport/lot1_presentation.pptx
@@ -5,21 +5,21 @@
     <p:sldMasterId id="2147483648" r:id="rId1"/>
   </p:sldMasterIdLst>
   <p:notesMasterIdLst>
-    <p:notesMasterId r:id="rId7"/>
+    <p:notesMasterId r:id="rId14"/>
   </p:notesMasterIdLst>
   <p:sldIdLst>
-    <p:sldId id="256" r:id="rId3"/>
-    <p:sldId id="257" r:id="rId4"/>
-    <p:sldId id="258" r:id="rId5"/>
-    <p:sldId id="259" r:id="rId6"/>
-    <p:sldId id="260" r:id="rId8"/>
-    <p:sldId id="261" r:id="rId9"/>
-    <p:sldId id="263" r:id="rId10"/>
-    <p:sldId id="262" r:id="rId11"/>
-    <p:sldId id="264" r:id="rId12"/>
-    <p:sldId id="265" r:id="rId13"/>
-    <p:sldId id="266" r:id="rId14"/>
-    <p:sldId id="267" r:id="rId15"/>
+    <p:sldId id="256" r:id="rId2"/>
+    <p:sldId id="257" r:id="rId3"/>
+    <p:sldId id="258" r:id="rId4"/>
+    <p:sldId id="259" r:id="rId5"/>
+    <p:sldId id="260" r:id="rId6"/>
+    <p:sldId id="261" r:id="rId7"/>
+    <p:sldId id="263" r:id="rId8"/>
+    <p:sldId id="262" r:id="rId9"/>
+    <p:sldId id="264" r:id="rId10"/>
+    <p:sldId id="265" r:id="rId11"/>
+    <p:sldId id="266" r:id="rId12"/>
+    <p:sldId id="267" r:id="rId13"/>
   </p:sldIdLst>
   <p:sldSz cx="9144000" cy="5143500" type="screen16x9"/>
   <p:notesSz cx="6858000" cy="9144000"/>
@@ -126,6 +126,7 @@
             <p14:sldId id="256"/>
             <p14:sldId id="257"/>
             <p14:sldId id="258"/>
+            <p14:sldId id="259"/>
             <p14:sldId id="260"/>
             <p14:sldId id="261"/>
             <p14:sldId id="263"/>
@@ -134,7 +135,6 @@
             <p14:sldId id="265"/>
             <p14:sldId id="266"/>
             <p14:sldId id="267"/>
-            <p14:sldId id="259"/>
           </p14:sldIdLst>
         </p14:section>
         <p14:section name="Méthodologie" id="{251C04F7-02AB-494A-8F07-9732C4A2D8D3}">
@@ -142,12 +142,121 @@
         </p14:section>
       </p14:sectionLst>
     </p:ext>
+    <p:ext uri="{EFAFB233-063F-42B5-8137-9DF3F51BA10A}">
+      <p15:sldGuideLst xmlns:p15="http://schemas.microsoft.com/office/powerpoint/2012/main">
+        <p15:guide id="1" orient="horz" pos="1620">
+          <p15:clr>
+            <a:srgbClr val="A4A3A4"/>
+          </p15:clr>
+        </p15:guide>
+        <p15:guide id="2" orient="horz" pos="715">
+          <p15:clr>
+            <a:srgbClr val="A4A3A4"/>
+          </p15:clr>
+        </p15:guide>
+        <p15:guide id="3" orient="horz" pos="2798">
+          <p15:clr>
+            <a:srgbClr val="A4A3A4"/>
+          </p15:clr>
+        </p15:guide>
+        <p15:guide id="4" orient="horz" pos="2743">
+          <p15:clr>
+            <a:srgbClr val="A4A3A4"/>
+          </p15:clr>
+        </p15:guide>
+        <p15:guide id="5" orient="horz" pos="3111">
+          <p15:clr>
+            <a:srgbClr val="A4A3A4"/>
+          </p15:clr>
+        </p15:guide>
+        <p15:guide id="6" orient="horz" pos="665">
+          <p15:clr>
+            <a:srgbClr val="A4A3A4"/>
+          </p15:clr>
+        </p15:guide>
+        <p15:guide id="7" orient="horz" pos="1862">
+          <p15:clr>
+            <a:srgbClr val="A4A3A4"/>
+          </p15:clr>
+        </p15:guide>
+        <p15:guide id="8" orient="horz" pos="1301">
+          <p15:clr>
+            <a:srgbClr val="A4A3A4"/>
+          </p15:clr>
+        </p15:guide>
+        <p15:guide id="9" orient="horz" pos="1395">
+          <p15:clr>
+            <a:srgbClr val="A4A3A4"/>
+          </p15:clr>
+        </p15:guide>
+        <p15:guide id="10" orient="horz" pos="3044">
+          <p15:clr>
+            <a:srgbClr val="A4A3A4"/>
+          </p15:clr>
+        </p15:guide>
+        <p15:guide id="11" orient="horz" pos="2876">
+          <p15:clr>
+            <a:srgbClr val="A4A3A4"/>
+          </p15:clr>
+        </p15:guide>
+        <p15:guide id="12" orient="horz" pos="593">
+          <p15:clr>
+            <a:srgbClr val="A4A3A4"/>
+          </p15:clr>
+        </p15:guide>
+        <p15:guide id="13" pos="2880">
+          <p15:clr>
+            <a:srgbClr val="A4A3A4"/>
+          </p15:clr>
+        </p15:guide>
+        <p15:guide id="14" pos="257">
+          <p15:clr>
+            <a:srgbClr val="A4A3A4"/>
+          </p15:clr>
+        </p15:guide>
+        <p15:guide id="15" pos="5515">
+          <p15:clr>
+            <a:srgbClr val="A4A3A4"/>
+          </p15:clr>
+        </p15:guide>
+        <p15:guide id="16" pos="5188">
+          <p15:clr>
+            <a:srgbClr val="A4A3A4"/>
+          </p15:clr>
+        </p15:guide>
+        <p15:guide id="17" pos="3353">
+          <p15:clr>
+            <a:srgbClr val="A4A3A4"/>
+          </p15:clr>
+        </p15:guide>
+        <p15:guide id="18" pos="4805">
+          <p15:clr>
+            <a:srgbClr val="A4A3A4"/>
+          </p15:clr>
+        </p15:guide>
+        <p15:guide id="19" pos="1436">
+          <p15:clr>
+            <a:srgbClr val="A4A3A4"/>
+          </p15:clr>
+        </p15:guide>
+        <p15:guide id="20" pos="794">
+          <p15:clr>
+            <a:srgbClr val="A4A3A4"/>
+          </p15:clr>
+        </p15:guide>
+        <p15:guide id="21" pos="5326">
+          <p15:clr>
+            <a:srgbClr val="A4A3A4"/>
+          </p15:clr>
+        </p15:guide>
+      </p15:sldGuideLst>
+    </p:ext>
   </p:extLst>
 </p:presentation>
 </file>
 
 <file path=ppt/charts/chart1.xml><?xml version="1.0" encoding="utf-8"?>
-<c:chartSpace xmlns:c="http://schemas.openxmlformats.org/drawingml/2006/chart" xmlns:a="http://schemas.openxmlformats.org/drawingml/2006/main" xmlns:r="http://schemas.openxmlformats.org/officeDocument/2006/relationships">
+<c:chartSpace xmlns:c="http://schemas.openxmlformats.org/drawingml/2006/chart" xmlns:a="http://schemas.openxmlformats.org/drawingml/2006/main" xmlns:r="http://schemas.openxmlformats.org/officeDocument/2006/relationships" xmlns:c16r2="http://schemas.microsoft.com/office/drawing/2015/06/chart">
   <c:date1904 val="0"/>
   <c:lang val="zh-CN"/>
   <c:roundedCorners val="0"/>
@@ -191,7 +300,6 @@
           </a:p>
         </c:rich>
       </c:tx>
-      <c:layout/>
       <c:overlay val="0"/>
       <c:spPr>
         <a:noFill/>
@@ -200,6 +308,26 @@
         </a:ln>
         <a:effectLst/>
       </c:spPr>
+      <c:txPr>
+        <a:bodyPr rot="0" spcFirstLastPara="1" vertOverflow="ellipsis" vert="horz" wrap="square" anchor="ctr" anchorCtr="1"/>
+        <a:lstStyle/>
+        <a:p>
+          <a:pPr>
+            <a:defRPr lang="zh-CN" sz="1400" b="0" i="0" u="none" strike="noStrike" kern="1200" spc="0" baseline="0">
+              <a:solidFill>
+                <a:schemeClr val="tx1">
+                  <a:lumMod val="65000"/>
+                  <a:lumOff val="35000"/>
+                </a:schemeClr>
+              </a:solidFill>
+              <a:latin typeface="+mn-lt"/>
+              <a:ea typeface="+mn-ea"/>
+              <a:cs typeface="+mn-cs"/>
+            </a:defRPr>
+          </a:pPr>
+          <a:endParaRPr lang="zh-CN"/>
+        </a:p>
+      </c:txPr>
     </c:title>
     <c:autoTitleDeleted val="0"/>
     <c:plotArea>
@@ -208,10 +336,10 @@
           <c:layoutTarget val="inner"/>
           <c:xMode val="edge"/>
           <c:yMode val="edge"/>
-          <c:x val="0.143715946397789"/>
-          <c:y val="0.44484126984127"/>
+          <c:x val="0.14371594639778901"/>
+          <c:y val="0.44484126984126998"/>
           <c:w val="0.82603102829968"/>
-          <c:h val="0.4185336207974"/>
+          <c:h val="0.41853362079739997"/>
         </c:manualLayout>
       </c:layout>
       <c:lineChart>
@@ -255,9 +383,6 @@
               <a:effectLst/>
             </c:spPr>
           </c:marker>
-          <c:dLbls>
-            <c:delete val="1"/>
-          </c:dLbls>
           <c:cat>
             <c:numRef>
               <c:f>Sheet1!$A$2:$A$11</c:f>
@@ -337,6 +462,11 @@
             </c:numRef>
           </c:val>
           <c:smooth val="0"/>
+          <c:extLst>
+            <c:ext xmlns:c16="http://schemas.microsoft.com/office/drawing/2014/chart" uri="{C3380CC4-5D6E-409C-BE32-E72D297353CC}">
+              <c16:uniqueId val="{00000000-5513-4BB2-B445-6D25F25B4987}"/>
+            </c:ext>
+          </c:extLst>
         </c:ser>
         <c:ser>
           <c:idx val="1"/>
@@ -376,9 +506,6 @@
               <a:effectLst/>
             </c:spPr>
           </c:marker>
-          <c:dLbls>
-            <c:delete val="1"/>
-          </c:dLbls>
           <c:cat>
             <c:numRef>
               <c:f>Sheet1!$A$2:$A$11</c:f>
@@ -458,6 +585,11 @@
             </c:numRef>
           </c:val>
           <c:smooth val="0"/>
+          <c:extLst>
+            <c:ext xmlns:c16="http://schemas.microsoft.com/office/drawing/2014/chart" uri="{C3380CC4-5D6E-409C-BE32-E72D297353CC}">
+              <c16:uniqueId val="{00000001-5513-4BB2-B445-6D25F25B4987}"/>
+            </c:ext>
+          </c:extLst>
         </c:ser>
         <c:ser>
           <c:idx val="2"/>
@@ -497,9 +629,6 @@
               <a:effectLst/>
             </c:spPr>
           </c:marker>
-          <c:dLbls>
-            <c:delete val="1"/>
-          </c:dLbls>
           <c:cat>
             <c:numRef>
               <c:f>Sheet1!$A$2:$A$11</c:f>
@@ -579,6 +708,11 @@
             </c:numRef>
           </c:val>
           <c:smooth val="0"/>
+          <c:extLst>
+            <c:ext xmlns:c16="http://schemas.microsoft.com/office/drawing/2014/chart" uri="{C3380CC4-5D6E-409C-BE32-E72D297353CC}">
+              <c16:uniqueId val="{00000002-5513-4BB2-B445-6D25F25B4987}"/>
+            </c:ext>
+          </c:extLst>
         </c:ser>
         <c:dLbls>
           <c:showLegendKey val="0"/>
@@ -627,7 +761,6 @@
               </a:p>
             </c:rich>
           </c:tx>
-          <c:layout/>
           <c:overlay val="0"/>
           <c:spPr>
             <a:noFill/>
@@ -636,6 +769,26 @@
             </a:ln>
             <a:effectLst/>
           </c:spPr>
+          <c:txPr>
+            <a:bodyPr rot="0" spcFirstLastPara="1" vertOverflow="ellipsis" vert="horz" wrap="square" anchor="ctr" anchorCtr="1"/>
+            <a:lstStyle/>
+            <a:p>
+              <a:pPr>
+                <a:defRPr lang="zh-CN" sz="1000" b="0" i="0" u="none" strike="noStrike" kern="1200" baseline="0">
+                  <a:solidFill>
+                    <a:schemeClr val="tx1">
+                      <a:lumMod val="65000"/>
+                      <a:lumOff val="35000"/>
+                    </a:schemeClr>
+                  </a:solidFill>
+                  <a:latin typeface="+mn-lt"/>
+                  <a:ea typeface="+mn-ea"/>
+                  <a:cs typeface="+mn-cs"/>
+                </a:defRPr>
+              </a:pPr>
+              <a:endParaRPr lang="zh-CN"/>
+            </a:p>
+          </c:txPr>
         </c:title>
         <c:numFmt formatCode="General" sourceLinked="1"/>
         <c:majorTickMark val="none"/>
@@ -671,6 +824,7 @@
                 <a:cs typeface="+mn-cs"/>
               </a:defRPr>
             </a:pPr>
+            <a:endParaRPr lang="zh-CN"/>
           </a:p>
         </c:txPr>
         <c:crossAx val="279372848"/>
@@ -728,7 +882,6 @@
               </a:p>
             </c:rich>
           </c:tx>
-          <c:layout/>
           <c:overlay val="0"/>
           <c:spPr>
             <a:noFill/>
@@ -737,6 +890,26 @@
             </a:ln>
             <a:effectLst/>
           </c:spPr>
+          <c:txPr>
+            <a:bodyPr rot="-5400000" spcFirstLastPara="1" vertOverflow="ellipsis" vert="horz" wrap="square" anchor="ctr" anchorCtr="1"/>
+            <a:lstStyle/>
+            <a:p>
+              <a:pPr>
+                <a:defRPr lang="zh-CN" sz="1000" b="0" i="0" u="none" strike="noStrike" kern="1200" baseline="0">
+                  <a:solidFill>
+                    <a:schemeClr val="tx1">
+                      <a:lumMod val="65000"/>
+                      <a:lumOff val="35000"/>
+                    </a:schemeClr>
+                  </a:solidFill>
+                  <a:latin typeface="+mn-lt"/>
+                  <a:ea typeface="+mn-ea"/>
+                  <a:cs typeface="+mn-cs"/>
+                </a:defRPr>
+              </a:pPr>
+              <a:endParaRPr lang="zh-CN"/>
+            </a:p>
+          </c:txPr>
         </c:title>
         <c:numFmt formatCode="General" sourceLinked="1"/>
         <c:majorTickMark val="none"/>
@@ -766,6 +939,7 @@
                 <a:cs typeface="+mn-cs"/>
               </a:defRPr>
             </a:pPr>
+            <a:endParaRPr lang="zh-CN"/>
           </a:p>
         </c:txPr>
         <c:crossAx val="279370672"/>
@@ -786,10 +960,10 @@
         <c:manualLayout>
           <c:xMode val="edge"/>
           <c:yMode val="edge"/>
-          <c:x val="0.280161638211065"/>
-          <c:y val="0.277978065241845"/>
-          <c:w val="0.483681124017914"/>
-          <c:h val="0.088904835892169"/>
+          <c:x val="0.28016163821106499"/>
+          <c:y val="0.27797806524184498"/>
+          <c:w val="0.48368112401791402"/>
+          <c:h val="8.8904835892169007E-2"/>
         </c:manualLayout>
       </c:layout>
       <c:overlay val="0"/>
@@ -817,6 +991,7 @@
               <a:cs typeface="+mn-cs"/>
             </a:defRPr>
           </a:pPr>
+          <a:endParaRPr lang="zh-CN"/>
         </a:p>
       </c:txPr>
     </c:legend>
@@ -838,16 +1013,17 @@
       <a:pPr>
         <a:defRPr lang="zh-CN"/>
       </a:pPr>
+      <a:endParaRPr lang="zh-CN"/>
     </a:p>
   </c:txPr>
-  <c:externalData r:id="rId1">
+  <c:externalData r:id="rId3">
     <c:autoUpdate val="0"/>
   </c:externalData>
 </c:chartSpace>
 </file>
 
 <file path=ppt/charts/chart2.xml><?xml version="1.0" encoding="utf-8"?>
-<c:chartSpace xmlns:c="http://schemas.openxmlformats.org/drawingml/2006/chart" xmlns:a="http://schemas.openxmlformats.org/drawingml/2006/main" xmlns:r="http://schemas.openxmlformats.org/officeDocument/2006/relationships">
+<c:chartSpace xmlns:c="http://schemas.openxmlformats.org/drawingml/2006/chart" xmlns:a="http://schemas.openxmlformats.org/drawingml/2006/main" xmlns:r="http://schemas.openxmlformats.org/officeDocument/2006/relationships" xmlns:c16r2="http://schemas.microsoft.com/office/drawing/2015/06/chart">
   <c:date1904 val="0"/>
   <c:lang val="zh-CN"/>
   <c:roundedCorners val="0"/>
@@ -895,7 +1071,31 @@
               </a:rPr>
               <a:t>AUC pour la quantité des clusters différentE</a:t>
             </a:r>
-            <a:endParaRPr lang="en-US" altLang="zh-CN" sz="1400" b="1" i="0" u="none" strike="noStrike" kern="1200" cap="all" spc="0" baseline="0">
+          </a:p>
+        </c:rich>
+      </c:tx>
+      <c:layout>
+        <c:manualLayout>
+          <c:xMode val="edge"/>
+          <c:yMode val="edge"/>
+          <c:x val="0.20412053967025701"/>
+          <c:y val="7.3954148463790795E-2"/>
+        </c:manualLayout>
+      </c:layout>
+      <c:overlay val="0"/>
+      <c:spPr>
+        <a:noFill/>
+        <a:ln>
+          <a:noFill/>
+        </a:ln>
+        <a:effectLst/>
+      </c:spPr>
+      <c:txPr>
+        <a:bodyPr rot="0" spcFirstLastPara="1" vertOverflow="ellipsis" vert="horz" wrap="square" anchor="ctr" anchorCtr="1"/>
+        <a:lstStyle/>
+        <a:p>
+          <a:pPr>
+            <a:defRPr lang="en-US" altLang="zh-CN" sz="1400" b="1" i="0" u="none" strike="noStrike" kern="1200" cap="all" spc="0" normalizeH="0" baseline="0">
               <a:solidFill>
                 <a:prstClr val="black">
                   <a:lumMod val="65000"/>
@@ -906,26 +1106,11 @@
               <a:latin typeface="+mn-lt"/>
               <a:ea typeface="+mn-ea"/>
               <a:cs typeface="+mn-cs"/>
-            </a:endParaRPr>
-          </a:p>
-        </c:rich>
-      </c:tx>
-      <c:layout>
-        <c:manualLayout>
-          <c:xMode val="edge"/>
-          <c:yMode val="edge"/>
-          <c:x val="0.204120539670257"/>
-          <c:y val="0.0739541484637908"/>
-        </c:manualLayout>
-      </c:layout>
-      <c:overlay val="0"/>
-      <c:spPr>
-        <a:noFill/>
-        <a:ln>
-          <a:noFill/>
-        </a:ln>
-        <a:effectLst/>
-      </c:spPr>
+            </a:defRPr>
+          </a:pPr>
+          <a:endParaRPr lang="zh-CN"/>
+        </a:p>
+      </c:txPr>
     </c:title>
     <c:autoTitleDeleted val="0"/>
     <c:plotArea>
@@ -934,10 +1119,10 @@
           <c:layoutTarget val="inner"/>
           <c:xMode val="edge"/>
           <c:yMode val="edge"/>
-          <c:x val="0.139167104111986"/>
-          <c:y val="0.364581146106737"/>
-          <c:w val="0.827499562554681"/>
-          <c:h val="0.450850831146107"/>
+          <c:x val="0.13916710411198599"/>
+          <c:y val="0.36458114610673698"/>
+          <c:w val="0.82749956255468105"/>
+          <c:h val="0.45085083114610702"/>
         </c:manualLayout>
       </c:layout>
       <c:lineChart>
@@ -982,9 +1167,6 @@
               <a:effectLst/>
             </c:spPr>
           </c:marker>
-          <c:dLbls>
-            <c:delete val="1"/>
-          </c:dLbls>
           <c:cat>
             <c:numRef>
               <c:f>Sheet1!$B$1:$Q$1</c:f>
@@ -1097,6 +1279,11 @@
             </c:numRef>
           </c:val>
           <c:smooth val="0"/>
+          <c:extLst>
+            <c:ext xmlns:c16="http://schemas.microsoft.com/office/drawing/2014/chart" uri="{C3380CC4-5D6E-409C-BE32-E72D297353CC}">
+              <c16:uniqueId val="{00000000-A334-435E-87C5-CFE89EA731C0}"/>
+            </c:ext>
+          </c:extLst>
         </c:ser>
         <c:ser>
           <c:idx val="1"/>
@@ -1137,9 +1324,6 @@
               <a:effectLst/>
             </c:spPr>
           </c:marker>
-          <c:dLbls>
-            <c:delete val="1"/>
-          </c:dLbls>
           <c:cat>
             <c:numRef>
               <c:f>Sheet1!$B$1:$Q$1</c:f>
@@ -1255,6 +1439,11 @@
             </c:numRef>
           </c:val>
           <c:smooth val="0"/>
+          <c:extLst>
+            <c:ext xmlns:c16="http://schemas.microsoft.com/office/drawing/2014/chart" uri="{C3380CC4-5D6E-409C-BE32-E72D297353CC}">
+              <c16:uniqueId val="{00000001-A334-435E-87C5-CFE89EA731C0}"/>
+            </c:ext>
+          </c:extLst>
         </c:ser>
         <c:ser>
           <c:idx val="2"/>
@@ -1295,9 +1484,6 @@
               <a:effectLst/>
             </c:spPr>
           </c:marker>
-          <c:dLbls>
-            <c:delete val="1"/>
-          </c:dLbls>
           <c:cat>
             <c:numRef>
               <c:f>Sheet1!$B$1:$Q$1</c:f>
@@ -1413,6 +1599,11 @@
             </c:numRef>
           </c:val>
           <c:smooth val="0"/>
+          <c:extLst>
+            <c:ext xmlns:c16="http://schemas.microsoft.com/office/drawing/2014/chart" uri="{C3380CC4-5D6E-409C-BE32-E72D297353CC}">
+              <c16:uniqueId val="{00000002-A334-435E-87C5-CFE89EA731C0}"/>
+            </c:ext>
+          </c:extLst>
         </c:ser>
         <c:dLbls>
           <c:showLegendKey val="0"/>
@@ -1475,7 +1666,6 @@
               </a:p>
             </c:rich>
           </c:tx>
-          <c:layout/>
           <c:overlay val="0"/>
           <c:spPr>
             <a:noFill/>
@@ -1484,6 +1674,26 @@
             </a:ln>
             <a:effectLst/>
           </c:spPr>
+          <c:txPr>
+            <a:bodyPr rot="0" spcFirstLastPara="1" vertOverflow="ellipsis" vert="horz" wrap="square" anchor="ctr" anchorCtr="1"/>
+            <a:lstStyle/>
+            <a:p>
+              <a:pPr>
+                <a:defRPr lang="zh-CN" sz="900" b="0" i="0" u="none" strike="noStrike" kern="1200" cap="all" baseline="0">
+                  <a:solidFill>
+                    <a:schemeClr val="tx1">
+                      <a:lumMod val="65000"/>
+                      <a:lumOff val="35000"/>
+                    </a:schemeClr>
+                  </a:solidFill>
+                  <a:latin typeface="+mn-lt"/>
+                  <a:ea typeface="+mn-ea"/>
+                  <a:cs typeface="+mn-cs"/>
+                </a:defRPr>
+              </a:pPr>
+              <a:endParaRPr lang="zh-CN"/>
+            </a:p>
+          </c:txPr>
         </c:title>
         <c:numFmt formatCode="General" sourceLinked="1"/>
         <c:majorTickMark val="none"/>
@@ -1519,6 +1729,7 @@
                 <a:cs typeface="+mn-cs"/>
               </a:defRPr>
             </a:pPr>
+            <a:endParaRPr lang="zh-CN"/>
           </a:p>
         </c:txPr>
         <c:crossAx val="279376656"/>
@@ -1562,7 +1773,6 @@
               </a:p>
             </c:rich>
           </c:tx>
-          <c:layout/>
           <c:overlay val="0"/>
           <c:spPr>
             <a:noFill/>
@@ -1571,6 +1781,26 @@
             </a:ln>
             <a:effectLst/>
           </c:spPr>
+          <c:txPr>
+            <a:bodyPr rot="-5400000" spcFirstLastPara="1" vertOverflow="ellipsis" vert="horz" wrap="square" anchor="ctr" anchorCtr="1"/>
+            <a:lstStyle/>
+            <a:p>
+              <a:pPr>
+                <a:defRPr lang="zh-CN" sz="900" b="0" i="0" u="none" strike="noStrike" kern="1200" cap="all" baseline="0">
+                  <a:solidFill>
+                    <a:schemeClr val="tx1">
+                      <a:lumMod val="65000"/>
+                      <a:lumOff val="35000"/>
+                    </a:schemeClr>
+                  </a:solidFill>
+                  <a:latin typeface="+mn-lt"/>
+                  <a:ea typeface="+mn-ea"/>
+                  <a:cs typeface="+mn-cs"/>
+                </a:defRPr>
+              </a:pPr>
+              <a:endParaRPr lang="zh-CN"/>
+            </a:p>
+          </c:txPr>
         </c:title>
         <c:numFmt formatCode="General" sourceLinked="1"/>
         <c:majorTickMark val="none"/>
@@ -1606,6 +1836,7 @@
                 <a:cs typeface="+mn-cs"/>
               </a:defRPr>
             </a:pPr>
+            <a:endParaRPr lang="zh-CN"/>
           </a:p>
         </c:txPr>
         <c:crossAx val="279379376"/>
@@ -1622,7 +1853,6 @@
     </c:plotArea>
     <c:legend>
       <c:legendPos val="t"/>
-      <c:layout/>
       <c:overlay val="0"/>
       <c:spPr>
         <a:noFill/>
@@ -1648,6 +1878,7 @@
               <a:cs typeface="+mn-cs"/>
             </a:defRPr>
           </a:pPr>
+          <a:endParaRPr lang="zh-CN"/>
         </a:p>
       </c:txPr>
     </c:legend>
@@ -1670,9 +1901,10 @@
       <a:pPr>
         <a:defRPr lang="zh-CN"/>
       </a:pPr>
+      <a:endParaRPr lang="zh-CN"/>
     </a:p>
   </c:txPr>
-  <c:externalData r:id="rId1">
+  <c:externalData r:id="rId3">
     <c:autoUpdate val="0"/>
   </c:externalData>
 </c:chartSpace>
@@ -2864,6 +3096,7 @@
           <a:p>
             <a:fld id="{11B50710-B8B7-4D8F-BDE7-5C763412CDFD}" type="datetimeFigureOut">
               <a:rPr lang="fr-FR" smtClean="0"/>
+              <a:t>01/03/2018</a:t>
             </a:fld>
             <a:endParaRPr lang="fr-FR"/>
           </a:p>
@@ -2930,7 +3163,6 @@
               <a:rPr lang="fr-FR"/>
               <a:t>Modifiez les styles du texte du masque</a:t>
             </a:r>
-            <a:endParaRPr lang="fr-FR"/>
           </a:p>
           <a:p>
             <a:pPr lvl="1"/>
@@ -2938,7 +3170,6 @@
               <a:rPr lang="fr-FR"/>
               <a:t>Deuxième niveau</a:t>
             </a:r>
-            <a:endParaRPr lang="fr-FR"/>
           </a:p>
           <a:p>
             <a:pPr lvl="2"/>
@@ -2946,7 +3177,6 @@
               <a:rPr lang="fr-FR"/>
               <a:t>Troisième niveau</a:t>
             </a:r>
-            <a:endParaRPr lang="fr-FR"/>
           </a:p>
           <a:p>
             <a:pPr lvl="3"/>
@@ -2954,7 +3184,6 @@
               <a:rPr lang="fr-FR"/>
               <a:t>Quatrième niveau</a:t>
             </a:r>
-            <a:endParaRPr lang="fr-FR"/>
           </a:p>
           <a:p>
             <a:pPr lvl="4"/>
@@ -2962,7 +3191,6 @@
               <a:rPr lang="fr-FR"/>
               <a:t>Cinquième niveau</a:t>
             </a:r>
-            <a:endParaRPr lang="fr-FR"/>
           </a:p>
         </p:txBody>
       </p:sp>
@@ -3026,6 +3254,7 @@
           <a:p>
             <a:fld id="{5A906ACB-0641-497D-A6F6-17171FCA9B16}" type="slidenum">
               <a:rPr lang="fr-FR" smtClean="0"/>
+              <a:t>‹#›</a:t>
             </a:fld>
             <a:endParaRPr lang="fr-FR"/>
           </a:p>
@@ -3173,412 +3402,7 @@
           <a:bodyPr/>
           <a:lstStyle/>
           <a:p>
-            <a:pPr marL="0" marR="0" lvl="0" indent="0" algn="l" defTabSz="914400" rtl="0" eaLnBrk="1" fontAlgn="auto" latinLnBrk="0" hangingPunct="1">
-              <a:lnSpc>
-                <a:spcPct val="100000"/>
-              </a:lnSpc>
-              <a:spcBef>
-                <a:spcPts val="0"/>
-              </a:spcBef>
-              <a:spcAft>
-                <a:spcPts val="0"/>
-              </a:spcAft>
-              <a:buClrTx/>
-              <a:buSzTx/>
-              <a:buFontTx/>
-              <a:buNone/>
-              <a:defRPr/>
-            </a:pPr>
-            <a:r>
-              <a:rPr lang="fr-FR" sz="1200" kern="1200" dirty="0">
-                <a:solidFill>
-                  <a:schemeClr val="tx1"/>
-                </a:solidFill>
-                <a:effectLst/>
-                <a:latin typeface="+mn-lt"/>
-                <a:ea typeface="+mn-ea"/>
-                <a:cs typeface="+mn-cs"/>
-              </a:rPr>
-              <a:t>Dans l’exemple, le nombre de points détectés est varié. En plus, nous constatons aussi que 		</a:t>
-            </a:r>
-            <a:endParaRPr lang="fr-FR" sz="1200" kern="1200" dirty="0">
-              <a:solidFill>
-                <a:schemeClr val="tx1"/>
-              </a:solidFill>
-              <a:effectLst/>
-              <a:latin typeface="+mn-lt"/>
-              <a:ea typeface="+mn-ea"/>
-              <a:cs typeface="+mn-cs"/>
-            </a:endParaRPr>
-          </a:p>
-          <a:p>
-            <a:pPr marL="0" marR="0" lvl="0" indent="0" algn="l" defTabSz="914400" rtl="0" eaLnBrk="1" fontAlgn="auto" latinLnBrk="0" hangingPunct="1">
-              <a:lnSpc>
-                <a:spcPct val="100000"/>
-              </a:lnSpc>
-              <a:spcBef>
-                <a:spcPts val="0"/>
-              </a:spcBef>
-              <a:spcAft>
-                <a:spcPts val="0"/>
-              </a:spcAft>
-              <a:buClrTx/>
-              <a:buSzTx/>
-              <a:buFontTx/>
-              <a:buNone/>
-              <a:defRPr/>
-            </a:pPr>
-            <a:r>
-              <a:rPr lang="fr-FR" sz="1200" kern="1200" dirty="0">
-                <a:solidFill>
-                  <a:schemeClr val="tx1"/>
-                </a:solidFill>
-                <a:effectLst/>
-                <a:latin typeface="+mn-lt"/>
-                <a:ea typeface="+mn-ea"/>
-                <a:cs typeface="+mn-cs"/>
-              </a:rPr>
-              <a:t>les points détectés par </a:t>
-            </a:r>
-            <a:r>
-              <a:rPr lang="fr-FR" sz="1200" kern="1200" dirty="0" err="1">
-                <a:solidFill>
-                  <a:schemeClr val="tx1"/>
-                </a:solidFill>
-                <a:effectLst/>
-                <a:latin typeface="+mn-lt"/>
-                <a:ea typeface="+mn-ea"/>
-                <a:cs typeface="+mn-cs"/>
-              </a:rPr>
-              <a:t>Brief</a:t>
-            </a:r>
-            <a:r>
-              <a:rPr lang="fr-FR" sz="1200" kern="1200" dirty="0">
-                <a:solidFill>
-                  <a:schemeClr val="tx1"/>
-                </a:solidFill>
-                <a:effectLst/>
-                <a:latin typeface="+mn-lt"/>
-                <a:ea typeface="+mn-ea"/>
-                <a:cs typeface="+mn-cs"/>
-              </a:rPr>
-              <a:t> (</a:t>
-            </a:r>
-            <a:r>
-              <a:rPr lang="fr-FR" sz="1200" i="1" kern="1200" dirty="0">
-                <a:solidFill>
-                  <a:schemeClr val="tx1"/>
-                </a:solidFill>
-                <a:effectLst/>
-                <a:latin typeface="+mn-lt"/>
-                <a:ea typeface="+mn-ea"/>
-                <a:cs typeface="+mn-cs"/>
-              </a:rPr>
-              <a:t>Star detector</a:t>
-            </a:r>
-            <a:r>
-              <a:rPr lang="fr-FR" sz="1200" kern="1200" dirty="0">
-                <a:solidFill>
-                  <a:schemeClr val="tx1"/>
-                </a:solidFill>
-                <a:effectLst/>
-                <a:latin typeface="+mn-lt"/>
-                <a:ea typeface="+mn-ea"/>
-                <a:cs typeface="+mn-cs"/>
-              </a:rPr>
-              <a:t>) sont plus dispersés de l’objet par rapport aux 	</a:t>
-            </a:r>
-            <a:endParaRPr lang="fr-FR" sz="1200" kern="1200" dirty="0">
-              <a:solidFill>
-                <a:schemeClr val="tx1"/>
-              </a:solidFill>
-              <a:effectLst/>
-              <a:latin typeface="+mn-lt"/>
-              <a:ea typeface="+mn-ea"/>
-              <a:cs typeface="+mn-cs"/>
-            </a:endParaRPr>
-          </a:p>
-          <a:p>
-            <a:pPr marL="0" marR="0" lvl="0" indent="0" algn="l" defTabSz="914400" rtl="0" eaLnBrk="1" fontAlgn="auto" latinLnBrk="0" hangingPunct="1">
-              <a:lnSpc>
-                <a:spcPct val="100000"/>
-              </a:lnSpc>
-              <a:spcBef>
-                <a:spcPts val="0"/>
-              </a:spcBef>
-              <a:spcAft>
-                <a:spcPts val="0"/>
-              </a:spcAft>
-              <a:buClrTx/>
-              <a:buSzTx/>
-              <a:buFontTx/>
-              <a:buNone/>
-              <a:defRPr/>
-            </a:pPr>
-            <a:r>
-              <a:rPr lang="fr-FR" sz="1200" kern="1200" dirty="0">
-                <a:solidFill>
-                  <a:schemeClr val="tx1"/>
-                </a:solidFill>
-                <a:effectLst/>
-                <a:latin typeface="+mn-lt"/>
-                <a:ea typeface="+mn-ea"/>
-                <a:cs typeface="+mn-cs"/>
-              </a:rPr>
-              <a:t>autres détecteurs (</a:t>
-            </a:r>
-            <a:r>
-              <a:rPr lang="fr-FR" sz="1200" kern="1200" dirty="0" err="1">
-                <a:solidFill>
-                  <a:schemeClr val="tx1"/>
-                </a:solidFill>
-                <a:effectLst/>
-                <a:latin typeface="+mn-lt"/>
-                <a:ea typeface="+mn-ea"/>
-                <a:cs typeface="+mn-cs"/>
-              </a:rPr>
-              <a:t>DoG</a:t>
-            </a:r>
-            <a:r>
-              <a:rPr lang="fr-FR" sz="1200" kern="1200" dirty="0">
-                <a:solidFill>
-                  <a:schemeClr val="tx1"/>
-                </a:solidFill>
-                <a:effectLst/>
-                <a:latin typeface="+mn-lt"/>
-                <a:ea typeface="+mn-ea"/>
-                <a:cs typeface="+mn-cs"/>
-              </a:rPr>
-              <a:t> pour SIFT ; détecteur rapide pour ORB). SIFT est capable de 			</a:t>
-            </a:r>
-            <a:endParaRPr lang="fr-FR" sz="1200" kern="1200" dirty="0">
-              <a:solidFill>
-                <a:schemeClr val="tx1"/>
-              </a:solidFill>
-              <a:effectLst/>
-              <a:latin typeface="+mn-lt"/>
-              <a:ea typeface="+mn-ea"/>
-              <a:cs typeface="+mn-cs"/>
-            </a:endParaRPr>
-          </a:p>
-          <a:p>
-            <a:pPr marL="0" marR="0" lvl="0" indent="0" algn="l" defTabSz="914400" rtl="0" eaLnBrk="1" fontAlgn="auto" latinLnBrk="0" hangingPunct="1">
-              <a:lnSpc>
-                <a:spcPct val="100000"/>
-              </a:lnSpc>
-              <a:spcBef>
-                <a:spcPts val="0"/>
-              </a:spcBef>
-              <a:spcAft>
-                <a:spcPts val="0"/>
-              </a:spcAft>
-              <a:buClrTx/>
-              <a:buSzTx/>
-              <a:buFontTx/>
-              <a:buNone/>
-              <a:defRPr/>
-            </a:pPr>
-            <a:r>
-              <a:rPr lang="fr-FR" sz="1200" kern="1200" dirty="0">
-                <a:solidFill>
-                  <a:schemeClr val="tx1"/>
-                </a:solidFill>
-                <a:effectLst/>
-                <a:latin typeface="+mn-lt"/>
-                <a:ea typeface="+mn-ea"/>
-                <a:cs typeface="+mn-cs"/>
-              </a:rPr>
-              <a:t>détecter les points qui couvrent chaque partie de </a:t>
-            </a:r>
-            <a:r>
-              <a:rPr lang="fr-FR" sz="1200" kern="1200" dirty="0" err="1">
-                <a:solidFill>
-                  <a:schemeClr val="tx1"/>
-                </a:solidFill>
-                <a:effectLst/>
-                <a:latin typeface="+mn-lt"/>
-                <a:ea typeface="+mn-ea"/>
-                <a:cs typeface="+mn-cs"/>
-              </a:rPr>
-              <a:t>l’object</a:t>
-            </a:r>
-            <a:r>
-              <a:rPr lang="fr-FR" sz="1200" kern="1200" dirty="0">
-                <a:solidFill>
-                  <a:schemeClr val="tx1"/>
-                </a:solidFill>
-                <a:effectLst/>
-                <a:latin typeface="+mn-lt"/>
-                <a:ea typeface="+mn-ea"/>
-                <a:cs typeface="+mn-cs"/>
-              </a:rPr>
-              <a:t>. Une remarque est que la taille de 	</a:t>
-            </a:r>
-            <a:endParaRPr lang="fr-FR" sz="1200" kern="1200" dirty="0">
-              <a:solidFill>
-                <a:schemeClr val="tx1"/>
-              </a:solidFill>
-              <a:effectLst/>
-              <a:latin typeface="+mn-lt"/>
-              <a:ea typeface="+mn-ea"/>
-              <a:cs typeface="+mn-cs"/>
-            </a:endParaRPr>
-          </a:p>
-          <a:p>
-            <a:pPr marL="0" marR="0" lvl="0" indent="0" algn="l" defTabSz="914400" rtl="0" eaLnBrk="1" fontAlgn="auto" latinLnBrk="0" hangingPunct="1">
-              <a:lnSpc>
-                <a:spcPct val="100000"/>
-              </a:lnSpc>
-              <a:spcBef>
-                <a:spcPts val="0"/>
-              </a:spcBef>
-              <a:spcAft>
-                <a:spcPts val="0"/>
-              </a:spcAft>
-              <a:buClrTx/>
-              <a:buSzTx/>
-              <a:buFontTx/>
-              <a:buNone/>
-              <a:defRPr/>
-            </a:pPr>
-            <a:r>
-              <a:rPr lang="fr-FR" sz="1200" kern="1200" dirty="0">
-                <a:solidFill>
-                  <a:schemeClr val="tx1"/>
-                </a:solidFill>
-                <a:effectLst/>
-                <a:latin typeface="+mn-lt"/>
-                <a:ea typeface="+mn-ea"/>
-                <a:cs typeface="+mn-cs"/>
-              </a:rPr>
-              <a:t>l’image a une influence importante au nombre de points caractéristiques détectés. Une taille </a:t>
-            </a:r>
-            <a:endParaRPr lang="fr-FR" sz="1200" kern="1200" dirty="0">
-              <a:solidFill>
-                <a:schemeClr val="tx1"/>
-              </a:solidFill>
-              <a:effectLst/>
-              <a:latin typeface="+mn-lt"/>
-              <a:ea typeface="+mn-ea"/>
-              <a:cs typeface="+mn-cs"/>
-            </a:endParaRPr>
-          </a:p>
-          <a:p>
-            <a:pPr marL="0" marR="0" lvl="0" indent="0" algn="l" defTabSz="914400" rtl="0" eaLnBrk="1" fontAlgn="auto" latinLnBrk="0" hangingPunct="1">
-              <a:lnSpc>
-                <a:spcPct val="100000"/>
-              </a:lnSpc>
-              <a:spcBef>
-                <a:spcPts val="0"/>
-              </a:spcBef>
-              <a:spcAft>
-                <a:spcPts val="0"/>
-              </a:spcAft>
-              <a:buClrTx/>
-              <a:buSzTx/>
-              <a:buFontTx/>
-              <a:buNone/>
-              <a:defRPr/>
-            </a:pPr>
-            <a:r>
-              <a:rPr lang="fr-FR" sz="1200" kern="1200" dirty="0">
-                <a:solidFill>
-                  <a:schemeClr val="tx1"/>
-                </a:solidFill>
-                <a:effectLst/>
-                <a:latin typeface="+mn-lt"/>
-                <a:ea typeface="+mn-ea"/>
-                <a:cs typeface="+mn-cs"/>
-              </a:rPr>
-              <a:t>de pixels assez grande est nécessaire pour la détection des</a:t>
-            </a:r>
-            <a:r>
-              <a:rPr lang="fr-FR" sz="1200" i="1" kern="1200" dirty="0">
-                <a:solidFill>
-                  <a:schemeClr val="tx1"/>
-                </a:solidFill>
-                <a:effectLst/>
-                <a:latin typeface="+mn-lt"/>
-                <a:ea typeface="+mn-ea"/>
-                <a:cs typeface="+mn-cs"/>
-              </a:rPr>
-              <a:t> </a:t>
-            </a:r>
-            <a:r>
-              <a:rPr lang="fr-FR" sz="1200" i="1" kern="1200" dirty="0" err="1">
-                <a:solidFill>
-                  <a:schemeClr val="tx1"/>
-                </a:solidFill>
-                <a:effectLst/>
-                <a:latin typeface="+mn-lt"/>
-                <a:ea typeface="+mn-ea"/>
-                <a:cs typeface="+mn-cs"/>
-              </a:rPr>
-              <a:t>keypoints</a:t>
-            </a:r>
-            <a:r>
-              <a:rPr lang="fr-FR" sz="1200" kern="1200" dirty="0">
-                <a:solidFill>
-                  <a:schemeClr val="tx1"/>
-                </a:solidFill>
-                <a:effectLst/>
-                <a:latin typeface="+mn-lt"/>
-                <a:ea typeface="+mn-ea"/>
-                <a:cs typeface="+mn-cs"/>
-              </a:rPr>
-              <a:t> dans l’objet. </a:t>
-            </a:r>
-            <a:endParaRPr lang="fr-FR" sz="1200" kern="1200" dirty="0">
-              <a:solidFill>
-                <a:schemeClr val="tx1"/>
-              </a:solidFill>
-              <a:effectLst/>
-              <a:latin typeface="+mn-lt"/>
-              <a:ea typeface="+mn-ea"/>
-              <a:cs typeface="+mn-cs"/>
-            </a:endParaRPr>
-          </a:p>
-          <a:p>
-            <a:pPr marL="0" marR="0" lvl="0" indent="0" algn="l" defTabSz="914400" rtl="0" eaLnBrk="1" fontAlgn="auto" latinLnBrk="0" hangingPunct="1">
-              <a:lnSpc>
-                <a:spcPct val="100000"/>
-              </a:lnSpc>
-              <a:spcBef>
-                <a:spcPts val="0"/>
-              </a:spcBef>
-              <a:spcAft>
-                <a:spcPts val="0"/>
-              </a:spcAft>
-              <a:buClrTx/>
-              <a:buSzTx/>
-              <a:buFontTx/>
-              <a:buNone/>
-              <a:defRPr/>
-            </a:pPr>
-            <a:r>
-              <a:rPr lang="fr-FR" sz="1200" kern="1200" dirty="0">
-                <a:solidFill>
-                  <a:schemeClr val="tx1"/>
-                </a:solidFill>
-                <a:effectLst/>
-                <a:latin typeface="+mn-lt"/>
-                <a:ea typeface="+mn-ea"/>
-                <a:cs typeface="+mn-cs"/>
-              </a:rPr>
-              <a:t>Dans ce projet, nous avons choisi une taille de 384x288.</a:t>
-            </a:r>
-            <a:endParaRPr lang="en-US" sz="1200" kern="1200" dirty="0">
-              <a:solidFill>
-                <a:schemeClr val="tx1"/>
-              </a:solidFill>
-              <a:effectLst/>
-              <a:latin typeface="+mn-lt"/>
-              <a:ea typeface="+mn-ea"/>
-              <a:cs typeface="+mn-cs"/>
-            </a:endParaRPr>
-          </a:p>
-          <a:p>
-            <a:endParaRPr lang="en-US" dirty="0"/>
+            <a:endParaRPr lang="zh-CN" altLang="en-US" dirty="0"/>
           </a:p>
         </p:txBody>
       </p:sp>
@@ -3599,12 +3423,18 @@
           <a:p>
             <a:fld id="{5A906ACB-0641-497D-A6F6-17171FCA9B16}" type="slidenum">
               <a:rPr lang="fr-FR" smtClean="0"/>
+              <a:t>1</a:t>
             </a:fld>
             <a:endParaRPr lang="fr-FR"/>
           </a:p>
         </p:txBody>
       </p:sp>
     </p:spTree>
+    <p:extLst>
+      <p:ext uri="{BB962C8B-B14F-4D97-AF65-F5344CB8AC3E}">
+        <p14:creationId xmlns:p14="http://schemas.microsoft.com/office/powerpoint/2010/main" val="2694679452"/>
+      </p:ext>
+    </p:extLst>
   </p:cSld>
   <p:clrMapOvr>
     <a:masterClrMapping/>
@@ -3656,6 +3486,357 @@
           <a:bodyPr/>
           <a:lstStyle/>
           <a:p>
+            <a:pPr marL="0" marR="0" lvl="0" indent="0" algn="l" defTabSz="914400" rtl="0" eaLnBrk="1" fontAlgn="auto" latinLnBrk="0" hangingPunct="1">
+              <a:lnSpc>
+                <a:spcPct val="100000"/>
+              </a:lnSpc>
+              <a:spcBef>
+                <a:spcPts val="0"/>
+              </a:spcBef>
+              <a:spcAft>
+                <a:spcPts val="0"/>
+              </a:spcAft>
+              <a:buClrTx/>
+              <a:buSzTx/>
+              <a:buFontTx/>
+              <a:buNone/>
+              <a:defRPr/>
+            </a:pPr>
+            <a:r>
+              <a:rPr lang="fr-FR" sz="1200" kern="1200" dirty="0">
+                <a:solidFill>
+                  <a:schemeClr val="tx1"/>
+                </a:solidFill>
+                <a:effectLst/>
+                <a:latin typeface="+mn-lt"/>
+                <a:ea typeface="+mn-ea"/>
+                <a:cs typeface="+mn-cs"/>
+              </a:rPr>
+              <a:t>Dans l’exemple, le nombre de points détectés est varié. En plus, nous constatons aussi que 		</a:t>
+            </a:r>
+          </a:p>
+          <a:p>
+            <a:pPr marL="0" marR="0" lvl="0" indent="0" algn="l" defTabSz="914400" rtl="0" eaLnBrk="1" fontAlgn="auto" latinLnBrk="0" hangingPunct="1">
+              <a:lnSpc>
+                <a:spcPct val="100000"/>
+              </a:lnSpc>
+              <a:spcBef>
+                <a:spcPts val="0"/>
+              </a:spcBef>
+              <a:spcAft>
+                <a:spcPts val="0"/>
+              </a:spcAft>
+              <a:buClrTx/>
+              <a:buSzTx/>
+              <a:buFontTx/>
+              <a:buNone/>
+              <a:defRPr/>
+            </a:pPr>
+            <a:r>
+              <a:rPr lang="fr-FR" sz="1200" kern="1200" dirty="0">
+                <a:solidFill>
+                  <a:schemeClr val="tx1"/>
+                </a:solidFill>
+                <a:effectLst/>
+                <a:latin typeface="+mn-lt"/>
+                <a:ea typeface="+mn-ea"/>
+                <a:cs typeface="+mn-cs"/>
+              </a:rPr>
+              <a:t>les points détectés par </a:t>
+            </a:r>
+            <a:r>
+              <a:rPr lang="fr-FR" sz="1200" kern="1200" dirty="0" err="1">
+                <a:solidFill>
+                  <a:schemeClr val="tx1"/>
+                </a:solidFill>
+                <a:effectLst/>
+                <a:latin typeface="+mn-lt"/>
+                <a:ea typeface="+mn-ea"/>
+                <a:cs typeface="+mn-cs"/>
+              </a:rPr>
+              <a:t>Brief</a:t>
+            </a:r>
+            <a:r>
+              <a:rPr lang="fr-FR" sz="1200" kern="1200" dirty="0">
+                <a:solidFill>
+                  <a:schemeClr val="tx1"/>
+                </a:solidFill>
+                <a:effectLst/>
+                <a:latin typeface="+mn-lt"/>
+                <a:ea typeface="+mn-ea"/>
+                <a:cs typeface="+mn-cs"/>
+              </a:rPr>
+              <a:t> (</a:t>
+            </a:r>
+            <a:r>
+              <a:rPr lang="fr-FR" sz="1200" i="1" kern="1200" dirty="0">
+                <a:solidFill>
+                  <a:schemeClr val="tx1"/>
+                </a:solidFill>
+                <a:effectLst/>
+                <a:latin typeface="+mn-lt"/>
+                <a:ea typeface="+mn-ea"/>
+                <a:cs typeface="+mn-cs"/>
+              </a:rPr>
+              <a:t>Star detector</a:t>
+            </a:r>
+            <a:r>
+              <a:rPr lang="fr-FR" sz="1200" kern="1200" dirty="0">
+                <a:solidFill>
+                  <a:schemeClr val="tx1"/>
+                </a:solidFill>
+                <a:effectLst/>
+                <a:latin typeface="+mn-lt"/>
+                <a:ea typeface="+mn-ea"/>
+                <a:cs typeface="+mn-cs"/>
+              </a:rPr>
+              <a:t>) sont plus dispersés de l’objet par rapport aux 	</a:t>
+            </a:r>
+          </a:p>
+          <a:p>
+            <a:pPr marL="0" marR="0" lvl="0" indent="0" algn="l" defTabSz="914400" rtl="0" eaLnBrk="1" fontAlgn="auto" latinLnBrk="0" hangingPunct="1">
+              <a:lnSpc>
+                <a:spcPct val="100000"/>
+              </a:lnSpc>
+              <a:spcBef>
+                <a:spcPts val="0"/>
+              </a:spcBef>
+              <a:spcAft>
+                <a:spcPts val="0"/>
+              </a:spcAft>
+              <a:buClrTx/>
+              <a:buSzTx/>
+              <a:buFontTx/>
+              <a:buNone/>
+              <a:defRPr/>
+            </a:pPr>
+            <a:r>
+              <a:rPr lang="fr-FR" sz="1200" kern="1200" dirty="0">
+                <a:solidFill>
+                  <a:schemeClr val="tx1"/>
+                </a:solidFill>
+                <a:effectLst/>
+                <a:latin typeface="+mn-lt"/>
+                <a:ea typeface="+mn-ea"/>
+                <a:cs typeface="+mn-cs"/>
+              </a:rPr>
+              <a:t>autres détecteurs (</a:t>
+            </a:r>
+            <a:r>
+              <a:rPr lang="fr-FR" sz="1200" kern="1200" dirty="0" err="1">
+                <a:solidFill>
+                  <a:schemeClr val="tx1"/>
+                </a:solidFill>
+                <a:effectLst/>
+                <a:latin typeface="+mn-lt"/>
+                <a:ea typeface="+mn-ea"/>
+                <a:cs typeface="+mn-cs"/>
+              </a:rPr>
+              <a:t>DoG</a:t>
+            </a:r>
+            <a:r>
+              <a:rPr lang="fr-FR" sz="1200" kern="1200" dirty="0">
+                <a:solidFill>
+                  <a:schemeClr val="tx1"/>
+                </a:solidFill>
+                <a:effectLst/>
+                <a:latin typeface="+mn-lt"/>
+                <a:ea typeface="+mn-ea"/>
+                <a:cs typeface="+mn-cs"/>
+              </a:rPr>
+              <a:t> pour SIFT ; détecteur rapide pour ORB). SIFT est capable de 			</a:t>
+            </a:r>
+          </a:p>
+          <a:p>
+            <a:pPr marL="0" marR="0" lvl="0" indent="0" algn="l" defTabSz="914400" rtl="0" eaLnBrk="1" fontAlgn="auto" latinLnBrk="0" hangingPunct="1">
+              <a:lnSpc>
+                <a:spcPct val="100000"/>
+              </a:lnSpc>
+              <a:spcBef>
+                <a:spcPts val="0"/>
+              </a:spcBef>
+              <a:spcAft>
+                <a:spcPts val="0"/>
+              </a:spcAft>
+              <a:buClrTx/>
+              <a:buSzTx/>
+              <a:buFontTx/>
+              <a:buNone/>
+              <a:defRPr/>
+            </a:pPr>
+            <a:r>
+              <a:rPr lang="fr-FR" sz="1200" kern="1200" dirty="0">
+                <a:solidFill>
+                  <a:schemeClr val="tx1"/>
+                </a:solidFill>
+                <a:effectLst/>
+                <a:latin typeface="+mn-lt"/>
+                <a:ea typeface="+mn-ea"/>
+                <a:cs typeface="+mn-cs"/>
+              </a:rPr>
+              <a:t>détecter les points qui couvrent chaque partie de </a:t>
+            </a:r>
+            <a:r>
+              <a:rPr lang="fr-FR" sz="1200" kern="1200" dirty="0" err="1">
+                <a:solidFill>
+                  <a:schemeClr val="tx1"/>
+                </a:solidFill>
+                <a:effectLst/>
+                <a:latin typeface="+mn-lt"/>
+                <a:ea typeface="+mn-ea"/>
+                <a:cs typeface="+mn-cs"/>
+              </a:rPr>
+              <a:t>l’object</a:t>
+            </a:r>
+            <a:r>
+              <a:rPr lang="fr-FR" sz="1200" kern="1200" dirty="0">
+                <a:solidFill>
+                  <a:schemeClr val="tx1"/>
+                </a:solidFill>
+                <a:effectLst/>
+                <a:latin typeface="+mn-lt"/>
+                <a:ea typeface="+mn-ea"/>
+                <a:cs typeface="+mn-cs"/>
+              </a:rPr>
+              <a:t>. Une remarque est que la taille de 	</a:t>
+            </a:r>
+          </a:p>
+          <a:p>
+            <a:pPr marL="0" marR="0" lvl="0" indent="0" algn="l" defTabSz="914400" rtl="0" eaLnBrk="1" fontAlgn="auto" latinLnBrk="0" hangingPunct="1">
+              <a:lnSpc>
+                <a:spcPct val="100000"/>
+              </a:lnSpc>
+              <a:spcBef>
+                <a:spcPts val="0"/>
+              </a:spcBef>
+              <a:spcAft>
+                <a:spcPts val="0"/>
+              </a:spcAft>
+              <a:buClrTx/>
+              <a:buSzTx/>
+              <a:buFontTx/>
+              <a:buNone/>
+              <a:defRPr/>
+            </a:pPr>
+            <a:r>
+              <a:rPr lang="fr-FR" sz="1200" kern="1200" dirty="0">
+                <a:solidFill>
+                  <a:schemeClr val="tx1"/>
+                </a:solidFill>
+                <a:effectLst/>
+                <a:latin typeface="+mn-lt"/>
+                <a:ea typeface="+mn-ea"/>
+                <a:cs typeface="+mn-cs"/>
+              </a:rPr>
+              <a:t>l’image a une influence importante au nombre de points caractéristiques détectés. Une taille </a:t>
+            </a:r>
+          </a:p>
+          <a:p>
+            <a:pPr marL="0" marR="0" lvl="0" indent="0" algn="l" defTabSz="914400" rtl="0" eaLnBrk="1" fontAlgn="auto" latinLnBrk="0" hangingPunct="1">
+              <a:lnSpc>
+                <a:spcPct val="100000"/>
+              </a:lnSpc>
+              <a:spcBef>
+                <a:spcPts val="0"/>
+              </a:spcBef>
+              <a:spcAft>
+                <a:spcPts val="0"/>
+              </a:spcAft>
+              <a:buClrTx/>
+              <a:buSzTx/>
+              <a:buFontTx/>
+              <a:buNone/>
+              <a:defRPr/>
+            </a:pPr>
+            <a:r>
+              <a:rPr lang="fr-FR" sz="1200" kern="1200" dirty="0">
+                <a:solidFill>
+                  <a:schemeClr val="tx1"/>
+                </a:solidFill>
+                <a:effectLst/>
+                <a:latin typeface="+mn-lt"/>
+                <a:ea typeface="+mn-ea"/>
+                <a:cs typeface="+mn-cs"/>
+              </a:rPr>
+              <a:t>de pixels assez grande est nécessaire pour la détection des</a:t>
+            </a:r>
+            <a:r>
+              <a:rPr lang="fr-FR" sz="1200" i="1" kern="1200" dirty="0">
+                <a:solidFill>
+                  <a:schemeClr val="tx1"/>
+                </a:solidFill>
+                <a:effectLst/>
+                <a:latin typeface="+mn-lt"/>
+                <a:ea typeface="+mn-ea"/>
+                <a:cs typeface="+mn-cs"/>
+              </a:rPr>
+              <a:t> </a:t>
+            </a:r>
+            <a:r>
+              <a:rPr lang="fr-FR" sz="1200" i="1" kern="1200" dirty="0" err="1">
+                <a:solidFill>
+                  <a:schemeClr val="tx1"/>
+                </a:solidFill>
+                <a:effectLst/>
+                <a:latin typeface="+mn-lt"/>
+                <a:ea typeface="+mn-ea"/>
+                <a:cs typeface="+mn-cs"/>
+              </a:rPr>
+              <a:t>keypoints</a:t>
+            </a:r>
+            <a:r>
+              <a:rPr lang="fr-FR" sz="1200" kern="1200" dirty="0">
+                <a:solidFill>
+                  <a:schemeClr val="tx1"/>
+                </a:solidFill>
+                <a:effectLst/>
+                <a:latin typeface="+mn-lt"/>
+                <a:ea typeface="+mn-ea"/>
+                <a:cs typeface="+mn-cs"/>
+              </a:rPr>
+              <a:t> dans l’objet. </a:t>
+            </a:r>
+          </a:p>
+          <a:p>
+            <a:pPr marL="0" marR="0" lvl="0" indent="0" algn="l" defTabSz="914400" rtl="0" eaLnBrk="1" fontAlgn="auto" latinLnBrk="0" hangingPunct="1">
+              <a:lnSpc>
+                <a:spcPct val="100000"/>
+              </a:lnSpc>
+              <a:spcBef>
+                <a:spcPts val="0"/>
+              </a:spcBef>
+              <a:spcAft>
+                <a:spcPts val="0"/>
+              </a:spcAft>
+              <a:buClrTx/>
+              <a:buSzTx/>
+              <a:buFontTx/>
+              <a:buNone/>
+              <a:defRPr/>
+            </a:pPr>
+            <a:r>
+              <a:rPr lang="fr-FR" sz="1200" kern="1200" dirty="0">
+                <a:solidFill>
+                  <a:schemeClr val="tx1"/>
+                </a:solidFill>
+                <a:effectLst/>
+                <a:latin typeface="+mn-lt"/>
+                <a:ea typeface="+mn-ea"/>
+                <a:cs typeface="+mn-cs"/>
+              </a:rPr>
+              <a:t>Dans ce projet, nous avons choisi une taille de 384x288.</a:t>
+            </a:r>
+            <a:endParaRPr lang="en-US" sz="1200" kern="1200" dirty="0">
+              <a:solidFill>
+                <a:schemeClr val="tx1"/>
+              </a:solidFill>
+              <a:effectLst/>
+              <a:latin typeface="+mn-lt"/>
+              <a:ea typeface="+mn-ea"/>
+              <a:cs typeface="+mn-cs"/>
+            </a:endParaRPr>
+          </a:p>
+          <a:p>
             <a:endParaRPr lang="en-US" dirty="0"/>
           </a:p>
         </p:txBody>
@@ -3677,6 +3858,7 @@
           <a:p>
             <a:fld id="{5A906ACB-0641-497D-A6F6-17171FCA9B16}" type="slidenum">
               <a:rPr lang="fr-FR" smtClean="0"/>
+              <a:t>4</a:t>
             </a:fld>
             <a:endParaRPr lang="fr-FR"/>
           </a:p>
@@ -3735,7 +3917,7 @@
           <a:lstStyle/>
           <a:p>
             <a:r>
-              <a:rPr lang="fr-FR" sz="1200" kern="1200" dirty="0">
+              <a:rPr lang="fr-FR" altLang="zh-CN" sz="1200" kern="1200" dirty="0">
                 <a:solidFill>
                   <a:schemeClr val="tx1"/>
                 </a:solidFill>
@@ -3744,33 +3926,9 @@
                 <a:ea typeface="+mn-ea"/>
                 <a:cs typeface="+mn-cs"/>
               </a:rPr>
-              <a:t>D’une part, l’objet tourné est difficile à trouver ses images similaires parce que la forme est déformée et une partie de l’objet est cachée. En revanche, le simple changement de la luminosité n’est pas gênant pour les détecteurs. D’autre part, nous pouvons voir que l’ORB a un meilleur résultat pour cette image (voir ci-dessous) et souvent l’ORB est capable de trouver plus de points caractéristiques que d’autres méthodes. La performance de </a:t>
-            </a:r>
-            <a:r>
-              <a:rPr lang="fr-FR" sz="1200" kern="1200" dirty="0" err="1">
-                <a:solidFill>
-                  <a:schemeClr val="tx1"/>
-                </a:solidFill>
-                <a:effectLst/>
-                <a:latin typeface="+mn-lt"/>
-                <a:ea typeface="+mn-ea"/>
-                <a:cs typeface="+mn-cs"/>
-              </a:rPr>
-              <a:t>Brief</a:t>
-            </a:r>
-            <a:r>
-              <a:rPr lang="fr-FR" sz="1200" kern="1200" dirty="0">
-                <a:solidFill>
-                  <a:schemeClr val="tx1"/>
-                </a:solidFill>
-                <a:effectLst/>
-                <a:latin typeface="+mn-lt"/>
-                <a:ea typeface="+mn-ea"/>
-                <a:cs typeface="+mn-cs"/>
-              </a:rPr>
-              <a:t> s’améliore quand il existe plus de patterns dans l’objet (le nombre de points détectés augmente).</a:t>
-            </a:r>
-            <a:endParaRPr lang="en-US" sz="1200" kern="1200" dirty="0">
+              <a:t>Nous ne montrons ici que 27 classes ayant un AUC moins de 1 dans certains types de descripteurs. Nous fixons le nombre de clusters à 50 et le nombre maximum de points caractéristiques détectable pour une image est fixé à 100. Parmi ces descripteurs, l’ORB a une performance meilleure avec la valeur moyenne de l’AUC égale à 0.9944 ; SIFT a aussi une bonne performance avec la valeur moyenne égale à 0.984 ; BRIEF a une valeur moyenne égale à 0.8844. La performance est fortement liée au nombre de points détectés par les méthodes différentes ainsi au positionnement (distribution) des points. </a:t>
+            </a:r>
+            <a:endParaRPr lang="zh-CN" altLang="zh-CN" sz="1200" kern="1200" dirty="0">
               <a:solidFill>
                 <a:schemeClr val="tx1"/>
               </a:solidFill>
@@ -3779,6 +3937,9 @@
               <a:ea typeface="+mn-ea"/>
               <a:cs typeface="+mn-cs"/>
             </a:endParaRPr>
+          </a:p>
+          <a:p>
+            <a:endParaRPr lang="en-US" dirty="0"/>
           </a:p>
         </p:txBody>
       </p:sp>
@@ -3799,6 +3960,7 @@
           <a:p>
             <a:fld id="{5A906ACB-0641-497D-A6F6-17171FCA9B16}" type="slidenum">
               <a:rPr lang="fr-FR" smtClean="0"/>
+              <a:t>7</a:t>
             </a:fld>
             <a:endParaRPr lang="fr-FR"/>
           </a:p>
@@ -3856,7 +4018,114 @@
           <a:bodyPr/>
           <a:lstStyle/>
           <a:p>
-            <a:endParaRPr lang="en-US" dirty="0"/>
+            <a:pPr marL="0" marR="0" lvl="0" indent="0" algn="l" defTabSz="914400" rtl="0" eaLnBrk="1" fontAlgn="auto" latinLnBrk="0" hangingPunct="1">
+              <a:lnSpc>
+                <a:spcPct val="100000"/>
+              </a:lnSpc>
+              <a:spcBef>
+                <a:spcPts val="0"/>
+              </a:spcBef>
+              <a:spcAft>
+                <a:spcPts val="0"/>
+              </a:spcAft>
+              <a:buClrTx/>
+              <a:buSzTx/>
+              <a:buFontTx/>
+              <a:buNone/>
+              <a:tabLst/>
+              <a:defRPr/>
+            </a:pPr>
+            <a:r>
+              <a:rPr lang="fr-FR" altLang="zh-CN" sz="1200" kern="1200" dirty="0">
+                <a:solidFill>
+                  <a:schemeClr val="tx1"/>
+                </a:solidFill>
+                <a:effectLst/>
+                <a:latin typeface="+mn-lt"/>
+                <a:ea typeface="+mn-ea"/>
+                <a:cs typeface="+mn-cs"/>
+              </a:rPr>
+              <a:t>Pour voir l’influence du nombre de points caractéristiques sur la performance de la recherche des images similaires. Comme l’exemple, nous prenons le descripteur ORB et fixons le nombre de clusters du K-</a:t>
+            </a:r>
+            <a:r>
+              <a:rPr lang="fr-FR" altLang="zh-CN" sz="1200" kern="1200" dirty="0" err="1">
+                <a:solidFill>
+                  <a:schemeClr val="tx1"/>
+                </a:solidFill>
+                <a:effectLst/>
+                <a:latin typeface="+mn-lt"/>
+                <a:ea typeface="+mn-ea"/>
+                <a:cs typeface="+mn-cs"/>
+              </a:rPr>
+              <a:t>means</a:t>
+            </a:r>
+            <a:r>
+              <a:rPr lang="fr-FR" altLang="zh-CN" sz="1200" kern="1200" dirty="0">
+                <a:solidFill>
+                  <a:schemeClr val="tx1"/>
+                </a:solidFill>
+                <a:effectLst/>
+                <a:latin typeface="+mn-lt"/>
+                <a:ea typeface="+mn-ea"/>
+                <a:cs typeface="+mn-cs"/>
+              </a:rPr>
+              <a:t> à 50.</a:t>
+            </a:r>
+            <a:endParaRPr lang="zh-CN" altLang="zh-CN" sz="1200" kern="1200" dirty="0">
+              <a:solidFill>
+                <a:schemeClr val="tx1"/>
+              </a:solidFill>
+              <a:effectLst/>
+              <a:latin typeface="+mn-lt"/>
+              <a:ea typeface="+mn-ea"/>
+              <a:cs typeface="+mn-cs"/>
+            </a:endParaRPr>
+          </a:p>
+          <a:p>
+            <a:endParaRPr lang="en-US" altLang="zh-CN" dirty="0"/>
+          </a:p>
+          <a:p>
+            <a:pPr marL="0" marR="0" lvl="0" indent="0" algn="l" defTabSz="914400" rtl="0" eaLnBrk="1" fontAlgn="auto" latinLnBrk="0" hangingPunct="1">
+              <a:lnSpc>
+                <a:spcPct val="100000"/>
+              </a:lnSpc>
+              <a:spcBef>
+                <a:spcPts val="0"/>
+              </a:spcBef>
+              <a:spcAft>
+                <a:spcPts val="0"/>
+              </a:spcAft>
+              <a:buClrTx/>
+              <a:buSzTx/>
+              <a:buFontTx/>
+              <a:buNone/>
+              <a:tabLst/>
+              <a:defRPr/>
+            </a:pPr>
+            <a:r>
+              <a:rPr lang="fr-FR" altLang="zh-CN" sz="1200" kern="1200" dirty="0">
+                <a:solidFill>
+                  <a:schemeClr val="tx1"/>
+                </a:solidFill>
+                <a:effectLst/>
+                <a:latin typeface="+mn-lt"/>
+                <a:ea typeface="+mn-ea"/>
+                <a:cs typeface="+mn-cs"/>
+              </a:rPr>
+              <a:t>Nous trouvons que la performance de la recherche pour des images similaires se dégrade en limitant le nombre maximum autorisé des points caractéristiques détectés. Cette dégradation de performance est raisonnable parce qu’un nombre de points très limité ne peut pas bien caractériser/représenter une image en entière.  Par contre, N=100 et N= 200 n’ont pas de différence importante.</a:t>
+            </a:r>
+            <a:endParaRPr lang="zh-CN" altLang="zh-CN" sz="1200" kern="1200" dirty="0">
+              <a:solidFill>
+                <a:schemeClr val="tx1"/>
+              </a:solidFill>
+              <a:effectLst/>
+              <a:latin typeface="+mn-lt"/>
+              <a:ea typeface="+mn-ea"/>
+              <a:cs typeface="+mn-cs"/>
+            </a:endParaRPr>
+          </a:p>
+          <a:p>
+            <a:endParaRPr lang="zh-CN" altLang="en-US" dirty="0"/>
           </a:p>
         </p:txBody>
       </p:sp>
@@ -3877,12 +4146,18 @@
           <a:p>
             <a:fld id="{5A906ACB-0641-497D-A6F6-17171FCA9B16}" type="slidenum">
               <a:rPr lang="fr-FR" smtClean="0"/>
+              <a:t>8</a:t>
             </a:fld>
             <a:endParaRPr lang="fr-FR"/>
           </a:p>
         </p:txBody>
       </p:sp>
     </p:spTree>
+    <p:extLst>
+      <p:ext uri="{BB962C8B-B14F-4D97-AF65-F5344CB8AC3E}">
+        <p14:creationId xmlns:p14="http://schemas.microsoft.com/office/powerpoint/2010/main" val="2508736565"/>
+      </p:ext>
+    </p:extLst>
   </p:cSld>
   <p:clrMapOvr>
     <a:masterClrMapping/>
@@ -3934,7 +4209,147 @@
           <a:bodyPr/>
           <a:lstStyle/>
           <a:p>
-            <a:endParaRPr lang="en-US" dirty="0"/>
+            <a:r>
+              <a:rPr lang="fr-FR" altLang="zh-CN" sz="1200" kern="1200" dirty="0">
+                <a:solidFill>
+                  <a:schemeClr val="tx1"/>
+                </a:solidFill>
+                <a:effectLst/>
+                <a:latin typeface="+mn-lt"/>
+                <a:ea typeface="+mn-ea"/>
+                <a:cs typeface="+mn-cs"/>
+              </a:rPr>
+              <a:t>Dans le cas où le nombre de clusters est différente (nous testons sur l’ORB et le nombre maximum de points caractéristiques est fixé à 50), nous pouvons trouver que le nombre de clusters n’influence pas de manière conséquente sur la performance. La valeur moyenne de l’AUC pour la quantité de clusters égale à 25, 50 et 100 sont respectivement, 0.969, 0.965, et 0.978.</a:t>
+            </a:r>
+            <a:endParaRPr lang="zh-CN" altLang="zh-CN" sz="1200" kern="1200" dirty="0">
+              <a:solidFill>
+                <a:schemeClr val="tx1"/>
+              </a:solidFill>
+              <a:effectLst/>
+              <a:latin typeface="+mn-lt"/>
+              <a:ea typeface="+mn-ea"/>
+              <a:cs typeface="+mn-cs"/>
+            </a:endParaRPr>
+          </a:p>
+          <a:p>
+            <a:r>
+              <a:rPr lang="fr-FR" altLang="zh-CN" sz="1200" kern="1200" dirty="0">
+                <a:solidFill>
+                  <a:schemeClr val="tx1"/>
+                </a:solidFill>
+                <a:effectLst/>
+                <a:latin typeface="+mn-lt"/>
+                <a:ea typeface="+mn-ea"/>
+                <a:cs typeface="+mn-cs"/>
+              </a:rPr>
+              <a:t> </a:t>
+            </a:r>
+            <a:endParaRPr lang="zh-CN" altLang="zh-CN" sz="1200" kern="1200" dirty="0">
+              <a:solidFill>
+                <a:schemeClr val="tx1"/>
+              </a:solidFill>
+              <a:effectLst/>
+              <a:latin typeface="+mn-lt"/>
+              <a:ea typeface="+mn-ea"/>
+              <a:cs typeface="+mn-cs"/>
+            </a:endParaRPr>
+          </a:p>
+          <a:p>
+            <a:r>
+              <a:rPr lang="fr-FR" altLang="zh-CN" sz="1200" kern="1200" dirty="0">
+                <a:solidFill>
+                  <a:schemeClr val="tx1"/>
+                </a:solidFill>
+                <a:effectLst/>
+                <a:latin typeface="+mn-lt"/>
+                <a:ea typeface="+mn-ea"/>
+                <a:cs typeface="+mn-cs"/>
+              </a:rPr>
+              <a:t>En revanche, il faut noter qu’un bon résultat en termes de valeur de l’AUC pour une classe ne veut pas dire que les images de même classe seront forcément sélectionnées lors de la recherche des images similaires. C’est parce qu’il existe parfois que même une image de classe i en entrée ayant une distance minimale à toutes les images de classe i par rapport aux exemples négatifs, il est probable qu’elle ait une distance plus petite à d’autres images d’une classe différente dans la base.</a:t>
+            </a:r>
+            <a:endParaRPr lang="zh-CN" altLang="zh-CN" sz="1200" kern="1200" dirty="0">
+              <a:solidFill>
+                <a:schemeClr val="tx1"/>
+              </a:solidFill>
+              <a:effectLst/>
+              <a:latin typeface="+mn-lt"/>
+              <a:ea typeface="+mn-ea"/>
+              <a:cs typeface="+mn-cs"/>
+            </a:endParaRPr>
+          </a:p>
+          <a:p>
+            <a:r>
+              <a:rPr lang="fr-FR" altLang="zh-CN" sz="1200" kern="1200" dirty="0">
+                <a:solidFill>
+                  <a:schemeClr val="tx1"/>
+                </a:solidFill>
+                <a:effectLst/>
+                <a:latin typeface="+mn-lt"/>
+                <a:ea typeface="+mn-ea"/>
+                <a:cs typeface="+mn-cs"/>
+              </a:rPr>
+              <a:t>Pour cette raison, nous ensuite montrons ci-dessous le TOP10 </a:t>
+            </a:r>
+            <a:r>
+              <a:rPr lang="fr-FR" altLang="zh-CN" sz="1200" kern="1200" dirty="0" err="1">
+                <a:solidFill>
+                  <a:schemeClr val="tx1"/>
+                </a:solidFill>
+                <a:effectLst/>
+                <a:latin typeface="+mn-lt"/>
+                <a:ea typeface="+mn-ea"/>
+                <a:cs typeface="+mn-cs"/>
+              </a:rPr>
+              <a:t>Ranking</a:t>
+            </a:r>
+            <a:r>
+              <a:rPr lang="fr-FR" altLang="zh-CN" sz="1200" kern="1200" dirty="0">
+                <a:solidFill>
+                  <a:schemeClr val="tx1"/>
+                </a:solidFill>
+                <a:effectLst/>
+                <a:latin typeface="+mn-lt"/>
+                <a:ea typeface="+mn-ea"/>
+                <a:cs typeface="+mn-cs"/>
+              </a:rPr>
+              <a:t> en termes de distance avec les images dans la base et ceci reflète directement quelles images vont être sélectionnées lors de la recherche. Deux images de classe 251 ont été choisies (251_c.png et 251_i120.png) et #clusters = 50, #max </a:t>
+            </a:r>
+            <a:r>
+              <a:rPr lang="fr-FR" altLang="zh-CN" sz="1200" kern="1200" dirty="0" err="1">
+                <a:solidFill>
+                  <a:schemeClr val="tx1"/>
+                </a:solidFill>
+                <a:effectLst/>
+                <a:latin typeface="+mn-lt"/>
+                <a:ea typeface="+mn-ea"/>
+                <a:cs typeface="+mn-cs"/>
+              </a:rPr>
+              <a:t>keypoints</a:t>
+            </a:r>
+            <a:r>
+              <a:rPr lang="fr-FR" altLang="zh-CN" sz="1200" kern="1200" dirty="0">
+                <a:solidFill>
+                  <a:schemeClr val="tx1"/>
+                </a:solidFill>
+                <a:effectLst/>
+                <a:latin typeface="+mn-lt"/>
+                <a:ea typeface="+mn-ea"/>
+                <a:cs typeface="+mn-cs"/>
+              </a:rPr>
+              <a:t> = 100.</a:t>
+            </a:r>
+            <a:endParaRPr lang="zh-CN" altLang="zh-CN" sz="1200" kern="1200" dirty="0">
+              <a:solidFill>
+                <a:schemeClr val="tx1"/>
+              </a:solidFill>
+              <a:effectLst/>
+              <a:latin typeface="+mn-lt"/>
+              <a:ea typeface="+mn-ea"/>
+              <a:cs typeface="+mn-cs"/>
+            </a:endParaRPr>
+          </a:p>
+          <a:p>
+            <a:endParaRPr lang="zh-CN" altLang="en-US" dirty="0"/>
           </a:p>
         </p:txBody>
       </p:sp>
@@ -3955,6 +4370,409 @@
           <a:p>
             <a:fld id="{5A906ACB-0641-497D-A6F6-17171FCA9B16}" type="slidenum">
               <a:rPr lang="fr-FR" smtClean="0"/>
+              <a:t>9</a:t>
+            </a:fld>
+            <a:endParaRPr lang="fr-FR"/>
+          </a:p>
+        </p:txBody>
+      </p:sp>
+    </p:spTree>
+    <p:extLst>
+      <p:ext uri="{BB962C8B-B14F-4D97-AF65-F5344CB8AC3E}">
+        <p14:creationId xmlns:p14="http://schemas.microsoft.com/office/powerpoint/2010/main" val="1434961819"/>
+      </p:ext>
+    </p:extLst>
+  </p:cSld>
+  <p:clrMapOvr>
+    <a:masterClrMapping/>
+  </p:clrMapOvr>
+</p:notes>
+</file>
+
+<file path=ppt/notesSlides/notesSlide6.xml><?xml version="1.0" encoding="utf-8"?>
+<p:notes xmlns:a="http://schemas.openxmlformats.org/drawingml/2006/main" xmlns:r="http://schemas.openxmlformats.org/officeDocument/2006/relationships" xmlns:p="http://schemas.openxmlformats.org/presentationml/2006/main">
+  <p:cSld>
+    <p:spTree>
+      <p:nvGrpSpPr>
+        <p:cNvPr id="1" name=""/>
+        <p:cNvGrpSpPr/>
+        <p:nvPr/>
+      </p:nvGrpSpPr>
+      <p:grpSpPr>
+        <a:xfrm>
+          <a:off x="0" y="0"/>
+          <a:ext cx="0" cy="0"/>
+          <a:chOff x="0" y="0"/>
+          <a:chExt cx="0" cy="0"/>
+        </a:xfrm>
+      </p:grpSpPr>
+      <p:sp>
+        <p:nvSpPr>
+          <p:cNvPr id="2" name="幻灯片图像占位符 1"/>
+          <p:cNvSpPr>
+            <a:spLocks noGrp="1" noRot="1" noChangeAspect="1"/>
+          </p:cNvSpPr>
+          <p:nvPr>
+            <p:ph type="sldImg"/>
+          </p:nvPr>
+        </p:nvSpPr>
+        <p:spPr/>
+      </p:sp>
+      <p:sp>
+        <p:nvSpPr>
+          <p:cNvPr id="3" name="备注占位符 2"/>
+          <p:cNvSpPr>
+            <a:spLocks noGrp="1"/>
+          </p:cNvSpPr>
+          <p:nvPr>
+            <p:ph type="body" idx="1"/>
+          </p:nvPr>
+        </p:nvSpPr>
+        <p:spPr/>
+        <p:txBody>
+          <a:bodyPr/>
+          <a:lstStyle/>
+          <a:p>
+            <a:r>
+              <a:rPr lang="fr-FR" altLang="zh-CN" sz="1200" kern="1200" dirty="0">
+                <a:solidFill>
+                  <a:schemeClr val="tx1"/>
+                </a:solidFill>
+                <a:effectLst/>
+                <a:latin typeface="+mn-lt"/>
+                <a:ea typeface="+mn-ea"/>
+                <a:cs typeface="+mn-cs"/>
+              </a:rPr>
+              <a:t>En revanche, il faut noter qu’un bon résultat en termes de valeur de l’AUC pour une classe ne veut pas dire que les images de même classe seront forcément sélectionnées lors de la recherche des images similaires. C’est parce qu’il existe parfois que même une image de classe i en entrée ayant une distance minimale à toutes les images de classe i par rapport aux exemples négatifs, il est probable qu’elle ait une distance plus petite à d’autres images d’une classe différente dans la base.</a:t>
+            </a:r>
+            <a:endParaRPr lang="zh-CN" altLang="zh-CN" sz="1200" kern="1200" dirty="0">
+              <a:solidFill>
+                <a:schemeClr val="tx1"/>
+              </a:solidFill>
+              <a:effectLst/>
+              <a:latin typeface="+mn-lt"/>
+              <a:ea typeface="+mn-ea"/>
+              <a:cs typeface="+mn-cs"/>
+            </a:endParaRPr>
+          </a:p>
+          <a:p>
+            <a:r>
+              <a:rPr lang="fr-FR" altLang="zh-CN" sz="1200" kern="1200" dirty="0">
+                <a:solidFill>
+                  <a:schemeClr val="tx1"/>
+                </a:solidFill>
+                <a:effectLst/>
+                <a:latin typeface="+mn-lt"/>
+                <a:ea typeface="+mn-ea"/>
+                <a:cs typeface="+mn-cs"/>
+              </a:rPr>
+              <a:t>Pour cette raison, nous ensuite montrons ci-dessous le TOP10 </a:t>
+            </a:r>
+            <a:r>
+              <a:rPr lang="fr-FR" altLang="zh-CN" sz="1200" kern="1200" dirty="0" err="1">
+                <a:solidFill>
+                  <a:schemeClr val="tx1"/>
+                </a:solidFill>
+                <a:effectLst/>
+                <a:latin typeface="+mn-lt"/>
+                <a:ea typeface="+mn-ea"/>
+                <a:cs typeface="+mn-cs"/>
+              </a:rPr>
+              <a:t>Ranking</a:t>
+            </a:r>
+            <a:r>
+              <a:rPr lang="fr-FR" altLang="zh-CN" sz="1200" kern="1200" dirty="0">
+                <a:solidFill>
+                  <a:schemeClr val="tx1"/>
+                </a:solidFill>
+                <a:effectLst/>
+                <a:latin typeface="+mn-lt"/>
+                <a:ea typeface="+mn-ea"/>
+                <a:cs typeface="+mn-cs"/>
+              </a:rPr>
+              <a:t> en termes de distance avec les images dans la base et ceci reflète directement quelles images vont être sélectionnées lors de la recherche. Deux images de classe 251 ont été choisies (251_c.png et 251_i120.png) et #clusters = 50, #max </a:t>
+            </a:r>
+            <a:r>
+              <a:rPr lang="fr-FR" altLang="zh-CN" sz="1200" kern="1200" dirty="0" err="1">
+                <a:solidFill>
+                  <a:schemeClr val="tx1"/>
+                </a:solidFill>
+                <a:effectLst/>
+                <a:latin typeface="+mn-lt"/>
+                <a:ea typeface="+mn-ea"/>
+                <a:cs typeface="+mn-cs"/>
+              </a:rPr>
+              <a:t>keypoints</a:t>
+            </a:r>
+            <a:r>
+              <a:rPr lang="fr-FR" altLang="zh-CN" sz="1200" kern="1200" dirty="0">
+                <a:solidFill>
+                  <a:schemeClr val="tx1"/>
+                </a:solidFill>
+                <a:effectLst/>
+                <a:latin typeface="+mn-lt"/>
+                <a:ea typeface="+mn-ea"/>
+                <a:cs typeface="+mn-cs"/>
+              </a:rPr>
+              <a:t> = 100.</a:t>
+            </a:r>
+            <a:endParaRPr lang="zh-CN" altLang="zh-CN" sz="1200" kern="1200" dirty="0">
+              <a:solidFill>
+                <a:schemeClr val="tx1"/>
+              </a:solidFill>
+              <a:effectLst/>
+              <a:latin typeface="+mn-lt"/>
+              <a:ea typeface="+mn-ea"/>
+              <a:cs typeface="+mn-cs"/>
+            </a:endParaRPr>
+          </a:p>
+          <a:p>
+            <a:endParaRPr lang="fr-FR" sz="1200" kern="1200" dirty="0">
+              <a:solidFill>
+                <a:schemeClr val="tx1"/>
+              </a:solidFill>
+              <a:effectLst/>
+              <a:latin typeface="+mn-lt"/>
+              <a:ea typeface="+mn-ea"/>
+              <a:cs typeface="+mn-cs"/>
+            </a:endParaRPr>
+          </a:p>
+          <a:p>
+            <a:endParaRPr lang="fr-FR" sz="1200" kern="1200" dirty="0">
+              <a:solidFill>
+                <a:schemeClr val="tx1"/>
+              </a:solidFill>
+              <a:effectLst/>
+              <a:latin typeface="+mn-lt"/>
+              <a:ea typeface="+mn-ea"/>
+              <a:cs typeface="+mn-cs"/>
+            </a:endParaRPr>
+          </a:p>
+          <a:p>
+            <a:r>
+              <a:rPr lang="fr-FR" sz="1200" kern="1200" dirty="0">
+                <a:solidFill>
+                  <a:schemeClr val="tx1"/>
+                </a:solidFill>
+                <a:effectLst/>
+                <a:latin typeface="+mn-lt"/>
+                <a:ea typeface="+mn-ea"/>
+                <a:cs typeface="+mn-cs"/>
+              </a:rPr>
+              <a:t>D’une part, l’objet tourné est difficile à trouver ses images similaires parce que la forme est déformée et une partie de l’objet est cachée. En revanche, le simple changement de la luminosité n’est pas gênant pour les détecteurs. D’autre part, nous pouvons voir que l’ORB a un meilleur résultat pour cette image (voir ci-dessous) et souvent l’ORB est capable de trouver plus de points caractéristiques que d’autres méthodes. La performance de </a:t>
+            </a:r>
+            <a:r>
+              <a:rPr lang="fr-FR" sz="1200" kern="1200" dirty="0" err="1">
+                <a:solidFill>
+                  <a:schemeClr val="tx1"/>
+                </a:solidFill>
+                <a:effectLst/>
+                <a:latin typeface="+mn-lt"/>
+                <a:ea typeface="+mn-ea"/>
+                <a:cs typeface="+mn-cs"/>
+              </a:rPr>
+              <a:t>Brief</a:t>
+            </a:r>
+            <a:r>
+              <a:rPr lang="fr-FR" sz="1200" kern="1200" dirty="0">
+                <a:solidFill>
+                  <a:schemeClr val="tx1"/>
+                </a:solidFill>
+                <a:effectLst/>
+                <a:latin typeface="+mn-lt"/>
+                <a:ea typeface="+mn-ea"/>
+                <a:cs typeface="+mn-cs"/>
+              </a:rPr>
+              <a:t> s’améliore quand il existe plus de patterns dans l’objet (le nombre de points détectés augmente).</a:t>
+            </a:r>
+            <a:endParaRPr lang="en-US" sz="1200" kern="1200" dirty="0">
+              <a:solidFill>
+                <a:schemeClr val="tx1"/>
+              </a:solidFill>
+              <a:effectLst/>
+              <a:latin typeface="+mn-lt"/>
+              <a:ea typeface="+mn-ea"/>
+              <a:cs typeface="+mn-cs"/>
+            </a:endParaRPr>
+          </a:p>
+        </p:txBody>
+      </p:sp>
+      <p:sp>
+        <p:nvSpPr>
+          <p:cNvPr id="4" name="灯片编号占位符 3"/>
+          <p:cNvSpPr>
+            <a:spLocks noGrp="1"/>
+          </p:cNvSpPr>
+          <p:nvPr>
+            <p:ph type="sldNum" sz="quarter" idx="10"/>
+          </p:nvPr>
+        </p:nvSpPr>
+        <p:spPr/>
+        <p:txBody>
+          <a:bodyPr/>
+          <a:lstStyle/>
+          <a:p>
+            <a:fld id="{5A906ACB-0641-497D-A6F6-17171FCA9B16}" type="slidenum">
+              <a:rPr lang="fr-FR" smtClean="0"/>
+              <a:t>10</a:t>
+            </a:fld>
+            <a:endParaRPr lang="fr-FR"/>
+          </a:p>
+        </p:txBody>
+      </p:sp>
+    </p:spTree>
+  </p:cSld>
+  <p:clrMapOvr>
+    <a:masterClrMapping/>
+  </p:clrMapOvr>
+</p:notes>
+</file>
+
+<file path=ppt/notesSlides/notesSlide7.xml><?xml version="1.0" encoding="utf-8"?>
+<p:notes xmlns:a="http://schemas.openxmlformats.org/drawingml/2006/main" xmlns:r="http://schemas.openxmlformats.org/officeDocument/2006/relationships" xmlns:p="http://schemas.openxmlformats.org/presentationml/2006/main">
+  <p:cSld>
+    <p:spTree>
+      <p:nvGrpSpPr>
+        <p:cNvPr id="1" name=""/>
+        <p:cNvGrpSpPr/>
+        <p:nvPr/>
+      </p:nvGrpSpPr>
+      <p:grpSpPr>
+        <a:xfrm>
+          <a:off x="0" y="0"/>
+          <a:ext cx="0" cy="0"/>
+          <a:chOff x="0" y="0"/>
+          <a:chExt cx="0" cy="0"/>
+        </a:xfrm>
+      </p:grpSpPr>
+      <p:sp>
+        <p:nvSpPr>
+          <p:cNvPr id="2" name="幻灯片图像占位符 1"/>
+          <p:cNvSpPr>
+            <a:spLocks noGrp="1" noRot="1" noChangeAspect="1"/>
+          </p:cNvSpPr>
+          <p:nvPr>
+            <p:ph type="sldImg"/>
+          </p:nvPr>
+        </p:nvSpPr>
+        <p:spPr/>
+      </p:sp>
+      <p:sp>
+        <p:nvSpPr>
+          <p:cNvPr id="3" name="备注占位符 2"/>
+          <p:cNvSpPr>
+            <a:spLocks noGrp="1"/>
+          </p:cNvSpPr>
+          <p:nvPr>
+            <p:ph type="body" idx="1"/>
+          </p:nvPr>
+        </p:nvSpPr>
+        <p:spPr/>
+        <p:txBody>
+          <a:bodyPr/>
+          <a:lstStyle/>
+          <a:p>
+            <a:endParaRPr lang="en-US" dirty="0"/>
+          </a:p>
+        </p:txBody>
+      </p:sp>
+      <p:sp>
+        <p:nvSpPr>
+          <p:cNvPr id="4" name="灯片编号占位符 3"/>
+          <p:cNvSpPr>
+            <a:spLocks noGrp="1"/>
+          </p:cNvSpPr>
+          <p:nvPr>
+            <p:ph type="sldNum" sz="quarter" idx="10"/>
+          </p:nvPr>
+        </p:nvSpPr>
+        <p:spPr/>
+        <p:txBody>
+          <a:bodyPr/>
+          <a:lstStyle/>
+          <a:p>
+            <a:fld id="{5A906ACB-0641-497D-A6F6-17171FCA9B16}" type="slidenum">
+              <a:rPr lang="fr-FR" smtClean="0"/>
+              <a:t>11</a:t>
+            </a:fld>
+            <a:endParaRPr lang="fr-FR"/>
+          </a:p>
+        </p:txBody>
+      </p:sp>
+    </p:spTree>
+  </p:cSld>
+  <p:clrMapOvr>
+    <a:masterClrMapping/>
+  </p:clrMapOvr>
+</p:notes>
+</file>
+
+<file path=ppt/notesSlides/notesSlide8.xml><?xml version="1.0" encoding="utf-8"?>
+<p:notes xmlns:a="http://schemas.openxmlformats.org/drawingml/2006/main" xmlns:r="http://schemas.openxmlformats.org/officeDocument/2006/relationships" xmlns:p="http://schemas.openxmlformats.org/presentationml/2006/main">
+  <p:cSld>
+    <p:spTree>
+      <p:nvGrpSpPr>
+        <p:cNvPr id="1" name=""/>
+        <p:cNvGrpSpPr/>
+        <p:nvPr/>
+      </p:nvGrpSpPr>
+      <p:grpSpPr>
+        <a:xfrm>
+          <a:off x="0" y="0"/>
+          <a:ext cx="0" cy="0"/>
+          <a:chOff x="0" y="0"/>
+          <a:chExt cx="0" cy="0"/>
+        </a:xfrm>
+      </p:grpSpPr>
+      <p:sp>
+        <p:nvSpPr>
+          <p:cNvPr id="2" name="幻灯片图像占位符 1"/>
+          <p:cNvSpPr>
+            <a:spLocks noGrp="1" noRot="1" noChangeAspect="1"/>
+          </p:cNvSpPr>
+          <p:nvPr>
+            <p:ph type="sldImg"/>
+          </p:nvPr>
+        </p:nvSpPr>
+        <p:spPr/>
+      </p:sp>
+      <p:sp>
+        <p:nvSpPr>
+          <p:cNvPr id="3" name="备注占位符 2"/>
+          <p:cNvSpPr>
+            <a:spLocks noGrp="1"/>
+          </p:cNvSpPr>
+          <p:nvPr>
+            <p:ph type="body" idx="1"/>
+          </p:nvPr>
+        </p:nvSpPr>
+        <p:spPr/>
+        <p:txBody>
+          <a:bodyPr/>
+          <a:lstStyle/>
+          <a:p>
+            <a:endParaRPr lang="en-US" dirty="0"/>
+          </a:p>
+        </p:txBody>
+      </p:sp>
+      <p:sp>
+        <p:nvSpPr>
+          <p:cNvPr id="4" name="灯片编号占位符 3"/>
+          <p:cNvSpPr>
+            <a:spLocks noGrp="1"/>
+          </p:cNvSpPr>
+          <p:nvPr>
+            <p:ph type="sldNum" sz="quarter" idx="10"/>
+          </p:nvPr>
+        </p:nvSpPr>
+        <p:spPr/>
+        <p:txBody>
+          <a:bodyPr/>
+          <a:lstStyle/>
+          <a:p>
+            <a:fld id="{5A906ACB-0641-497D-A6F6-17171FCA9B16}" type="slidenum">
+              <a:rPr lang="fr-FR" smtClean="0"/>
+              <a:t>12</a:t>
             </a:fld>
             <a:endParaRPr lang="fr-FR"/>
           </a:p>
@@ -3969,7 +4787,7 @@
 </file>
 
 <file path=ppt/slideLayouts/slideLayout1.xml><?xml version="1.0" encoding="utf-8"?>
-<p:sldLayout xmlns:a="http://schemas.openxmlformats.org/drawingml/2006/main" xmlns:r="http://schemas.openxmlformats.org/officeDocument/2006/relationships" xmlns:p="http://schemas.openxmlformats.org/presentationml/2006/main" preserve="1" showMasterSp="0" userDrawn="1">
+<p:sldLayout xmlns:a="http://schemas.openxmlformats.org/drawingml/2006/main" xmlns:r="http://schemas.openxmlformats.org/officeDocument/2006/relationships" xmlns:p="http://schemas.openxmlformats.org/presentationml/2006/main" showMasterSp="0" preserve="1" userDrawn="1">
   <p:cSld name="Couverture">
     <p:spTree>
       <p:nvGrpSpPr>
@@ -4379,6 +5197,7 @@
           <a:p>
             <a:fld id="{2D54133B-371A-451E-83B0-12E77C669547}" type="datetime1">
               <a:rPr lang="fr-FR" smtClean="0"/>
+              <a:t>01/03/2018</a:t>
             </a:fld>
             <a:endParaRPr lang="fr-FR" dirty="0"/>
           </a:p>
@@ -4416,6 +5235,7 @@
           <a:p>
             <a:fld id="{10C140CD-8AED-46FF-A9A2-77308F3F39AE}" type="slidenum">
               <a:rPr lang="fr-FR" smtClean="0"/>
+              <a:t>‹#›</a:t>
             </a:fld>
             <a:endParaRPr lang="fr-FR"/>
           </a:p>
@@ -4499,7 +5319,6 @@
               <a:rPr lang="fr-FR" dirty="0"/>
               <a:t>TITRE</a:t>
             </a:r>
-            <a:endParaRPr lang="fr-FR" dirty="0"/>
           </a:p>
           <a:p>
             <a:pPr lvl="1"/>
@@ -4507,7 +5326,6 @@
               <a:rPr lang="fr-FR" dirty="0"/>
               <a:t>TITRE</a:t>
             </a:r>
-            <a:endParaRPr lang="fr-FR" dirty="0"/>
           </a:p>
         </p:txBody>
       </p:sp>
@@ -4550,7 +5368,7 @@
 </file>
 
 <file path=ppt/slideLayouts/slideLayout2.xml><?xml version="1.0" encoding="utf-8"?>
-<p:sldLayout xmlns:a="http://schemas.openxmlformats.org/drawingml/2006/main" xmlns:r="http://schemas.openxmlformats.org/officeDocument/2006/relationships" xmlns:p="http://schemas.openxmlformats.org/presentationml/2006/main" preserve="1" showMasterSp="0" userDrawn="1">
+<p:sldLayout xmlns:a="http://schemas.openxmlformats.org/drawingml/2006/main" xmlns:r="http://schemas.openxmlformats.org/officeDocument/2006/relationships" xmlns:p="http://schemas.openxmlformats.org/presentationml/2006/main" showMasterSp="0" preserve="1" userDrawn="1">
   <p:cSld name="Chapitre">
     <p:spTree>
       <p:nvGrpSpPr>
@@ -4800,6 +5618,7 @@
           <a:p>
             <a:fld id="{2071B99B-66F4-44C1-85BA-391C8832129F}" type="datetime1">
               <a:rPr lang="fr-FR" smtClean="0"/>
+              <a:t>01/03/2018</a:t>
             </a:fld>
             <a:endParaRPr lang="fr-FR"/>
           </a:p>
@@ -4837,6 +5656,7 @@
           <a:p>
             <a:fld id="{10C140CD-8AED-46FF-A9A2-77308F3F39AE}" type="slidenum">
               <a:rPr lang="fr-FR" smtClean="0"/>
+              <a:t>‹#›</a:t>
             </a:fld>
             <a:endParaRPr lang="fr-FR"/>
           </a:p>
@@ -4920,7 +5740,6 @@
               <a:rPr lang="fr-FR" dirty="0"/>
               <a:t>Chapitre</a:t>
             </a:r>
-            <a:endParaRPr lang="fr-FR" dirty="0"/>
           </a:p>
           <a:p>
             <a:pPr lvl="1"/>
@@ -4928,7 +5747,6 @@
               <a:rPr lang="fr-FR" dirty="0"/>
               <a:t>Chapitre</a:t>
             </a:r>
-            <a:endParaRPr lang="fr-FR" dirty="0"/>
           </a:p>
         </p:txBody>
       </p:sp>
@@ -4971,7 +5789,7 @@
 </file>
 
 <file path=ppt/slideLayouts/slideLayout3.xml><?xml version="1.0" encoding="utf-8"?>
-<p:sldLayout xmlns:a="http://schemas.openxmlformats.org/drawingml/2006/main" xmlns:r="http://schemas.openxmlformats.org/officeDocument/2006/relationships" xmlns:p="http://schemas.openxmlformats.org/presentationml/2006/main" preserve="1" showMasterSp="0" userDrawn="1">
+<p:sldLayout xmlns:a="http://schemas.openxmlformats.org/drawingml/2006/main" xmlns:r="http://schemas.openxmlformats.org/officeDocument/2006/relationships" xmlns:p="http://schemas.openxmlformats.org/presentationml/2006/main" showMasterSp="0" preserve="1" userDrawn="1">
   <p:cSld name="Sommaire">
     <p:spTree>
       <p:nvGrpSpPr>
@@ -5290,7 +6108,6 @@
               <a:rPr lang="fr-FR" dirty="0"/>
               <a:t>Texte de niveau 1</a:t>
             </a:r>
-            <a:endParaRPr lang="fr-FR" dirty="0"/>
           </a:p>
           <a:p>
             <a:pPr lvl="1"/>
@@ -5298,7 +6115,6 @@
               <a:rPr lang="fr-FR" dirty="0"/>
               <a:t>1.1 Deuxième niveau</a:t>
             </a:r>
-            <a:endParaRPr lang="fr-FR" dirty="0"/>
           </a:p>
         </p:txBody>
       </p:sp>
@@ -5334,7 +6150,6 @@
               <a:rPr lang="fr-FR" dirty="0"/>
               <a:t>Titre</a:t>
             </a:r>
-            <a:endParaRPr lang="fr-FR" dirty="0"/>
           </a:p>
         </p:txBody>
       </p:sp>
@@ -5454,7 +6269,6 @@
               <a:rPr lang="fr-FR" dirty="0"/>
               <a:t>0.0 Titre</a:t>
             </a:r>
-            <a:endParaRPr lang="fr-FR" dirty="0"/>
           </a:p>
         </p:txBody>
       </p:sp>
@@ -5483,7 +6297,6 @@
               <a:rPr lang="fr-FR" dirty="0"/>
               <a:t>Modifiez les styles du texte du masque</a:t>
             </a:r>
-            <a:endParaRPr lang="fr-FR" dirty="0"/>
           </a:p>
           <a:p>
             <a:pPr lvl="1"/>
@@ -5491,7 +6304,6 @@
               <a:rPr lang="fr-FR" dirty="0"/>
               <a:t>Deuxième niveau</a:t>
             </a:r>
-            <a:endParaRPr lang="fr-FR" dirty="0"/>
           </a:p>
           <a:p>
             <a:pPr lvl="2"/>
@@ -5499,7 +6311,6 @@
               <a:rPr lang="fr-FR" dirty="0"/>
               <a:t>Troisième niveau</a:t>
             </a:r>
-            <a:endParaRPr lang="fr-FR" dirty="0"/>
           </a:p>
           <a:p>
             <a:pPr lvl="3"/>
@@ -5507,7 +6318,6 @@
               <a:rPr lang="fr-FR" dirty="0"/>
               <a:t>Quatrième niveau</a:t>
             </a:r>
-            <a:endParaRPr lang="fr-FR" dirty="0"/>
           </a:p>
           <a:p>
             <a:pPr lvl="4"/>
@@ -5515,7 +6325,6 @@
               <a:rPr lang="fr-FR" dirty="0"/>
               <a:t>Cinquième niveau</a:t>
             </a:r>
-            <a:endParaRPr lang="fr-FR" dirty="0"/>
           </a:p>
         </p:txBody>
       </p:sp>
@@ -5536,6 +6345,7 @@
           <a:p>
             <a:fld id="{02F2A944-B0D2-4E65-9B75-234B8B45C846}" type="datetime1">
               <a:rPr lang="fr-FR" smtClean="0"/>
+              <a:t>01/03/2018</a:t>
             </a:fld>
             <a:endParaRPr lang="fr-FR" dirty="0"/>
           </a:p>
@@ -5560,7 +6370,6 @@
               <a:rPr lang="fr-FR" dirty="0"/>
               <a:t>Descripteurs locaux pour la recherche d’images similaires</a:t>
             </a:r>
-            <a:endParaRPr lang="fr-FR" dirty="0"/>
           </a:p>
         </p:txBody>
       </p:sp>
@@ -5581,6 +6390,7 @@
           <a:p>
             <a:fld id="{10C140CD-8AED-46FF-A9A2-77308F3F39AE}" type="slidenum">
               <a:rPr lang="fr-FR" smtClean="0"/>
+              <a:t>‹#›</a:t>
             </a:fld>
             <a:endParaRPr lang="fr-FR" dirty="0"/>
           </a:p>
@@ -5672,7 +6482,6 @@
               <a:rPr lang="fr-FR" dirty="0"/>
               <a:t>0.0 Titre</a:t>
             </a:r>
-            <a:endParaRPr lang="fr-FR" dirty="0"/>
           </a:p>
         </p:txBody>
       </p:sp>
@@ -5701,7 +6510,6 @@
               <a:rPr lang="fr-FR" dirty="0"/>
               <a:t>Modifiez les styles du texte du masque</a:t>
             </a:r>
-            <a:endParaRPr lang="fr-FR" dirty="0"/>
           </a:p>
           <a:p>
             <a:pPr lvl="1"/>
@@ -5709,7 +6517,6 @@
               <a:rPr lang="fr-FR" dirty="0"/>
               <a:t>Deuxième niveau</a:t>
             </a:r>
-            <a:endParaRPr lang="fr-FR" dirty="0"/>
           </a:p>
           <a:p>
             <a:pPr lvl="2"/>
@@ -5717,7 +6524,6 @@
               <a:rPr lang="fr-FR" dirty="0"/>
               <a:t>Troisième niveau</a:t>
             </a:r>
-            <a:endParaRPr lang="fr-FR" dirty="0"/>
           </a:p>
           <a:p>
             <a:pPr lvl="3"/>
@@ -5725,7 +6531,6 @@
               <a:rPr lang="fr-FR" dirty="0"/>
               <a:t>Quatrième niveau</a:t>
             </a:r>
-            <a:endParaRPr lang="fr-FR" dirty="0"/>
           </a:p>
           <a:p>
             <a:pPr lvl="4"/>
@@ -5733,7 +6538,6 @@
               <a:rPr lang="fr-FR" dirty="0"/>
               <a:t>Cinquième niveau</a:t>
             </a:r>
-            <a:endParaRPr lang="fr-FR" dirty="0"/>
           </a:p>
         </p:txBody>
       </p:sp>
@@ -5789,7 +6593,6 @@
               <a:rPr lang="fr-FR" noProof="0" dirty="0"/>
               <a:t>partenaire</a:t>
             </a:r>
-            <a:endParaRPr lang="fr-FR" noProof="0" dirty="0"/>
           </a:p>
         </p:txBody>
       </p:sp>
@@ -5810,6 +6613,7 @@
           <a:p>
             <a:fld id="{2F62CE10-E0DE-439D-8CD1-69273313363A}" type="datetime1">
               <a:rPr lang="fr-FR" smtClean="0"/>
+              <a:t>01/03/2018</a:t>
             </a:fld>
             <a:endParaRPr lang="fr-FR" dirty="0"/>
           </a:p>
@@ -5834,7 +6638,6 @@
               <a:rPr lang="fr-FR" dirty="0"/>
               <a:t>Descripteurs locaux pour la recherche d’images similaires</a:t>
             </a:r>
-            <a:endParaRPr lang="fr-FR" dirty="0"/>
           </a:p>
         </p:txBody>
       </p:sp>
@@ -5855,6 +6658,7 @@
           <a:p>
             <a:fld id="{10C140CD-8AED-46FF-A9A2-77308F3F39AE}" type="slidenum">
               <a:rPr lang="fr-FR" smtClean="0"/>
+              <a:t>‹#›</a:t>
             </a:fld>
             <a:endParaRPr lang="fr-FR" dirty="0"/>
           </a:p>
@@ -5941,7 +6745,6 @@
               <a:rPr lang="fr-FR" dirty="0"/>
               <a:t>0.0 Titre</a:t>
             </a:r>
-            <a:endParaRPr lang="fr-FR" dirty="0"/>
           </a:p>
         </p:txBody>
       </p:sp>
@@ -5970,7 +6773,6 @@
               <a:rPr lang="fr-FR" dirty="0"/>
               <a:t>Modifiez les styles du texte du masque</a:t>
             </a:r>
-            <a:endParaRPr lang="fr-FR" dirty="0"/>
           </a:p>
           <a:p>
             <a:pPr lvl="1"/>
@@ -5978,7 +6780,6 @@
               <a:rPr lang="fr-FR" dirty="0"/>
               <a:t>Deuxième niveau</a:t>
             </a:r>
-            <a:endParaRPr lang="fr-FR" dirty="0"/>
           </a:p>
           <a:p>
             <a:pPr lvl="2"/>
@@ -5986,7 +6787,6 @@
               <a:rPr lang="fr-FR" dirty="0"/>
               <a:t>Troisième niveau</a:t>
             </a:r>
-            <a:endParaRPr lang="fr-FR" dirty="0"/>
           </a:p>
           <a:p>
             <a:pPr lvl="3"/>
@@ -5994,7 +6794,6 @@
               <a:rPr lang="fr-FR" dirty="0"/>
               <a:t>Quatrième niveau</a:t>
             </a:r>
-            <a:endParaRPr lang="fr-FR" dirty="0"/>
           </a:p>
           <a:p>
             <a:pPr lvl="4"/>
@@ -6002,7 +6801,6 @@
               <a:rPr lang="fr-FR" dirty="0"/>
               <a:t>Cinquième niveau</a:t>
             </a:r>
-            <a:endParaRPr lang="fr-FR" dirty="0"/>
           </a:p>
         </p:txBody>
       </p:sp>
@@ -6031,7 +6829,6 @@
               <a:rPr lang="fr-FR" dirty="0"/>
               <a:t>Modifiez les styles du texte du masque</a:t>
             </a:r>
-            <a:endParaRPr lang="fr-FR" dirty="0"/>
           </a:p>
           <a:p>
             <a:pPr lvl="1"/>
@@ -6039,7 +6836,6 @@
               <a:rPr lang="fr-FR" dirty="0"/>
               <a:t>Deuxième niveau</a:t>
             </a:r>
-            <a:endParaRPr lang="fr-FR" dirty="0"/>
           </a:p>
           <a:p>
             <a:pPr lvl="2"/>
@@ -6047,7 +6843,6 @@
               <a:rPr lang="fr-FR" dirty="0"/>
               <a:t>Troisième niveau</a:t>
             </a:r>
-            <a:endParaRPr lang="fr-FR" dirty="0"/>
           </a:p>
           <a:p>
             <a:pPr lvl="3"/>
@@ -6055,7 +6850,6 @@
               <a:rPr lang="fr-FR" dirty="0"/>
               <a:t>Quatrième niveau</a:t>
             </a:r>
-            <a:endParaRPr lang="fr-FR" dirty="0"/>
           </a:p>
           <a:p>
             <a:pPr lvl="4"/>
@@ -6063,7 +6857,6 @@
               <a:rPr lang="fr-FR" dirty="0"/>
               <a:t>Cinquième niveau</a:t>
             </a:r>
-            <a:endParaRPr lang="fr-FR" dirty="0"/>
           </a:p>
         </p:txBody>
       </p:sp>
@@ -6084,6 +6877,7 @@
           <a:p>
             <a:fld id="{1643EF77-D5D6-40EF-9F4B-07F203095EEF}" type="datetime1">
               <a:rPr lang="fr-FR" smtClean="0"/>
+              <a:t>01/03/2018</a:t>
             </a:fld>
             <a:endParaRPr lang="fr-FR" dirty="0"/>
           </a:p>
@@ -6108,7 +6902,6 @@
               <a:rPr lang="fr-FR" dirty="0"/>
               <a:t>Descripteurs locaux pour la recherche d’images similaires</a:t>
             </a:r>
-            <a:endParaRPr lang="fr-FR" dirty="0"/>
           </a:p>
         </p:txBody>
       </p:sp>
@@ -6129,6 +6922,7 @@
           <a:p>
             <a:fld id="{10C140CD-8AED-46FF-A9A2-77308F3F39AE}" type="slidenum">
               <a:rPr lang="fr-FR" smtClean="0"/>
+              <a:t>‹#›</a:t>
             </a:fld>
             <a:endParaRPr lang="fr-FR" dirty="0"/>
           </a:p>
@@ -6215,7 +7009,6 @@
               <a:rPr lang="fr-FR" dirty="0"/>
               <a:t>0.0 Titre</a:t>
             </a:r>
-            <a:endParaRPr lang="fr-FR" dirty="0"/>
           </a:p>
         </p:txBody>
       </p:sp>
@@ -6244,7 +7037,6 @@
               <a:rPr lang="fr-FR" dirty="0"/>
               <a:t>Modifiez les styles du texte du masque</a:t>
             </a:r>
-            <a:endParaRPr lang="fr-FR" dirty="0"/>
           </a:p>
           <a:p>
             <a:pPr lvl="1"/>
@@ -6252,7 +7044,6 @@
               <a:rPr lang="fr-FR" dirty="0"/>
               <a:t>Deuxième niveau</a:t>
             </a:r>
-            <a:endParaRPr lang="fr-FR" dirty="0"/>
           </a:p>
           <a:p>
             <a:pPr lvl="2"/>
@@ -6260,7 +7051,6 @@
               <a:rPr lang="fr-FR" dirty="0"/>
               <a:t>Troisième niveau</a:t>
             </a:r>
-            <a:endParaRPr lang="fr-FR" dirty="0"/>
           </a:p>
           <a:p>
             <a:pPr lvl="3"/>
@@ -6268,7 +7058,6 @@
               <a:rPr lang="fr-FR" dirty="0"/>
               <a:t>Quatrième niveau</a:t>
             </a:r>
-            <a:endParaRPr lang="fr-FR" dirty="0"/>
           </a:p>
           <a:p>
             <a:pPr lvl="4"/>
@@ -6276,7 +7065,6 @@
               <a:rPr lang="fr-FR" dirty="0"/>
               <a:t>Cinquième niveau</a:t>
             </a:r>
-            <a:endParaRPr lang="fr-FR" dirty="0"/>
           </a:p>
         </p:txBody>
       </p:sp>
@@ -6305,7 +7093,6 @@
               <a:rPr lang="fr-FR" dirty="0"/>
               <a:t>Modifiez les styles du texte du masque</a:t>
             </a:r>
-            <a:endParaRPr lang="fr-FR" dirty="0"/>
           </a:p>
           <a:p>
             <a:pPr lvl="1"/>
@@ -6313,7 +7100,6 @@
               <a:rPr lang="fr-FR" dirty="0"/>
               <a:t>Deuxième niveau</a:t>
             </a:r>
-            <a:endParaRPr lang="fr-FR" dirty="0"/>
           </a:p>
           <a:p>
             <a:pPr lvl="2"/>
@@ -6321,7 +7107,6 @@
               <a:rPr lang="fr-FR" dirty="0"/>
               <a:t>Troisième niveau</a:t>
             </a:r>
-            <a:endParaRPr lang="fr-FR" dirty="0"/>
           </a:p>
           <a:p>
             <a:pPr lvl="3"/>
@@ -6329,7 +7114,6 @@
               <a:rPr lang="fr-FR" dirty="0"/>
               <a:t>Quatrième niveau</a:t>
             </a:r>
-            <a:endParaRPr lang="fr-FR" dirty="0"/>
           </a:p>
           <a:p>
             <a:pPr lvl="4"/>
@@ -6337,7 +7121,6 @@
               <a:rPr lang="fr-FR" dirty="0"/>
               <a:t>Cinquième niveau</a:t>
             </a:r>
-            <a:endParaRPr lang="fr-FR" dirty="0"/>
           </a:p>
         </p:txBody>
       </p:sp>
@@ -6393,7 +7176,6 @@
               <a:rPr lang="fr-FR" noProof="0" dirty="0"/>
               <a:t>partenaire</a:t>
             </a:r>
-            <a:endParaRPr lang="fr-FR" noProof="0" dirty="0"/>
           </a:p>
         </p:txBody>
       </p:sp>
@@ -6414,6 +7196,7 @@
           <a:p>
             <a:fld id="{AC5CD3B3-8D2B-4B82-9D76-E78AABAA42A0}" type="datetime1">
               <a:rPr lang="fr-FR" smtClean="0"/>
+              <a:t>01/03/2018</a:t>
             </a:fld>
             <a:endParaRPr lang="fr-FR" dirty="0"/>
           </a:p>
@@ -6438,7 +7221,6 @@
               <a:rPr lang="fr-FR" dirty="0"/>
               <a:t>Descripteurs locaux pour la recherche d’images similaires</a:t>
             </a:r>
-            <a:endParaRPr lang="fr-FR" dirty="0"/>
           </a:p>
         </p:txBody>
       </p:sp>
@@ -6459,6 +7241,7 @@
           <a:p>
             <a:fld id="{10C140CD-8AED-46FF-A9A2-77308F3F39AE}" type="slidenum">
               <a:rPr lang="fr-FR" smtClean="0"/>
+              <a:t>‹#›</a:t>
             </a:fld>
             <a:endParaRPr lang="fr-FR" dirty="0"/>
           </a:p>
@@ -6534,7 +7317,6 @@
               <a:rPr lang="fr-FR" noProof="0" dirty="0"/>
               <a:t>Sélectionner l’icône pour insérer une image</a:t>
             </a:r>
-            <a:endParaRPr lang="fr-FR" noProof="0" dirty="0"/>
           </a:p>
         </p:txBody>
       </p:sp>
@@ -6594,7 +7376,6 @@
               <a:rPr lang="fr-FR" dirty="0"/>
               <a:t>0.0 Titre</a:t>
             </a:r>
-            <a:endParaRPr lang="fr-FR" dirty="0"/>
           </a:p>
         </p:txBody>
       </p:sp>
@@ -6636,7 +7417,6 @@
               <a:rPr lang="fr-FR" noProof="0" dirty="0"/>
               <a:t>Texte de niveau 1</a:t>
             </a:r>
-            <a:endParaRPr lang="fr-FR" noProof="0" dirty="0"/>
           </a:p>
           <a:p>
             <a:pPr lvl="1"/>
@@ -6644,7 +7424,6 @@
               <a:rPr lang="fr-FR" noProof="0" dirty="0"/>
               <a:t>Texte de niveau 2</a:t>
             </a:r>
-            <a:endParaRPr lang="fr-FR" noProof="0" dirty="0"/>
           </a:p>
           <a:p>
             <a:pPr lvl="2"/>
@@ -6652,7 +7431,6 @@
               <a:rPr lang="fr-FR" noProof="0" dirty="0"/>
               <a:t>Texte de niveau 3</a:t>
             </a:r>
-            <a:endParaRPr lang="fr-FR" noProof="0" dirty="0"/>
           </a:p>
           <a:p>
             <a:pPr lvl="3"/>
@@ -6660,7 +7438,6 @@
               <a:rPr lang="fr-FR" noProof="0" dirty="0"/>
               <a:t>Texte de niveau 4</a:t>
             </a:r>
-            <a:endParaRPr lang="fr-FR" noProof="0" dirty="0"/>
           </a:p>
           <a:p>
             <a:pPr lvl="4"/>
@@ -6668,7 +7445,6 @@
               <a:rPr lang="fr-FR" noProof="0" dirty="0"/>
               <a:t>Texte de niveau 5</a:t>
             </a:r>
-            <a:endParaRPr lang="fr-FR" noProof="0" dirty="0"/>
           </a:p>
         </p:txBody>
       </p:sp>
@@ -6689,6 +7465,7 @@
           <a:p>
             <a:fld id="{603695C0-14E2-48AD-9FD9-408AC13866B4}" type="datetime1">
               <a:rPr lang="fr-FR" smtClean="0"/>
+              <a:t>01/03/2018</a:t>
             </a:fld>
             <a:endParaRPr lang="fr-FR" dirty="0"/>
           </a:p>
@@ -6713,7 +7490,6 @@
               <a:rPr lang="fr-FR" dirty="0"/>
               <a:t>Descripteurs locaux pour la recherche d’images similaires</a:t>
             </a:r>
-            <a:endParaRPr lang="fr-FR" dirty="0"/>
           </a:p>
         </p:txBody>
       </p:sp>
@@ -6734,6 +7510,7 @@
           <a:p>
             <a:fld id="{10C140CD-8AED-46FF-A9A2-77308F3F39AE}" type="slidenum">
               <a:rPr lang="fr-FR" smtClean="0"/>
+              <a:t>‹#›</a:t>
             </a:fld>
             <a:endParaRPr lang="fr-FR" dirty="0"/>
           </a:p>
@@ -6809,7 +7586,6 @@
               <a:rPr lang="fr-FR" noProof="0" dirty="0"/>
               <a:t>Sélectionner l’icône pour insérer une image</a:t>
             </a:r>
-            <a:endParaRPr lang="fr-FR" noProof="0" dirty="0"/>
           </a:p>
         </p:txBody>
       </p:sp>
@@ -6869,7 +7645,6 @@
               <a:rPr lang="fr-FR" dirty="0"/>
               <a:t>0.0 Titre</a:t>
             </a:r>
-            <a:endParaRPr lang="fr-FR" dirty="0"/>
           </a:p>
         </p:txBody>
       </p:sp>
@@ -6911,7 +7686,6 @@
               <a:rPr lang="fr-FR" noProof="0" dirty="0"/>
               <a:t>Texte de niveau 1</a:t>
             </a:r>
-            <a:endParaRPr lang="fr-FR" noProof="0" dirty="0"/>
           </a:p>
           <a:p>
             <a:pPr lvl="1"/>
@@ -6919,7 +7693,6 @@
               <a:rPr lang="fr-FR" noProof="0" dirty="0"/>
               <a:t>Texte de niveau 2</a:t>
             </a:r>
-            <a:endParaRPr lang="fr-FR" noProof="0" dirty="0"/>
           </a:p>
           <a:p>
             <a:pPr lvl="2"/>
@@ -6927,7 +7700,6 @@
               <a:rPr lang="fr-FR" noProof="0" dirty="0"/>
               <a:t>Texte de niveau 3</a:t>
             </a:r>
-            <a:endParaRPr lang="fr-FR" noProof="0" dirty="0"/>
           </a:p>
           <a:p>
             <a:pPr lvl="3"/>
@@ -6935,7 +7707,6 @@
               <a:rPr lang="fr-FR" noProof="0" dirty="0"/>
               <a:t>Texte de niveau 4</a:t>
             </a:r>
-            <a:endParaRPr lang="fr-FR" noProof="0" dirty="0"/>
           </a:p>
           <a:p>
             <a:pPr lvl="4"/>
@@ -6943,7 +7714,6 @@
               <a:rPr lang="fr-FR" noProof="0" dirty="0"/>
               <a:t>Texte de niveau 5</a:t>
             </a:r>
-            <a:endParaRPr lang="fr-FR" noProof="0" dirty="0"/>
           </a:p>
         </p:txBody>
       </p:sp>
@@ -6999,7 +7769,6 @@
               <a:rPr lang="fr-FR" noProof="0" dirty="0"/>
               <a:t>partenaire</a:t>
             </a:r>
-            <a:endParaRPr lang="fr-FR" noProof="0" dirty="0"/>
           </a:p>
         </p:txBody>
       </p:sp>
@@ -7020,6 +7789,7 @@
           <a:p>
             <a:fld id="{98E2A745-9137-47F7-8E9B-5BFBAFF7B600}" type="datetime1">
               <a:rPr lang="fr-FR" smtClean="0"/>
+              <a:t>01/03/2018</a:t>
             </a:fld>
             <a:endParaRPr lang="fr-FR" dirty="0"/>
           </a:p>
@@ -7044,7 +7814,6 @@
               <a:rPr lang="fr-FR" dirty="0"/>
               <a:t>Descripteurs locaux pour la recherche d’images similaires</a:t>
             </a:r>
-            <a:endParaRPr lang="fr-FR" dirty="0"/>
           </a:p>
         </p:txBody>
       </p:sp>
@@ -7065,6 +7834,7 @@
           <a:p>
             <a:fld id="{10C140CD-8AED-46FF-A9A2-77308F3F39AE}" type="slidenum">
               <a:rPr lang="fr-FR" smtClean="0"/>
+              <a:t>‹#›</a:t>
             </a:fld>
             <a:endParaRPr lang="fr-FR" dirty="0"/>
           </a:p>
@@ -7175,7 +7945,6 @@
               <a:rPr lang="fr-FR" noProof="0" dirty="0"/>
               <a:t>Chapitre 0 : Titre</a:t>
             </a:r>
-            <a:endParaRPr lang="fr-FR" noProof="0" dirty="0"/>
           </a:p>
         </p:txBody>
       </p:sp>
@@ -7209,7 +7978,6 @@
               <a:rPr lang="fr-FR" noProof="0" dirty="0"/>
               <a:t>Texte de niveau 1</a:t>
             </a:r>
-            <a:endParaRPr lang="fr-FR" noProof="0" dirty="0"/>
           </a:p>
           <a:p>
             <a:pPr lvl="1"/>
@@ -7217,7 +7985,6 @@
               <a:rPr lang="fr-FR" noProof="0" dirty="0"/>
               <a:t>Texte de niveau 2</a:t>
             </a:r>
-            <a:endParaRPr lang="fr-FR" noProof="0" dirty="0"/>
           </a:p>
           <a:p>
             <a:pPr lvl="2"/>
@@ -7225,7 +7992,6 @@
               <a:rPr lang="fr-FR" noProof="0" dirty="0"/>
               <a:t>Texte de niveau 3</a:t>
             </a:r>
-            <a:endParaRPr lang="fr-FR" noProof="0" dirty="0"/>
           </a:p>
           <a:p>
             <a:pPr lvl="3"/>
@@ -7233,7 +7999,6 @@
               <a:rPr lang="fr-FR" noProof="0" dirty="0"/>
               <a:t>Texte de niveau 4</a:t>
             </a:r>
-            <a:endParaRPr lang="fr-FR" noProof="0" dirty="0"/>
           </a:p>
           <a:p>
             <a:pPr lvl="4"/>
@@ -7241,7 +8006,6 @@
               <a:rPr lang="fr-FR" noProof="0" dirty="0"/>
               <a:t>Texte de niveau 5</a:t>
             </a:r>
-            <a:endParaRPr lang="fr-FR" noProof="0" dirty="0"/>
           </a:p>
         </p:txBody>
       </p:sp>
@@ -7280,6 +8044,7 @@
           <a:p>
             <a:fld id="{81A6A722-77CE-483A-9C01-962190722771}" type="datetime1">
               <a:rPr lang="fr-FR" smtClean="0"/>
+              <a:t>01/03/2018</a:t>
             </a:fld>
             <a:endParaRPr lang="fr-FR" dirty="0"/>
           </a:p>
@@ -7361,6 +8126,7 @@
           <a:p>
             <a:fld id="{10C140CD-8AED-46FF-A9A2-77308F3F39AE}" type="slidenum">
               <a:rPr lang="fr-FR" smtClean="0"/>
+              <a:t>‹#›</a:t>
             </a:fld>
             <a:endParaRPr lang="fr-FR" dirty="0"/>
           </a:p>
@@ -7375,7 +8141,7 @@
           <p:nvPr userDrawn="1"/>
         </p:nvPicPr>
         <p:blipFill>
-          <a:blip r:embed="rId10" cstate="print">
+          <a:blip r:embed="rId11" cstate="print">
             <a:extLst>
               <a:ext uri="{28A0092B-C50C-407E-A947-70E740481C1C}">
                 <a14:useLocalDpi xmlns:a14="http://schemas.microsoft.com/office/drawing/2010/main" val="0"/>
@@ -7748,6 +8514,7 @@
           <a:p>
             <a:fld id="{2D54133B-371A-451E-83B0-12E77C669547}" type="datetime1">
               <a:rPr lang="fr-FR" smtClean="0"/>
+              <a:t>01/03/2018</a:t>
             </a:fld>
             <a:endParaRPr lang="fr-FR" dirty="0"/>
           </a:p>
@@ -7770,6 +8537,7 @@
           <a:p>
             <a:fld id="{10C140CD-8AED-46FF-A9A2-77308F3F39AE}" type="slidenum">
               <a:rPr lang="fr-FR" smtClean="0"/>
+              <a:t>1</a:t>
             </a:fld>
             <a:endParaRPr lang="fr-FR"/>
           </a:p>
@@ -7814,14 +8582,24 @@
           <a:lstStyle/>
           <a:p>
             <a:r>
-              <a:rPr lang="en-US" dirty="0"/>
-              <a:t>Lot1 : </a:t>
-            </a:r>
-            <a:r>
-              <a:rPr lang="fr-FR" dirty="0"/>
+              <a:rPr lang="en-US" sz="3200" dirty="0" err="1"/>
+              <a:t>Sujet</a:t>
+            </a:r>
+            <a:r>
+              <a:rPr lang="en-US" sz="3200" dirty="0"/>
+              <a:t> 6 : </a:t>
+            </a:r>
+            <a:r>
+              <a:rPr lang="fr-FR" sz="3200" dirty="0"/>
               <a:t>Descripteurs locaux pour la recherche d’images similaires</a:t>
             </a:r>
-            <a:endParaRPr lang="en-US" dirty="0"/>
+          </a:p>
+          <a:p>
+            <a:r>
+              <a:rPr lang="fr-FR" sz="3200" dirty="0"/>
+              <a:t>LOT 1</a:t>
+            </a:r>
+            <a:endParaRPr lang="en-US" sz="3200" dirty="0"/>
           </a:p>
         </p:txBody>
       </p:sp>
@@ -7855,14 +8633,12 @@
               <a:rPr lang="en-US" dirty="0"/>
               <a:t> ZHU</a:t>
             </a:r>
-            <a:endParaRPr lang="en-US" dirty="0"/>
           </a:p>
           <a:p>
             <a:r>
               <a:rPr lang="en-US" dirty="0"/>
               <a:t>Yihong XU</a:t>
             </a:r>
-            <a:endParaRPr lang="en-US" dirty="0"/>
           </a:p>
         </p:txBody>
       </p:sp>
@@ -7948,6 +8724,7 @@
           <a:p>
             <a:fld id="{02F2A944-B0D2-4E65-9B75-234B8B45C846}" type="datetime1">
               <a:rPr lang="fr-FR" smtClean="0"/>
+              <a:t>01/03/2018</a:t>
             </a:fld>
             <a:endParaRPr lang="fr-FR" dirty="0"/>
           </a:p>
@@ -7972,7 +8749,6 @@
               <a:rPr lang="fr-FR" dirty="0"/>
               <a:t>Descripteurs locaux pour la recherche d’images similaires</a:t>
             </a:r>
-            <a:endParaRPr lang="fr-FR" dirty="0"/>
           </a:p>
         </p:txBody>
       </p:sp>
@@ -7993,6 +8769,7 @@
           <a:p>
             <a:fld id="{10C140CD-8AED-46FF-A9A2-77308F3F39AE}" type="slidenum">
               <a:rPr lang="fr-FR" smtClean="0"/>
+              <a:t>10</a:t>
             </a:fld>
             <a:endParaRPr lang="fr-FR" dirty="0"/>
           </a:p>
@@ -8017,13 +8794,55 @@
                 <a:tableStyleId>{5C22544A-7EE6-4342-B048-85BDC9FD1C3A}</a:tableStyleId>
               </a:tblPr>
               <a:tblGrid>
-                <a:gridCol w="1213783"/>
-                <a:gridCol w="1213783"/>
-                <a:gridCol w="1213783"/>
-                <a:gridCol w="1213783"/>
-                <a:gridCol w="1213783"/>
-                <a:gridCol w="1213783"/>
-                <a:gridCol w="1213783"/>
+                <a:gridCol w="1213783">
+                  <a:extLst>
+                    <a:ext uri="{9D8B030D-6E8A-4147-A177-3AD203B41FA5}">
+                      <a16:colId xmlns:a16="http://schemas.microsoft.com/office/drawing/2014/main" val="20000"/>
+                    </a:ext>
+                  </a:extLst>
+                </a:gridCol>
+                <a:gridCol w="1213783">
+                  <a:extLst>
+                    <a:ext uri="{9D8B030D-6E8A-4147-A177-3AD203B41FA5}">
+                      <a16:colId xmlns:a16="http://schemas.microsoft.com/office/drawing/2014/main" val="20001"/>
+                    </a:ext>
+                  </a:extLst>
+                </a:gridCol>
+                <a:gridCol w="1213783">
+                  <a:extLst>
+                    <a:ext uri="{9D8B030D-6E8A-4147-A177-3AD203B41FA5}">
+                      <a16:colId xmlns:a16="http://schemas.microsoft.com/office/drawing/2014/main" val="20002"/>
+                    </a:ext>
+                  </a:extLst>
+                </a:gridCol>
+                <a:gridCol w="1213783">
+                  <a:extLst>
+                    <a:ext uri="{9D8B030D-6E8A-4147-A177-3AD203B41FA5}">
+                      <a16:colId xmlns:a16="http://schemas.microsoft.com/office/drawing/2014/main" val="20003"/>
+                    </a:ext>
+                  </a:extLst>
+                </a:gridCol>
+                <a:gridCol w="1213783">
+                  <a:extLst>
+                    <a:ext uri="{9D8B030D-6E8A-4147-A177-3AD203B41FA5}">
+                      <a16:colId xmlns:a16="http://schemas.microsoft.com/office/drawing/2014/main" val="20004"/>
+                    </a:ext>
+                  </a:extLst>
+                </a:gridCol>
+                <a:gridCol w="1213783">
+                  <a:extLst>
+                    <a:ext uri="{9D8B030D-6E8A-4147-A177-3AD203B41FA5}">
+                      <a16:colId xmlns:a16="http://schemas.microsoft.com/office/drawing/2014/main" val="20005"/>
+                    </a:ext>
+                  </a:extLst>
+                </a:gridCol>
+                <a:gridCol w="1213783">
+                  <a:extLst>
+                    <a:ext uri="{9D8B030D-6E8A-4147-A177-3AD203B41FA5}">
+                      <a16:colId xmlns:a16="http://schemas.microsoft.com/office/drawing/2014/main" val="20006"/>
+                    </a:ext>
+                  </a:extLst>
+                </a:gridCol>
               </a:tblGrid>
               <a:tr h="394869">
                 <a:tc>
@@ -8109,6 +8928,13 @@
                   <a:tcPr marL="68580" marR="68580" marT="0" marB="0"/>
                 </a:tc>
                 <a:tc hMerge="1">
+                  <a:txBody>
+                    <a:bodyPr/>
+                    <a:lstStyle/>
+                    <a:p>
+                      <a:endParaRPr lang="zh-CN"/>
+                    </a:p>
+                  </a:txBody>
                   <a:tcPr/>
                 </a:tc>
                 <a:tc gridSpan="2">
@@ -8147,6 +8973,13 @@
                   <a:tcPr marL="68580" marR="68580" marT="0" marB="0"/>
                 </a:tc>
                 <a:tc hMerge="1">
+                  <a:txBody>
+                    <a:bodyPr/>
+                    <a:lstStyle/>
+                    <a:p>
+                      <a:endParaRPr lang="zh-CN"/>
+                    </a:p>
+                  </a:txBody>
                   <a:tcPr/>
                 </a:tc>
                 <a:tc gridSpan="2">
@@ -8185,8 +9018,20 @@
                   <a:tcPr marL="68580" marR="68580" marT="0" marB="0"/>
                 </a:tc>
                 <a:tc hMerge="1">
+                  <a:txBody>
+                    <a:bodyPr/>
+                    <a:lstStyle/>
+                    <a:p>
+                      <a:endParaRPr lang="zh-CN"/>
+                    </a:p>
+                  </a:txBody>
                   <a:tcPr/>
                 </a:tc>
+                <a:extLst>
+                  <a:ext uri="{0D108BD9-81ED-4DB2-BD59-A6C34878D82A}">
+                    <a16:rowId xmlns:a16="http://schemas.microsoft.com/office/drawing/2014/main" val="10000"/>
+                  </a:ext>
+                </a:extLst>
               </a:tr>
               <a:tr h="686907">
                 <a:tc>
@@ -8383,12 +9228,6 @@
                         </a:rPr>
                         <a:t>1_c (rotation)</a:t>
                       </a:r>
-                      <a:endParaRPr lang="en-US" sz="1100">
-                        <a:effectLst/>
-                        <a:latin typeface="Arial" panose="020B0604020202020204" pitchFamily="34" charset="0"/>
-                        <a:ea typeface="宋体" panose="02010600030101010101" pitchFamily="2" charset="-122"/>
-                        <a:cs typeface="Times New Roman" panose="02020603050405020304" pitchFamily="18" charset="0"/>
-                      </a:endParaRPr>
                     </a:p>
                   </a:txBody>
                   <a:tcPr marL="68580" marR="68580" marT="0" marB="0"/>
@@ -8415,16 +9254,15 @@
                         </a:rPr>
                         <a:t>251_i120 (color temperature)</a:t>
                       </a:r>
-                      <a:endParaRPr lang="en-US" sz="1100">
-                        <a:effectLst/>
-                        <a:latin typeface="Arial" panose="020B0604020202020204" pitchFamily="34" charset="0"/>
-                        <a:ea typeface="宋体" panose="02010600030101010101" pitchFamily="2" charset="-122"/>
-                        <a:cs typeface="Times New Roman" panose="02020603050405020304" pitchFamily="18" charset="0"/>
-                      </a:endParaRPr>
                     </a:p>
                   </a:txBody>
                   <a:tcPr marL="68580" marR="68580" marT="0" marB="0"/>
                 </a:tc>
+                <a:extLst>
+                  <a:ext uri="{0D108BD9-81ED-4DB2-BD59-A6C34878D82A}">
+                    <a16:rowId xmlns:a16="http://schemas.microsoft.com/office/drawing/2014/main" val="10001"/>
+                  </a:ext>
+                </a:extLst>
               </a:tr>
               <a:tr h="197434">
                 <a:tc>
@@ -8669,6 +9507,11 @@
                   </a:txBody>
                   <a:tcPr marL="68580" marR="68580" marT="0" marB="0"/>
                 </a:tc>
+                <a:extLst>
+                  <a:ext uri="{0D108BD9-81ED-4DB2-BD59-A6C34878D82A}">
+                    <a16:rowId xmlns:a16="http://schemas.microsoft.com/office/drawing/2014/main" val="10002"/>
+                  </a:ext>
+                </a:extLst>
               </a:tr>
               <a:tr h="197434">
                 <a:tc>
@@ -8910,6 +9753,11 @@
                   </a:txBody>
                   <a:tcPr marL="68580" marR="68580" marT="0" marB="0"/>
                 </a:tc>
+                <a:extLst>
+                  <a:ext uri="{0D108BD9-81ED-4DB2-BD59-A6C34878D82A}">
+                    <a16:rowId xmlns:a16="http://schemas.microsoft.com/office/drawing/2014/main" val="10003"/>
+                  </a:ext>
+                </a:extLst>
               </a:tr>
               <a:tr h="197434">
                 <a:tc>
@@ -9154,6 +10002,11 @@
                   </a:txBody>
                   <a:tcPr marL="68580" marR="68580" marT="0" marB="0"/>
                 </a:tc>
+                <a:extLst>
+                  <a:ext uri="{0D108BD9-81ED-4DB2-BD59-A6C34878D82A}">
+                    <a16:rowId xmlns:a16="http://schemas.microsoft.com/office/drawing/2014/main" val="10004"/>
+                  </a:ext>
+                </a:extLst>
               </a:tr>
               <a:tr h="197434">
                 <a:tc>
@@ -9395,6 +10248,11 @@
                   </a:txBody>
                   <a:tcPr marL="68580" marR="68580" marT="0" marB="0"/>
                 </a:tc>
+                <a:extLst>
+                  <a:ext uri="{0D108BD9-81ED-4DB2-BD59-A6C34878D82A}">
+                    <a16:rowId xmlns:a16="http://schemas.microsoft.com/office/drawing/2014/main" val="10005"/>
+                  </a:ext>
+                </a:extLst>
               </a:tr>
               <a:tr h="197434">
                 <a:tc>
@@ -9633,6 +10491,11 @@
                   </a:txBody>
                   <a:tcPr marL="68580" marR="68580" marT="0" marB="0"/>
                 </a:tc>
+                <a:extLst>
+                  <a:ext uri="{0D108BD9-81ED-4DB2-BD59-A6C34878D82A}">
+                    <a16:rowId xmlns:a16="http://schemas.microsoft.com/office/drawing/2014/main" val="10006"/>
+                  </a:ext>
+                </a:extLst>
               </a:tr>
               <a:tr h="197434">
                 <a:tc>
@@ -9877,6 +10740,11 @@
                   </a:txBody>
                   <a:tcPr marL="68580" marR="68580" marT="0" marB="0"/>
                 </a:tc>
+                <a:extLst>
+                  <a:ext uri="{0D108BD9-81ED-4DB2-BD59-A6C34878D82A}">
+                    <a16:rowId xmlns:a16="http://schemas.microsoft.com/office/drawing/2014/main" val="10007"/>
+                  </a:ext>
+                </a:extLst>
               </a:tr>
               <a:tr h="197434">
                 <a:tc>
@@ -10112,6 +10980,11 @@
                   </a:txBody>
                   <a:tcPr marL="68580" marR="68580" marT="0" marB="0"/>
                 </a:tc>
+                <a:extLst>
+                  <a:ext uri="{0D108BD9-81ED-4DB2-BD59-A6C34878D82A}">
+                    <a16:rowId xmlns:a16="http://schemas.microsoft.com/office/drawing/2014/main" val="10008"/>
+                  </a:ext>
+                </a:extLst>
               </a:tr>
               <a:tr h="197434">
                 <a:tc>
@@ -10350,6 +11223,11 @@
                   </a:txBody>
                   <a:tcPr marL="68580" marR="68580" marT="0" marB="0"/>
                 </a:tc>
+                <a:extLst>
+                  <a:ext uri="{0D108BD9-81ED-4DB2-BD59-A6C34878D82A}">
+                    <a16:rowId xmlns:a16="http://schemas.microsoft.com/office/drawing/2014/main" val="10009"/>
+                  </a:ext>
+                </a:extLst>
               </a:tr>
               <a:tr h="197434">
                 <a:tc>
@@ -10582,6 +11460,11 @@
                   </a:txBody>
                   <a:tcPr marL="68580" marR="68580" marT="0" marB="0"/>
                 </a:tc>
+                <a:extLst>
+                  <a:ext uri="{0D108BD9-81ED-4DB2-BD59-A6C34878D82A}">
+                    <a16:rowId xmlns:a16="http://schemas.microsoft.com/office/drawing/2014/main" val="10010"/>
+                  </a:ext>
+                </a:extLst>
               </a:tr>
               <a:tr h="237662">
                 <a:tc>
@@ -10823,6 +11706,11 @@
                   </a:txBody>
                   <a:tcPr marL="68580" marR="68580" marT="0" marB="0"/>
                 </a:tc>
+                <a:extLst>
+                  <a:ext uri="{0D108BD9-81ED-4DB2-BD59-A6C34878D82A}">
+                    <a16:rowId xmlns:a16="http://schemas.microsoft.com/office/drawing/2014/main" val="10011"/>
+                  </a:ext>
+                </a:extLst>
               </a:tr>
             </a:tbl>
           </a:graphicData>
@@ -10898,7 +11786,7 @@
           <p:nvPr/>
         </p:nvPicPr>
         <p:blipFill>
-          <a:blip r:embed="rId1" cstate="print">
+          <a:blip r:embed="rId3" cstate="print">
             <a:extLst>
               <a:ext uri="{28A0092B-C50C-407E-A947-70E740481C1C}">
                 <a14:useLocalDpi xmlns:a14="http://schemas.microsoft.com/office/drawing/2010/main" val="0"/>
@@ -10928,7 +11816,7 @@
           <p:nvPr/>
         </p:nvPicPr>
         <p:blipFill>
-          <a:blip r:embed="rId2" cstate="print">
+          <a:blip r:embed="rId4" cstate="print">
             <a:extLst>
               <a:ext uri="{28A0092B-C50C-407E-A947-70E740481C1C}">
                 <a14:useLocalDpi xmlns:a14="http://schemas.microsoft.com/office/drawing/2010/main" val="0"/>
@@ -11014,6 +11902,7 @@
           <a:p>
             <a:fld id="{02F2A944-B0D2-4E65-9B75-234B8B45C846}" type="datetime1">
               <a:rPr lang="fr-FR" smtClean="0"/>
+              <a:t>01/03/2018</a:t>
             </a:fld>
             <a:endParaRPr lang="fr-FR" dirty="0"/>
           </a:p>
@@ -11038,7 +11927,6 @@
               <a:rPr lang="fr-FR" dirty="0"/>
               <a:t>Descripteurs locaux pour la recherche d’images similaires</a:t>
             </a:r>
-            <a:endParaRPr lang="fr-FR" dirty="0"/>
           </a:p>
         </p:txBody>
       </p:sp>
@@ -11059,6 +11947,7 @@
           <a:p>
             <a:fld id="{10C140CD-8AED-46FF-A9A2-77308F3F39AE}" type="slidenum">
               <a:rPr lang="fr-FR" smtClean="0"/>
+              <a:t>11</a:t>
             </a:fld>
             <a:endParaRPr lang="fr-FR" dirty="0"/>
           </a:p>
@@ -11098,15 +11987,15 @@
                 <a:ea typeface="宋体" panose="02010600030101010101" pitchFamily="2" charset="-122"/>
                 <a:cs typeface="Times New Roman" panose="02020603050405020304" pitchFamily="18" charset="0"/>
               </a:rPr>
-              <a:t>L’ORB a une performance meilleure que d’autres méthodes dans le cas général parce qu’il est capable de détecter plus </a:t>
-            </a:r>
-            <a:r>
-              <a:rPr lang="fr-FR" sz="1600" dirty="0" err="1">
+              <a:t>L’ORB a une performance meilleure que d’autres méthodes dans le cas général parce qu’il est capable de détecter </a:t>
+            </a:r>
+            <a:r>
+              <a:rPr lang="fr-FR" sz="1600">
                 <a:latin typeface="Arial" panose="020B0604020202020204" pitchFamily="34" charset="0"/>
                 <a:ea typeface="宋体" panose="02010600030101010101" pitchFamily="2" charset="-122"/>
                 <a:cs typeface="Times New Roman" panose="02020603050405020304" pitchFamily="18" charset="0"/>
               </a:rPr>
-              <a:t>depoints</a:t>
+              <a:t>plus de points </a:t>
             </a:r>
             <a:r>
               <a:rPr lang="fr-FR" sz="1600" dirty="0">
@@ -11114,7 +12003,7 @@
                 <a:ea typeface="宋体" panose="02010600030101010101" pitchFamily="2" charset="-122"/>
                 <a:cs typeface="Times New Roman" panose="02020603050405020304" pitchFamily="18" charset="0"/>
               </a:rPr>
-              <a:t> caractéristiques.</a:t>
+              <a:t>caractéristiques.</a:t>
             </a:r>
             <a:endParaRPr lang="en-US" sz="1600" dirty="0">
               <a:latin typeface="Arial" panose="020B0604020202020204" pitchFamily="34" charset="0"/>
@@ -11309,6 +12198,7 @@
           <a:p>
             <a:fld id="{02F2A944-B0D2-4E65-9B75-234B8B45C846}" type="datetime1">
               <a:rPr lang="fr-FR" smtClean="0"/>
+              <a:t>01/03/2018</a:t>
             </a:fld>
             <a:endParaRPr lang="fr-FR" dirty="0"/>
           </a:p>
@@ -11333,7 +12223,6 @@
               <a:rPr lang="fr-FR" dirty="0"/>
               <a:t>Descripteurs locaux pour la recherche d’images similaires</a:t>
             </a:r>
-            <a:endParaRPr lang="fr-FR" dirty="0"/>
           </a:p>
         </p:txBody>
       </p:sp>
@@ -11354,6 +12243,7 @@
           <a:p>
             <a:fld id="{10C140CD-8AED-46FF-A9A2-77308F3F39AE}" type="slidenum">
               <a:rPr lang="fr-FR" smtClean="0"/>
+              <a:t>12</a:t>
             </a:fld>
             <a:endParaRPr lang="fr-FR" dirty="0"/>
           </a:p>
@@ -11464,15 +12354,13 @@
               <a:rPr lang="fr-FR" sz="1400" dirty="0"/>
               <a:t>Problmatique</a:t>
             </a:r>
-            <a:endParaRPr lang="fr-FR" sz="1400" dirty="0"/>
           </a:p>
           <a:p>
             <a:pPr lvl="0"/>
             <a:r>
               <a:rPr lang="fr-FR" sz="1400" dirty="0"/>
-              <a:t>Introduction dedescripteurs</a:t>
-            </a:r>
-            <a:endParaRPr lang="fr-FR" sz="1400" dirty="0"/>
+              <a:t>Introduction de descripteurs</a:t>
+            </a:r>
           </a:p>
           <a:p>
             <a:pPr lvl="0"/>
@@ -11480,28 +12368,24 @@
               <a:rPr lang="fr-FR" sz="1400" dirty="0"/>
               <a:t>Introduction de la BASE de donnees</a:t>
             </a:r>
-            <a:endParaRPr lang="fr-FR" sz="1400" dirty="0"/>
           </a:p>
           <a:p>
             <a:r>
               <a:rPr lang="fr-FR" sz="1400" dirty="0"/>
               <a:t>Chaine du traitement </a:t>
             </a:r>
-            <a:endParaRPr lang="fr-FR" sz="1400" dirty="0"/>
           </a:p>
           <a:p>
             <a:r>
               <a:rPr lang="fr-FR" sz="1400" dirty="0"/>
               <a:t>PHASE DE TESTs ET COMPARAISONS</a:t>
             </a:r>
-            <a:endParaRPr lang="fr-FR" sz="1400" dirty="0"/>
           </a:p>
           <a:p>
             <a:r>
               <a:rPr lang="fr-FR" sz="1400" dirty="0"/>
               <a:t>Conclusions</a:t>
             </a:r>
-            <a:endParaRPr lang="fr-FR" sz="1400" dirty="0"/>
           </a:p>
         </p:txBody>
       </p:sp>
@@ -11595,7 +12479,6 @@
               <a:rPr lang="fr-FR" dirty="0"/>
               <a:t>Objectif : </a:t>
             </a:r>
-            <a:endParaRPr lang="fr-FR" dirty="0"/>
           </a:p>
           <a:p>
             <a:pPr algn="just"/>
@@ -11603,7 +12486,6 @@
               <a:rPr lang="fr-FR" dirty="0"/>
               <a:t>Rechercher de manière automatique les objets similaires dans les images dont l’angle de visualisation et la condition luminaire changent. L’entrée et une image ayant un objet principal et la sortie souhaitée est des images des objets les plus similaires en termes de distance. </a:t>
             </a:r>
-            <a:endParaRPr lang="fr-FR" dirty="0"/>
           </a:p>
           <a:p>
             <a:pPr algn="just"/>
@@ -11643,6 +12525,7 @@
           <a:p>
             <a:fld id="{02F2A944-B0D2-4E65-9B75-234B8B45C846}" type="datetime1">
               <a:rPr lang="fr-FR" smtClean="0"/>
+              <a:t>01/03/2018</a:t>
             </a:fld>
             <a:endParaRPr lang="fr-FR" dirty="0"/>
           </a:p>
@@ -11667,7 +12550,6 @@
               <a:rPr lang="fr-FR" dirty="0"/>
               <a:t>Descripteurs locaux pour la recherche d’images similaires</a:t>
             </a:r>
-            <a:endParaRPr lang="fr-FR" dirty="0"/>
           </a:p>
         </p:txBody>
       </p:sp>
@@ -11688,6 +12570,7 @@
           <a:p>
             <a:fld id="{10C140CD-8AED-46FF-A9A2-77308F3F39AE}" type="slidenum">
               <a:rPr lang="fr-FR" smtClean="0"/>
+              <a:t>3</a:t>
             </a:fld>
             <a:endParaRPr lang="fr-FR" dirty="0"/>
           </a:p>
@@ -11758,6 +12641,7 @@
           <a:p>
             <a:fld id="{02F2A944-B0D2-4E65-9B75-234B8B45C846}" type="datetime1">
               <a:rPr lang="fr-FR" smtClean="0"/>
+              <a:t>01/03/2018</a:t>
             </a:fld>
             <a:endParaRPr lang="fr-FR" dirty="0"/>
           </a:p>
@@ -11782,7 +12666,6 @@
               <a:rPr lang="fr-FR" dirty="0"/>
               <a:t>Descripteurs locaux pour la recherche d’images similaires</a:t>
             </a:r>
-            <a:endParaRPr lang="fr-FR" dirty="0"/>
           </a:p>
         </p:txBody>
       </p:sp>
@@ -11803,6 +12686,7 @@
           <a:p>
             <a:fld id="{10C140CD-8AED-46FF-A9A2-77308F3F39AE}" type="slidenum">
               <a:rPr lang="fr-FR" smtClean="0"/>
+              <a:t>4</a:t>
             </a:fld>
             <a:endParaRPr lang="fr-FR" dirty="0"/>
           </a:p>
@@ -11815,7 +12699,7 @@
           <p:nvPr/>
         </p:nvPicPr>
         <p:blipFill>
-          <a:blip r:embed="rId1">
+          <a:blip r:embed="rId3">
             <a:extLst>
               <a:ext uri="{28A0092B-C50C-407E-A947-70E740481C1C}">
                 <a14:useLocalDpi xmlns:a14="http://schemas.microsoft.com/office/drawing/2010/main" val="0"/>
@@ -11843,7 +12727,7 @@
           <p:nvPr/>
         </p:nvPicPr>
         <p:blipFill>
-          <a:blip r:embed="rId2">
+          <a:blip r:embed="rId4">
             <a:extLst>
               <a:ext uri="{28A0092B-C50C-407E-A947-70E740481C1C}">
                 <a14:useLocalDpi xmlns:a14="http://schemas.microsoft.com/office/drawing/2010/main" val="0"/>
@@ -11871,7 +12755,7 @@
           <p:nvPr/>
         </p:nvPicPr>
         <p:blipFill>
-          <a:blip r:embed="rId3">
+          <a:blip r:embed="rId5">
             <a:extLst>
               <a:ext uri="{28A0092B-C50C-407E-A947-70E740481C1C}">
                 <a14:useLocalDpi xmlns:a14="http://schemas.microsoft.com/office/drawing/2010/main" val="0"/>
@@ -12095,7 +12979,6 @@
               <a:rPr lang="fr-FR" dirty="0"/>
               <a:t>Introduction de la de données</a:t>
             </a:r>
-            <a:endParaRPr lang="fr-FR" dirty="0"/>
           </a:p>
         </p:txBody>
       </p:sp>
@@ -12124,7 +13007,6 @@
               <a:rPr lang="fr-FR" b="1" dirty="0"/>
               <a:t>Changement de température de couleur</a:t>
             </a:r>
-            <a:endParaRPr lang="fr-FR" b="1" dirty="0"/>
           </a:p>
           <a:p>
             <a:pPr algn="just"/>
@@ -12180,6 +13062,7 @@
           <a:p>
             <a:fld id="{02F2A944-B0D2-4E65-9B75-234B8B45C846}" type="datetime1">
               <a:rPr lang="fr-FR" smtClean="0"/>
+              <a:t>01/03/2018</a:t>
             </a:fld>
             <a:endParaRPr lang="fr-FR" dirty="0"/>
           </a:p>
@@ -12204,7 +13087,6 @@
               <a:rPr lang="fr-FR" dirty="0"/>
               <a:t>Descripteurs locaux pour la recherche d’images similaires</a:t>
             </a:r>
-            <a:endParaRPr lang="fr-FR" dirty="0"/>
           </a:p>
         </p:txBody>
       </p:sp>
@@ -12225,6 +13107,7 @@
           <a:p>
             <a:fld id="{10C140CD-8AED-46FF-A9A2-77308F3F39AE}" type="slidenum">
               <a:rPr lang="fr-FR" smtClean="0"/>
+              <a:t>5</a:t>
             </a:fld>
             <a:endParaRPr lang="fr-FR" dirty="0"/>
           </a:p>
@@ -12237,7 +13120,7 @@
           <p:nvPr/>
         </p:nvPicPr>
         <p:blipFill>
-          <a:blip r:embed="rId1">
+          <a:blip r:embed="rId2">
             <a:extLst>
               <a:ext uri="{28A0092B-C50C-407E-A947-70E740481C1C}">
                 <a14:useLocalDpi xmlns:a14="http://schemas.microsoft.com/office/drawing/2010/main" val="0"/>
@@ -12270,7 +13153,7 @@
           <p:nvPr/>
         </p:nvPicPr>
         <p:blipFill>
-          <a:blip r:embed="rId2">
+          <a:blip r:embed="rId3">
             <a:extLst>
               <a:ext uri="{28A0092B-C50C-407E-A947-70E740481C1C}">
                 <a14:useLocalDpi xmlns:a14="http://schemas.microsoft.com/office/drawing/2010/main" val="0"/>
@@ -12326,7 +13209,6 @@
               <a:rPr lang="fr-FR" dirty="0"/>
               <a:t>100 classes</a:t>
             </a:r>
-            <a:endParaRPr lang="fr-FR" dirty="0"/>
           </a:p>
           <a:p>
             <a:endParaRPr lang="fr-FR" dirty="0"/>
@@ -12340,14 +13222,12 @@
               <a:rPr lang="fr-FR" dirty="0"/>
               <a:t>15 images/classe </a:t>
             </a:r>
-            <a:endParaRPr lang="fr-FR" dirty="0"/>
           </a:p>
           <a:p>
             <a:r>
               <a:rPr lang="fr-FR" dirty="0"/>
               <a:t>(12 températures + 3 rotations)</a:t>
             </a:r>
-            <a:endParaRPr lang="fr-FR" dirty="0"/>
           </a:p>
           <a:p>
             <a:endParaRPr lang="fr-FR" dirty="0"/>
@@ -12361,14 +13241,12 @@
               <a:rPr lang="fr-FR" dirty="0"/>
               <a:t>2/3 pour la base de recherche </a:t>
             </a:r>
-            <a:endParaRPr lang="fr-FR" dirty="0"/>
           </a:p>
           <a:p>
             <a:r>
               <a:rPr lang="fr-FR" dirty="0"/>
               <a:t>(2 rotations + 8 températures /classe)</a:t>
             </a:r>
-            <a:endParaRPr lang="fr-FR" dirty="0"/>
           </a:p>
           <a:p>
             <a:endParaRPr lang="fr-FR" dirty="0"/>
@@ -12382,7 +13260,6 @@
               <a:rPr lang="fr-FR" dirty="0"/>
               <a:t>1/3 pour le test </a:t>
             </a:r>
-            <a:endParaRPr lang="fr-FR" dirty="0"/>
           </a:p>
           <a:p>
             <a:r>
@@ -12458,6 +13335,7 @@
           <a:p>
             <a:fld id="{02F2A944-B0D2-4E65-9B75-234B8B45C846}" type="datetime1">
               <a:rPr lang="fr-FR" smtClean="0"/>
+              <a:t>01/03/2018</a:t>
             </a:fld>
             <a:endParaRPr lang="fr-FR" dirty="0"/>
           </a:p>
@@ -12482,7 +13360,6 @@
               <a:rPr lang="fr-FR" dirty="0"/>
               <a:t>Descripteurs locaux pour la recherche d’images similaires</a:t>
             </a:r>
-            <a:endParaRPr lang="fr-FR" dirty="0"/>
           </a:p>
         </p:txBody>
       </p:sp>
@@ -12503,6 +13380,7 @@
           <a:p>
             <a:fld id="{10C140CD-8AED-46FF-A9A2-77308F3F39AE}" type="slidenum">
               <a:rPr lang="fr-FR" smtClean="0"/>
+              <a:t>6</a:t>
             </a:fld>
             <a:endParaRPr lang="fr-FR" dirty="0"/>
           </a:p>
@@ -12515,7 +13393,7 @@
           <p:nvPr/>
         </p:nvPicPr>
         <p:blipFill>
-          <a:blip r:embed="rId1">
+          <a:blip r:embed="rId2">
             <a:extLst>
               <a:ext uri="{28A0092B-C50C-407E-A947-70E740481C1C}">
                 <a14:useLocalDpi xmlns:a14="http://schemas.microsoft.com/office/drawing/2010/main" val="0"/>
@@ -12614,6 +13492,7 @@
           <a:p>
             <a:fld id="{02F2A944-B0D2-4E65-9B75-234B8B45C846}" type="datetime1">
               <a:rPr lang="fr-FR" smtClean="0"/>
+              <a:t>01/03/2018</a:t>
             </a:fld>
             <a:endParaRPr lang="fr-FR" dirty="0"/>
           </a:p>
@@ -12638,7 +13517,6 @@
               <a:rPr lang="fr-FR" dirty="0"/>
               <a:t>Descripteurs locaux pour la recherche d’images similaires</a:t>
             </a:r>
-            <a:endParaRPr lang="fr-FR" dirty="0"/>
           </a:p>
         </p:txBody>
       </p:sp>
@@ -12659,13 +13537,14 @@
           <a:p>
             <a:fld id="{10C140CD-8AED-46FF-A9A2-77308F3F39AE}" type="slidenum">
               <a:rPr lang="fr-FR" smtClean="0"/>
+              <a:t>7</a:t>
             </a:fld>
             <a:endParaRPr lang="fr-FR" dirty="0"/>
           </a:p>
         </p:txBody>
       </p:sp>
-      <mc:AlternateContent xmlns:mc="http://schemas.openxmlformats.org/markup-compatibility/2006">
-        <mc:Choice xmlns:a14="http://schemas.microsoft.com/office/drawing/2010/main" Requires="a14">
+      <mc:AlternateContent xmlns:mc="http://schemas.openxmlformats.org/markup-compatibility/2006" xmlns:a14="http://schemas.microsoft.com/office/drawing/2010/main">
+        <mc:Choice Requires="a14">
           <p:sp>
             <p:nvSpPr>
               <p:cNvPr id="3" name="文本框 2"/>
@@ -12880,7 +13759,7 @@
             </p:txBody>
           </p:sp>
         </mc:Choice>
-        <mc:Fallback>
+        <mc:Fallback xmlns="">
           <p:sp>
             <p:nvSpPr>
               <p:cNvPr id="3" name="文本框 2"/>
@@ -12898,7 +13777,7 @@
                 <a:avLst/>
               </a:prstGeom>
               <a:blipFill rotWithShape="1">
-                <a:blip r:embed="rId1"/>
+                <a:blip r:embed="rId3"/>
                 <a:stretch>
                   <a:fillRect/>
                 </a:stretch>
@@ -12929,7 +13808,7 @@
           <p:nvPr/>
         </p:nvPicPr>
         <p:blipFill>
-          <a:blip r:embed="rId2">
+          <a:blip r:embed="rId4">
             <a:extLst>
               <a:ext uri="{28A0092B-C50C-407E-A947-70E740481C1C}">
                 <a14:useLocalDpi xmlns:a14="http://schemas.microsoft.com/office/drawing/2010/main" val="0"/>
@@ -12969,9 +13848,27 @@
                 <a:tableStyleId>{5C22544A-7EE6-4342-B048-85BDC9FD1C3A}</a:tableStyleId>
               </a:tblPr>
               <a:tblGrid>
-                <a:gridCol w="1297991"/>
-                <a:gridCol w="1297991"/>
-                <a:gridCol w="1297991"/>
+                <a:gridCol w="1297991">
+                  <a:extLst>
+                    <a:ext uri="{9D8B030D-6E8A-4147-A177-3AD203B41FA5}">
+                      <a16:colId xmlns:a16="http://schemas.microsoft.com/office/drawing/2014/main" val="20000"/>
+                    </a:ext>
+                  </a:extLst>
+                </a:gridCol>
+                <a:gridCol w="1297991">
+                  <a:extLst>
+                    <a:ext uri="{9D8B030D-6E8A-4147-A177-3AD203B41FA5}">
+                      <a16:colId xmlns:a16="http://schemas.microsoft.com/office/drawing/2014/main" val="20001"/>
+                    </a:ext>
+                  </a:extLst>
+                </a:gridCol>
+                <a:gridCol w="1297991">
+                  <a:extLst>
+                    <a:ext uri="{9D8B030D-6E8A-4147-A177-3AD203B41FA5}">
+                      <a16:colId xmlns:a16="http://schemas.microsoft.com/office/drawing/2014/main" val="20002"/>
+                    </a:ext>
+                  </a:extLst>
+                </a:gridCol>
               </a:tblGrid>
               <a:tr h="432162">
                 <a:tc>
@@ -13079,6 +13976,11 @@
                   </a:txBody>
                   <a:tcPr marL="68580" marR="68580" marT="0" marB="0"/>
                 </a:tc>
+                <a:extLst>
+                  <a:ext uri="{0D108BD9-81ED-4DB2-BD59-A6C34878D82A}">
+                    <a16:rowId xmlns:a16="http://schemas.microsoft.com/office/drawing/2014/main" val="10000"/>
+                  </a:ext>
+                </a:extLst>
               </a:tr>
               <a:tr h="432162">
                 <a:tc>
@@ -13180,6 +14082,11 @@
                   </a:txBody>
                   <a:tcPr marL="68580" marR="68580" marT="0" marB="0"/>
                 </a:tc>
+                <a:extLst>
+                  <a:ext uri="{0D108BD9-81ED-4DB2-BD59-A6C34878D82A}">
+                    <a16:rowId xmlns:a16="http://schemas.microsoft.com/office/drawing/2014/main" val="10001"/>
+                  </a:ext>
+                </a:extLst>
               </a:tr>
               <a:tr h="432162">
                 <a:tc>
@@ -13281,6 +14188,11 @@
                   </a:txBody>
                   <a:tcPr marL="68580" marR="68580" marT="0" marB="0"/>
                 </a:tc>
+                <a:extLst>
+                  <a:ext uri="{0D108BD9-81ED-4DB2-BD59-A6C34878D82A}">
+                    <a16:rowId xmlns:a16="http://schemas.microsoft.com/office/drawing/2014/main" val="10002"/>
+                  </a:ext>
+                </a:extLst>
               </a:tr>
               <a:tr h="432162">
                 <a:tc>
@@ -13382,6 +14294,11 @@
                   </a:txBody>
                   <a:tcPr marL="68580" marR="68580" marT="0" marB="0"/>
                 </a:tc>
+                <a:extLst>
+                  <a:ext uri="{0D108BD9-81ED-4DB2-BD59-A6C34878D82A}">
+                    <a16:rowId xmlns:a16="http://schemas.microsoft.com/office/drawing/2014/main" val="10003"/>
+                  </a:ext>
+                </a:extLst>
               </a:tr>
             </a:tbl>
           </a:graphicData>
@@ -13429,7 +14346,6 @@
               <a:rPr lang="fr-FR" dirty="0"/>
               <a:t>) = 50 ;</a:t>
             </a:r>
-            <a:endParaRPr lang="fr-FR" dirty="0"/>
           </a:p>
           <a:p>
             <a:r>
@@ -13518,6 +14434,7 @@
           <a:p>
             <a:fld id="{02F2A944-B0D2-4E65-9B75-234B8B45C846}" type="datetime1">
               <a:rPr lang="fr-FR" smtClean="0"/>
+              <a:t>01/03/2018</a:t>
             </a:fld>
             <a:endParaRPr lang="fr-FR" dirty="0"/>
           </a:p>
@@ -13542,7 +14459,6 @@
               <a:rPr lang="fr-FR" dirty="0"/>
               <a:t>Descripteurs locaux pour la recherche d’images similaires</a:t>
             </a:r>
-            <a:endParaRPr lang="fr-FR" dirty="0"/>
           </a:p>
         </p:txBody>
       </p:sp>
@@ -13563,13 +14479,14 @@
           <a:p>
             <a:fld id="{10C140CD-8AED-46FF-A9A2-77308F3F39AE}" type="slidenum">
               <a:rPr lang="fr-FR" smtClean="0"/>
+              <a:t>8</a:t>
             </a:fld>
             <a:endParaRPr lang="fr-FR" dirty="0"/>
           </a:p>
         </p:txBody>
       </p:sp>
-      <mc:AlternateContent xmlns:mc="http://schemas.openxmlformats.org/markup-compatibility/2006">
-        <mc:Choice xmlns:a14="http://schemas.microsoft.com/office/drawing/2010/main" Requires="a14">
+      <mc:AlternateContent xmlns:mc="http://schemas.openxmlformats.org/markup-compatibility/2006" xmlns:a14="http://schemas.microsoft.com/office/drawing/2010/main">
+        <mc:Choice Requires="a14">
           <p:sp>
             <p:nvSpPr>
               <p:cNvPr id="3" name="文本框 2"/>
@@ -13784,7 +14701,7 @@
             </p:txBody>
           </p:sp>
         </mc:Choice>
-        <mc:Fallback>
+        <mc:Fallback xmlns="">
           <p:sp>
             <p:nvSpPr>
               <p:cNvPr id="3" name="文本框 2"/>
@@ -13802,7 +14719,7 @@
                 <a:avLst/>
               </a:prstGeom>
               <a:blipFill rotWithShape="1">
-                <a:blip r:embed="rId2"/>
+                <a:blip r:embed="rId3"/>
                 <a:stretch>
                   <a:fillRect/>
                 </a:stretch>
@@ -13845,9 +14762,27 @@
                 <a:tableStyleId>{5C22544A-7EE6-4342-B048-85BDC9FD1C3A}</a:tableStyleId>
               </a:tblPr>
               <a:tblGrid>
-                <a:gridCol w="1297991"/>
-                <a:gridCol w="1297991"/>
-                <a:gridCol w="1297991"/>
+                <a:gridCol w="1297991">
+                  <a:extLst>
+                    <a:ext uri="{9D8B030D-6E8A-4147-A177-3AD203B41FA5}">
+                      <a16:colId xmlns:a16="http://schemas.microsoft.com/office/drawing/2014/main" val="20000"/>
+                    </a:ext>
+                  </a:extLst>
+                </a:gridCol>
+                <a:gridCol w="1297991">
+                  <a:extLst>
+                    <a:ext uri="{9D8B030D-6E8A-4147-A177-3AD203B41FA5}">
+                      <a16:colId xmlns:a16="http://schemas.microsoft.com/office/drawing/2014/main" val="20001"/>
+                    </a:ext>
+                  </a:extLst>
+                </a:gridCol>
+                <a:gridCol w="1297991">
+                  <a:extLst>
+                    <a:ext uri="{9D8B030D-6E8A-4147-A177-3AD203B41FA5}">
+                      <a16:colId xmlns:a16="http://schemas.microsoft.com/office/drawing/2014/main" val="20002"/>
+                    </a:ext>
+                  </a:extLst>
+                </a:gridCol>
               </a:tblGrid>
               <a:tr h="432162">
                 <a:tc>
@@ -13955,6 +14890,11 @@
                   </a:txBody>
                   <a:tcPr marL="68580" marR="68580" marT="0" marB="0"/>
                 </a:tc>
+                <a:extLst>
+                  <a:ext uri="{0D108BD9-81ED-4DB2-BD59-A6C34878D82A}">
+                    <a16:rowId xmlns:a16="http://schemas.microsoft.com/office/drawing/2014/main" val="10000"/>
+                  </a:ext>
+                </a:extLst>
               </a:tr>
               <a:tr h="432162">
                 <a:tc>
@@ -14075,6 +15015,11 @@
                   </a:txBody>
                   <a:tcPr marL="68580" marR="68580" marT="0" marB="0" anchor="ctr"/>
                 </a:tc>
+                <a:extLst>
+                  <a:ext uri="{0D108BD9-81ED-4DB2-BD59-A6C34878D82A}">
+                    <a16:rowId xmlns:a16="http://schemas.microsoft.com/office/drawing/2014/main" val="10001"/>
+                  </a:ext>
+                </a:extLst>
               </a:tr>
               <a:tr h="432162">
                 <a:tc>
@@ -14195,6 +15140,11 @@
                   </a:txBody>
                   <a:tcPr marL="68580" marR="68580" marT="0" marB="0" anchor="ctr"/>
                 </a:tc>
+                <a:extLst>
+                  <a:ext uri="{0D108BD9-81ED-4DB2-BD59-A6C34878D82A}">
+                    <a16:rowId xmlns:a16="http://schemas.microsoft.com/office/drawing/2014/main" val="10002"/>
+                  </a:ext>
+                </a:extLst>
               </a:tr>
               <a:tr h="432162">
                 <a:tc>
@@ -14315,6 +15265,11 @@
                   </a:txBody>
                   <a:tcPr marL="68580" marR="68580" marT="0" marB="0" anchor="ctr"/>
                 </a:tc>
+                <a:extLst>
+                  <a:ext uri="{0D108BD9-81ED-4DB2-BD59-A6C34878D82A}">
+                    <a16:rowId xmlns:a16="http://schemas.microsoft.com/office/drawing/2014/main" val="10003"/>
+                  </a:ext>
+                </a:extLst>
               </a:tr>
             </a:tbl>
           </a:graphicData>
@@ -14346,7 +15301,6 @@
               <a:rPr lang="fr-FR" dirty="0"/>
               <a:t> descripteur ORB ;</a:t>
             </a:r>
-            <a:endParaRPr lang="fr-FR" dirty="0"/>
           </a:p>
           <a:p>
             <a:r>
@@ -14385,7 +15339,7 @@
         </p:xfrm>
         <a:graphic>
           <a:graphicData uri="http://schemas.openxmlformats.org/drawingml/2006/chart">
-            <c:chart xmlns:c="http://schemas.openxmlformats.org/drawingml/2006/chart" xmlns:r="http://schemas.openxmlformats.org/officeDocument/2006/relationships" r:id="rId1"/>
+            <c:chart xmlns:c="http://schemas.openxmlformats.org/drawingml/2006/chart" xmlns:r="http://schemas.openxmlformats.org/officeDocument/2006/relationships" r:id="rId4"/>
           </a:graphicData>
         </a:graphic>
       </p:graphicFrame>
@@ -14467,6 +15421,7 @@
           <a:p>
             <a:fld id="{02F2A944-B0D2-4E65-9B75-234B8B45C846}" type="datetime1">
               <a:rPr lang="fr-FR" smtClean="0"/>
+              <a:t>01/03/2018</a:t>
             </a:fld>
             <a:endParaRPr lang="fr-FR" dirty="0"/>
           </a:p>
@@ -14491,7 +15446,6 @@
               <a:rPr lang="fr-FR" dirty="0"/>
               <a:t>Descripteurs locaux pour la recherche d’images similaires</a:t>
             </a:r>
-            <a:endParaRPr lang="fr-FR" dirty="0"/>
           </a:p>
         </p:txBody>
       </p:sp>
@@ -14512,13 +15466,14 @@
           <a:p>
             <a:fld id="{10C140CD-8AED-46FF-A9A2-77308F3F39AE}" type="slidenum">
               <a:rPr lang="fr-FR" smtClean="0"/>
+              <a:t>9</a:t>
             </a:fld>
             <a:endParaRPr lang="fr-FR" dirty="0"/>
           </a:p>
         </p:txBody>
       </p:sp>
-      <mc:AlternateContent xmlns:mc="http://schemas.openxmlformats.org/markup-compatibility/2006">
-        <mc:Choice xmlns:a14="http://schemas.microsoft.com/office/drawing/2010/main" Requires="a14">
+      <mc:AlternateContent xmlns:mc="http://schemas.openxmlformats.org/markup-compatibility/2006" xmlns:a14="http://schemas.microsoft.com/office/drawing/2010/main">
+        <mc:Choice Requires="a14">
           <p:sp>
             <p:nvSpPr>
               <p:cNvPr id="3" name="文本框 2"/>
@@ -14733,7 +15688,7 @@
             </p:txBody>
           </p:sp>
         </mc:Choice>
-        <mc:Fallback>
+        <mc:Fallback xmlns="">
           <p:sp>
             <p:nvSpPr>
               <p:cNvPr id="3" name="文本框 2"/>
@@ -14751,7 +15706,7 @@
                 <a:avLst/>
               </a:prstGeom>
               <a:blipFill rotWithShape="1">
-                <a:blip r:embed="rId2"/>
+                <a:blip r:embed="rId3"/>
                 <a:stretch>
                   <a:fillRect/>
                 </a:stretch>
@@ -14794,9 +15749,27 @@
                 <a:tableStyleId>{5C22544A-7EE6-4342-B048-85BDC9FD1C3A}</a:tableStyleId>
               </a:tblPr>
               <a:tblGrid>
-                <a:gridCol w="1297991"/>
-                <a:gridCol w="1297991"/>
-                <a:gridCol w="1297991"/>
+                <a:gridCol w="1297991">
+                  <a:extLst>
+                    <a:ext uri="{9D8B030D-6E8A-4147-A177-3AD203B41FA5}">
+                      <a16:colId xmlns:a16="http://schemas.microsoft.com/office/drawing/2014/main" val="20000"/>
+                    </a:ext>
+                  </a:extLst>
+                </a:gridCol>
+                <a:gridCol w="1297991">
+                  <a:extLst>
+                    <a:ext uri="{9D8B030D-6E8A-4147-A177-3AD203B41FA5}">
+                      <a16:colId xmlns:a16="http://schemas.microsoft.com/office/drawing/2014/main" val="20001"/>
+                    </a:ext>
+                  </a:extLst>
+                </a:gridCol>
+                <a:gridCol w="1297991">
+                  <a:extLst>
+                    <a:ext uri="{9D8B030D-6E8A-4147-A177-3AD203B41FA5}">
+                      <a16:colId xmlns:a16="http://schemas.microsoft.com/office/drawing/2014/main" val="20002"/>
+                    </a:ext>
+                  </a:extLst>
+                </a:gridCol>
               </a:tblGrid>
               <a:tr h="432162">
                 <a:tc>
@@ -14904,6 +15877,11 @@
                   </a:txBody>
                   <a:tcPr marL="68580" marR="68580" marT="0" marB="0"/>
                 </a:tc>
+                <a:extLst>
+                  <a:ext uri="{0D108BD9-81ED-4DB2-BD59-A6C34878D82A}">
+                    <a16:rowId xmlns:a16="http://schemas.microsoft.com/office/drawing/2014/main" val="10000"/>
+                  </a:ext>
+                </a:extLst>
               </a:tr>
               <a:tr h="432162">
                 <a:tc>
@@ -15056,6 +16034,11 @@
                   </a:txBody>
                   <a:tcPr marL="68580" marR="68580" marT="0" marB="0"/>
                 </a:tc>
+                <a:extLst>
+                  <a:ext uri="{0D108BD9-81ED-4DB2-BD59-A6C34878D82A}">
+                    <a16:rowId xmlns:a16="http://schemas.microsoft.com/office/drawing/2014/main" val="10001"/>
+                  </a:ext>
+                </a:extLst>
               </a:tr>
               <a:tr h="432162">
                 <a:tc>
@@ -15208,6 +16191,11 @@
                   </a:txBody>
                   <a:tcPr marL="68580" marR="68580" marT="0" marB="0"/>
                 </a:tc>
+                <a:extLst>
+                  <a:ext uri="{0D108BD9-81ED-4DB2-BD59-A6C34878D82A}">
+                    <a16:rowId xmlns:a16="http://schemas.microsoft.com/office/drawing/2014/main" val="10002"/>
+                  </a:ext>
+                </a:extLst>
               </a:tr>
               <a:tr h="432162">
                 <a:tc>
@@ -15360,6 +16348,11 @@
                   </a:txBody>
                   <a:tcPr marL="68580" marR="68580" marT="0" marB="0"/>
                 </a:tc>
+                <a:extLst>
+                  <a:ext uri="{0D108BD9-81ED-4DB2-BD59-A6C34878D82A}">
+                    <a16:rowId xmlns:a16="http://schemas.microsoft.com/office/drawing/2014/main" val="10003"/>
+                  </a:ext>
+                </a:extLst>
               </a:tr>
             </a:tbl>
           </a:graphicData>
@@ -15391,7 +16384,6 @@
               <a:rPr lang="fr-FR" dirty="0"/>
               <a:t> descripteur ORB ;</a:t>
             </a:r>
-            <a:endParaRPr lang="fr-FR" dirty="0"/>
           </a:p>
           <a:p>
             <a:r>
@@ -15414,7 +16406,7 @@
         </p:xfrm>
         <a:graphic>
           <a:graphicData uri="http://schemas.openxmlformats.org/drawingml/2006/chart">
-            <c:chart xmlns:c="http://schemas.openxmlformats.org/drawingml/2006/chart" xmlns:r="http://schemas.openxmlformats.org/officeDocument/2006/relationships" r:id="rId1"/>
+            <c:chart xmlns:c="http://schemas.openxmlformats.org/drawingml/2006/chart" xmlns:r="http://schemas.openxmlformats.org/officeDocument/2006/relationships" r:id="rId4"/>
           </a:graphicData>
         </a:graphic>
       </p:graphicFrame>
@@ -15646,6 +16638,8 @@
       </a:bgFillStyleLst>
     </a:fmtScheme>
   </a:themeElements>
+  <a:objectDefaults/>
+  <a:extraClrSchemeLst/>
   <a:extLst>
     <a:ext uri="{05A4C25C-085E-4340-85A3-A5531E510DB2}">
       <thm15:themeFamily xmlns:thm15="http://schemas.microsoft.com/office/thememl/2012/main" name="Office Theme" id="{62F939B6-93AF-4DB8-9C6B-D6C7DFDC589F}" vid="{4A3C46E8-61CC-4603-A589-7422A47A8E4A}"/>
@@ -15934,6 +16928,8 @@
       </a:bgFillStyleLst>
     </a:fmtScheme>
   </a:themeElements>
+  <a:objectDefaults/>
+  <a:extraClrSchemeLst/>
   <a:extLst>
     <a:ext uri="{05A4C25C-085E-4340-85A3-A5531E510DB2}">
       <thm15:themeFamily xmlns:thm15="http://schemas.microsoft.com/office/thememl/2012/main" name="Office Theme" id="{62F939B6-93AF-4DB8-9C6B-D6C7DFDC589F}" vid="{4A3C46E8-61CC-4603-A589-7422A47A8E4A}"/>

--- a/rapport/lot1_presentation.pptx
+++ b/rapport/lot1_presentation.pptx
@@ -3486,358 +3486,30 @@
           <a:bodyPr/>
           <a:lstStyle/>
           <a:p>
-            <a:pPr marL="0" marR="0" lvl="0" indent="0" algn="l" defTabSz="914400" rtl="0" eaLnBrk="1" fontAlgn="auto" latinLnBrk="0" hangingPunct="1">
-              <a:lnSpc>
-                <a:spcPct val="100000"/>
-              </a:lnSpc>
-              <a:spcBef>
-                <a:spcPts val="0"/>
-              </a:spcBef>
-              <a:spcAft>
-                <a:spcPts val="0"/>
-              </a:spcAft>
-              <a:buClrTx/>
-              <a:buSzTx/>
-              <a:buFontTx/>
-              <a:buNone/>
-              <a:defRPr/>
-            </a:pPr>
-            <a:r>
-              <a:rPr lang="fr-FR" sz="1200" kern="1200" dirty="0">
-                <a:solidFill>
-                  <a:schemeClr val="tx1"/>
-                </a:solidFill>
-                <a:effectLst/>
-                <a:latin typeface="+mn-lt"/>
-                <a:ea typeface="+mn-ea"/>
-                <a:cs typeface="+mn-cs"/>
-              </a:rPr>
-              <a:t>Dans l’exemple, le nombre de points détectés est varié. En plus, nous constatons aussi que 		</a:t>
-            </a:r>
-          </a:p>
-          <a:p>
-            <a:pPr marL="0" marR="0" lvl="0" indent="0" algn="l" defTabSz="914400" rtl="0" eaLnBrk="1" fontAlgn="auto" latinLnBrk="0" hangingPunct="1">
-              <a:lnSpc>
-                <a:spcPct val="100000"/>
-              </a:lnSpc>
-              <a:spcBef>
-                <a:spcPts val="0"/>
-              </a:spcBef>
-              <a:spcAft>
-                <a:spcPts val="0"/>
-              </a:spcAft>
-              <a:buClrTx/>
-              <a:buSzTx/>
-              <a:buFontTx/>
-              <a:buNone/>
-              <a:defRPr/>
-            </a:pPr>
-            <a:r>
-              <a:rPr lang="fr-FR" sz="1200" kern="1200" dirty="0">
-                <a:solidFill>
-                  <a:schemeClr val="tx1"/>
-                </a:solidFill>
-                <a:effectLst/>
-                <a:latin typeface="+mn-lt"/>
-                <a:ea typeface="+mn-ea"/>
-                <a:cs typeface="+mn-cs"/>
-              </a:rPr>
-              <a:t>les points détectés par </a:t>
-            </a:r>
-            <a:r>
-              <a:rPr lang="fr-FR" sz="1200" kern="1200" dirty="0" err="1">
-                <a:solidFill>
-                  <a:schemeClr val="tx1"/>
-                </a:solidFill>
-                <a:effectLst/>
-                <a:latin typeface="+mn-lt"/>
-                <a:ea typeface="+mn-ea"/>
-                <a:cs typeface="+mn-cs"/>
-              </a:rPr>
-              <a:t>Brief</a:t>
-            </a:r>
-            <a:r>
-              <a:rPr lang="fr-FR" sz="1200" kern="1200" dirty="0">
-                <a:solidFill>
-                  <a:schemeClr val="tx1"/>
-                </a:solidFill>
-                <a:effectLst/>
-                <a:latin typeface="+mn-lt"/>
-                <a:ea typeface="+mn-ea"/>
-                <a:cs typeface="+mn-cs"/>
-              </a:rPr>
-              <a:t> (</a:t>
-            </a:r>
-            <a:r>
-              <a:rPr lang="fr-FR" sz="1200" i="1" kern="1200" dirty="0">
-                <a:solidFill>
-                  <a:schemeClr val="tx1"/>
-                </a:solidFill>
-                <a:effectLst/>
-                <a:latin typeface="+mn-lt"/>
-                <a:ea typeface="+mn-ea"/>
-                <a:cs typeface="+mn-cs"/>
-              </a:rPr>
-              <a:t>Star detector</a:t>
-            </a:r>
-            <a:r>
-              <a:rPr lang="fr-FR" sz="1200" kern="1200" dirty="0">
-                <a:solidFill>
-                  <a:schemeClr val="tx1"/>
-                </a:solidFill>
-                <a:effectLst/>
-                <a:latin typeface="+mn-lt"/>
-                <a:ea typeface="+mn-ea"/>
-                <a:cs typeface="+mn-cs"/>
-              </a:rPr>
-              <a:t>) sont plus dispersés de l’objet par rapport aux 	</a:t>
-            </a:r>
-          </a:p>
-          <a:p>
-            <a:pPr marL="0" marR="0" lvl="0" indent="0" algn="l" defTabSz="914400" rtl="0" eaLnBrk="1" fontAlgn="auto" latinLnBrk="0" hangingPunct="1">
-              <a:lnSpc>
-                <a:spcPct val="100000"/>
-              </a:lnSpc>
-              <a:spcBef>
-                <a:spcPts val="0"/>
-              </a:spcBef>
-              <a:spcAft>
-                <a:spcPts val="0"/>
-              </a:spcAft>
-              <a:buClrTx/>
-              <a:buSzTx/>
-              <a:buFontTx/>
-              <a:buNone/>
-              <a:defRPr/>
-            </a:pPr>
-            <a:r>
-              <a:rPr lang="fr-FR" sz="1200" kern="1200" dirty="0">
-                <a:solidFill>
-                  <a:schemeClr val="tx1"/>
-                </a:solidFill>
-                <a:effectLst/>
-                <a:latin typeface="+mn-lt"/>
-                <a:ea typeface="+mn-ea"/>
-                <a:cs typeface="+mn-cs"/>
-              </a:rPr>
-              <a:t>autres détecteurs (</a:t>
-            </a:r>
-            <a:r>
-              <a:rPr lang="fr-FR" sz="1200" kern="1200" dirty="0" err="1">
-                <a:solidFill>
-                  <a:schemeClr val="tx1"/>
-                </a:solidFill>
-                <a:effectLst/>
-                <a:latin typeface="+mn-lt"/>
-                <a:ea typeface="+mn-ea"/>
-                <a:cs typeface="+mn-cs"/>
-              </a:rPr>
-              <a:t>DoG</a:t>
-            </a:r>
-            <a:r>
-              <a:rPr lang="fr-FR" sz="1200" kern="1200" dirty="0">
-                <a:solidFill>
-                  <a:schemeClr val="tx1"/>
-                </a:solidFill>
-                <a:effectLst/>
-                <a:latin typeface="+mn-lt"/>
-                <a:ea typeface="+mn-ea"/>
-                <a:cs typeface="+mn-cs"/>
-              </a:rPr>
-              <a:t> pour SIFT ; détecteur rapide pour ORB). SIFT est capable de 			</a:t>
-            </a:r>
-          </a:p>
-          <a:p>
-            <a:pPr marL="0" marR="0" lvl="0" indent="0" algn="l" defTabSz="914400" rtl="0" eaLnBrk="1" fontAlgn="auto" latinLnBrk="0" hangingPunct="1">
-              <a:lnSpc>
-                <a:spcPct val="100000"/>
-              </a:lnSpc>
-              <a:spcBef>
-                <a:spcPts val="0"/>
-              </a:spcBef>
-              <a:spcAft>
-                <a:spcPts val="0"/>
-              </a:spcAft>
-              <a:buClrTx/>
-              <a:buSzTx/>
-              <a:buFontTx/>
-              <a:buNone/>
-              <a:defRPr/>
-            </a:pPr>
-            <a:r>
-              <a:rPr lang="fr-FR" sz="1200" kern="1200" dirty="0">
-                <a:solidFill>
-                  <a:schemeClr val="tx1"/>
-                </a:solidFill>
-                <a:effectLst/>
-                <a:latin typeface="+mn-lt"/>
-                <a:ea typeface="+mn-ea"/>
-                <a:cs typeface="+mn-cs"/>
-              </a:rPr>
-              <a:t>détecter les points qui couvrent chaque partie de </a:t>
-            </a:r>
-            <a:r>
-              <a:rPr lang="fr-FR" sz="1200" kern="1200" dirty="0" err="1">
-                <a:solidFill>
-                  <a:schemeClr val="tx1"/>
-                </a:solidFill>
-                <a:effectLst/>
-                <a:latin typeface="+mn-lt"/>
-                <a:ea typeface="+mn-ea"/>
-                <a:cs typeface="+mn-cs"/>
-              </a:rPr>
-              <a:t>l’object</a:t>
-            </a:r>
-            <a:r>
-              <a:rPr lang="fr-FR" sz="1200" kern="1200" dirty="0">
-                <a:solidFill>
-                  <a:schemeClr val="tx1"/>
-                </a:solidFill>
-                <a:effectLst/>
-                <a:latin typeface="+mn-lt"/>
-                <a:ea typeface="+mn-ea"/>
-                <a:cs typeface="+mn-cs"/>
-              </a:rPr>
-              <a:t>. Une remarque est que la taille de 	</a:t>
-            </a:r>
-          </a:p>
-          <a:p>
-            <a:pPr marL="0" marR="0" lvl="0" indent="0" algn="l" defTabSz="914400" rtl="0" eaLnBrk="1" fontAlgn="auto" latinLnBrk="0" hangingPunct="1">
-              <a:lnSpc>
-                <a:spcPct val="100000"/>
-              </a:lnSpc>
-              <a:spcBef>
-                <a:spcPts val="0"/>
-              </a:spcBef>
-              <a:spcAft>
-                <a:spcPts val="0"/>
-              </a:spcAft>
-              <a:buClrTx/>
-              <a:buSzTx/>
-              <a:buFontTx/>
-              <a:buNone/>
-              <a:defRPr/>
-            </a:pPr>
-            <a:r>
-              <a:rPr lang="fr-FR" sz="1200" kern="1200" dirty="0">
-                <a:solidFill>
-                  <a:schemeClr val="tx1"/>
-                </a:solidFill>
-                <a:effectLst/>
-                <a:latin typeface="+mn-lt"/>
-                <a:ea typeface="+mn-ea"/>
-                <a:cs typeface="+mn-cs"/>
-              </a:rPr>
-              <a:t>l’image a une influence importante au nombre de points caractéristiques détectés. Une taille </a:t>
-            </a:r>
-          </a:p>
-          <a:p>
-            <a:pPr marL="0" marR="0" lvl="0" indent="0" algn="l" defTabSz="914400" rtl="0" eaLnBrk="1" fontAlgn="auto" latinLnBrk="0" hangingPunct="1">
-              <a:lnSpc>
-                <a:spcPct val="100000"/>
-              </a:lnSpc>
-              <a:spcBef>
-                <a:spcPts val="0"/>
-              </a:spcBef>
-              <a:spcAft>
-                <a:spcPts val="0"/>
-              </a:spcAft>
-              <a:buClrTx/>
-              <a:buSzTx/>
-              <a:buFontTx/>
-              <a:buNone/>
-              <a:defRPr/>
-            </a:pPr>
-            <a:r>
-              <a:rPr lang="fr-FR" sz="1200" kern="1200" dirty="0">
-                <a:solidFill>
-                  <a:schemeClr val="tx1"/>
-                </a:solidFill>
-                <a:effectLst/>
-                <a:latin typeface="+mn-lt"/>
-                <a:ea typeface="+mn-ea"/>
-                <a:cs typeface="+mn-cs"/>
-              </a:rPr>
-              <a:t>de pixels assez grande est nécessaire pour la détection des</a:t>
-            </a:r>
-            <a:r>
-              <a:rPr lang="fr-FR" sz="1200" i="1" kern="1200" dirty="0">
-                <a:solidFill>
-                  <a:schemeClr val="tx1"/>
-                </a:solidFill>
-                <a:effectLst/>
-                <a:latin typeface="+mn-lt"/>
-                <a:ea typeface="+mn-ea"/>
-                <a:cs typeface="+mn-cs"/>
-              </a:rPr>
-              <a:t> </a:t>
-            </a:r>
-            <a:r>
-              <a:rPr lang="fr-FR" sz="1200" i="1" kern="1200" dirty="0" err="1">
-                <a:solidFill>
-                  <a:schemeClr val="tx1"/>
-                </a:solidFill>
-                <a:effectLst/>
-                <a:latin typeface="+mn-lt"/>
-                <a:ea typeface="+mn-ea"/>
-                <a:cs typeface="+mn-cs"/>
-              </a:rPr>
-              <a:t>keypoints</a:t>
-            </a:r>
-            <a:r>
-              <a:rPr lang="fr-FR" sz="1200" kern="1200" dirty="0">
-                <a:solidFill>
-                  <a:schemeClr val="tx1"/>
-                </a:solidFill>
-                <a:effectLst/>
-                <a:latin typeface="+mn-lt"/>
-                <a:ea typeface="+mn-ea"/>
-                <a:cs typeface="+mn-cs"/>
-              </a:rPr>
-              <a:t> dans l’objet. </a:t>
-            </a:r>
-          </a:p>
-          <a:p>
-            <a:pPr marL="0" marR="0" lvl="0" indent="0" algn="l" defTabSz="914400" rtl="0" eaLnBrk="1" fontAlgn="auto" latinLnBrk="0" hangingPunct="1">
-              <a:lnSpc>
-                <a:spcPct val="100000"/>
-              </a:lnSpc>
-              <a:spcBef>
-                <a:spcPts val="0"/>
-              </a:spcBef>
-              <a:spcAft>
-                <a:spcPts val="0"/>
-              </a:spcAft>
-              <a:buClrTx/>
-              <a:buSzTx/>
-              <a:buFontTx/>
-              <a:buNone/>
-              <a:defRPr/>
-            </a:pPr>
-            <a:r>
-              <a:rPr lang="fr-FR" sz="1200" kern="1200" dirty="0">
-                <a:solidFill>
-                  <a:schemeClr val="tx1"/>
-                </a:solidFill>
-                <a:effectLst/>
-                <a:latin typeface="+mn-lt"/>
-                <a:ea typeface="+mn-ea"/>
-                <a:cs typeface="+mn-cs"/>
-              </a:rPr>
-              <a:t>Dans ce projet, nous avons choisi une taille de 384x288.</a:t>
-            </a:r>
-            <a:endParaRPr lang="en-US" sz="1200" kern="1200" dirty="0">
-              <a:solidFill>
-                <a:schemeClr val="tx1"/>
-              </a:solidFill>
-              <a:effectLst/>
-              <a:latin typeface="+mn-lt"/>
-              <a:ea typeface="+mn-ea"/>
-              <a:cs typeface="+mn-cs"/>
-            </a:endParaRPr>
-          </a:p>
-          <a:p>
-            <a:endParaRPr lang="en-US" dirty="0"/>
+            <a:pPr algn="just"/>
+            <a:r>
+              <a:rPr lang="fr-FR" altLang="zh-CN" dirty="0"/>
+              <a:t>Rechercher de manière automatique les objets similaires dans les images dont l’angle de visualisation et la condition luminaire changent. L’entrée et une image ayant un objet principal et la sortie souhaitée est des images des objets les plus similaires en termes de distance. </a:t>
+            </a:r>
+          </a:p>
+          <a:p>
+            <a:pPr algn="just"/>
+            <a:r>
+              <a:rPr lang="fr-FR" altLang="zh-CN" dirty="0"/>
+              <a:t>Les descripteurs utilisés : ORB, Brief </a:t>
+            </a:r>
+            <a:r>
+              <a:rPr lang="en-US" altLang="zh-CN" dirty="0"/>
+              <a:t>et </a:t>
+            </a:r>
+            <a:r>
+              <a:rPr lang="fr-FR" altLang="zh-CN" dirty="0"/>
+              <a:t>SIFT.</a:t>
+            </a:r>
+            <a:endParaRPr lang="en-US" altLang="zh-CN" dirty="0"/>
+          </a:p>
+          <a:p>
+            <a:endParaRPr lang="zh-CN" altLang="en-US" dirty="0"/>
           </a:p>
         </p:txBody>
       </p:sp>
@@ -3858,13 +3530,18 @@
           <a:p>
             <a:fld id="{5A906ACB-0641-497D-A6F6-17171FCA9B16}" type="slidenum">
               <a:rPr lang="fr-FR" smtClean="0"/>
-              <a:t>4</a:t>
+              <a:t>3</a:t>
             </a:fld>
             <a:endParaRPr lang="fr-FR"/>
           </a:p>
         </p:txBody>
       </p:sp>
     </p:spTree>
+    <p:extLst>
+      <p:ext uri="{BB962C8B-B14F-4D97-AF65-F5344CB8AC3E}">
+        <p14:creationId xmlns:p14="http://schemas.microsoft.com/office/powerpoint/2010/main" val="3077050974"/>
+      </p:ext>
+    </p:extLst>
   </p:cSld>
   <p:clrMapOvr>
     <a:masterClrMapping/>
@@ -3916,8 +3593,24 @@
           <a:bodyPr/>
           <a:lstStyle/>
           <a:p>
-            <a:r>
-              <a:rPr lang="fr-FR" altLang="zh-CN" sz="1200" kern="1200" dirty="0">
+            <a:pPr marL="0" marR="0" lvl="0" indent="0" algn="l" defTabSz="914400" rtl="0" eaLnBrk="1" fontAlgn="auto" latinLnBrk="0" hangingPunct="1">
+              <a:lnSpc>
+                <a:spcPct val="100000"/>
+              </a:lnSpc>
+              <a:spcBef>
+                <a:spcPts val="0"/>
+              </a:spcBef>
+              <a:spcAft>
+                <a:spcPts val="0"/>
+              </a:spcAft>
+              <a:buClrTx/>
+              <a:buSzTx/>
+              <a:buFontTx/>
+              <a:buNone/>
+              <a:defRPr/>
+            </a:pPr>
+            <a:r>
+              <a:rPr lang="fr-FR" sz="1200" kern="1200" dirty="0">
                 <a:solidFill>
                   <a:schemeClr val="tx1"/>
                 </a:solidFill>
@@ -3926,9 +3619,321 @@
                 <a:ea typeface="+mn-ea"/>
                 <a:cs typeface="+mn-cs"/>
               </a:rPr>
-              <a:t>Nous ne montrons ici que 27 classes ayant un AUC moins de 1 dans certains types de descripteurs. Nous fixons le nombre de clusters à 50 et le nombre maximum de points caractéristiques détectable pour une image est fixé à 100. Parmi ces descripteurs, l’ORB a une performance meilleure avec la valeur moyenne de l’AUC égale à 0.9944 ; SIFT a aussi une bonne performance avec la valeur moyenne égale à 0.984 ; BRIEF a une valeur moyenne égale à 0.8844. La performance est fortement liée au nombre de points détectés par les méthodes différentes ainsi au positionnement (distribution) des points. </a:t>
-            </a:r>
-            <a:endParaRPr lang="zh-CN" altLang="zh-CN" sz="1200" kern="1200" dirty="0">
+              <a:t>Dans l’exemple, le nombre de points détectés est varié. En plus, nous constatons aussi que 		</a:t>
+            </a:r>
+          </a:p>
+          <a:p>
+            <a:pPr marL="0" marR="0" lvl="0" indent="0" algn="l" defTabSz="914400" rtl="0" eaLnBrk="1" fontAlgn="auto" latinLnBrk="0" hangingPunct="1">
+              <a:lnSpc>
+                <a:spcPct val="100000"/>
+              </a:lnSpc>
+              <a:spcBef>
+                <a:spcPts val="0"/>
+              </a:spcBef>
+              <a:spcAft>
+                <a:spcPts val="0"/>
+              </a:spcAft>
+              <a:buClrTx/>
+              <a:buSzTx/>
+              <a:buFontTx/>
+              <a:buNone/>
+              <a:defRPr/>
+            </a:pPr>
+            <a:r>
+              <a:rPr lang="fr-FR" sz="1200" kern="1200" dirty="0">
+                <a:solidFill>
+                  <a:schemeClr val="tx1"/>
+                </a:solidFill>
+                <a:effectLst/>
+                <a:latin typeface="+mn-lt"/>
+                <a:ea typeface="+mn-ea"/>
+                <a:cs typeface="+mn-cs"/>
+              </a:rPr>
+              <a:t>les points détectés par </a:t>
+            </a:r>
+            <a:r>
+              <a:rPr lang="fr-FR" sz="1200" kern="1200" dirty="0" err="1">
+                <a:solidFill>
+                  <a:schemeClr val="tx1"/>
+                </a:solidFill>
+                <a:effectLst/>
+                <a:latin typeface="+mn-lt"/>
+                <a:ea typeface="+mn-ea"/>
+                <a:cs typeface="+mn-cs"/>
+              </a:rPr>
+              <a:t>Brief</a:t>
+            </a:r>
+            <a:r>
+              <a:rPr lang="fr-FR" sz="1200" kern="1200" dirty="0">
+                <a:solidFill>
+                  <a:schemeClr val="tx1"/>
+                </a:solidFill>
+                <a:effectLst/>
+                <a:latin typeface="+mn-lt"/>
+                <a:ea typeface="+mn-ea"/>
+                <a:cs typeface="+mn-cs"/>
+              </a:rPr>
+              <a:t> (</a:t>
+            </a:r>
+            <a:r>
+              <a:rPr lang="fr-FR" sz="1200" i="1" kern="1200" dirty="0">
+                <a:solidFill>
+                  <a:schemeClr val="tx1"/>
+                </a:solidFill>
+                <a:effectLst/>
+                <a:latin typeface="+mn-lt"/>
+                <a:ea typeface="+mn-ea"/>
+                <a:cs typeface="+mn-cs"/>
+              </a:rPr>
+              <a:t>Star detector</a:t>
+            </a:r>
+            <a:r>
+              <a:rPr lang="fr-FR" sz="1200" kern="1200" dirty="0">
+                <a:solidFill>
+                  <a:schemeClr val="tx1"/>
+                </a:solidFill>
+                <a:effectLst/>
+                <a:latin typeface="+mn-lt"/>
+                <a:ea typeface="+mn-ea"/>
+                <a:cs typeface="+mn-cs"/>
+              </a:rPr>
+              <a:t>) sont plus dispersés de l’objet par rapport aux 	</a:t>
+            </a:r>
+          </a:p>
+          <a:p>
+            <a:pPr marL="0" marR="0" lvl="0" indent="0" algn="l" defTabSz="914400" rtl="0" eaLnBrk="1" fontAlgn="auto" latinLnBrk="0" hangingPunct="1">
+              <a:lnSpc>
+                <a:spcPct val="100000"/>
+              </a:lnSpc>
+              <a:spcBef>
+                <a:spcPts val="0"/>
+              </a:spcBef>
+              <a:spcAft>
+                <a:spcPts val="0"/>
+              </a:spcAft>
+              <a:buClrTx/>
+              <a:buSzTx/>
+              <a:buFontTx/>
+              <a:buNone/>
+              <a:defRPr/>
+            </a:pPr>
+            <a:r>
+              <a:rPr lang="fr-FR" sz="1200" kern="1200" dirty="0">
+                <a:solidFill>
+                  <a:schemeClr val="tx1"/>
+                </a:solidFill>
+                <a:effectLst/>
+                <a:latin typeface="+mn-lt"/>
+                <a:ea typeface="+mn-ea"/>
+                <a:cs typeface="+mn-cs"/>
+              </a:rPr>
+              <a:t>autres détecteurs (</a:t>
+            </a:r>
+            <a:r>
+              <a:rPr lang="fr-FR" sz="1200" kern="1200" dirty="0" err="1">
+                <a:solidFill>
+                  <a:schemeClr val="tx1"/>
+                </a:solidFill>
+                <a:effectLst/>
+                <a:latin typeface="+mn-lt"/>
+                <a:ea typeface="+mn-ea"/>
+                <a:cs typeface="+mn-cs"/>
+              </a:rPr>
+              <a:t>DoG</a:t>
+            </a:r>
+            <a:r>
+              <a:rPr lang="fr-FR" sz="1200" kern="1200" dirty="0">
+                <a:solidFill>
+                  <a:schemeClr val="tx1"/>
+                </a:solidFill>
+                <a:effectLst/>
+                <a:latin typeface="+mn-lt"/>
+                <a:ea typeface="+mn-ea"/>
+                <a:cs typeface="+mn-cs"/>
+              </a:rPr>
+              <a:t> pour SIFT ; détecteur rapide pour ORB). SIFT est capable de 			</a:t>
+            </a:r>
+          </a:p>
+          <a:p>
+            <a:pPr marL="0" marR="0" lvl="0" indent="0" algn="l" defTabSz="914400" rtl="0" eaLnBrk="1" fontAlgn="auto" latinLnBrk="0" hangingPunct="1">
+              <a:lnSpc>
+                <a:spcPct val="100000"/>
+              </a:lnSpc>
+              <a:spcBef>
+                <a:spcPts val="0"/>
+              </a:spcBef>
+              <a:spcAft>
+                <a:spcPts val="0"/>
+              </a:spcAft>
+              <a:buClrTx/>
+              <a:buSzTx/>
+              <a:buFontTx/>
+              <a:buNone/>
+              <a:defRPr/>
+            </a:pPr>
+            <a:r>
+              <a:rPr lang="fr-FR" sz="1200" kern="1200" dirty="0">
+                <a:solidFill>
+                  <a:schemeClr val="tx1"/>
+                </a:solidFill>
+                <a:effectLst/>
+                <a:latin typeface="+mn-lt"/>
+                <a:ea typeface="+mn-ea"/>
+                <a:cs typeface="+mn-cs"/>
+              </a:rPr>
+              <a:t>détecter les points qui couvrent chaque partie de </a:t>
+            </a:r>
+            <a:r>
+              <a:rPr lang="fr-FR" sz="1200" kern="1200" dirty="0" err="1">
+                <a:solidFill>
+                  <a:schemeClr val="tx1"/>
+                </a:solidFill>
+                <a:effectLst/>
+                <a:latin typeface="+mn-lt"/>
+                <a:ea typeface="+mn-ea"/>
+                <a:cs typeface="+mn-cs"/>
+              </a:rPr>
+              <a:t>l’object</a:t>
+            </a:r>
+            <a:r>
+              <a:rPr lang="fr-FR" sz="1200" kern="1200" dirty="0">
+                <a:solidFill>
+                  <a:schemeClr val="tx1"/>
+                </a:solidFill>
+                <a:effectLst/>
+                <a:latin typeface="+mn-lt"/>
+                <a:ea typeface="+mn-ea"/>
+                <a:cs typeface="+mn-cs"/>
+              </a:rPr>
+              <a:t>. Une remarque est que la taille de 	</a:t>
+            </a:r>
+          </a:p>
+          <a:p>
+            <a:pPr marL="0" marR="0" lvl="0" indent="0" algn="l" defTabSz="914400" rtl="0" eaLnBrk="1" fontAlgn="auto" latinLnBrk="0" hangingPunct="1">
+              <a:lnSpc>
+                <a:spcPct val="100000"/>
+              </a:lnSpc>
+              <a:spcBef>
+                <a:spcPts val="0"/>
+              </a:spcBef>
+              <a:spcAft>
+                <a:spcPts val="0"/>
+              </a:spcAft>
+              <a:buClrTx/>
+              <a:buSzTx/>
+              <a:buFontTx/>
+              <a:buNone/>
+              <a:defRPr/>
+            </a:pPr>
+            <a:r>
+              <a:rPr lang="fr-FR" sz="1200" kern="1200" dirty="0">
+                <a:solidFill>
+                  <a:schemeClr val="tx1"/>
+                </a:solidFill>
+                <a:effectLst/>
+                <a:latin typeface="+mn-lt"/>
+                <a:ea typeface="+mn-ea"/>
+                <a:cs typeface="+mn-cs"/>
+              </a:rPr>
+              <a:t>l’image a une influence importante au nombre de points caractéristiques détectés. Une taille </a:t>
+            </a:r>
+          </a:p>
+          <a:p>
+            <a:pPr marL="0" marR="0" lvl="0" indent="0" algn="l" defTabSz="914400" rtl="0" eaLnBrk="1" fontAlgn="auto" latinLnBrk="0" hangingPunct="1">
+              <a:lnSpc>
+                <a:spcPct val="100000"/>
+              </a:lnSpc>
+              <a:spcBef>
+                <a:spcPts val="0"/>
+              </a:spcBef>
+              <a:spcAft>
+                <a:spcPts val="0"/>
+              </a:spcAft>
+              <a:buClrTx/>
+              <a:buSzTx/>
+              <a:buFontTx/>
+              <a:buNone/>
+              <a:defRPr/>
+            </a:pPr>
+            <a:r>
+              <a:rPr lang="fr-FR" sz="1200" kern="1200" dirty="0">
+                <a:solidFill>
+                  <a:schemeClr val="tx1"/>
+                </a:solidFill>
+                <a:effectLst/>
+                <a:latin typeface="+mn-lt"/>
+                <a:ea typeface="+mn-ea"/>
+                <a:cs typeface="+mn-cs"/>
+              </a:rPr>
+              <a:t>de pixels assez grande est nécessaire pour la détection des</a:t>
+            </a:r>
+            <a:r>
+              <a:rPr lang="fr-FR" sz="1200" i="1" kern="1200" dirty="0">
+                <a:solidFill>
+                  <a:schemeClr val="tx1"/>
+                </a:solidFill>
+                <a:effectLst/>
+                <a:latin typeface="+mn-lt"/>
+                <a:ea typeface="+mn-ea"/>
+                <a:cs typeface="+mn-cs"/>
+              </a:rPr>
+              <a:t> </a:t>
+            </a:r>
+            <a:r>
+              <a:rPr lang="fr-FR" sz="1200" i="1" kern="1200" dirty="0" err="1">
+                <a:solidFill>
+                  <a:schemeClr val="tx1"/>
+                </a:solidFill>
+                <a:effectLst/>
+                <a:latin typeface="+mn-lt"/>
+                <a:ea typeface="+mn-ea"/>
+                <a:cs typeface="+mn-cs"/>
+              </a:rPr>
+              <a:t>keypoints</a:t>
+            </a:r>
+            <a:r>
+              <a:rPr lang="fr-FR" sz="1200" kern="1200" dirty="0">
+                <a:solidFill>
+                  <a:schemeClr val="tx1"/>
+                </a:solidFill>
+                <a:effectLst/>
+                <a:latin typeface="+mn-lt"/>
+                <a:ea typeface="+mn-ea"/>
+                <a:cs typeface="+mn-cs"/>
+              </a:rPr>
+              <a:t> dans l’objet. </a:t>
+            </a:r>
+          </a:p>
+          <a:p>
+            <a:pPr marL="0" marR="0" lvl="0" indent="0" algn="l" defTabSz="914400" rtl="0" eaLnBrk="1" fontAlgn="auto" latinLnBrk="0" hangingPunct="1">
+              <a:lnSpc>
+                <a:spcPct val="100000"/>
+              </a:lnSpc>
+              <a:spcBef>
+                <a:spcPts val="0"/>
+              </a:spcBef>
+              <a:spcAft>
+                <a:spcPts val="0"/>
+              </a:spcAft>
+              <a:buClrTx/>
+              <a:buSzTx/>
+              <a:buFontTx/>
+              <a:buNone/>
+              <a:defRPr/>
+            </a:pPr>
+            <a:r>
+              <a:rPr lang="fr-FR" sz="1200" kern="1200" dirty="0">
+                <a:solidFill>
+                  <a:schemeClr val="tx1"/>
+                </a:solidFill>
+                <a:effectLst/>
+                <a:latin typeface="+mn-lt"/>
+                <a:ea typeface="+mn-ea"/>
+                <a:cs typeface="+mn-cs"/>
+              </a:rPr>
+              <a:t>Dans ce projet, nous avons choisi une taille de 384x288.</a:t>
+            </a:r>
+            <a:endParaRPr lang="en-US" sz="1200" kern="1200" dirty="0">
               <a:solidFill>
                 <a:schemeClr val="tx1"/>
               </a:solidFill>
@@ -3960,7 +3965,7 @@
           <a:p>
             <a:fld id="{5A906ACB-0641-497D-A6F6-17171FCA9B16}" type="slidenum">
               <a:rPr lang="fr-FR" smtClean="0"/>
-              <a:t>7</a:t>
+              <a:t>4</a:t>
             </a:fld>
             <a:endParaRPr lang="fr-FR"/>
           </a:p>
@@ -4018,23 +4023,6 @@
           <a:bodyPr/>
           <a:lstStyle/>
           <a:p>
-            <a:pPr marL="0" marR="0" lvl="0" indent="0" algn="l" defTabSz="914400" rtl="0" eaLnBrk="1" fontAlgn="auto" latinLnBrk="0" hangingPunct="1">
-              <a:lnSpc>
-                <a:spcPct val="100000"/>
-              </a:lnSpc>
-              <a:spcBef>
-                <a:spcPts val="0"/>
-              </a:spcBef>
-              <a:spcAft>
-                <a:spcPts val="0"/>
-              </a:spcAft>
-              <a:buClrTx/>
-              <a:buSzTx/>
-              <a:buFontTx/>
-              <a:buNone/>
-              <a:tabLst/>
-              <a:defRPr/>
-            </a:pPr>
             <a:r>
               <a:rPr lang="fr-FR" altLang="zh-CN" sz="1200" kern="1200" dirty="0">
                 <a:solidFill>
@@ -4045,31 +4033,7 @@
                 <a:ea typeface="+mn-ea"/>
                 <a:cs typeface="+mn-cs"/>
               </a:rPr>
-              <a:t>Pour voir l’influence du nombre de points caractéristiques sur la performance de la recherche des images similaires. Comme l’exemple, nous prenons le descripteur ORB et fixons le nombre de clusters du K-</a:t>
-            </a:r>
-            <a:r>
-              <a:rPr lang="fr-FR" altLang="zh-CN" sz="1200" kern="1200" dirty="0" err="1">
-                <a:solidFill>
-                  <a:schemeClr val="tx1"/>
-                </a:solidFill>
-                <a:effectLst/>
-                <a:latin typeface="+mn-lt"/>
-                <a:ea typeface="+mn-ea"/>
-                <a:cs typeface="+mn-cs"/>
-              </a:rPr>
-              <a:t>means</a:t>
-            </a:r>
-            <a:r>
-              <a:rPr lang="fr-FR" altLang="zh-CN" sz="1200" kern="1200" dirty="0">
-                <a:solidFill>
-                  <a:schemeClr val="tx1"/>
-                </a:solidFill>
-                <a:effectLst/>
-                <a:latin typeface="+mn-lt"/>
-                <a:ea typeface="+mn-ea"/>
-                <a:cs typeface="+mn-cs"/>
-              </a:rPr>
-              <a:t> à 50.</a:t>
+              <a:t>Nous ne montrons ici que 27 classes ayant un AUC moins de 1 dans certains types de descripteurs. Nous fixons le nombre de clusters à 50 et le nombre maximum de points caractéristiques détectable pour une image est fixé à 100. Parmi ces descripteurs, l’ORB a une performance meilleure avec la valeur moyenne de l’AUC égale à 0.9944 ; SIFT a aussi une bonne performance avec la valeur moyenne égale à 0.984 ; BRIEF a une valeur moyenne égale à 0.8844. La performance est fortement liée au nombre de points détectés par les méthodes différentes ainsi au positionnement (distribution) des points. </a:t>
             </a:r>
             <a:endParaRPr lang="zh-CN" altLang="zh-CN" sz="1200" kern="1200" dirty="0">
               <a:solidFill>
@@ -4082,50 +4046,7 @@
             </a:endParaRPr>
           </a:p>
           <a:p>
-            <a:endParaRPr lang="en-US" altLang="zh-CN" dirty="0"/>
-          </a:p>
-          <a:p>
-            <a:pPr marL="0" marR="0" lvl="0" indent="0" algn="l" defTabSz="914400" rtl="0" eaLnBrk="1" fontAlgn="auto" latinLnBrk="0" hangingPunct="1">
-              <a:lnSpc>
-                <a:spcPct val="100000"/>
-              </a:lnSpc>
-              <a:spcBef>
-                <a:spcPts val="0"/>
-              </a:spcBef>
-              <a:spcAft>
-                <a:spcPts val="0"/>
-              </a:spcAft>
-              <a:buClrTx/>
-              <a:buSzTx/>
-              <a:buFontTx/>
-              <a:buNone/>
-              <a:tabLst/>
-              <a:defRPr/>
-            </a:pPr>
-            <a:r>
-              <a:rPr lang="fr-FR" altLang="zh-CN" sz="1200" kern="1200" dirty="0">
-                <a:solidFill>
-                  <a:schemeClr val="tx1"/>
-                </a:solidFill>
-                <a:effectLst/>
-                <a:latin typeface="+mn-lt"/>
-                <a:ea typeface="+mn-ea"/>
-                <a:cs typeface="+mn-cs"/>
-              </a:rPr>
-              <a:t>Nous trouvons que la performance de la recherche pour des images similaires se dégrade en limitant le nombre maximum autorisé des points caractéristiques détectés. Cette dégradation de performance est raisonnable parce qu’un nombre de points très limité ne peut pas bien caractériser/représenter une image en entière.  Par contre, N=100 et N= 200 n’ont pas de différence importante.</a:t>
-            </a:r>
-            <a:endParaRPr lang="zh-CN" altLang="zh-CN" sz="1200" kern="1200" dirty="0">
-              <a:solidFill>
-                <a:schemeClr val="tx1"/>
-              </a:solidFill>
-              <a:effectLst/>
-              <a:latin typeface="+mn-lt"/>
-              <a:ea typeface="+mn-ea"/>
-              <a:cs typeface="+mn-cs"/>
-            </a:endParaRPr>
-          </a:p>
-          <a:p>
-            <a:endParaRPr lang="zh-CN" altLang="en-US" dirty="0"/>
+            <a:endParaRPr lang="en-US" dirty="0"/>
           </a:p>
         </p:txBody>
       </p:sp>
@@ -4146,18 +4067,13 @@
           <a:p>
             <a:fld id="{5A906ACB-0641-497D-A6F6-17171FCA9B16}" type="slidenum">
               <a:rPr lang="fr-FR" smtClean="0"/>
-              <a:t>8</a:t>
+              <a:t>7</a:t>
             </a:fld>
             <a:endParaRPr lang="fr-FR"/>
           </a:p>
         </p:txBody>
       </p:sp>
     </p:spTree>
-    <p:extLst>
-      <p:ext uri="{BB962C8B-B14F-4D97-AF65-F5344CB8AC3E}">
-        <p14:creationId xmlns:p14="http://schemas.microsoft.com/office/powerpoint/2010/main" val="2508736565"/>
-      </p:ext>
-    </p:extLst>
   </p:cSld>
   <p:clrMapOvr>
     <a:masterClrMapping/>
@@ -4209,6 +4125,23 @@
           <a:bodyPr/>
           <a:lstStyle/>
           <a:p>
+            <a:pPr marL="0" marR="0" lvl="0" indent="0" algn="l" defTabSz="914400" rtl="0" eaLnBrk="1" fontAlgn="auto" latinLnBrk="0" hangingPunct="1">
+              <a:lnSpc>
+                <a:spcPct val="100000"/>
+              </a:lnSpc>
+              <a:spcBef>
+                <a:spcPts val="0"/>
+              </a:spcBef>
+              <a:spcAft>
+                <a:spcPts val="0"/>
+              </a:spcAft>
+              <a:buClrTx/>
+              <a:buSzTx/>
+              <a:buFontTx/>
+              <a:buNone/>
+              <a:tabLst/>
+              <a:defRPr/>
+            </a:pPr>
             <a:r>
               <a:rPr lang="fr-FR" altLang="zh-CN" sz="1200" kern="1200" dirty="0">
                 <a:solidFill>
@@ -4219,7 +4152,31 @@
                 <a:ea typeface="+mn-ea"/>
                 <a:cs typeface="+mn-cs"/>
               </a:rPr>
-              <a:t>Dans le cas où le nombre de clusters est différente (nous testons sur l’ORB et le nombre maximum de points caractéristiques est fixé à 50), nous pouvons trouver que le nombre de clusters n’influence pas de manière conséquente sur la performance. La valeur moyenne de l’AUC pour la quantité de clusters égale à 25, 50 et 100 sont respectivement, 0.969, 0.965, et 0.978.</a:t>
+              <a:t>Pour voir l’influence du nombre de points caractéristiques sur la performance de la recherche des images similaires. Comme l’exemple, nous prenons le descripteur ORB et fixons le nombre de clusters du K-</a:t>
+            </a:r>
+            <a:r>
+              <a:rPr lang="fr-FR" altLang="zh-CN" sz="1200" kern="1200" dirty="0" err="1">
+                <a:solidFill>
+                  <a:schemeClr val="tx1"/>
+                </a:solidFill>
+                <a:effectLst/>
+                <a:latin typeface="+mn-lt"/>
+                <a:ea typeface="+mn-ea"/>
+                <a:cs typeface="+mn-cs"/>
+              </a:rPr>
+              <a:t>means</a:t>
+            </a:r>
+            <a:r>
+              <a:rPr lang="fr-FR" altLang="zh-CN" sz="1200" kern="1200" dirty="0">
+                <a:solidFill>
+                  <a:schemeClr val="tx1"/>
+                </a:solidFill>
+                <a:effectLst/>
+                <a:latin typeface="+mn-lt"/>
+                <a:ea typeface="+mn-ea"/>
+                <a:cs typeface="+mn-cs"/>
+              </a:rPr>
+              <a:t> à 50.</a:t>
             </a:r>
             <a:endParaRPr lang="zh-CN" altLang="zh-CN" sz="1200" kern="1200" dirty="0">
               <a:solidFill>
@@ -4232,6 +4189,26 @@
             </a:endParaRPr>
           </a:p>
           <a:p>
+            <a:endParaRPr lang="en-US" altLang="zh-CN" dirty="0"/>
+          </a:p>
+          <a:p>
+            <a:pPr marL="0" marR="0" lvl="0" indent="0" algn="l" defTabSz="914400" rtl="0" eaLnBrk="1" fontAlgn="auto" latinLnBrk="0" hangingPunct="1">
+              <a:lnSpc>
+                <a:spcPct val="100000"/>
+              </a:lnSpc>
+              <a:spcBef>
+                <a:spcPts val="0"/>
+              </a:spcBef>
+              <a:spcAft>
+                <a:spcPts val="0"/>
+              </a:spcAft>
+              <a:buClrTx/>
+              <a:buSzTx/>
+              <a:buFontTx/>
+              <a:buNone/>
+              <a:tabLst/>
+              <a:defRPr/>
+            </a:pPr>
             <a:r>
               <a:rPr lang="fr-FR" altLang="zh-CN" sz="1200" kern="1200" dirty="0">
                 <a:solidFill>
@@ -4242,101 +4219,7 @@
                 <a:ea typeface="+mn-ea"/>
                 <a:cs typeface="+mn-cs"/>
               </a:rPr>
-              <a:t> </a:t>
-            </a:r>
-            <a:endParaRPr lang="zh-CN" altLang="zh-CN" sz="1200" kern="1200" dirty="0">
-              <a:solidFill>
-                <a:schemeClr val="tx1"/>
-              </a:solidFill>
-              <a:effectLst/>
-              <a:latin typeface="+mn-lt"/>
-              <a:ea typeface="+mn-ea"/>
-              <a:cs typeface="+mn-cs"/>
-            </a:endParaRPr>
-          </a:p>
-          <a:p>
-            <a:r>
-              <a:rPr lang="fr-FR" altLang="zh-CN" sz="1200" kern="1200" dirty="0">
-                <a:solidFill>
-                  <a:schemeClr val="tx1"/>
-                </a:solidFill>
-                <a:effectLst/>
-                <a:latin typeface="+mn-lt"/>
-                <a:ea typeface="+mn-ea"/>
-                <a:cs typeface="+mn-cs"/>
-              </a:rPr>
-              <a:t>En revanche, il faut noter qu’un bon résultat en termes de valeur de l’AUC pour une classe ne veut pas dire que les images de même classe seront forcément sélectionnées lors de la recherche des images similaires. C’est parce qu’il existe parfois que même une image de classe i en entrée ayant une distance minimale à toutes les images de classe i par rapport aux exemples négatifs, il est probable qu’elle ait une distance plus petite à d’autres images d’une classe différente dans la base.</a:t>
-            </a:r>
-            <a:endParaRPr lang="zh-CN" altLang="zh-CN" sz="1200" kern="1200" dirty="0">
-              <a:solidFill>
-                <a:schemeClr val="tx1"/>
-              </a:solidFill>
-              <a:effectLst/>
-              <a:latin typeface="+mn-lt"/>
-              <a:ea typeface="+mn-ea"/>
-              <a:cs typeface="+mn-cs"/>
-            </a:endParaRPr>
-          </a:p>
-          <a:p>
-            <a:r>
-              <a:rPr lang="fr-FR" altLang="zh-CN" sz="1200" kern="1200" dirty="0">
-                <a:solidFill>
-                  <a:schemeClr val="tx1"/>
-                </a:solidFill>
-                <a:effectLst/>
-                <a:latin typeface="+mn-lt"/>
-                <a:ea typeface="+mn-ea"/>
-                <a:cs typeface="+mn-cs"/>
-              </a:rPr>
-              <a:t>Pour cette raison, nous ensuite montrons ci-dessous le TOP10 </a:t>
-            </a:r>
-            <a:r>
-              <a:rPr lang="fr-FR" altLang="zh-CN" sz="1200" kern="1200" dirty="0" err="1">
-                <a:solidFill>
-                  <a:schemeClr val="tx1"/>
-                </a:solidFill>
-                <a:effectLst/>
-                <a:latin typeface="+mn-lt"/>
-                <a:ea typeface="+mn-ea"/>
-                <a:cs typeface="+mn-cs"/>
-              </a:rPr>
-              <a:t>Ranking</a:t>
-            </a:r>
-            <a:r>
-              <a:rPr lang="fr-FR" altLang="zh-CN" sz="1200" kern="1200" dirty="0">
-                <a:solidFill>
-                  <a:schemeClr val="tx1"/>
-                </a:solidFill>
-                <a:effectLst/>
-                <a:latin typeface="+mn-lt"/>
-                <a:ea typeface="+mn-ea"/>
-                <a:cs typeface="+mn-cs"/>
-              </a:rPr>
-              <a:t> en termes de distance avec les images dans la base et ceci reflète directement quelles images vont être sélectionnées lors de la recherche. Deux images de classe 251 ont été choisies (251_c.png et 251_i120.png) et #clusters = 50, #max </a:t>
-            </a:r>
-            <a:r>
-              <a:rPr lang="fr-FR" altLang="zh-CN" sz="1200" kern="1200" dirty="0" err="1">
-                <a:solidFill>
-                  <a:schemeClr val="tx1"/>
-                </a:solidFill>
-                <a:effectLst/>
-                <a:latin typeface="+mn-lt"/>
-                <a:ea typeface="+mn-ea"/>
-                <a:cs typeface="+mn-cs"/>
-              </a:rPr>
-              <a:t>keypoints</a:t>
-            </a:r>
-            <a:r>
-              <a:rPr lang="fr-FR" altLang="zh-CN" sz="1200" kern="1200" dirty="0">
-                <a:solidFill>
-                  <a:schemeClr val="tx1"/>
-                </a:solidFill>
-                <a:effectLst/>
-                <a:latin typeface="+mn-lt"/>
-                <a:ea typeface="+mn-ea"/>
-                <a:cs typeface="+mn-cs"/>
-              </a:rPr>
-              <a:t> = 100.</a:t>
+              <a:t>Nous trouvons que la performance de la recherche pour des images similaires se dégrade en limitant le nombre maximum autorisé des points caractéristiques détectés. Cette dégradation de performance est raisonnable parce qu’un nombre de points très limité ne peut pas bien caractériser/représenter une image en entière.  Par contre, N=100 et N= 200 n’ont pas de différence importante.</a:t>
             </a:r>
             <a:endParaRPr lang="zh-CN" altLang="zh-CN" sz="1200" kern="1200" dirty="0">
               <a:solidFill>
@@ -4370,7 +4253,7 @@
           <a:p>
             <a:fld id="{5A906ACB-0641-497D-A6F6-17171FCA9B16}" type="slidenum">
               <a:rPr lang="fr-FR" smtClean="0"/>
-              <a:t>9</a:t>
+              <a:t>8</a:t>
             </a:fld>
             <a:endParaRPr lang="fr-FR"/>
           </a:p>
@@ -4379,7 +4262,7 @@
     </p:spTree>
     <p:extLst>
       <p:ext uri="{BB962C8B-B14F-4D97-AF65-F5344CB8AC3E}">
-        <p14:creationId xmlns:p14="http://schemas.microsoft.com/office/powerpoint/2010/main" val="1434961819"/>
+        <p14:creationId xmlns:p14="http://schemas.microsoft.com/office/powerpoint/2010/main" val="2508736565"/>
       </p:ext>
     </p:extLst>
   </p:cSld>
@@ -4443,6 +4326,52 @@
                 <a:ea typeface="+mn-ea"/>
                 <a:cs typeface="+mn-cs"/>
               </a:rPr>
+              <a:t>Dans le cas où le nombre de clusters est différente (nous testons sur l’ORB et le nombre maximum de points caractéristiques est fixé à 50), nous pouvons trouver que le nombre de clusters n’influence pas de manière conséquente sur la performance. La valeur moyenne de l’AUC pour la quantité de clusters égale à 25, 50 et 100 sont respectivement, 0.969, 0.965, et 0.978.</a:t>
+            </a:r>
+            <a:endParaRPr lang="zh-CN" altLang="zh-CN" sz="1200" kern="1200" dirty="0">
+              <a:solidFill>
+                <a:schemeClr val="tx1"/>
+              </a:solidFill>
+              <a:effectLst/>
+              <a:latin typeface="+mn-lt"/>
+              <a:ea typeface="+mn-ea"/>
+              <a:cs typeface="+mn-cs"/>
+            </a:endParaRPr>
+          </a:p>
+          <a:p>
+            <a:r>
+              <a:rPr lang="fr-FR" altLang="zh-CN" sz="1200" kern="1200" dirty="0">
+                <a:solidFill>
+                  <a:schemeClr val="tx1"/>
+                </a:solidFill>
+                <a:effectLst/>
+                <a:latin typeface="+mn-lt"/>
+                <a:ea typeface="+mn-ea"/>
+                <a:cs typeface="+mn-cs"/>
+              </a:rPr>
+              <a:t> </a:t>
+            </a:r>
+            <a:endParaRPr lang="zh-CN" altLang="zh-CN" sz="1200" kern="1200" dirty="0">
+              <a:solidFill>
+                <a:schemeClr val="tx1"/>
+              </a:solidFill>
+              <a:effectLst/>
+              <a:latin typeface="+mn-lt"/>
+              <a:ea typeface="+mn-ea"/>
+              <a:cs typeface="+mn-cs"/>
+            </a:endParaRPr>
+          </a:p>
+          <a:p>
+            <a:r>
+              <a:rPr lang="fr-FR" altLang="zh-CN" sz="1200" kern="1200" dirty="0">
+                <a:solidFill>
+                  <a:schemeClr val="tx1"/>
+                </a:solidFill>
+                <a:effectLst/>
+                <a:latin typeface="+mn-lt"/>
+                <a:ea typeface="+mn-ea"/>
+                <a:cs typeface="+mn-cs"/>
+              </a:rPr>
               <a:t>En revanche, il faut noter qu’un bon résultat en termes de valeur de l’AUC pour une classe ne veut pas dire que les images de même classe seront forcément sélectionnées lors de la recherche des images similaires. C’est parce qu’il existe parfois que même une image de classe i en entrée ayant une distance minimale à toutes les images de classe i par rapport aux exemples négatifs, il est probable qu’elle ait une distance plus petite à d’autres images d’une classe différente dans la base.</a:t>
             </a:r>
             <a:endParaRPr lang="zh-CN" altLang="zh-CN" sz="1200" kern="1200" dirty="0">
@@ -4527,73 +4456,7 @@
             </a:endParaRPr>
           </a:p>
           <a:p>
-            <a:endParaRPr lang="fr-FR" sz="1200" kern="1200" dirty="0">
-              <a:solidFill>
-                <a:schemeClr val="tx1"/>
-              </a:solidFill>
-              <a:effectLst/>
-              <a:latin typeface="+mn-lt"/>
-              <a:ea typeface="+mn-ea"/>
-              <a:cs typeface="+mn-cs"/>
-            </a:endParaRPr>
-          </a:p>
-          <a:p>
-            <a:endParaRPr lang="fr-FR" sz="1200" kern="1200" dirty="0">
-              <a:solidFill>
-                <a:schemeClr val="tx1"/>
-              </a:solidFill>
-              <a:effectLst/>
-              <a:latin typeface="+mn-lt"/>
-              <a:ea typeface="+mn-ea"/>
-              <a:cs typeface="+mn-cs"/>
-            </a:endParaRPr>
-          </a:p>
-          <a:p>
-            <a:r>
-              <a:rPr lang="fr-FR" sz="1200" kern="1200" dirty="0">
-                <a:solidFill>
-                  <a:schemeClr val="tx1"/>
-                </a:solidFill>
-                <a:effectLst/>
-                <a:latin typeface="+mn-lt"/>
-                <a:ea typeface="+mn-ea"/>
-                <a:cs typeface="+mn-cs"/>
-              </a:rPr>
-              <a:t>D’une part, l’objet tourné est difficile à trouver ses images similaires parce que la forme est déformée et une partie de l’objet est cachée. En revanche, le simple changement de la luminosité n’est pas gênant pour les détecteurs. D’autre part, nous pouvons voir que l’ORB a un meilleur résultat pour cette image (voir ci-dessous) et souvent l’ORB est capable de trouver plus de points caractéristiques que d’autres méthodes. La performance de </a:t>
-            </a:r>
-            <a:r>
-              <a:rPr lang="fr-FR" sz="1200" kern="1200" dirty="0" err="1">
-                <a:solidFill>
-                  <a:schemeClr val="tx1"/>
-                </a:solidFill>
-                <a:effectLst/>
-                <a:latin typeface="+mn-lt"/>
-                <a:ea typeface="+mn-ea"/>
-                <a:cs typeface="+mn-cs"/>
-              </a:rPr>
-              <a:t>Brief</a:t>
-            </a:r>
-            <a:r>
-              <a:rPr lang="fr-FR" sz="1200" kern="1200" dirty="0">
-                <a:solidFill>
-                  <a:schemeClr val="tx1"/>
-                </a:solidFill>
-                <a:effectLst/>
-                <a:latin typeface="+mn-lt"/>
-                <a:ea typeface="+mn-ea"/>
-                <a:cs typeface="+mn-cs"/>
-              </a:rPr>
-              <a:t> s’améliore quand il existe plus de patterns dans l’objet (le nombre de points détectés augmente).</a:t>
-            </a:r>
-            <a:endParaRPr lang="en-US" sz="1200" kern="1200" dirty="0">
-              <a:solidFill>
-                <a:schemeClr val="tx1"/>
-              </a:solidFill>
-              <a:effectLst/>
-              <a:latin typeface="+mn-lt"/>
-              <a:ea typeface="+mn-ea"/>
-              <a:cs typeface="+mn-cs"/>
-            </a:endParaRPr>
+            <a:endParaRPr lang="zh-CN" altLang="en-US" dirty="0"/>
           </a:p>
         </p:txBody>
       </p:sp>
@@ -4614,13 +4477,18 @@
           <a:p>
             <a:fld id="{5A906ACB-0641-497D-A6F6-17171FCA9B16}" type="slidenum">
               <a:rPr lang="fr-FR" smtClean="0"/>
-              <a:t>10</a:t>
+              <a:t>9</a:t>
             </a:fld>
             <a:endParaRPr lang="fr-FR"/>
           </a:p>
         </p:txBody>
       </p:sp>
     </p:spTree>
+    <p:extLst>
+      <p:ext uri="{BB962C8B-B14F-4D97-AF65-F5344CB8AC3E}">
+        <p14:creationId xmlns:p14="http://schemas.microsoft.com/office/powerpoint/2010/main" val="1434961819"/>
+      </p:ext>
+    </p:extLst>
   </p:cSld>
   <p:clrMapOvr>
     <a:masterClrMapping/>
@@ -4672,7 +4540,167 @@
           <a:bodyPr/>
           <a:lstStyle/>
           <a:p>
-            <a:endParaRPr lang="en-US" dirty="0"/>
+            <a:r>
+              <a:rPr lang="fr-FR" altLang="zh-CN" sz="1200" kern="1200" dirty="0">
+                <a:solidFill>
+                  <a:schemeClr val="tx1"/>
+                </a:solidFill>
+                <a:effectLst/>
+                <a:latin typeface="+mn-lt"/>
+                <a:ea typeface="+mn-ea"/>
+                <a:cs typeface="+mn-cs"/>
+              </a:rPr>
+              <a:t>En revanche, il faut noter qu’un bon résultat en termes de valeur de l’AUC pour une classe ne veut pas dire que les images de même classe seront forcément sélectionnées lors de la recherche des images similaires. C’est parce qu’il existe parfois que même une image de classe i en entrée ayant une distance minimale à toutes les images de classe i par rapport aux exemples négatifs, il est probable qu’elle ait une distance plus petite à d’autres images d’une classe différente dans la base.</a:t>
+            </a:r>
+            <a:endParaRPr lang="zh-CN" altLang="zh-CN" sz="1200" kern="1200" dirty="0">
+              <a:solidFill>
+                <a:schemeClr val="tx1"/>
+              </a:solidFill>
+              <a:effectLst/>
+              <a:latin typeface="+mn-lt"/>
+              <a:ea typeface="+mn-ea"/>
+              <a:cs typeface="+mn-cs"/>
+            </a:endParaRPr>
+          </a:p>
+          <a:p>
+            <a:r>
+              <a:rPr lang="fr-FR" altLang="zh-CN" sz="1200" kern="1200" dirty="0">
+                <a:solidFill>
+                  <a:schemeClr val="tx1"/>
+                </a:solidFill>
+                <a:effectLst/>
+                <a:latin typeface="+mn-lt"/>
+                <a:ea typeface="+mn-ea"/>
+                <a:cs typeface="+mn-cs"/>
+              </a:rPr>
+              <a:t>Pour cette raison, nous ensuite montrons ci-dessous le TOP10 </a:t>
+            </a:r>
+            <a:r>
+              <a:rPr lang="fr-FR" altLang="zh-CN" sz="1200" kern="1200" dirty="0" err="1">
+                <a:solidFill>
+                  <a:schemeClr val="tx1"/>
+                </a:solidFill>
+                <a:effectLst/>
+                <a:latin typeface="+mn-lt"/>
+                <a:ea typeface="+mn-ea"/>
+                <a:cs typeface="+mn-cs"/>
+              </a:rPr>
+              <a:t>Ranking</a:t>
+            </a:r>
+            <a:r>
+              <a:rPr lang="fr-FR" altLang="zh-CN" sz="1200" kern="1200" dirty="0">
+                <a:solidFill>
+                  <a:schemeClr val="tx1"/>
+                </a:solidFill>
+                <a:effectLst/>
+                <a:latin typeface="+mn-lt"/>
+                <a:ea typeface="+mn-ea"/>
+                <a:cs typeface="+mn-cs"/>
+              </a:rPr>
+              <a:t> en termes de distance avec les images dans la base et ceci reflète directement quelles images vont être sélectionnées lors de la recherche. Deux images de classe 251 ont été choisies (251_c.png et 251_i120.png) et #clusters = 50, #max </a:t>
+            </a:r>
+            <a:r>
+              <a:rPr lang="fr-FR" altLang="zh-CN" sz="1200" kern="1200" dirty="0" err="1">
+                <a:solidFill>
+                  <a:schemeClr val="tx1"/>
+                </a:solidFill>
+                <a:effectLst/>
+                <a:latin typeface="+mn-lt"/>
+                <a:ea typeface="+mn-ea"/>
+                <a:cs typeface="+mn-cs"/>
+              </a:rPr>
+              <a:t>keypoints</a:t>
+            </a:r>
+            <a:r>
+              <a:rPr lang="fr-FR" altLang="zh-CN" sz="1200" kern="1200" dirty="0">
+                <a:solidFill>
+                  <a:schemeClr val="tx1"/>
+                </a:solidFill>
+                <a:effectLst/>
+                <a:latin typeface="+mn-lt"/>
+                <a:ea typeface="+mn-ea"/>
+                <a:cs typeface="+mn-cs"/>
+              </a:rPr>
+              <a:t> = 100.</a:t>
+            </a:r>
+            <a:endParaRPr lang="zh-CN" altLang="zh-CN" sz="1200" kern="1200" dirty="0">
+              <a:solidFill>
+                <a:schemeClr val="tx1"/>
+              </a:solidFill>
+              <a:effectLst/>
+              <a:latin typeface="+mn-lt"/>
+              <a:ea typeface="+mn-ea"/>
+              <a:cs typeface="+mn-cs"/>
+            </a:endParaRPr>
+          </a:p>
+          <a:p>
+            <a:endParaRPr lang="fr-FR" sz="1200" kern="1200" dirty="0">
+              <a:solidFill>
+                <a:schemeClr val="tx1"/>
+              </a:solidFill>
+              <a:effectLst/>
+              <a:latin typeface="+mn-lt"/>
+              <a:ea typeface="+mn-ea"/>
+              <a:cs typeface="+mn-cs"/>
+            </a:endParaRPr>
+          </a:p>
+          <a:p>
+            <a:endParaRPr lang="fr-FR" sz="1200" kern="1200" dirty="0">
+              <a:solidFill>
+                <a:schemeClr val="tx1"/>
+              </a:solidFill>
+              <a:effectLst/>
+              <a:latin typeface="+mn-lt"/>
+              <a:ea typeface="+mn-ea"/>
+              <a:cs typeface="+mn-cs"/>
+            </a:endParaRPr>
+          </a:p>
+          <a:p>
+            <a:r>
+              <a:rPr lang="fr-FR" sz="1200" kern="1200" dirty="0">
+                <a:solidFill>
+                  <a:schemeClr val="tx1"/>
+                </a:solidFill>
+                <a:effectLst/>
+                <a:latin typeface="+mn-lt"/>
+                <a:ea typeface="+mn-ea"/>
+                <a:cs typeface="+mn-cs"/>
+              </a:rPr>
+              <a:t>D’une part, l’objet tourné est difficile à trouver ses images similaires parce que la forme est déformée et une partie de l’objet est cachée. En revanche, le simple changement de la luminosité n’est pas gênant pour les détecteurs. D’autre part, nous pouvons voir que l’ORB a un meilleur résultat pour cette image (voir ci-dessous) et souvent l’ORB est capable de trouver plus de points caractéristiques que d’autres méthodes. La performance de </a:t>
+            </a:r>
+            <a:r>
+              <a:rPr lang="fr-FR" sz="1200" kern="1200" dirty="0" err="1">
+                <a:solidFill>
+                  <a:schemeClr val="tx1"/>
+                </a:solidFill>
+                <a:effectLst/>
+                <a:latin typeface="+mn-lt"/>
+                <a:ea typeface="+mn-ea"/>
+                <a:cs typeface="+mn-cs"/>
+              </a:rPr>
+              <a:t>Brief</a:t>
+            </a:r>
+            <a:r>
+              <a:rPr lang="fr-FR" sz="1200" kern="1200" dirty="0">
+                <a:solidFill>
+                  <a:schemeClr val="tx1"/>
+                </a:solidFill>
+                <a:effectLst/>
+                <a:latin typeface="+mn-lt"/>
+                <a:ea typeface="+mn-ea"/>
+                <a:cs typeface="+mn-cs"/>
+              </a:rPr>
+              <a:t> s’améliore quand il existe plus de patterns dans l’objet (le nombre de points détectés augmente).</a:t>
+            </a:r>
+            <a:endParaRPr lang="en-US" sz="1200" kern="1200" dirty="0">
+              <a:solidFill>
+                <a:schemeClr val="tx1"/>
+              </a:solidFill>
+              <a:effectLst/>
+              <a:latin typeface="+mn-lt"/>
+              <a:ea typeface="+mn-ea"/>
+              <a:cs typeface="+mn-cs"/>
+            </a:endParaRPr>
           </a:p>
         </p:txBody>
       </p:sp>
@@ -4693,7 +4721,7 @@
           <a:p>
             <a:fld id="{5A906ACB-0641-497D-A6F6-17171FCA9B16}" type="slidenum">
               <a:rPr lang="fr-FR" smtClean="0"/>
-              <a:t>11</a:t>
+              <a:t>10</a:t>
             </a:fld>
             <a:endParaRPr lang="fr-FR"/>
           </a:p>
@@ -4708,6 +4736,250 @@
 </file>
 
 <file path=ppt/notesSlides/notesSlide8.xml><?xml version="1.0" encoding="utf-8"?>
+<p:notes xmlns:a="http://schemas.openxmlformats.org/drawingml/2006/main" xmlns:r="http://schemas.openxmlformats.org/officeDocument/2006/relationships" xmlns:p="http://schemas.openxmlformats.org/presentationml/2006/main">
+  <p:cSld>
+    <p:spTree>
+      <p:nvGrpSpPr>
+        <p:cNvPr id="1" name=""/>
+        <p:cNvGrpSpPr/>
+        <p:nvPr/>
+      </p:nvGrpSpPr>
+      <p:grpSpPr>
+        <a:xfrm>
+          <a:off x="0" y="0"/>
+          <a:ext cx="0" cy="0"/>
+          <a:chOff x="0" y="0"/>
+          <a:chExt cx="0" cy="0"/>
+        </a:xfrm>
+      </p:grpSpPr>
+      <p:sp>
+        <p:nvSpPr>
+          <p:cNvPr id="2" name="幻灯片图像占位符 1"/>
+          <p:cNvSpPr>
+            <a:spLocks noGrp="1" noRot="1" noChangeAspect="1"/>
+          </p:cNvSpPr>
+          <p:nvPr>
+            <p:ph type="sldImg"/>
+          </p:nvPr>
+        </p:nvSpPr>
+        <p:spPr/>
+      </p:sp>
+      <p:sp>
+        <p:nvSpPr>
+          <p:cNvPr id="3" name="备注占位符 2"/>
+          <p:cNvSpPr>
+            <a:spLocks noGrp="1"/>
+          </p:cNvSpPr>
+          <p:nvPr>
+            <p:ph type="body" idx="1"/>
+          </p:nvPr>
+        </p:nvSpPr>
+        <p:spPr/>
+        <p:txBody>
+          <a:bodyPr/>
+          <a:lstStyle/>
+          <a:p>
+            <a:pPr marL="342900" lvl="0" indent="-342900" algn="just">
+              <a:spcAft>
+                <a:spcPts val="0"/>
+              </a:spcAft>
+              <a:buFont typeface="Wingdings" panose="05000000000000000000" pitchFamily="2" charset="2"/>
+              <a:buChar char=""/>
+            </a:pPr>
+            <a:r>
+              <a:rPr lang="fr-FR" altLang="zh-CN" sz="1200" dirty="0">
+                <a:latin typeface="Arial" panose="020B0604020202020204" pitchFamily="34" charset="0"/>
+                <a:ea typeface="+mn-ea"/>
+                <a:cs typeface="Times New Roman" panose="02020603050405020304" pitchFamily="18" charset="0"/>
+              </a:rPr>
+              <a:t>L’ORB a une performance meilleure que d’autres méthodes dans le cas général parce qu’il est capable de détecter plus de points caractéristiques.</a:t>
+            </a:r>
+            <a:endParaRPr lang="en-US" altLang="zh-CN" sz="1200" dirty="0">
+              <a:latin typeface="Arial" panose="020B0604020202020204" pitchFamily="34" charset="0"/>
+              <a:ea typeface="+mn-ea"/>
+              <a:cs typeface="Times New Roman" panose="02020603050405020304" pitchFamily="18" charset="0"/>
+            </a:endParaRPr>
+          </a:p>
+          <a:p>
+            <a:pPr marL="342900" lvl="0" indent="-342900" algn="just">
+              <a:spcAft>
+                <a:spcPts val="0"/>
+              </a:spcAft>
+              <a:buFont typeface="Wingdings" panose="05000000000000000000" pitchFamily="2" charset="2"/>
+              <a:buChar char=""/>
+            </a:pPr>
+            <a:r>
+              <a:rPr lang="fr-FR" altLang="zh-CN" sz="1200" dirty="0">
+                <a:latin typeface="Arial" panose="020B0604020202020204" pitchFamily="34" charset="0"/>
+                <a:ea typeface="+mn-ea"/>
+                <a:cs typeface="Times New Roman" panose="02020603050405020304" pitchFamily="18" charset="0"/>
+              </a:rPr>
+              <a:t>La rotation de l’objet déforme et cache la forme de l’objet. Il est donc difficile à trouver ses images similaires.</a:t>
+            </a:r>
+            <a:endParaRPr lang="en-US" altLang="zh-CN" sz="1200" dirty="0">
+              <a:latin typeface="Arial" panose="020B0604020202020204" pitchFamily="34" charset="0"/>
+              <a:ea typeface="+mn-ea"/>
+              <a:cs typeface="Times New Roman" panose="02020603050405020304" pitchFamily="18" charset="0"/>
+            </a:endParaRPr>
+          </a:p>
+          <a:p>
+            <a:pPr marL="342900" lvl="0" indent="-342900" algn="just">
+              <a:spcAft>
+                <a:spcPts val="0"/>
+              </a:spcAft>
+              <a:buFont typeface="Wingdings" panose="05000000000000000000" pitchFamily="2" charset="2"/>
+              <a:buChar char=""/>
+            </a:pPr>
+            <a:r>
+              <a:rPr lang="fr-FR" altLang="zh-CN" sz="1200" dirty="0">
+                <a:latin typeface="Arial" panose="020B0604020202020204" pitchFamily="34" charset="0"/>
+                <a:ea typeface="+mn-ea"/>
+                <a:cs typeface="Times New Roman" panose="02020603050405020304" pitchFamily="18" charset="0"/>
+              </a:rPr>
+              <a:t>L’ORB est la méthode la plus rapide en termes de temps de calcul parmi les trois.</a:t>
+            </a:r>
+            <a:endParaRPr lang="en-US" altLang="zh-CN" sz="1200" dirty="0">
+              <a:latin typeface="Arial" panose="020B0604020202020204" pitchFamily="34" charset="0"/>
+              <a:ea typeface="+mn-ea"/>
+              <a:cs typeface="Times New Roman" panose="02020603050405020304" pitchFamily="18" charset="0"/>
+            </a:endParaRPr>
+          </a:p>
+          <a:p>
+            <a:pPr marL="342900" lvl="0" indent="-342900" algn="just">
+              <a:spcAft>
+                <a:spcPts val="0"/>
+              </a:spcAft>
+              <a:buFont typeface="Wingdings" panose="05000000000000000000" pitchFamily="2" charset="2"/>
+              <a:buChar char=""/>
+            </a:pPr>
+            <a:r>
+              <a:rPr lang="fr-FR" altLang="zh-CN" sz="1200" dirty="0">
+                <a:latin typeface="Arial" panose="020B0604020202020204" pitchFamily="34" charset="0"/>
+                <a:ea typeface="+mn-ea"/>
+                <a:cs typeface="Times New Roman" panose="02020603050405020304" pitchFamily="18" charset="0"/>
+              </a:rPr>
+              <a:t>Le nombre de points caractéristiques a une influence importante sur la performance, nous constatons qu’il a besoin au moins 100 pour caractériser l’objet dans une image.</a:t>
+            </a:r>
+            <a:endParaRPr lang="en-US" altLang="zh-CN" sz="1200" dirty="0">
+              <a:latin typeface="Arial" panose="020B0604020202020204" pitchFamily="34" charset="0"/>
+              <a:ea typeface="+mn-ea"/>
+              <a:cs typeface="Times New Roman" panose="02020603050405020304" pitchFamily="18" charset="0"/>
+            </a:endParaRPr>
+          </a:p>
+          <a:p>
+            <a:pPr marL="342900" lvl="0" indent="-342900" algn="just">
+              <a:spcAft>
+                <a:spcPts val="0"/>
+              </a:spcAft>
+              <a:buFont typeface="Wingdings" panose="05000000000000000000" pitchFamily="2" charset="2"/>
+              <a:buChar char=""/>
+            </a:pPr>
+            <a:r>
+              <a:rPr lang="fr-FR" altLang="zh-CN" sz="1200" dirty="0">
+                <a:latin typeface="Arial" panose="020B0604020202020204" pitchFamily="34" charset="0"/>
+                <a:ea typeface="+mn-ea"/>
+                <a:cs typeface="Times New Roman" panose="02020603050405020304" pitchFamily="18" charset="0"/>
+              </a:rPr>
+              <a:t>La performance n’est pas très sensible au nombre de clusters (c’est-à-dire, nombre de </a:t>
+            </a:r>
+            <a:r>
+              <a:rPr lang="fr-FR" altLang="zh-CN" sz="1200" i="1" dirty="0" err="1">
+                <a:latin typeface="Arial" panose="020B0604020202020204" pitchFamily="34" charset="0"/>
+                <a:ea typeface="+mn-ea"/>
+                <a:cs typeface="Times New Roman" panose="02020603050405020304" pitchFamily="18" charset="0"/>
+              </a:rPr>
+              <a:t>visual</a:t>
+            </a:r>
+            <a:r>
+              <a:rPr lang="fr-FR" altLang="zh-CN" sz="1200" i="1" dirty="0">
+                <a:latin typeface="Arial" panose="020B0604020202020204" pitchFamily="34" charset="0"/>
+                <a:ea typeface="+mn-ea"/>
+                <a:cs typeface="Times New Roman" panose="02020603050405020304" pitchFamily="18" charset="0"/>
+              </a:rPr>
+              <a:t> </a:t>
+            </a:r>
+            <a:r>
+              <a:rPr lang="fr-FR" altLang="zh-CN" sz="1200" i="1" dirty="0" err="1">
+                <a:latin typeface="Arial" panose="020B0604020202020204" pitchFamily="34" charset="0"/>
+                <a:ea typeface="+mn-ea"/>
+                <a:cs typeface="Times New Roman" panose="02020603050405020304" pitchFamily="18" charset="0"/>
+              </a:rPr>
+              <a:t>words</a:t>
+            </a:r>
+            <a:r>
+              <a:rPr lang="fr-FR" altLang="zh-CN" sz="1200" dirty="0">
+                <a:latin typeface="Arial" panose="020B0604020202020204" pitchFamily="34" charset="0"/>
+                <a:ea typeface="+mn-ea"/>
+                <a:cs typeface="Times New Roman" panose="02020603050405020304" pitchFamily="18" charset="0"/>
+              </a:rPr>
+              <a:t> pour calculer les histogrammes). Un nombre de 25, 50, 100 n’a pas de différence conséquente.</a:t>
+            </a:r>
+            <a:endParaRPr lang="en-US" altLang="zh-CN" sz="1200" dirty="0">
+              <a:latin typeface="Arial" panose="020B0604020202020204" pitchFamily="34" charset="0"/>
+              <a:ea typeface="+mn-ea"/>
+              <a:cs typeface="Times New Roman" panose="02020603050405020304" pitchFamily="18" charset="0"/>
+            </a:endParaRPr>
+          </a:p>
+          <a:p>
+            <a:pPr marL="342900" lvl="0" indent="-342900" algn="just">
+              <a:spcAft>
+                <a:spcPts val="0"/>
+              </a:spcAft>
+              <a:buFont typeface="Wingdings" panose="05000000000000000000" pitchFamily="2" charset="2"/>
+              <a:buChar char=""/>
+            </a:pPr>
+            <a:r>
+              <a:rPr lang="fr-FR" altLang="zh-CN" sz="1200" dirty="0">
+                <a:latin typeface="Arial" panose="020B0604020202020204" pitchFamily="34" charset="0"/>
+                <a:ea typeface="+mn-ea"/>
+                <a:cs typeface="Times New Roman" panose="02020603050405020304" pitchFamily="18" charset="0"/>
+              </a:rPr>
+              <a:t>les points caractéristiques se concentrent sur les textures et la forme de l’objet. Un objet ayant une couleur uniforme est plus difficile à extraire des points caractéristiques.</a:t>
+            </a:r>
+            <a:endParaRPr lang="en-US" altLang="zh-CN" sz="1200" dirty="0">
+              <a:effectLst/>
+              <a:latin typeface="Arial" panose="020B0604020202020204" pitchFamily="34" charset="0"/>
+              <a:ea typeface="+mn-ea"/>
+              <a:cs typeface="Times New Roman" panose="02020603050405020304" pitchFamily="18" charset="0"/>
+            </a:endParaRPr>
+          </a:p>
+          <a:p>
+            <a:endParaRPr lang="en-US" dirty="0"/>
+          </a:p>
+        </p:txBody>
+      </p:sp>
+      <p:sp>
+        <p:nvSpPr>
+          <p:cNvPr id="4" name="灯片编号占位符 3"/>
+          <p:cNvSpPr>
+            <a:spLocks noGrp="1"/>
+          </p:cNvSpPr>
+          <p:nvPr>
+            <p:ph type="sldNum" sz="quarter" idx="10"/>
+          </p:nvPr>
+        </p:nvSpPr>
+        <p:spPr/>
+        <p:txBody>
+          <a:bodyPr/>
+          <a:lstStyle/>
+          <a:p>
+            <a:fld id="{5A906ACB-0641-497D-A6F6-17171FCA9B16}" type="slidenum">
+              <a:rPr lang="fr-FR" smtClean="0"/>
+              <a:t>11</a:t>
+            </a:fld>
+            <a:endParaRPr lang="fr-FR"/>
+          </a:p>
+        </p:txBody>
+      </p:sp>
+    </p:spTree>
+  </p:cSld>
+  <p:clrMapOvr>
+    <a:masterClrMapping/>
+  </p:clrMapOvr>
+</p:notes>
+</file>
+
+<file path=ppt/notesSlides/notesSlide9.xml><?xml version="1.0" encoding="utf-8"?>
 <p:notes xmlns:a="http://schemas.openxmlformats.org/drawingml/2006/main" xmlns:r="http://schemas.openxmlformats.org/officeDocument/2006/relationships" xmlns:p="http://schemas.openxmlformats.org/presentationml/2006/main">
   <p:cSld>
     <p:spTree>
@@ -11962,7 +12234,7 @@
         <p:spPr>
           <a:xfrm>
             <a:off x="273016" y="984331"/>
-            <a:ext cx="8424936" cy="3046988"/>
+            <a:ext cx="8424936" cy="2677656"/>
           </a:xfrm>
           <a:prstGeom prst="rect">
             <a:avLst/>
@@ -11974,7 +12246,55 @@
           </a:bodyPr>
           <a:lstStyle/>
           <a:p>
+            <a:pPr marL="342900" indent="-342900" algn="just">
+              <a:lnSpc>
+                <a:spcPct val="150000"/>
+              </a:lnSpc>
+              <a:buFont typeface="Wingdings" panose="05000000000000000000" pitchFamily="2" charset="2"/>
+              <a:buChar char=""/>
+            </a:pPr>
+            <a:r>
+              <a:rPr lang="fr-FR" sz="1600" dirty="0">
+                <a:solidFill>
+                  <a:schemeClr val="bg2">
+                    <a:lumMod val="75000"/>
+                  </a:schemeClr>
+                </a:solidFill>
+                <a:latin typeface="Arial" panose="020B0604020202020204" pitchFamily="34" charset="0"/>
+                <a:ea typeface="宋体" panose="02010600030101010101" pitchFamily="2" charset="-122"/>
+                <a:cs typeface="Times New Roman" panose="02020603050405020304" pitchFamily="18" charset="0"/>
+              </a:rPr>
+              <a:t>ORB : une performance meilleure, plus de points caractéristiques détectés; </a:t>
+            </a:r>
+            <a:r>
+              <a:rPr lang="fr-FR" altLang="zh-CN" sz="1600" dirty="0">
+                <a:solidFill>
+                  <a:schemeClr val="bg2">
+                    <a:lumMod val="75000"/>
+                  </a:schemeClr>
+                </a:solidFill>
+                <a:latin typeface="Arial" panose="020B0604020202020204" pitchFamily="34" charset="0"/>
+                <a:ea typeface="宋体" panose="02010600030101010101" pitchFamily="2" charset="-122"/>
+                <a:cs typeface="Times New Roman" panose="02020603050405020304" pitchFamily="18" charset="0"/>
+              </a:rPr>
+              <a:t>méthode la plus rapide; </a:t>
+            </a:r>
+            <a:endParaRPr lang="en-US" sz="1600" dirty="0">
+              <a:solidFill>
+                <a:schemeClr val="bg2">
+                  <a:lumMod val="75000"/>
+                </a:schemeClr>
+              </a:solidFill>
+              <a:latin typeface="Arial" panose="020B0604020202020204" pitchFamily="34" charset="0"/>
+              <a:ea typeface="宋体" panose="02010600030101010101" pitchFamily="2" charset="-122"/>
+              <a:cs typeface="Times New Roman" panose="02020603050405020304" pitchFamily="18" charset="0"/>
+            </a:endParaRPr>
+          </a:p>
+          <a:p>
             <a:pPr marL="342900" lvl="0" indent="-342900" algn="just">
+              <a:lnSpc>
+                <a:spcPct val="150000"/>
+              </a:lnSpc>
               <a:spcAft>
                 <a:spcPts val="0"/>
               </a:spcAft>
@@ -11983,29 +12303,23 @@
             </a:pPr>
             <a:r>
               <a:rPr lang="fr-FR" sz="1600" dirty="0">
+                <a:solidFill>
+                  <a:schemeClr val="bg2">
+                    <a:lumMod val="75000"/>
+                  </a:schemeClr>
+                </a:solidFill>
                 <a:latin typeface="Arial" panose="020B0604020202020204" pitchFamily="34" charset="0"/>
                 <a:ea typeface="宋体" panose="02010600030101010101" pitchFamily="2" charset="-122"/>
                 <a:cs typeface="Times New Roman" panose="02020603050405020304" pitchFamily="18" charset="0"/>
               </a:rPr>
-              <a:t>L’ORB a une performance meilleure que d’autres méthodes dans le cas général parce qu’il est capable de détecter </a:t>
-            </a:r>
-            <a:r>
-              <a:rPr lang="fr-FR" sz="1600">
-                <a:latin typeface="Arial" panose="020B0604020202020204" pitchFamily="34" charset="0"/>
-                <a:ea typeface="宋体" panose="02010600030101010101" pitchFamily="2" charset="-122"/>
-                <a:cs typeface="Times New Roman" panose="02020603050405020304" pitchFamily="18" charset="0"/>
-              </a:rPr>
-              <a:t>plus de points </a:t>
-            </a:r>
-            <a:r>
-              <a:rPr lang="fr-FR" sz="1600" dirty="0">
-                <a:latin typeface="Arial" panose="020B0604020202020204" pitchFamily="34" charset="0"/>
-                <a:ea typeface="宋体" panose="02010600030101010101" pitchFamily="2" charset="-122"/>
-                <a:cs typeface="Times New Roman" panose="02020603050405020304" pitchFamily="18" charset="0"/>
-              </a:rPr>
-              <a:t>caractéristiques.</a:t>
+              <a:t>Image tournée difficile à trouver ses images similaires; </a:t>
             </a:r>
             <a:endParaRPr lang="en-US" sz="1600" dirty="0">
+              <a:solidFill>
+                <a:schemeClr val="bg2">
+                  <a:lumMod val="75000"/>
+                </a:schemeClr>
+              </a:solidFill>
               <a:latin typeface="Arial" panose="020B0604020202020204" pitchFamily="34" charset="0"/>
               <a:ea typeface="宋体" panose="02010600030101010101" pitchFamily="2" charset="-122"/>
               <a:cs typeface="Times New Roman" panose="02020603050405020304" pitchFamily="18" charset="0"/>
@@ -12013,6 +12327,9 @@
           </a:p>
           <a:p>
             <a:pPr marL="342900" lvl="0" indent="-342900" algn="just">
+              <a:lnSpc>
+                <a:spcPct val="150000"/>
+              </a:lnSpc>
               <a:spcAft>
                 <a:spcPts val="0"/>
               </a:spcAft>
@@ -12021,20 +12338,23 @@
             </a:pPr>
             <a:r>
               <a:rPr lang="fr-FR" sz="1600" dirty="0">
+                <a:solidFill>
+                  <a:schemeClr val="bg2">
+                    <a:lumMod val="75000"/>
+                  </a:schemeClr>
+                </a:solidFill>
                 <a:latin typeface="Arial" panose="020B0604020202020204" pitchFamily="34" charset="0"/>
                 <a:ea typeface="宋体" panose="02010600030101010101" pitchFamily="2" charset="-122"/>
                 <a:cs typeface="Times New Roman" panose="02020603050405020304" pitchFamily="18" charset="0"/>
               </a:rPr>
-              <a:t>La rotation de l’objet déforme et cache la forme de l’objet. Il est donc difficile à trouver ses images similaires.</a:t>
-            </a:r>
-            <a:endParaRPr lang="en-US" sz="1600" dirty="0">
-              <a:latin typeface="Arial" panose="020B0604020202020204" pitchFamily="34" charset="0"/>
-              <a:ea typeface="宋体" panose="02010600030101010101" pitchFamily="2" charset="-122"/>
-              <a:cs typeface="Times New Roman" panose="02020603050405020304" pitchFamily="18" charset="0"/>
-            </a:endParaRPr>
+              <a:t>Nombre de points caractéristiques: important sur la performance; minimum 100 points</a:t>
+            </a:r>
           </a:p>
           <a:p>
             <a:pPr marL="342900" lvl="0" indent="-342900" algn="just">
+              <a:lnSpc>
+                <a:spcPct val="150000"/>
+              </a:lnSpc>
               <a:spcAft>
                 <a:spcPts val="0"/>
               </a:spcAft>
@@ -12043,13 +12363,75 @@
             </a:pPr>
             <a:r>
               <a:rPr lang="fr-FR" sz="1600" dirty="0">
+                <a:solidFill>
+                  <a:schemeClr val="bg2">
+                    <a:lumMod val="75000"/>
+                  </a:schemeClr>
+                </a:solidFill>
                 <a:latin typeface="Arial" panose="020B0604020202020204" pitchFamily="34" charset="0"/>
                 <a:ea typeface="宋体" panose="02010600030101010101" pitchFamily="2" charset="-122"/>
                 <a:cs typeface="Times New Roman" panose="02020603050405020304" pitchFamily="18" charset="0"/>
               </a:rPr>
-              <a:t>L’ORB est la méthode la plus rapide en termes de temps de calcul parmi les trois.</a:t>
+              <a:t>Performance non sensible au nombre de clusters (</a:t>
+            </a:r>
+            <a:r>
+              <a:rPr lang="fr-FR" sz="1600" i="1" dirty="0" err="1">
+                <a:solidFill>
+                  <a:schemeClr val="bg2">
+                    <a:lumMod val="75000"/>
+                  </a:schemeClr>
+                </a:solidFill>
+                <a:latin typeface="Arial" panose="020B0604020202020204" pitchFamily="34" charset="0"/>
+                <a:ea typeface="宋体" panose="02010600030101010101" pitchFamily="2" charset="-122"/>
+                <a:cs typeface="Times New Roman" panose="02020603050405020304" pitchFamily="18" charset="0"/>
+              </a:rPr>
+              <a:t>visual</a:t>
+            </a:r>
+            <a:r>
+              <a:rPr lang="fr-FR" sz="1600" i="1" dirty="0">
+                <a:solidFill>
+                  <a:schemeClr val="bg2">
+                    <a:lumMod val="75000"/>
+                  </a:schemeClr>
+                </a:solidFill>
+                <a:latin typeface="Arial" panose="020B0604020202020204" pitchFamily="34" charset="0"/>
+                <a:ea typeface="宋体" panose="02010600030101010101" pitchFamily="2" charset="-122"/>
+                <a:cs typeface="Times New Roman" panose="02020603050405020304" pitchFamily="18" charset="0"/>
+              </a:rPr>
+              <a:t> </a:t>
+            </a:r>
+            <a:r>
+              <a:rPr lang="fr-FR" sz="1600" i="1" dirty="0" err="1">
+                <a:solidFill>
+                  <a:schemeClr val="bg2">
+                    <a:lumMod val="75000"/>
+                  </a:schemeClr>
+                </a:solidFill>
+                <a:latin typeface="Arial" panose="020B0604020202020204" pitchFamily="34" charset="0"/>
+                <a:ea typeface="宋体" panose="02010600030101010101" pitchFamily="2" charset="-122"/>
+                <a:cs typeface="Times New Roman" panose="02020603050405020304" pitchFamily="18" charset="0"/>
+              </a:rPr>
+              <a:t>words</a:t>
+            </a:r>
+            <a:r>
+              <a:rPr lang="fr-FR" sz="1600" dirty="0">
+                <a:solidFill>
+                  <a:schemeClr val="bg2">
+                    <a:lumMod val="75000"/>
+                  </a:schemeClr>
+                </a:solidFill>
+                <a:latin typeface="Arial" panose="020B0604020202020204" pitchFamily="34" charset="0"/>
+                <a:ea typeface="宋体" panose="02010600030101010101" pitchFamily="2" charset="-122"/>
+                <a:cs typeface="Times New Roman" panose="02020603050405020304" pitchFamily="18" charset="0"/>
+              </a:rPr>
+              <a:t>). Un nombre de 25, 50, 100 n’a pas de différence conséquente; </a:t>
             </a:r>
             <a:endParaRPr lang="en-US" sz="1600" dirty="0">
+              <a:solidFill>
+                <a:schemeClr val="bg2">
+                  <a:lumMod val="75000"/>
+                </a:schemeClr>
+              </a:solidFill>
               <a:latin typeface="Arial" panose="020B0604020202020204" pitchFamily="34" charset="0"/>
               <a:ea typeface="宋体" panose="02010600030101010101" pitchFamily="2" charset="-122"/>
               <a:cs typeface="Times New Roman" panose="02020603050405020304" pitchFamily="18" charset="0"/>
@@ -12057,6 +12439,9 @@
           </a:p>
           <a:p>
             <a:pPr marL="342900" lvl="0" indent="-342900" algn="just">
+              <a:lnSpc>
+                <a:spcPct val="150000"/>
+              </a:lnSpc>
               <a:spcAft>
                 <a:spcPts val="0"/>
               </a:spcAft>
@@ -12064,90 +12449,37 @@
               <a:buChar char=""/>
             </a:pPr>
             <a:r>
-              <a:rPr lang="fr-FR" sz="1600" dirty="0">
+              <a:rPr lang="fr-FR" altLang="zh-CN" sz="1600" dirty="0">
+                <a:solidFill>
+                  <a:schemeClr val="bg2">
+                    <a:lumMod val="75000"/>
+                  </a:schemeClr>
+                </a:solidFill>
                 <a:latin typeface="Arial" panose="020B0604020202020204" pitchFamily="34" charset="0"/>
                 <a:ea typeface="宋体" panose="02010600030101010101" pitchFamily="2" charset="-122"/>
                 <a:cs typeface="Times New Roman" panose="02020603050405020304" pitchFamily="18" charset="0"/>
               </a:rPr>
-              <a:t>Le nombre de points caractéristiques a une influence importante sur la performance, nous constatons qu’il a besoin au moins 100 pour caractériser l’objet dans une image.</a:t>
-            </a:r>
-            <a:endParaRPr lang="en-US" sz="1600" dirty="0">
-              <a:latin typeface="Arial" panose="020B0604020202020204" pitchFamily="34" charset="0"/>
-              <a:ea typeface="宋体" panose="02010600030101010101" pitchFamily="2" charset="-122"/>
-              <a:cs typeface="Times New Roman" panose="02020603050405020304" pitchFamily="18" charset="0"/>
-            </a:endParaRPr>
-          </a:p>
-          <a:p>
-            <a:pPr marL="342900" lvl="0" indent="-342900" algn="just">
-              <a:spcAft>
-                <a:spcPts val="0"/>
-              </a:spcAft>
-              <a:buFont typeface="Wingdings" panose="05000000000000000000" pitchFamily="2" charset="2"/>
-              <a:buChar char=""/>
-            </a:pPr>
+              <a:t>Plus difficile à extraire des points caractéristiques </a:t>
+            </a:r>
             <a:r>
               <a:rPr lang="fr-FR" sz="1600" dirty="0">
+                <a:solidFill>
+                  <a:schemeClr val="bg2">
+                    <a:lumMod val="75000"/>
+                  </a:schemeClr>
+                </a:solidFill>
                 <a:latin typeface="Arial" panose="020B0604020202020204" pitchFamily="34" charset="0"/>
                 <a:ea typeface="宋体" panose="02010600030101010101" pitchFamily="2" charset="-122"/>
                 <a:cs typeface="Times New Roman" panose="02020603050405020304" pitchFamily="18" charset="0"/>
               </a:rPr>
-              <a:t>La performance n’est pas très sensible au nombre de clusters (c’est-à-dire, nombre de </a:t>
-            </a:r>
-            <a:r>
-              <a:rPr lang="fr-FR" sz="1600" i="1" dirty="0" err="1">
-                <a:latin typeface="Arial" panose="020B0604020202020204" pitchFamily="34" charset="0"/>
-                <a:ea typeface="宋体" panose="02010600030101010101" pitchFamily="2" charset="-122"/>
-                <a:cs typeface="Times New Roman" panose="02020603050405020304" pitchFamily="18" charset="0"/>
-              </a:rPr>
-              <a:t>visual</a:t>
-            </a:r>
-            <a:r>
-              <a:rPr lang="fr-FR" sz="1600" i="1" dirty="0">
-                <a:latin typeface="Arial" panose="020B0604020202020204" pitchFamily="34" charset="0"/>
-                <a:ea typeface="宋体" panose="02010600030101010101" pitchFamily="2" charset="-122"/>
-                <a:cs typeface="Times New Roman" panose="02020603050405020304" pitchFamily="18" charset="0"/>
-              </a:rPr>
-              <a:t> </a:t>
-            </a:r>
-            <a:r>
-              <a:rPr lang="fr-FR" sz="1600" i="1" dirty="0" err="1">
-                <a:latin typeface="Arial" panose="020B0604020202020204" pitchFamily="34" charset="0"/>
-                <a:ea typeface="宋体" panose="02010600030101010101" pitchFamily="2" charset="-122"/>
-                <a:cs typeface="Times New Roman" panose="02020603050405020304" pitchFamily="18" charset="0"/>
-              </a:rPr>
-              <a:t>words</a:t>
-            </a:r>
-            <a:r>
-              <a:rPr lang="fr-FR" sz="1600" dirty="0">
-                <a:latin typeface="Arial" panose="020B0604020202020204" pitchFamily="34" charset="0"/>
-                <a:ea typeface="宋体" panose="02010600030101010101" pitchFamily="2" charset="-122"/>
-                <a:cs typeface="Times New Roman" panose="02020603050405020304" pitchFamily="18" charset="0"/>
-              </a:rPr>
-              <a:t> pour calculer les histogrammes). Un nombre de 25, 50, 100 n’a pas de différence conséquente.</a:t>
+              <a:t>objet ayant une couleur uniforme.</a:t>
             </a:r>
             <a:endParaRPr lang="en-US" sz="1600" dirty="0">
-              <a:latin typeface="Arial" panose="020B0604020202020204" pitchFamily="34" charset="0"/>
-              <a:ea typeface="宋体" panose="02010600030101010101" pitchFamily="2" charset="-122"/>
-              <a:cs typeface="Times New Roman" panose="02020603050405020304" pitchFamily="18" charset="0"/>
-            </a:endParaRPr>
-          </a:p>
-          <a:p>
-            <a:pPr marL="342900" lvl="0" indent="-342900" algn="just">
-              <a:spcAft>
-                <a:spcPts val="0"/>
-              </a:spcAft>
-              <a:buFont typeface="Wingdings" panose="05000000000000000000" pitchFamily="2" charset="2"/>
-              <a:buChar char=""/>
-            </a:pPr>
-            <a:r>
-              <a:rPr lang="fr-FR" sz="1600" dirty="0">
-                <a:latin typeface="Arial" panose="020B0604020202020204" pitchFamily="34" charset="0"/>
-                <a:ea typeface="宋体" panose="02010600030101010101" pitchFamily="2" charset="-122"/>
-                <a:cs typeface="Times New Roman" panose="02020603050405020304" pitchFamily="18" charset="0"/>
-              </a:rPr>
-              <a:t>les points caractéristiques se concentrent sur les textures et la forme de l’objet. Un objet ayant une couleur uniforme est plus difficile à extraire des points caractéristiques.</a:t>
-            </a:r>
-            <a:endParaRPr lang="en-US" sz="1600" dirty="0">
+              <a:solidFill>
+                <a:schemeClr val="bg2">
+                  <a:lumMod val="75000"/>
+                </a:schemeClr>
+              </a:solidFill>
               <a:effectLst/>
               <a:latin typeface="Arial" panose="020B0604020202020204" pitchFamily="34" charset="0"/>
               <a:ea typeface="宋体" panose="02010600030101010101" pitchFamily="2" charset="-122"/>
@@ -12359,7 +12691,7 @@
             <a:pPr lvl="0"/>
             <a:r>
               <a:rPr lang="fr-FR" sz="1400" dirty="0"/>
-              <a:t>Introduction de descripteurs</a:t>
+              <a:t>Introduction des descripteurs</a:t>
             </a:r>
           </a:p>
           <a:p>
@@ -12475,33 +12807,64 @@
           <a:bodyPr/>
           <a:lstStyle/>
           <a:p>
-            <a:r>
-              <a:rPr lang="fr-FR" dirty="0"/>
-              <a:t>Objectif : </a:t>
-            </a:r>
-          </a:p>
-          <a:p>
-            <a:pPr algn="just"/>
-            <a:r>
-              <a:rPr lang="fr-FR" dirty="0"/>
-              <a:t>Rechercher de manière automatique les objets similaires dans les images dont l’angle de visualisation et la condition luminaire changent. L’entrée et une image ayant un objet principal et la sortie souhaitée est des images des objets les plus similaires en termes de distance. </a:t>
-            </a:r>
-          </a:p>
-          <a:p>
-            <a:pPr algn="just"/>
-            <a:r>
-              <a:rPr lang="fr-FR" dirty="0"/>
-              <a:t>Les descripteurs utilisés : ORB, Brief </a:t>
-            </a:r>
-            <a:r>
-              <a:rPr lang="en-US" altLang="zh-CN" dirty="0"/>
-              <a:t>et </a:t>
-            </a:r>
-            <a:r>
-              <a:rPr lang="fr-FR" dirty="0"/>
-              <a:t>SIFT.</a:t>
-            </a:r>
-            <a:endParaRPr lang="en-US" dirty="0"/>
+            <a:pPr algn="just">
+              <a:lnSpc>
+                <a:spcPct val="150000"/>
+              </a:lnSpc>
+            </a:pPr>
+            <a:r>
+              <a:rPr lang="fr-FR" dirty="0">
+                <a:solidFill>
+                  <a:schemeClr val="bg2">
+                    <a:lumMod val="75000"/>
+                  </a:schemeClr>
+                </a:solidFill>
+                <a:latin typeface="Arial" panose="020B0604020202020204" pitchFamily="34" charset="0"/>
+                <a:ea typeface="宋体" panose="02010600030101010101" pitchFamily="2" charset="-122"/>
+                <a:cs typeface="Times New Roman" panose="02020603050405020304" pitchFamily="18" charset="0"/>
+              </a:rPr>
+              <a:t>- Rechercher de manière automatique les objets similaires dans les images dont l’angle de visualisation et la condition luminaire changent ;  </a:t>
+            </a:r>
+          </a:p>
+          <a:p>
+            <a:pPr algn="just">
+              <a:lnSpc>
+                <a:spcPct val="150000"/>
+              </a:lnSpc>
+            </a:pPr>
+            <a:r>
+              <a:rPr lang="fr-FR" dirty="0">
+                <a:solidFill>
+                  <a:schemeClr val="bg2">
+                    <a:lumMod val="75000"/>
+                  </a:schemeClr>
+                </a:solidFill>
+                <a:latin typeface="Arial" panose="020B0604020202020204" pitchFamily="34" charset="0"/>
+                <a:ea typeface="宋体" panose="02010600030101010101" pitchFamily="2" charset="-122"/>
+                <a:cs typeface="Times New Roman" panose="02020603050405020304" pitchFamily="18" charset="0"/>
+              </a:rPr>
+              <a:t>-  Entrée : une image ayant un objet principal ; </a:t>
+            </a:r>
+          </a:p>
+          <a:p>
+            <a:pPr algn="just">
+              <a:lnSpc>
+                <a:spcPct val="150000"/>
+              </a:lnSpc>
+            </a:pPr>
+            <a:r>
+              <a:rPr lang="fr-FR" dirty="0">
+                <a:solidFill>
+                  <a:schemeClr val="bg2">
+                    <a:lumMod val="75000"/>
+                  </a:schemeClr>
+                </a:solidFill>
+                <a:latin typeface="Arial" panose="020B0604020202020204" pitchFamily="34" charset="0"/>
+                <a:ea typeface="宋体" panose="02010600030101010101" pitchFamily="2" charset="-122"/>
+                <a:cs typeface="Times New Roman" panose="02020603050405020304" pitchFamily="18" charset="0"/>
+              </a:rPr>
+              <a:t>-  Sortie souhaitée : des images des objets similaires de la même classe.</a:t>
+            </a:r>
           </a:p>
           <a:p>
             <a:endParaRPr lang="en-US" dirty="0"/>
